--- a/Presentations/4. TipsAndTricks.pptx
+++ b/Presentations/4. TipsAndTricks.pptx
@@ -218,12 +218,655 @@
 </p:presentation>
 </file>
 
-<file path=ppt/revisionInfo.xml><?xml version="1.0" encoding="utf-8"?>
-<p1510:revInfo xmlns:a="http://schemas.openxmlformats.org/drawingml/2006/main" xmlns:r="http://schemas.openxmlformats.org/officeDocument/2006/relationships" xmlns:p1510="http://schemas.microsoft.com/office/powerpoint/2015/10/main"/>
-</file>
-
 <file path=ppt/changesInfos/changesInfo1.xml><?xml version="1.0" encoding="utf-8"?>
 <pc:chgInfo xmlns:a="http://schemas.openxmlformats.org/drawingml/2006/main" xmlns:r="http://schemas.openxmlformats.org/officeDocument/2006/relationships" xmlns:ac="http://schemas.microsoft.com/office/drawing/2013/main/command" xmlns:pc="http://schemas.microsoft.com/office/powerpoint/2013/main/command">
+  <pc:docChgLst>
+    <pc:chgData name="Kristofer Carta" userId="a949ead7c4bcd18f" providerId="LiveId" clId="{DC448491-B5B1-4C54-A7C5-1DD1B9C52ECE}"/>
+    <pc:docChg chg="undo custSel addSld modSld">
+      <pc:chgData name="Kristofer Carta" userId="a949ead7c4bcd18f" providerId="LiveId" clId="{DC448491-B5B1-4C54-A7C5-1DD1B9C52ECE}" dt="2017-08-21T20:28:02.885" v="1132" actId="20577"/>
+      <pc:docMkLst>
+        <pc:docMk/>
+      </pc:docMkLst>
+      <pc:sldChg chg="addSp delSp modSp add">
+        <pc:chgData name="Kristofer Carta" userId="a949ead7c4bcd18f" providerId="LiveId" clId="{DC448491-B5B1-4C54-A7C5-1DD1B9C52ECE}" dt="2017-08-21T20:22:07.315" v="611" actId="20577"/>
+        <pc:sldMkLst>
+          <pc:docMk/>
+          <pc:sldMk cId="258584565" sldId="272"/>
+        </pc:sldMkLst>
+        <pc:spChg chg="mod">
+          <ac:chgData name="Kristofer Carta" userId="a949ead7c4bcd18f" providerId="LiveId" clId="{DC448491-B5B1-4C54-A7C5-1DD1B9C52ECE}" dt="2017-08-21T20:17:44.736" v="36" actId="20577"/>
+          <ac:spMkLst>
+            <pc:docMk/>
+            <pc:sldMk cId="258584565" sldId="272"/>
+            <ac:spMk id="2" creationId="{26C127DD-EA79-4DA7-8B10-7DEE97CE2EAE}"/>
+          </ac:spMkLst>
+        </pc:spChg>
+        <pc:spChg chg="mod">
+          <ac:chgData name="Kristofer Carta" userId="a949ead7c4bcd18f" providerId="LiveId" clId="{DC448491-B5B1-4C54-A7C5-1DD1B9C52ECE}" dt="2017-08-21T20:22:07.315" v="611" actId="20577"/>
+          <ac:spMkLst>
+            <pc:docMk/>
+            <pc:sldMk cId="258584565" sldId="272"/>
+            <ac:spMk id="3" creationId="{D1B1226A-9863-424B-B2FF-DB7AD831C5A3}"/>
+          </ac:spMkLst>
+        </pc:spChg>
+        <pc:spChg chg="add del">
+          <ac:chgData name="Kristofer Carta" userId="a949ead7c4bcd18f" providerId="LiveId" clId="{DC448491-B5B1-4C54-A7C5-1DD1B9C52ECE}" dt="2017-08-21T20:17:48.523" v="38" actId="20577"/>
+          <ac:spMkLst>
+            <pc:docMk/>
+            <pc:sldMk cId="258584565" sldId="272"/>
+            <ac:spMk id="4" creationId="{49A086BC-9F08-4B1D-8D9A-0FDABF38D2CB}"/>
+          </ac:spMkLst>
+        </pc:spChg>
+      </pc:sldChg>
+      <pc:sldChg chg="modSp add">
+        <pc:chgData name="Kristofer Carta" userId="a949ead7c4bcd18f" providerId="LiveId" clId="{DC448491-B5B1-4C54-A7C5-1DD1B9C52ECE}" dt="2017-08-21T20:28:02.885" v="1132" actId="20577"/>
+        <pc:sldMkLst>
+          <pc:docMk/>
+          <pc:sldMk cId="2889338845" sldId="273"/>
+        </pc:sldMkLst>
+        <pc:spChg chg="mod">
+          <ac:chgData name="Kristofer Carta" userId="a949ead7c4bcd18f" providerId="LiveId" clId="{DC448491-B5B1-4C54-A7C5-1DD1B9C52ECE}" dt="2017-08-21T20:17:56.289" v="48" actId="20577"/>
+          <ac:spMkLst>
+            <pc:docMk/>
+            <pc:sldMk cId="2889338845" sldId="273"/>
+            <ac:spMk id="2" creationId="{26C127DD-EA79-4DA7-8B10-7DEE97CE2EAE}"/>
+          </ac:spMkLst>
+        </pc:spChg>
+        <pc:spChg chg="mod">
+          <ac:chgData name="Kristofer Carta" userId="a949ead7c4bcd18f" providerId="LiveId" clId="{DC448491-B5B1-4C54-A7C5-1DD1B9C52ECE}" dt="2017-08-21T20:28:02.885" v="1132" actId="20577"/>
+          <ac:spMkLst>
+            <pc:docMk/>
+            <pc:sldMk cId="2889338845" sldId="273"/>
+            <ac:spMk id="3" creationId="{D1B1226A-9863-424B-B2FF-DB7AD831C5A3}"/>
+          </ac:spMkLst>
+        </pc:spChg>
+      </pc:sldChg>
+    </pc:docChg>
+  </pc:docChgLst>
+  <pc:docChgLst>
+    <pc:chgData name="Kristofer Carta" userId="a949ead7c4bcd18f" providerId="LiveId" clId="{EE21B5BA-F702-4589-8258-402869B4781F}"/>
+    <pc:docChg chg="undo redo custSel addSld modSld sldOrd delSection">
+      <pc:chgData name="Kristofer Carta" userId="a949ead7c4bcd18f" providerId="LiveId" clId="{EE21B5BA-F702-4589-8258-402869B4781F}" dt="2017-08-22T10:23:23.672" v="1449" actId="1038"/>
+      <pc:docMkLst>
+        <pc:docMk/>
+      </pc:docMkLst>
+      <pc:sldChg chg="modSp">
+        <pc:chgData name="Kristofer Carta" userId="a949ead7c4bcd18f" providerId="LiveId" clId="{EE21B5BA-F702-4589-8258-402869B4781F}" dt="2017-08-22T10:23:23.672" v="1449" actId="1038"/>
+        <pc:sldMkLst>
+          <pc:docMk/>
+          <pc:sldMk cId="974364153" sldId="256"/>
+        </pc:sldMkLst>
+        <pc:spChg chg="mod">
+          <ac:chgData name="Kristofer Carta" userId="a949ead7c4bcd18f" providerId="LiveId" clId="{EE21B5BA-F702-4589-8258-402869B4781F}" dt="2017-08-22T10:23:23.672" v="1449" actId="1038"/>
+          <ac:spMkLst>
+            <pc:docMk/>
+            <pc:sldMk cId="974364153" sldId="256"/>
+            <ac:spMk id="3" creationId="{BB7D2EFF-91D1-4FCE-84B8-A7286782BC3D}"/>
+          </ac:spMkLst>
+        </pc:spChg>
+      </pc:sldChg>
+      <pc:sldChg chg="addSp delSp modSp delDesignElem">
+        <pc:chgData name="Kristofer Carta" userId="a949ead7c4bcd18f" providerId="LiveId" clId="{EE21B5BA-F702-4589-8258-402869B4781F}" dt="2017-08-21T21:02:38.352" v="371" actId="20577"/>
+        <pc:sldMkLst>
+          <pc:docMk/>
+          <pc:sldMk cId="3212783590" sldId="258"/>
+        </pc:sldMkLst>
+        <pc:spChg chg="mod">
+          <ac:chgData name="Kristofer Carta" userId="a949ead7c4bcd18f" providerId="LiveId" clId="{EE21B5BA-F702-4589-8258-402869B4781F}" dt="2017-08-21T21:02:38.352" v="371" actId="20577"/>
+          <ac:spMkLst>
+            <pc:docMk/>
+            <pc:sldMk cId="3212783590" sldId="258"/>
+            <ac:spMk id="3" creationId="{05F9B296-6FED-46D7-B938-C6029FE5AE22}"/>
+          </ac:spMkLst>
+        </pc:spChg>
+        <pc:spChg chg="add del">
+          <ac:chgData name="Kristofer Carta" userId="a949ead7c4bcd18f" providerId="LiveId" clId="{EE21B5BA-F702-4589-8258-402869B4781F}" dt="2017-08-21T20:57:24.235" v="162" actId="20577"/>
+          <ac:spMkLst>
+            <pc:docMk/>
+            <pc:sldMk cId="3212783590" sldId="258"/>
+            <ac:spMk id="12" creationId="{00000000-0000-0000-0000-000000000000}"/>
+          </ac:spMkLst>
+        </pc:spChg>
+      </pc:sldChg>
+      <pc:sldChg chg="addSp delSp ord delDesignElem">
+        <pc:chgData name="Kristofer Carta" userId="a949ead7c4bcd18f" providerId="LiveId" clId="{EE21B5BA-F702-4589-8258-402869B4781F}" dt="2017-08-21T21:03:15.676" v="380" actId="113"/>
+        <pc:sldMkLst>
+          <pc:docMk/>
+          <pc:sldMk cId="1871955869" sldId="259"/>
+        </pc:sldMkLst>
+        <pc:spChg chg="add del">
+          <ac:chgData name="Kristofer Carta" userId="a949ead7c4bcd18f" providerId="LiveId" clId="{EE21B5BA-F702-4589-8258-402869B4781F}" dt="2017-08-21T20:57:24.235" v="162" actId="113"/>
+          <ac:spMkLst>
+            <pc:docMk/>
+            <pc:sldMk cId="1871955869" sldId="259"/>
+            <ac:spMk id="85" creationId="{00000000-0000-0000-0000-000000000000}"/>
+          </ac:spMkLst>
+        </pc:spChg>
+        <pc:spChg chg="add del">
+          <ac:chgData name="Kristofer Carta" userId="a949ead7c4bcd18f" providerId="LiveId" clId="{EE21B5BA-F702-4589-8258-402869B4781F}" dt="2017-08-21T20:57:24.235" v="162" actId="113"/>
+          <ac:spMkLst>
+            <pc:docMk/>
+            <pc:sldMk cId="1871955869" sldId="259"/>
+            <ac:spMk id="1043" creationId="{00000000-0000-0000-0000-000000000000}"/>
+          </ac:spMkLst>
+        </pc:spChg>
+        <pc:cxnChg chg="add del">
+          <ac:chgData name="Kristofer Carta" userId="a949ead7c4bcd18f" providerId="LiveId" clId="{EE21B5BA-F702-4589-8258-402869B4781F}" dt="2017-08-21T20:57:24.235" v="162" actId="113"/>
+          <ac:cxnSpMkLst>
+            <pc:docMk/>
+            <pc:sldMk cId="1871955869" sldId="259"/>
+            <ac:cxnSpMk id="87" creationId="{00000000-0000-0000-0000-000000000000}"/>
+          </ac:cxnSpMkLst>
+        </pc:cxnChg>
+      </pc:sldChg>
+      <pc:sldChg chg="addSp delSp modSp delDesignElem">
+        <pc:chgData name="Kristofer Carta" userId="a949ead7c4bcd18f" providerId="LiveId" clId="{EE21B5BA-F702-4589-8258-402869B4781F}" dt="2017-08-21T21:14:10.899" v="493" actId="20577"/>
+        <pc:sldMkLst>
+          <pc:docMk/>
+          <pc:sldMk cId="3956988050" sldId="260"/>
+        </pc:sldMkLst>
+        <pc:spChg chg="mod">
+          <ac:chgData name="Kristofer Carta" userId="a949ead7c4bcd18f" providerId="LiveId" clId="{EE21B5BA-F702-4589-8258-402869B4781F}" dt="2017-08-21T21:14:10.899" v="493" actId="20577"/>
+          <ac:spMkLst>
+            <pc:docMk/>
+            <pc:sldMk cId="3956988050" sldId="260"/>
+            <ac:spMk id="3" creationId="{FFC353AD-FA04-47E2-BB20-54AD62996ABA}"/>
+          </ac:spMkLst>
+        </pc:spChg>
+        <pc:spChg chg="add del">
+          <ac:chgData name="Kristofer Carta" userId="a949ead7c4bcd18f" providerId="LiveId" clId="{EE21B5BA-F702-4589-8258-402869B4781F}" dt="2017-08-21T20:57:24.235" v="162" actId="113"/>
+          <ac:spMkLst>
+            <pc:docMk/>
+            <pc:sldMk cId="3956988050" sldId="260"/>
+            <ac:spMk id="27" creationId="{00000000-0000-0000-0000-000000000000}"/>
+          </ac:spMkLst>
+        </pc:spChg>
+        <pc:spChg chg="add del">
+          <ac:chgData name="Kristofer Carta" userId="a949ead7c4bcd18f" providerId="LiveId" clId="{EE21B5BA-F702-4589-8258-402869B4781F}" dt="2017-08-21T20:57:24.235" v="162" actId="113"/>
+          <ac:spMkLst>
+            <pc:docMk/>
+            <pc:sldMk cId="3956988050" sldId="260"/>
+            <ac:spMk id="28" creationId="{00000000-0000-0000-0000-000000000000}"/>
+          </ac:spMkLst>
+        </pc:spChg>
+      </pc:sldChg>
+      <pc:sldChg chg="addSp delSp modSp delDesignElem">
+        <pc:chgData name="Kristofer Carta" userId="a949ead7c4bcd18f" providerId="LiveId" clId="{EE21B5BA-F702-4589-8258-402869B4781F}" dt="2017-08-21T20:57:24.235" v="162" actId="113"/>
+        <pc:sldMkLst>
+          <pc:docMk/>
+          <pc:sldMk cId="1483780471" sldId="261"/>
+        </pc:sldMkLst>
+        <pc:spChg chg="mod">
+          <ac:chgData name="Kristofer Carta" userId="a949ead7c4bcd18f" providerId="LiveId" clId="{EE21B5BA-F702-4589-8258-402869B4781F}" dt="2017-08-21T20:54:21.327" v="118" actId="20577"/>
+          <ac:spMkLst>
+            <pc:docMk/>
+            <pc:sldMk cId="1483780471" sldId="261"/>
+            <ac:spMk id="3" creationId="{B6466418-089E-4177-8FBC-1155E9BB8870}"/>
+          </ac:spMkLst>
+        </pc:spChg>
+        <pc:spChg chg="add del">
+          <ac:chgData name="Kristofer Carta" userId="a949ead7c4bcd18f" providerId="LiveId" clId="{EE21B5BA-F702-4589-8258-402869B4781F}" dt="2017-08-21T20:57:24.235" v="162" actId="113"/>
+          <ac:spMkLst>
+            <pc:docMk/>
+            <pc:sldMk cId="1483780471" sldId="261"/>
+            <ac:spMk id="71" creationId="{00000000-0000-0000-0000-000000000000}"/>
+          </ac:spMkLst>
+        </pc:spChg>
+      </pc:sldChg>
+      <pc:sldChg chg="addSp delSp modSp mod setBg setClrOvrMap">
+        <pc:chgData name="Kristofer Carta" userId="a949ead7c4bcd18f" providerId="LiveId" clId="{EE21B5BA-F702-4589-8258-402869B4781F}" dt="2017-08-21T20:59:44.640" v="251" actId="113"/>
+        <pc:sldMkLst>
+          <pc:docMk/>
+          <pc:sldMk cId="2700095255" sldId="265"/>
+        </pc:sldMkLst>
+        <pc:spChg chg="mod">
+          <ac:chgData name="Kristofer Carta" userId="a949ead7c4bcd18f" providerId="LiveId" clId="{EE21B5BA-F702-4589-8258-402869B4781F}" dt="2017-08-21T20:57:16.726" v="154" actId="1076"/>
+          <ac:spMkLst>
+            <pc:docMk/>
+            <pc:sldMk cId="2700095255" sldId="265"/>
+            <ac:spMk id="2" creationId="{B25C8939-68B1-4966-B6F0-0CB9790784DD}"/>
+          </ac:spMkLst>
+        </pc:spChg>
+        <pc:spChg chg="add del mod">
+          <ac:chgData name="Kristofer Carta" userId="a949ead7c4bcd18f" providerId="LiveId" clId="{EE21B5BA-F702-4589-8258-402869B4781F}" dt="2017-08-21T20:59:44.640" v="251" actId="113"/>
+          <ac:spMkLst>
+            <pc:docMk/>
+            <pc:sldMk cId="2700095255" sldId="265"/>
+            <ac:spMk id="3" creationId="{9DB25D54-DF59-4420-A50E-BCB89C484DB5}"/>
+          </ac:spMkLst>
+        </pc:spChg>
+        <pc:spChg chg="add del">
+          <ac:chgData name="Kristofer Carta" userId="a949ead7c4bcd18f" providerId="LiveId" clId="{EE21B5BA-F702-4589-8258-402869B4781F}" dt="2017-08-21T20:57:03.379" v="146" actId="26606"/>
+          <ac:spMkLst>
+            <pc:docMk/>
+            <pc:sldMk cId="2700095255" sldId="265"/>
+            <ac:spMk id="6" creationId="{00000000-0000-0000-0000-000000000000}"/>
+          </ac:spMkLst>
+        </pc:spChg>
+        <pc:spChg chg="add del">
+          <ac:chgData name="Kristofer Carta" userId="a949ead7c4bcd18f" providerId="LiveId" clId="{EE21B5BA-F702-4589-8258-402869B4781F}" dt="2017-08-21T20:57:07.026" v="148" actId="26606"/>
+          <ac:spMkLst>
+            <pc:docMk/>
+            <pc:sldMk cId="2700095255" sldId="265"/>
+            <ac:spMk id="9" creationId="{00000000-0000-0000-0000-000000000000}"/>
+          </ac:spMkLst>
+        </pc:spChg>
+        <pc:spChg chg="add del">
+          <ac:chgData name="Kristofer Carta" userId="a949ead7c4bcd18f" providerId="LiveId" clId="{EE21B5BA-F702-4589-8258-402869B4781F}" dt="2017-08-21T20:56:05.823" v="133" actId="26606"/>
+          <ac:spMkLst>
+            <pc:docMk/>
+            <pc:sldMk cId="2700095255" sldId="265"/>
+            <ac:spMk id="10" creationId="{00000000-0000-0000-0000-000000000000}"/>
+          </ac:spMkLst>
+        </pc:spChg>
+        <pc:spChg chg="add del">
+          <ac:chgData name="Kristofer Carta" userId="a949ead7c4bcd18f" providerId="LiveId" clId="{EE21B5BA-F702-4589-8258-402869B4781F}" dt="2017-08-21T20:56:09.995" v="135" actId="26606"/>
+          <ac:spMkLst>
+            <pc:docMk/>
+            <pc:sldMk cId="2700095255" sldId="265"/>
+            <ac:spMk id="12" creationId="{00000000-0000-0000-0000-000000000000}"/>
+          </ac:spMkLst>
+        </pc:spChg>
+        <pc:spChg chg="add del">
+          <ac:chgData name="Kristofer Carta" userId="a949ead7c4bcd18f" providerId="LiveId" clId="{EE21B5BA-F702-4589-8258-402869B4781F}" dt="2017-08-21T20:56:09.995" v="135" actId="26606"/>
+          <ac:spMkLst>
+            <pc:docMk/>
+            <pc:sldMk cId="2700095255" sldId="265"/>
+            <ac:spMk id="13" creationId="{00000000-0000-0000-0000-000000000000}"/>
+          </ac:spMkLst>
+        </pc:spChg>
+        <pc:spChg chg="add del">
+          <ac:chgData name="Kristofer Carta" userId="a949ead7c4bcd18f" providerId="LiveId" clId="{EE21B5BA-F702-4589-8258-402869B4781F}" dt="2017-08-21T20:56:12.869" v="139" actId="26606"/>
+          <ac:spMkLst>
+            <pc:docMk/>
+            <pc:sldMk cId="2700095255" sldId="265"/>
+            <ac:spMk id="18" creationId="{00000000-0000-0000-0000-000000000000}"/>
+          </ac:spMkLst>
+        </pc:spChg>
+        <pc:spChg chg="add del">
+          <ac:chgData name="Kristofer Carta" userId="a949ead7c4bcd18f" providerId="LiveId" clId="{EE21B5BA-F702-4589-8258-402869B4781F}" dt="2017-08-21T20:56:12.869" v="139" actId="26606"/>
+          <ac:spMkLst>
+            <pc:docMk/>
+            <pc:sldMk cId="2700095255" sldId="265"/>
+            <ac:spMk id="19" creationId="{00000000-0000-0000-0000-000000000000}"/>
+          </ac:spMkLst>
+        </pc:spChg>
+        <pc:spChg chg="add del">
+          <ac:chgData name="Kristofer Carta" userId="a949ead7c4bcd18f" providerId="LiveId" clId="{EE21B5BA-F702-4589-8258-402869B4781F}" dt="2017-08-21T20:56:12.869" v="139" actId="26606"/>
+          <ac:spMkLst>
+            <pc:docMk/>
+            <pc:sldMk cId="2700095255" sldId="265"/>
+            <ac:spMk id="20" creationId="{00000000-0000-0000-0000-000000000000}"/>
+          </ac:spMkLst>
+        </pc:spChg>
+        <pc:graphicFrameChg chg="add del">
+          <ac:chgData name="Kristofer Carta" userId="a949ead7c4bcd18f" providerId="LiveId" clId="{EE21B5BA-F702-4589-8258-402869B4781F}" dt="2017-08-21T20:56:05.823" v="133" actId="26606"/>
+          <ac:graphicFrameMkLst>
+            <pc:docMk/>
+            <pc:sldMk cId="2700095255" sldId="265"/>
+            <ac:graphicFrameMk id="5" creationId="{00000000-0000-0000-0000-000000000000}"/>
+          </ac:graphicFrameMkLst>
+        </pc:graphicFrameChg>
+        <pc:graphicFrameChg chg="add del">
+          <ac:chgData name="Kristofer Carta" userId="a949ead7c4bcd18f" providerId="LiveId" clId="{EE21B5BA-F702-4589-8258-402869B4781F}" dt="2017-08-21T20:57:03.379" v="146" actId="26606"/>
+          <ac:graphicFrameMkLst>
+            <pc:docMk/>
+            <pc:sldMk cId="2700095255" sldId="265"/>
+            <ac:graphicFrameMk id="7" creationId="{00000000-0000-0000-0000-000000000000}"/>
+          </ac:graphicFrameMkLst>
+        </pc:graphicFrameChg>
+        <pc:graphicFrameChg chg="add del">
+          <ac:chgData name="Kristofer Carta" userId="a949ead7c4bcd18f" providerId="LiveId" clId="{EE21B5BA-F702-4589-8258-402869B4781F}" dt="2017-08-21T20:56:09.995" v="135" actId="26606"/>
+          <ac:graphicFrameMkLst>
+            <pc:docMk/>
+            <pc:sldMk cId="2700095255" sldId="265"/>
+            <ac:graphicFrameMk id="14" creationId="{00000000-0000-0000-0000-000000000000}"/>
+          </ac:graphicFrameMkLst>
+        </pc:graphicFrameChg>
+        <pc:graphicFrameChg chg="add del">
+          <ac:chgData name="Kristofer Carta" userId="a949ead7c4bcd18f" providerId="LiveId" clId="{EE21B5BA-F702-4589-8258-402869B4781F}" dt="2017-08-21T20:57:07.026" v="148" actId="26606"/>
+          <ac:graphicFrameMkLst>
+            <pc:docMk/>
+            <pc:sldMk cId="2700095255" sldId="265"/>
+            <ac:graphicFrameMk id="15" creationId="{00000000-0000-0000-0000-000000000000}"/>
+          </ac:graphicFrameMkLst>
+        </pc:graphicFrameChg>
+        <pc:graphicFrameChg chg="add del">
+          <ac:chgData name="Kristofer Carta" userId="a949ead7c4bcd18f" providerId="LiveId" clId="{EE21B5BA-F702-4589-8258-402869B4781F}" dt="2017-08-21T20:56:11.920" v="137" actId="26606"/>
+          <ac:graphicFrameMkLst>
+            <pc:docMk/>
+            <pc:sldMk cId="2700095255" sldId="265"/>
+            <ac:graphicFrameMk id="16" creationId="{00000000-0000-0000-0000-000000000000}"/>
+          </ac:graphicFrameMkLst>
+        </pc:graphicFrameChg>
+        <pc:graphicFrameChg chg="add del">
+          <ac:chgData name="Kristofer Carta" userId="a949ead7c4bcd18f" providerId="LiveId" clId="{EE21B5BA-F702-4589-8258-402869B4781F}" dt="2017-08-21T20:57:09.354" v="150" actId="26606"/>
+          <ac:graphicFrameMkLst>
+            <pc:docMk/>
+            <pc:sldMk cId="2700095255" sldId="265"/>
+            <ac:graphicFrameMk id="17" creationId="{00000000-0000-0000-0000-000000000000}"/>
+          </ac:graphicFrameMkLst>
+        </pc:graphicFrameChg>
+        <pc:graphicFrameChg chg="add del">
+          <ac:chgData name="Kristofer Carta" userId="a949ead7c4bcd18f" providerId="LiveId" clId="{EE21B5BA-F702-4589-8258-402869B4781F}" dt="2017-08-21T20:56:12.869" v="139" actId="26606"/>
+          <ac:graphicFrameMkLst>
+            <pc:docMk/>
+            <pc:sldMk cId="2700095255" sldId="265"/>
+            <ac:graphicFrameMk id="21" creationId="{00000000-0000-0000-0000-000000000000}"/>
+          </ac:graphicFrameMkLst>
+        </pc:graphicFrameChg>
+        <pc:cxnChg chg="add del">
+          <ac:chgData name="Kristofer Carta" userId="a949ead7c4bcd18f" providerId="LiveId" clId="{EE21B5BA-F702-4589-8258-402869B4781F}" dt="2017-08-21T20:57:07.026" v="148" actId="26606"/>
+          <ac:cxnSpMkLst>
+            <pc:docMk/>
+            <pc:sldMk cId="2700095255" sldId="265"/>
+            <ac:cxnSpMk id="11" creationId="{00000000-0000-0000-0000-000000000000}"/>
+          </ac:cxnSpMkLst>
+        </pc:cxnChg>
+      </pc:sldChg>
+      <pc:sldChg chg="addSp delSp modSp ord">
+        <pc:chgData name="Kristofer Carta" userId="a949ead7c4bcd18f" providerId="LiveId" clId="{EE21B5BA-F702-4589-8258-402869B4781F}" dt="2017-08-21T20:59:53.977" v="259" actId="20577"/>
+        <pc:sldMkLst>
+          <pc:docMk/>
+          <pc:sldMk cId="2413704392" sldId="266"/>
+        </pc:sldMkLst>
+        <pc:spChg chg="mod">
+          <ac:chgData name="Kristofer Carta" userId="a949ead7c4bcd18f" providerId="LiveId" clId="{EE21B5BA-F702-4589-8258-402869B4781F}" dt="2017-08-21T20:58:04.416" v="203" actId="26606"/>
+          <ac:spMkLst>
+            <pc:docMk/>
+            <pc:sldMk cId="2413704392" sldId="266"/>
+            <ac:spMk id="2" creationId="{F988F3E1-779C-4B9E-97FD-01A1B9A3A1CD}"/>
+          </ac:spMkLst>
+        </pc:spChg>
+        <pc:spChg chg="mod">
+          <ac:chgData name="Kristofer Carta" userId="a949ead7c4bcd18f" providerId="LiveId" clId="{EE21B5BA-F702-4589-8258-402869B4781F}" dt="2017-08-21T20:59:53.977" v="259" actId="20577"/>
+          <ac:spMkLst>
+            <pc:docMk/>
+            <pc:sldMk cId="2413704392" sldId="266"/>
+            <ac:spMk id="3" creationId="{67A1AF6A-2F04-4A37-B5E2-0DB309813C9A}"/>
+          </ac:spMkLst>
+        </pc:spChg>
+        <pc:spChg chg="add del">
+          <ac:chgData name="Kristofer Carta" userId="a949ead7c4bcd18f" providerId="LiveId" clId="{EE21B5BA-F702-4589-8258-402869B4781F}" dt="2017-08-21T20:58:04.416" v="203" actId="26606"/>
+          <ac:spMkLst>
+            <pc:docMk/>
+            <pc:sldMk cId="2413704392" sldId="266"/>
+            <ac:spMk id="8" creationId="{00000000-0000-0000-0000-000000000000}"/>
+          </ac:spMkLst>
+        </pc:spChg>
+      </pc:sldChg>
+      <pc:sldChg chg="addSp delSp delDesignElem">
+        <pc:chgData name="Kristofer Carta" userId="a949ead7c4bcd18f" providerId="LiveId" clId="{EE21B5BA-F702-4589-8258-402869B4781F}" dt="2017-08-21T20:57:24.235" v="162" actId="113"/>
+        <pc:sldMkLst>
+          <pc:docMk/>
+          <pc:sldMk cId="2886054059" sldId="268"/>
+        </pc:sldMkLst>
+        <pc:spChg chg="add del">
+          <ac:chgData name="Kristofer Carta" userId="a949ead7c4bcd18f" providerId="LiveId" clId="{EE21B5BA-F702-4589-8258-402869B4781F}" dt="2017-08-21T20:57:24.235" v="162" actId="113"/>
+          <ac:spMkLst>
+            <pc:docMk/>
+            <pc:sldMk cId="2886054059" sldId="268"/>
+            <ac:spMk id="8" creationId="{00000000-0000-0000-0000-000000000000}"/>
+          </ac:spMkLst>
+        </pc:spChg>
+      </pc:sldChg>
+      <pc:sldChg chg="addSp delSp delDesignElem">
+        <pc:chgData name="Kristofer Carta" userId="a949ead7c4bcd18f" providerId="LiveId" clId="{EE21B5BA-F702-4589-8258-402869B4781F}" dt="2017-08-21T20:57:24.235" v="162" actId="113"/>
+        <pc:sldMkLst>
+          <pc:docMk/>
+          <pc:sldMk cId="1087171556" sldId="269"/>
+        </pc:sldMkLst>
+        <pc:spChg chg="add del">
+          <ac:chgData name="Kristofer Carta" userId="a949ead7c4bcd18f" providerId="LiveId" clId="{EE21B5BA-F702-4589-8258-402869B4781F}" dt="2017-08-21T20:57:24.235" v="162" actId="113"/>
+          <ac:spMkLst>
+            <pc:docMk/>
+            <pc:sldMk cId="1087171556" sldId="269"/>
+            <ac:spMk id="8" creationId="{00000000-0000-0000-0000-000000000000}"/>
+          </ac:spMkLst>
+        </pc:spChg>
+      </pc:sldChg>
+      <pc:sldChg chg="addSp delSp modSp mod setBg setClrOvrMap">
+        <pc:chgData name="Kristofer Carta" userId="a949ead7c4bcd18f" providerId="LiveId" clId="{EE21B5BA-F702-4589-8258-402869B4781F}" dt="2017-08-21T21:04:47.605" v="394" actId="20577"/>
+        <pc:sldMkLst>
+          <pc:docMk/>
+          <pc:sldMk cId="2783061044" sldId="271"/>
+        </pc:sldMkLst>
+        <pc:spChg chg="mod">
+          <ac:chgData name="Kristofer Carta" userId="a949ead7c4bcd18f" providerId="LiveId" clId="{EE21B5BA-F702-4589-8258-402869B4781F}" dt="2017-08-21T21:03:41.934" v="384" actId="26606"/>
+          <ac:spMkLst>
+            <pc:docMk/>
+            <pc:sldMk cId="2783061044" sldId="271"/>
+            <ac:spMk id="2" creationId="{682FA6FE-49AC-4D37-B270-E527DFCE236A}"/>
+          </ac:spMkLst>
+        </pc:spChg>
+        <pc:spChg chg="mod">
+          <ac:chgData name="Kristofer Carta" userId="a949ead7c4bcd18f" providerId="LiveId" clId="{EE21B5BA-F702-4589-8258-402869B4781F}" dt="2017-08-21T21:04:47.605" v="394" actId="20577"/>
+          <ac:spMkLst>
+            <pc:docMk/>
+            <pc:sldMk cId="2783061044" sldId="271"/>
+            <ac:spMk id="3" creationId="{CB5CF5F7-55FD-40B2-8557-A3B9DF5E60B1}"/>
+          </ac:spMkLst>
+        </pc:spChg>
+        <pc:spChg chg="add del">
+          <ac:chgData name="Kristofer Carta" userId="a949ead7c4bcd18f" providerId="LiveId" clId="{EE21B5BA-F702-4589-8258-402869B4781F}" dt="2017-08-21T21:03:41.929" v="383" actId="26606"/>
+          <ac:spMkLst>
+            <pc:docMk/>
+            <pc:sldMk cId="2783061044" sldId="271"/>
+            <ac:spMk id="8" creationId="{00000000-0000-0000-0000-000000000000}"/>
+          </ac:spMkLst>
+        </pc:spChg>
+        <pc:spChg chg="add">
+          <ac:chgData name="Kristofer Carta" userId="a949ead7c4bcd18f" providerId="LiveId" clId="{EE21B5BA-F702-4589-8258-402869B4781F}" dt="2017-08-21T21:03:41.934" v="384" actId="26606"/>
+          <ac:spMkLst>
+            <pc:docMk/>
+            <pc:sldMk cId="2783061044" sldId="271"/>
+            <ac:spMk id="12" creationId="{00000000-0000-0000-0000-000000000000}"/>
+          </ac:spMkLst>
+        </pc:spChg>
+        <pc:spChg chg="add">
+          <ac:chgData name="Kristofer Carta" userId="a949ead7c4bcd18f" providerId="LiveId" clId="{EE21B5BA-F702-4589-8258-402869B4781F}" dt="2017-08-21T21:03:41.934" v="384" actId="26606"/>
+          <ac:spMkLst>
+            <pc:docMk/>
+            <pc:sldMk cId="2783061044" sldId="271"/>
+            <ac:spMk id="13" creationId="{00000000-0000-0000-0000-000000000000}"/>
+          </ac:spMkLst>
+        </pc:spChg>
+        <pc:spChg chg="add">
+          <ac:chgData name="Kristofer Carta" userId="a949ead7c4bcd18f" providerId="LiveId" clId="{EE21B5BA-F702-4589-8258-402869B4781F}" dt="2017-08-21T21:03:41.934" v="384" actId="26606"/>
+          <ac:spMkLst>
+            <pc:docMk/>
+            <pc:sldMk cId="2783061044" sldId="271"/>
+            <ac:spMk id="14" creationId="{00000000-0000-0000-0000-000000000000}"/>
+          </ac:spMkLst>
+        </pc:spChg>
+        <pc:cxnChg chg="add del">
+          <ac:chgData name="Kristofer Carta" userId="a949ead7c4bcd18f" providerId="LiveId" clId="{EE21B5BA-F702-4589-8258-402869B4781F}" dt="2017-08-21T21:03:41.929" v="383" actId="26606"/>
+          <ac:cxnSpMkLst>
+            <pc:docMk/>
+            <pc:sldMk cId="2783061044" sldId="271"/>
+            <ac:cxnSpMk id="10" creationId="{00000000-0000-0000-0000-000000000000}"/>
+          </ac:cxnSpMkLst>
+        </pc:cxnChg>
+      </pc:sldChg>
+      <pc:sldChg chg="modSp">
+        <pc:chgData name="Kristofer Carta" userId="a949ead7c4bcd18f" providerId="LiveId" clId="{EE21B5BA-F702-4589-8258-402869B4781F}" dt="2017-08-21T21:06:10.031" v="451" actId="113"/>
+        <pc:sldMkLst>
+          <pc:docMk/>
+          <pc:sldMk cId="258584565" sldId="272"/>
+        </pc:sldMkLst>
+        <pc:spChg chg="mod">
+          <ac:chgData name="Kristofer Carta" userId="a949ead7c4bcd18f" providerId="LiveId" clId="{EE21B5BA-F702-4589-8258-402869B4781F}" dt="2017-08-21T21:06:10.031" v="451" actId="113"/>
+          <ac:spMkLst>
+            <pc:docMk/>
+            <pc:sldMk cId="258584565" sldId="272"/>
+            <ac:spMk id="3" creationId="{D1B1226A-9863-424B-B2FF-DB7AD831C5A3}"/>
+          </ac:spMkLst>
+        </pc:spChg>
+      </pc:sldChg>
+      <pc:sldChg chg="addSp modSp add mod setBg setClrOvrMap">
+        <pc:chgData name="Kristofer Carta" userId="a949ead7c4bcd18f" providerId="LiveId" clId="{EE21B5BA-F702-4589-8258-402869B4781F}" dt="2017-08-21T21:23:13.376" v="739" actId="1076"/>
+        <pc:sldMkLst>
+          <pc:docMk/>
+          <pc:sldMk cId="371282952" sldId="274"/>
+        </pc:sldMkLst>
+        <pc:spChg chg="mod">
+          <ac:chgData name="Kristofer Carta" userId="a949ead7c4bcd18f" providerId="LiveId" clId="{EE21B5BA-F702-4589-8258-402869B4781F}" dt="2017-08-21T21:22:25.797" v="687" actId="26606"/>
+          <ac:spMkLst>
+            <pc:docMk/>
+            <pc:sldMk cId="371282952" sldId="274"/>
+            <ac:spMk id="2" creationId="{BBC4660B-A003-40EA-91DF-E29FCA70ED31}"/>
+          </ac:spMkLst>
+        </pc:spChg>
+        <pc:spChg chg="mod">
+          <ac:chgData name="Kristofer Carta" userId="a949ead7c4bcd18f" providerId="LiveId" clId="{EE21B5BA-F702-4589-8258-402869B4781F}" dt="2017-08-21T21:23:13.376" v="739" actId="1076"/>
+          <ac:spMkLst>
+            <pc:docMk/>
+            <pc:sldMk cId="371282952" sldId="274"/>
+            <ac:spMk id="3" creationId="{CFC9B3E3-1F8E-457A-8A5F-8C16303A7DF9}"/>
+          </ac:spMkLst>
+        </pc:spChg>
+        <pc:spChg chg="add">
+          <ac:chgData name="Kristofer Carta" userId="a949ead7c4bcd18f" providerId="LiveId" clId="{EE21B5BA-F702-4589-8258-402869B4781F}" dt="2017-08-21T21:22:25.797" v="687" actId="26606"/>
+          <ac:spMkLst>
+            <pc:docMk/>
+            <pc:sldMk cId="371282952" sldId="274"/>
+            <ac:spMk id="8" creationId="{00000000-0000-0000-0000-000000000000}"/>
+          </ac:spMkLst>
+        </pc:spChg>
+        <pc:spChg chg="add">
+          <ac:chgData name="Kristofer Carta" userId="a949ead7c4bcd18f" providerId="LiveId" clId="{EE21B5BA-F702-4589-8258-402869B4781F}" dt="2017-08-21T21:22:25.797" v="687" actId="26606"/>
+          <ac:spMkLst>
+            <pc:docMk/>
+            <pc:sldMk cId="371282952" sldId="274"/>
+            <ac:spMk id="10" creationId="{00000000-0000-0000-0000-000000000000}"/>
+          </ac:spMkLst>
+        </pc:spChg>
+        <pc:spChg chg="add">
+          <ac:chgData name="Kristofer Carta" userId="a949ead7c4bcd18f" providerId="LiveId" clId="{EE21B5BA-F702-4589-8258-402869B4781F}" dt="2017-08-21T21:22:25.797" v="687" actId="26606"/>
+          <ac:spMkLst>
+            <pc:docMk/>
+            <pc:sldMk cId="371282952" sldId="274"/>
+            <ac:spMk id="12" creationId="{00000000-0000-0000-0000-000000000000}"/>
+          </ac:spMkLst>
+        </pc:spChg>
+      </pc:sldChg>
+      <pc:sldChg chg="modSp add">
+        <pc:chgData name="Kristofer Carta" userId="a949ead7c4bcd18f" providerId="LiveId" clId="{EE21B5BA-F702-4589-8258-402869B4781F}" dt="2017-08-21T21:32:09.200" v="1340" actId="20577"/>
+        <pc:sldMkLst>
+          <pc:docMk/>
+          <pc:sldMk cId="311738350" sldId="275"/>
+        </pc:sldMkLst>
+        <pc:spChg chg="mod">
+          <ac:chgData name="Kristofer Carta" userId="a949ead7c4bcd18f" providerId="LiveId" clId="{EE21B5BA-F702-4589-8258-402869B4781F}" dt="2017-08-21T21:25:24.680" v="758" actId="20577"/>
+          <ac:spMkLst>
+            <pc:docMk/>
+            <pc:sldMk cId="311738350" sldId="275"/>
+            <ac:spMk id="2" creationId="{50813FC1-0B5C-4E30-980E-03F1557788AA}"/>
+          </ac:spMkLst>
+        </pc:spChg>
+        <pc:spChg chg="mod">
+          <ac:chgData name="Kristofer Carta" userId="a949ead7c4bcd18f" providerId="LiveId" clId="{EE21B5BA-F702-4589-8258-402869B4781F}" dt="2017-08-21T21:32:09.200" v="1340" actId="20577"/>
+          <ac:spMkLst>
+            <pc:docMk/>
+            <pc:sldMk cId="311738350" sldId="275"/>
+            <ac:spMk id="3" creationId="{AADA4A45-4FE9-4FC7-A116-BAF06F399409}"/>
+          </ac:spMkLst>
+        </pc:spChg>
+      </pc:sldChg>
+      <pc:sldChg chg="delSp modSp add">
+        <pc:chgData name="Kristofer Carta" userId="a949ead7c4bcd18f" providerId="LiveId" clId="{EE21B5BA-F702-4589-8258-402869B4781F}" dt="2017-08-21T21:23:47.781" v="749" actId="478"/>
+        <pc:sldMkLst>
+          <pc:docMk/>
+          <pc:sldMk cId="2245622187" sldId="276"/>
+        </pc:sldMkLst>
+        <pc:spChg chg="mod">
+          <ac:chgData name="Kristofer Carta" userId="a949ead7c4bcd18f" providerId="LiveId" clId="{EE21B5BA-F702-4589-8258-402869B4781F}" dt="2017-08-21T21:23:43.290" v="747" actId="20577"/>
+          <ac:spMkLst>
+            <pc:docMk/>
+            <pc:sldMk cId="2245622187" sldId="276"/>
+            <ac:spMk id="2" creationId="{1F1EF97D-66EF-4DCF-9EFF-EA639C490522}"/>
+          </ac:spMkLst>
+        </pc:spChg>
+        <pc:spChg chg="del mod">
+          <ac:chgData name="Kristofer Carta" userId="a949ead7c4bcd18f" providerId="LiveId" clId="{EE21B5BA-F702-4589-8258-402869B4781F}" dt="2017-08-21T21:23:47.781" v="749" actId="478"/>
+          <ac:spMkLst>
+            <pc:docMk/>
+            <pc:sldMk cId="2245622187" sldId="276"/>
+            <ac:spMk id="3" creationId="{807A7C8B-32C2-4824-820A-ED9AC9BA50A6}"/>
+          </ac:spMkLst>
+        </pc:spChg>
+      </pc:sldChg>
+      <pc:sldChg chg="add">
+        <pc:chgData name="Kristofer Carta" userId="a949ead7c4bcd18f" providerId="LiveId" clId="{EE21B5BA-F702-4589-8258-402869B4781F}" dt="2017-08-21T21:23:57.613" v="750" actId="20577"/>
+        <pc:sldMkLst>
+          <pc:docMk/>
+          <pc:sldMk cId="597761154" sldId="277"/>
+        </pc:sldMkLst>
+      </pc:sldChg>
+      <pc:sldChg chg="modSp add">
+        <pc:chgData name="Kristofer Carta" userId="a949ead7c4bcd18f" providerId="LiveId" clId="{EE21B5BA-F702-4589-8258-402869B4781F}" dt="2017-08-22T10:19:24.738" v="1436" actId="20577"/>
+        <pc:sldMkLst>
+          <pc:docMk/>
+          <pc:sldMk cId="3081455738" sldId="278"/>
+        </pc:sldMkLst>
+        <pc:spChg chg="mod">
+          <ac:chgData name="Kristofer Carta" userId="a949ead7c4bcd18f" providerId="LiveId" clId="{EE21B5BA-F702-4589-8258-402869B4781F}" dt="2017-08-21T21:29:27.794" v="1084" actId="20577"/>
+          <ac:spMkLst>
+            <pc:docMk/>
+            <pc:sldMk cId="3081455738" sldId="278"/>
+            <ac:spMk id="2" creationId="{68F475E6-7D37-468D-9AF2-FD15D95A9545}"/>
+          </ac:spMkLst>
+        </pc:spChg>
+        <pc:spChg chg="mod">
+          <ac:chgData name="Kristofer Carta" userId="a949ead7c4bcd18f" providerId="LiveId" clId="{EE21B5BA-F702-4589-8258-402869B4781F}" dt="2017-08-22T10:19:24.738" v="1436" actId="20577"/>
+          <ac:spMkLst>
+            <pc:docMk/>
+            <pc:sldMk cId="3081455738" sldId="278"/>
+            <ac:spMk id="3" creationId="{343444A7-2703-48E0-9935-A7B1A3C1F912}"/>
+          </ac:spMkLst>
+        </pc:spChg>
+      </pc:sldChg>
+      <pc:sldChg chg="addSp delSp modSp add">
+        <pc:chgData name="Kristofer Carta" userId="a949ead7c4bcd18f" providerId="LiveId" clId="{EE21B5BA-F702-4589-8258-402869B4781F}" dt="2017-08-22T10:22:10.164" v="1448" actId="1038"/>
+        <pc:sldMkLst>
+          <pc:docMk/>
+          <pc:sldMk cId="533655295" sldId="279"/>
+        </pc:sldMkLst>
+        <pc:spChg chg="del">
+          <ac:chgData name="Kristofer Carta" userId="a949ead7c4bcd18f" providerId="LiveId" clId="{EE21B5BA-F702-4589-8258-402869B4781F}" dt="2017-08-22T10:21:26.072" v="1439" actId="478"/>
+          <ac:spMkLst>
+            <pc:docMk/>
+            <pc:sldMk cId="533655295" sldId="279"/>
+            <ac:spMk id="2" creationId="{1E583C6B-51FB-4F17-AFA4-07B3DF058419}"/>
+          </ac:spMkLst>
+        </pc:spChg>
+        <pc:spChg chg="del">
+          <ac:chgData name="Kristofer Carta" userId="a949ead7c4bcd18f" providerId="LiveId" clId="{EE21B5BA-F702-4589-8258-402869B4781F}" dt="2017-08-22T10:21:26.072" v="1439" actId="478"/>
+          <ac:spMkLst>
+            <pc:docMk/>
+            <pc:sldMk cId="533655295" sldId="279"/>
+            <ac:spMk id="3" creationId="{BA82E502-A005-47AB-B80F-A69BBE0038A8}"/>
+          </ac:spMkLst>
+        </pc:spChg>
+        <pc:spChg chg="add del">
+          <ac:chgData name="Kristofer Carta" userId="a949ead7c4bcd18f" providerId="LiveId" clId="{EE21B5BA-F702-4589-8258-402869B4781F}" dt="2017-08-22T10:21:27.127" v="1441" actId="1038"/>
+          <ac:spMkLst>
+            <pc:docMk/>
+            <pc:sldMk cId="533655295" sldId="279"/>
+            <ac:spMk id="4" creationId="{BEC984D1-E841-447D-94AE-06A6430DD207}"/>
+          </ac:spMkLst>
+        </pc:spChg>
+        <pc:picChg chg="add mod">
+          <ac:chgData name="Kristofer Carta" userId="a949ead7c4bcd18f" providerId="LiveId" clId="{EE21B5BA-F702-4589-8258-402869B4781F}" dt="2017-08-22T10:22:10.164" v="1448" actId="1038"/>
+          <ac:picMkLst>
+            <pc:docMk/>
+            <pc:sldMk cId="533655295" sldId="279"/>
+            <ac:picMk id="5" creationId="{B3215D08-2983-41DA-BED9-5D7B37090991}"/>
+          </ac:picMkLst>
+        </pc:picChg>
+      </pc:sldChg>
+    </pc:docChg>
+  </pc:docChgLst>
   <pc:docChgLst>
     <pc:chgData name="Kristofer Carta" userId="a949ead7c4bcd18f" providerId="LiveId" clId="{93888A2B-6F63-458A-BB21-CE9C4CE85A48}"/>
     <pc:docChg chg="undo redo custSel addSld delSld modSld sldOrd modSection">
@@ -4119,656 +4762,9 @@
     </pc:docChg>
   </pc:docChgLst>
   <pc:docChgLst>
-    <pc:chgData name="Kristofer Carta" userId="a949ead7c4bcd18f" providerId="LiveId" clId="{DC448491-B5B1-4C54-A7C5-1DD1B9C52ECE}"/>
-    <pc:docChg chg="undo custSel addSld modSld">
-      <pc:chgData name="Kristofer Carta" userId="a949ead7c4bcd18f" providerId="LiveId" clId="{DC448491-B5B1-4C54-A7C5-1DD1B9C52ECE}" dt="2017-08-21T20:28:02.885" v="1132" actId="20577"/>
-      <pc:docMkLst>
-        <pc:docMk/>
-      </pc:docMkLst>
-      <pc:sldChg chg="addSp delSp modSp add">
-        <pc:chgData name="Kristofer Carta" userId="a949ead7c4bcd18f" providerId="LiveId" clId="{DC448491-B5B1-4C54-A7C5-1DD1B9C52ECE}" dt="2017-08-21T20:22:07.315" v="611" actId="20577"/>
-        <pc:sldMkLst>
-          <pc:docMk/>
-          <pc:sldMk cId="258584565" sldId="272"/>
-        </pc:sldMkLst>
-        <pc:spChg chg="mod">
-          <ac:chgData name="Kristofer Carta" userId="a949ead7c4bcd18f" providerId="LiveId" clId="{DC448491-B5B1-4C54-A7C5-1DD1B9C52ECE}" dt="2017-08-21T20:17:44.736" v="36" actId="20577"/>
-          <ac:spMkLst>
-            <pc:docMk/>
-            <pc:sldMk cId="258584565" sldId="272"/>
-            <ac:spMk id="2" creationId="{26C127DD-EA79-4DA7-8B10-7DEE97CE2EAE}"/>
-          </ac:spMkLst>
-        </pc:spChg>
-        <pc:spChg chg="mod">
-          <ac:chgData name="Kristofer Carta" userId="a949ead7c4bcd18f" providerId="LiveId" clId="{DC448491-B5B1-4C54-A7C5-1DD1B9C52ECE}" dt="2017-08-21T20:22:07.315" v="611" actId="20577"/>
-          <ac:spMkLst>
-            <pc:docMk/>
-            <pc:sldMk cId="258584565" sldId="272"/>
-            <ac:spMk id="3" creationId="{D1B1226A-9863-424B-B2FF-DB7AD831C5A3}"/>
-          </ac:spMkLst>
-        </pc:spChg>
-        <pc:spChg chg="add del">
-          <ac:chgData name="Kristofer Carta" userId="a949ead7c4bcd18f" providerId="LiveId" clId="{DC448491-B5B1-4C54-A7C5-1DD1B9C52ECE}" dt="2017-08-21T20:17:48.523" v="38" actId="20577"/>
-          <ac:spMkLst>
-            <pc:docMk/>
-            <pc:sldMk cId="258584565" sldId="272"/>
-            <ac:spMk id="4" creationId="{49A086BC-9F08-4B1D-8D9A-0FDABF38D2CB}"/>
-          </ac:spMkLst>
-        </pc:spChg>
-      </pc:sldChg>
-      <pc:sldChg chg="modSp add">
-        <pc:chgData name="Kristofer Carta" userId="a949ead7c4bcd18f" providerId="LiveId" clId="{DC448491-B5B1-4C54-A7C5-1DD1B9C52ECE}" dt="2017-08-21T20:28:02.885" v="1132" actId="20577"/>
-        <pc:sldMkLst>
-          <pc:docMk/>
-          <pc:sldMk cId="2889338845" sldId="273"/>
-        </pc:sldMkLst>
-        <pc:spChg chg="mod">
-          <ac:chgData name="Kristofer Carta" userId="a949ead7c4bcd18f" providerId="LiveId" clId="{DC448491-B5B1-4C54-A7C5-1DD1B9C52ECE}" dt="2017-08-21T20:17:56.289" v="48" actId="20577"/>
-          <ac:spMkLst>
-            <pc:docMk/>
-            <pc:sldMk cId="2889338845" sldId="273"/>
-            <ac:spMk id="2" creationId="{26C127DD-EA79-4DA7-8B10-7DEE97CE2EAE}"/>
-          </ac:spMkLst>
-        </pc:spChg>
-        <pc:spChg chg="mod">
-          <ac:chgData name="Kristofer Carta" userId="a949ead7c4bcd18f" providerId="LiveId" clId="{DC448491-B5B1-4C54-A7C5-1DD1B9C52ECE}" dt="2017-08-21T20:28:02.885" v="1132" actId="20577"/>
-          <ac:spMkLst>
-            <pc:docMk/>
-            <pc:sldMk cId="2889338845" sldId="273"/>
-            <ac:spMk id="3" creationId="{D1B1226A-9863-424B-B2FF-DB7AD831C5A3}"/>
-          </ac:spMkLst>
-        </pc:spChg>
-      </pc:sldChg>
-    </pc:docChg>
-  </pc:docChgLst>
-  <pc:docChgLst>
-    <pc:chgData name="Kristofer Carta" userId="a949ead7c4bcd18f" providerId="LiveId" clId="{EE21B5BA-F702-4589-8258-402869B4781F}"/>
-    <pc:docChg chg="undo redo custSel addSld modSld sldOrd delSection">
-      <pc:chgData name="Kristofer Carta" userId="a949ead7c4bcd18f" providerId="LiveId" clId="{EE21B5BA-F702-4589-8258-402869B4781F}" dt="2017-08-22T10:23:23.672" v="1449" actId="1038"/>
-      <pc:docMkLst>
-        <pc:docMk/>
-      </pc:docMkLst>
-      <pc:sldChg chg="modSp">
-        <pc:chgData name="Kristofer Carta" userId="a949ead7c4bcd18f" providerId="LiveId" clId="{EE21B5BA-F702-4589-8258-402869B4781F}" dt="2017-08-22T10:23:23.672" v="1449" actId="1038"/>
-        <pc:sldMkLst>
-          <pc:docMk/>
-          <pc:sldMk cId="974364153" sldId="256"/>
-        </pc:sldMkLst>
-        <pc:spChg chg="mod">
-          <ac:chgData name="Kristofer Carta" userId="a949ead7c4bcd18f" providerId="LiveId" clId="{EE21B5BA-F702-4589-8258-402869B4781F}" dt="2017-08-22T10:23:23.672" v="1449" actId="1038"/>
-          <ac:spMkLst>
-            <pc:docMk/>
-            <pc:sldMk cId="974364153" sldId="256"/>
-            <ac:spMk id="3" creationId="{BB7D2EFF-91D1-4FCE-84B8-A7286782BC3D}"/>
-          </ac:spMkLst>
-        </pc:spChg>
-      </pc:sldChg>
-      <pc:sldChg chg="addSp delSp modSp delDesignElem">
-        <pc:chgData name="Kristofer Carta" userId="a949ead7c4bcd18f" providerId="LiveId" clId="{EE21B5BA-F702-4589-8258-402869B4781F}" dt="2017-08-21T21:02:38.352" v="371" actId="20577"/>
-        <pc:sldMkLst>
-          <pc:docMk/>
-          <pc:sldMk cId="3212783590" sldId="258"/>
-        </pc:sldMkLst>
-        <pc:spChg chg="mod">
-          <ac:chgData name="Kristofer Carta" userId="a949ead7c4bcd18f" providerId="LiveId" clId="{EE21B5BA-F702-4589-8258-402869B4781F}" dt="2017-08-21T21:02:38.352" v="371" actId="20577"/>
-          <ac:spMkLst>
-            <pc:docMk/>
-            <pc:sldMk cId="3212783590" sldId="258"/>
-            <ac:spMk id="3" creationId="{05F9B296-6FED-46D7-B938-C6029FE5AE22}"/>
-          </ac:spMkLst>
-        </pc:spChg>
-        <pc:spChg chg="add del">
-          <ac:chgData name="Kristofer Carta" userId="a949ead7c4bcd18f" providerId="LiveId" clId="{EE21B5BA-F702-4589-8258-402869B4781F}" dt="2017-08-21T20:57:24.235" v="162" actId="20577"/>
-          <ac:spMkLst>
-            <pc:docMk/>
-            <pc:sldMk cId="3212783590" sldId="258"/>
-            <ac:spMk id="12" creationId="{00000000-0000-0000-0000-000000000000}"/>
-          </ac:spMkLst>
-        </pc:spChg>
-      </pc:sldChg>
-      <pc:sldChg chg="addSp delSp ord delDesignElem">
-        <pc:chgData name="Kristofer Carta" userId="a949ead7c4bcd18f" providerId="LiveId" clId="{EE21B5BA-F702-4589-8258-402869B4781F}" dt="2017-08-21T21:03:15.676" v="380" actId="113"/>
-        <pc:sldMkLst>
-          <pc:docMk/>
-          <pc:sldMk cId="1871955869" sldId="259"/>
-        </pc:sldMkLst>
-        <pc:spChg chg="add del">
-          <ac:chgData name="Kristofer Carta" userId="a949ead7c4bcd18f" providerId="LiveId" clId="{EE21B5BA-F702-4589-8258-402869B4781F}" dt="2017-08-21T20:57:24.235" v="162" actId="113"/>
-          <ac:spMkLst>
-            <pc:docMk/>
-            <pc:sldMk cId="1871955869" sldId="259"/>
-            <ac:spMk id="85" creationId="{00000000-0000-0000-0000-000000000000}"/>
-          </ac:spMkLst>
-        </pc:spChg>
-        <pc:spChg chg="add del">
-          <ac:chgData name="Kristofer Carta" userId="a949ead7c4bcd18f" providerId="LiveId" clId="{EE21B5BA-F702-4589-8258-402869B4781F}" dt="2017-08-21T20:57:24.235" v="162" actId="113"/>
-          <ac:spMkLst>
-            <pc:docMk/>
-            <pc:sldMk cId="1871955869" sldId="259"/>
-            <ac:spMk id="1043" creationId="{00000000-0000-0000-0000-000000000000}"/>
-          </ac:spMkLst>
-        </pc:spChg>
-        <pc:cxnChg chg="add del">
-          <ac:chgData name="Kristofer Carta" userId="a949ead7c4bcd18f" providerId="LiveId" clId="{EE21B5BA-F702-4589-8258-402869B4781F}" dt="2017-08-21T20:57:24.235" v="162" actId="113"/>
-          <ac:cxnSpMkLst>
-            <pc:docMk/>
-            <pc:sldMk cId="1871955869" sldId="259"/>
-            <ac:cxnSpMk id="87" creationId="{00000000-0000-0000-0000-000000000000}"/>
-          </ac:cxnSpMkLst>
-        </pc:cxnChg>
-      </pc:sldChg>
-      <pc:sldChg chg="addSp delSp modSp delDesignElem">
-        <pc:chgData name="Kristofer Carta" userId="a949ead7c4bcd18f" providerId="LiveId" clId="{EE21B5BA-F702-4589-8258-402869B4781F}" dt="2017-08-21T21:14:10.899" v="493" actId="20577"/>
-        <pc:sldMkLst>
-          <pc:docMk/>
-          <pc:sldMk cId="3956988050" sldId="260"/>
-        </pc:sldMkLst>
-        <pc:spChg chg="mod">
-          <ac:chgData name="Kristofer Carta" userId="a949ead7c4bcd18f" providerId="LiveId" clId="{EE21B5BA-F702-4589-8258-402869B4781F}" dt="2017-08-21T21:14:10.899" v="493" actId="20577"/>
-          <ac:spMkLst>
-            <pc:docMk/>
-            <pc:sldMk cId="3956988050" sldId="260"/>
-            <ac:spMk id="3" creationId="{FFC353AD-FA04-47E2-BB20-54AD62996ABA}"/>
-          </ac:spMkLst>
-        </pc:spChg>
-        <pc:spChg chg="add del">
-          <ac:chgData name="Kristofer Carta" userId="a949ead7c4bcd18f" providerId="LiveId" clId="{EE21B5BA-F702-4589-8258-402869B4781F}" dt="2017-08-21T20:57:24.235" v="162" actId="113"/>
-          <ac:spMkLst>
-            <pc:docMk/>
-            <pc:sldMk cId="3956988050" sldId="260"/>
-            <ac:spMk id="27" creationId="{00000000-0000-0000-0000-000000000000}"/>
-          </ac:spMkLst>
-        </pc:spChg>
-        <pc:spChg chg="add del">
-          <ac:chgData name="Kristofer Carta" userId="a949ead7c4bcd18f" providerId="LiveId" clId="{EE21B5BA-F702-4589-8258-402869B4781F}" dt="2017-08-21T20:57:24.235" v="162" actId="113"/>
-          <ac:spMkLst>
-            <pc:docMk/>
-            <pc:sldMk cId="3956988050" sldId="260"/>
-            <ac:spMk id="28" creationId="{00000000-0000-0000-0000-000000000000}"/>
-          </ac:spMkLst>
-        </pc:spChg>
-      </pc:sldChg>
-      <pc:sldChg chg="addSp delSp modSp delDesignElem">
-        <pc:chgData name="Kristofer Carta" userId="a949ead7c4bcd18f" providerId="LiveId" clId="{EE21B5BA-F702-4589-8258-402869B4781F}" dt="2017-08-21T20:57:24.235" v="162" actId="113"/>
-        <pc:sldMkLst>
-          <pc:docMk/>
-          <pc:sldMk cId="1483780471" sldId="261"/>
-        </pc:sldMkLst>
-        <pc:spChg chg="mod">
-          <ac:chgData name="Kristofer Carta" userId="a949ead7c4bcd18f" providerId="LiveId" clId="{EE21B5BA-F702-4589-8258-402869B4781F}" dt="2017-08-21T20:54:21.327" v="118" actId="20577"/>
-          <ac:spMkLst>
-            <pc:docMk/>
-            <pc:sldMk cId="1483780471" sldId="261"/>
-            <ac:spMk id="3" creationId="{B6466418-089E-4177-8FBC-1155E9BB8870}"/>
-          </ac:spMkLst>
-        </pc:spChg>
-        <pc:spChg chg="add del">
-          <ac:chgData name="Kristofer Carta" userId="a949ead7c4bcd18f" providerId="LiveId" clId="{EE21B5BA-F702-4589-8258-402869B4781F}" dt="2017-08-21T20:57:24.235" v="162" actId="113"/>
-          <ac:spMkLst>
-            <pc:docMk/>
-            <pc:sldMk cId="1483780471" sldId="261"/>
-            <ac:spMk id="71" creationId="{00000000-0000-0000-0000-000000000000}"/>
-          </ac:spMkLst>
-        </pc:spChg>
-      </pc:sldChg>
-      <pc:sldChg chg="addSp delSp modSp mod setBg setClrOvrMap">
-        <pc:chgData name="Kristofer Carta" userId="a949ead7c4bcd18f" providerId="LiveId" clId="{EE21B5BA-F702-4589-8258-402869B4781F}" dt="2017-08-21T20:59:44.640" v="251" actId="113"/>
-        <pc:sldMkLst>
-          <pc:docMk/>
-          <pc:sldMk cId="2700095255" sldId="265"/>
-        </pc:sldMkLst>
-        <pc:spChg chg="mod">
-          <ac:chgData name="Kristofer Carta" userId="a949ead7c4bcd18f" providerId="LiveId" clId="{EE21B5BA-F702-4589-8258-402869B4781F}" dt="2017-08-21T20:57:16.726" v="154" actId="1076"/>
-          <ac:spMkLst>
-            <pc:docMk/>
-            <pc:sldMk cId="2700095255" sldId="265"/>
-            <ac:spMk id="2" creationId="{B25C8939-68B1-4966-B6F0-0CB9790784DD}"/>
-          </ac:spMkLst>
-        </pc:spChg>
-        <pc:spChg chg="add del mod">
-          <ac:chgData name="Kristofer Carta" userId="a949ead7c4bcd18f" providerId="LiveId" clId="{EE21B5BA-F702-4589-8258-402869B4781F}" dt="2017-08-21T20:59:44.640" v="251" actId="113"/>
-          <ac:spMkLst>
-            <pc:docMk/>
-            <pc:sldMk cId="2700095255" sldId="265"/>
-            <ac:spMk id="3" creationId="{9DB25D54-DF59-4420-A50E-BCB89C484DB5}"/>
-          </ac:spMkLst>
-        </pc:spChg>
-        <pc:spChg chg="add del">
-          <ac:chgData name="Kristofer Carta" userId="a949ead7c4bcd18f" providerId="LiveId" clId="{EE21B5BA-F702-4589-8258-402869B4781F}" dt="2017-08-21T20:57:03.379" v="146" actId="26606"/>
-          <ac:spMkLst>
-            <pc:docMk/>
-            <pc:sldMk cId="2700095255" sldId="265"/>
-            <ac:spMk id="6" creationId="{00000000-0000-0000-0000-000000000000}"/>
-          </ac:spMkLst>
-        </pc:spChg>
-        <pc:spChg chg="add del">
-          <ac:chgData name="Kristofer Carta" userId="a949ead7c4bcd18f" providerId="LiveId" clId="{EE21B5BA-F702-4589-8258-402869B4781F}" dt="2017-08-21T20:57:07.026" v="148" actId="26606"/>
-          <ac:spMkLst>
-            <pc:docMk/>
-            <pc:sldMk cId="2700095255" sldId="265"/>
-            <ac:spMk id="9" creationId="{00000000-0000-0000-0000-000000000000}"/>
-          </ac:spMkLst>
-        </pc:spChg>
-        <pc:spChg chg="add del">
-          <ac:chgData name="Kristofer Carta" userId="a949ead7c4bcd18f" providerId="LiveId" clId="{EE21B5BA-F702-4589-8258-402869B4781F}" dt="2017-08-21T20:56:05.823" v="133" actId="26606"/>
-          <ac:spMkLst>
-            <pc:docMk/>
-            <pc:sldMk cId="2700095255" sldId="265"/>
-            <ac:spMk id="10" creationId="{00000000-0000-0000-0000-000000000000}"/>
-          </ac:spMkLst>
-        </pc:spChg>
-        <pc:spChg chg="add del">
-          <ac:chgData name="Kristofer Carta" userId="a949ead7c4bcd18f" providerId="LiveId" clId="{EE21B5BA-F702-4589-8258-402869B4781F}" dt="2017-08-21T20:56:09.995" v="135" actId="26606"/>
-          <ac:spMkLst>
-            <pc:docMk/>
-            <pc:sldMk cId="2700095255" sldId="265"/>
-            <ac:spMk id="12" creationId="{00000000-0000-0000-0000-000000000000}"/>
-          </ac:spMkLst>
-        </pc:spChg>
-        <pc:spChg chg="add del">
-          <ac:chgData name="Kristofer Carta" userId="a949ead7c4bcd18f" providerId="LiveId" clId="{EE21B5BA-F702-4589-8258-402869B4781F}" dt="2017-08-21T20:56:09.995" v="135" actId="26606"/>
-          <ac:spMkLst>
-            <pc:docMk/>
-            <pc:sldMk cId="2700095255" sldId="265"/>
-            <ac:spMk id="13" creationId="{00000000-0000-0000-0000-000000000000}"/>
-          </ac:spMkLst>
-        </pc:spChg>
-        <pc:spChg chg="add del">
-          <ac:chgData name="Kristofer Carta" userId="a949ead7c4bcd18f" providerId="LiveId" clId="{EE21B5BA-F702-4589-8258-402869B4781F}" dt="2017-08-21T20:56:12.869" v="139" actId="26606"/>
-          <ac:spMkLst>
-            <pc:docMk/>
-            <pc:sldMk cId="2700095255" sldId="265"/>
-            <ac:spMk id="18" creationId="{00000000-0000-0000-0000-000000000000}"/>
-          </ac:spMkLst>
-        </pc:spChg>
-        <pc:spChg chg="add del">
-          <ac:chgData name="Kristofer Carta" userId="a949ead7c4bcd18f" providerId="LiveId" clId="{EE21B5BA-F702-4589-8258-402869B4781F}" dt="2017-08-21T20:56:12.869" v="139" actId="26606"/>
-          <ac:spMkLst>
-            <pc:docMk/>
-            <pc:sldMk cId="2700095255" sldId="265"/>
-            <ac:spMk id="19" creationId="{00000000-0000-0000-0000-000000000000}"/>
-          </ac:spMkLst>
-        </pc:spChg>
-        <pc:spChg chg="add del">
-          <ac:chgData name="Kristofer Carta" userId="a949ead7c4bcd18f" providerId="LiveId" clId="{EE21B5BA-F702-4589-8258-402869B4781F}" dt="2017-08-21T20:56:12.869" v="139" actId="26606"/>
-          <ac:spMkLst>
-            <pc:docMk/>
-            <pc:sldMk cId="2700095255" sldId="265"/>
-            <ac:spMk id="20" creationId="{00000000-0000-0000-0000-000000000000}"/>
-          </ac:spMkLst>
-        </pc:spChg>
-        <pc:graphicFrameChg chg="add del">
-          <ac:chgData name="Kristofer Carta" userId="a949ead7c4bcd18f" providerId="LiveId" clId="{EE21B5BA-F702-4589-8258-402869B4781F}" dt="2017-08-21T20:56:05.823" v="133" actId="26606"/>
-          <ac:graphicFrameMkLst>
-            <pc:docMk/>
-            <pc:sldMk cId="2700095255" sldId="265"/>
-            <ac:graphicFrameMk id="5" creationId="{00000000-0000-0000-0000-000000000000}"/>
-          </ac:graphicFrameMkLst>
-        </pc:graphicFrameChg>
-        <pc:graphicFrameChg chg="add del">
-          <ac:chgData name="Kristofer Carta" userId="a949ead7c4bcd18f" providerId="LiveId" clId="{EE21B5BA-F702-4589-8258-402869B4781F}" dt="2017-08-21T20:57:03.379" v="146" actId="26606"/>
-          <ac:graphicFrameMkLst>
-            <pc:docMk/>
-            <pc:sldMk cId="2700095255" sldId="265"/>
-            <ac:graphicFrameMk id="7" creationId="{00000000-0000-0000-0000-000000000000}"/>
-          </ac:graphicFrameMkLst>
-        </pc:graphicFrameChg>
-        <pc:graphicFrameChg chg="add del">
-          <ac:chgData name="Kristofer Carta" userId="a949ead7c4bcd18f" providerId="LiveId" clId="{EE21B5BA-F702-4589-8258-402869B4781F}" dt="2017-08-21T20:56:09.995" v="135" actId="26606"/>
-          <ac:graphicFrameMkLst>
-            <pc:docMk/>
-            <pc:sldMk cId="2700095255" sldId="265"/>
-            <ac:graphicFrameMk id="14" creationId="{00000000-0000-0000-0000-000000000000}"/>
-          </ac:graphicFrameMkLst>
-        </pc:graphicFrameChg>
-        <pc:graphicFrameChg chg="add del">
-          <ac:chgData name="Kristofer Carta" userId="a949ead7c4bcd18f" providerId="LiveId" clId="{EE21B5BA-F702-4589-8258-402869B4781F}" dt="2017-08-21T20:57:07.026" v="148" actId="26606"/>
-          <ac:graphicFrameMkLst>
-            <pc:docMk/>
-            <pc:sldMk cId="2700095255" sldId="265"/>
-            <ac:graphicFrameMk id="15" creationId="{00000000-0000-0000-0000-000000000000}"/>
-          </ac:graphicFrameMkLst>
-        </pc:graphicFrameChg>
-        <pc:graphicFrameChg chg="add del">
-          <ac:chgData name="Kristofer Carta" userId="a949ead7c4bcd18f" providerId="LiveId" clId="{EE21B5BA-F702-4589-8258-402869B4781F}" dt="2017-08-21T20:56:11.920" v="137" actId="26606"/>
-          <ac:graphicFrameMkLst>
-            <pc:docMk/>
-            <pc:sldMk cId="2700095255" sldId="265"/>
-            <ac:graphicFrameMk id="16" creationId="{00000000-0000-0000-0000-000000000000}"/>
-          </ac:graphicFrameMkLst>
-        </pc:graphicFrameChg>
-        <pc:graphicFrameChg chg="add del">
-          <ac:chgData name="Kristofer Carta" userId="a949ead7c4bcd18f" providerId="LiveId" clId="{EE21B5BA-F702-4589-8258-402869B4781F}" dt="2017-08-21T20:57:09.354" v="150" actId="26606"/>
-          <ac:graphicFrameMkLst>
-            <pc:docMk/>
-            <pc:sldMk cId="2700095255" sldId="265"/>
-            <ac:graphicFrameMk id="17" creationId="{00000000-0000-0000-0000-000000000000}"/>
-          </ac:graphicFrameMkLst>
-        </pc:graphicFrameChg>
-        <pc:graphicFrameChg chg="add del">
-          <ac:chgData name="Kristofer Carta" userId="a949ead7c4bcd18f" providerId="LiveId" clId="{EE21B5BA-F702-4589-8258-402869B4781F}" dt="2017-08-21T20:56:12.869" v="139" actId="26606"/>
-          <ac:graphicFrameMkLst>
-            <pc:docMk/>
-            <pc:sldMk cId="2700095255" sldId="265"/>
-            <ac:graphicFrameMk id="21" creationId="{00000000-0000-0000-0000-000000000000}"/>
-          </ac:graphicFrameMkLst>
-        </pc:graphicFrameChg>
-        <pc:cxnChg chg="add del">
-          <ac:chgData name="Kristofer Carta" userId="a949ead7c4bcd18f" providerId="LiveId" clId="{EE21B5BA-F702-4589-8258-402869B4781F}" dt="2017-08-21T20:57:07.026" v="148" actId="26606"/>
-          <ac:cxnSpMkLst>
-            <pc:docMk/>
-            <pc:sldMk cId="2700095255" sldId="265"/>
-            <ac:cxnSpMk id="11" creationId="{00000000-0000-0000-0000-000000000000}"/>
-          </ac:cxnSpMkLst>
-        </pc:cxnChg>
-      </pc:sldChg>
-      <pc:sldChg chg="addSp delSp modSp ord">
-        <pc:chgData name="Kristofer Carta" userId="a949ead7c4bcd18f" providerId="LiveId" clId="{EE21B5BA-F702-4589-8258-402869B4781F}" dt="2017-08-21T20:59:53.977" v="259" actId="20577"/>
-        <pc:sldMkLst>
-          <pc:docMk/>
-          <pc:sldMk cId="2413704392" sldId="266"/>
-        </pc:sldMkLst>
-        <pc:spChg chg="mod">
-          <ac:chgData name="Kristofer Carta" userId="a949ead7c4bcd18f" providerId="LiveId" clId="{EE21B5BA-F702-4589-8258-402869B4781F}" dt="2017-08-21T20:58:04.416" v="203" actId="26606"/>
-          <ac:spMkLst>
-            <pc:docMk/>
-            <pc:sldMk cId="2413704392" sldId="266"/>
-            <ac:spMk id="2" creationId="{F988F3E1-779C-4B9E-97FD-01A1B9A3A1CD}"/>
-          </ac:spMkLst>
-        </pc:spChg>
-        <pc:spChg chg="mod">
-          <ac:chgData name="Kristofer Carta" userId="a949ead7c4bcd18f" providerId="LiveId" clId="{EE21B5BA-F702-4589-8258-402869B4781F}" dt="2017-08-21T20:59:53.977" v="259" actId="20577"/>
-          <ac:spMkLst>
-            <pc:docMk/>
-            <pc:sldMk cId="2413704392" sldId="266"/>
-            <ac:spMk id="3" creationId="{67A1AF6A-2F04-4A37-B5E2-0DB309813C9A}"/>
-          </ac:spMkLst>
-        </pc:spChg>
-        <pc:spChg chg="add del">
-          <ac:chgData name="Kristofer Carta" userId="a949ead7c4bcd18f" providerId="LiveId" clId="{EE21B5BA-F702-4589-8258-402869B4781F}" dt="2017-08-21T20:58:04.416" v="203" actId="26606"/>
-          <ac:spMkLst>
-            <pc:docMk/>
-            <pc:sldMk cId="2413704392" sldId="266"/>
-            <ac:spMk id="8" creationId="{00000000-0000-0000-0000-000000000000}"/>
-          </ac:spMkLst>
-        </pc:spChg>
-      </pc:sldChg>
-      <pc:sldChg chg="addSp delSp delDesignElem">
-        <pc:chgData name="Kristofer Carta" userId="a949ead7c4bcd18f" providerId="LiveId" clId="{EE21B5BA-F702-4589-8258-402869B4781F}" dt="2017-08-21T20:57:24.235" v="162" actId="113"/>
-        <pc:sldMkLst>
-          <pc:docMk/>
-          <pc:sldMk cId="2886054059" sldId="268"/>
-        </pc:sldMkLst>
-        <pc:spChg chg="add del">
-          <ac:chgData name="Kristofer Carta" userId="a949ead7c4bcd18f" providerId="LiveId" clId="{EE21B5BA-F702-4589-8258-402869B4781F}" dt="2017-08-21T20:57:24.235" v="162" actId="113"/>
-          <ac:spMkLst>
-            <pc:docMk/>
-            <pc:sldMk cId="2886054059" sldId="268"/>
-            <ac:spMk id="8" creationId="{00000000-0000-0000-0000-000000000000}"/>
-          </ac:spMkLst>
-        </pc:spChg>
-      </pc:sldChg>
-      <pc:sldChg chg="addSp delSp delDesignElem">
-        <pc:chgData name="Kristofer Carta" userId="a949ead7c4bcd18f" providerId="LiveId" clId="{EE21B5BA-F702-4589-8258-402869B4781F}" dt="2017-08-21T20:57:24.235" v="162" actId="113"/>
-        <pc:sldMkLst>
-          <pc:docMk/>
-          <pc:sldMk cId="1087171556" sldId="269"/>
-        </pc:sldMkLst>
-        <pc:spChg chg="add del">
-          <ac:chgData name="Kristofer Carta" userId="a949ead7c4bcd18f" providerId="LiveId" clId="{EE21B5BA-F702-4589-8258-402869B4781F}" dt="2017-08-21T20:57:24.235" v="162" actId="113"/>
-          <ac:spMkLst>
-            <pc:docMk/>
-            <pc:sldMk cId="1087171556" sldId="269"/>
-            <ac:spMk id="8" creationId="{00000000-0000-0000-0000-000000000000}"/>
-          </ac:spMkLst>
-        </pc:spChg>
-      </pc:sldChg>
-      <pc:sldChg chg="addSp delSp modSp mod setBg setClrOvrMap">
-        <pc:chgData name="Kristofer Carta" userId="a949ead7c4bcd18f" providerId="LiveId" clId="{EE21B5BA-F702-4589-8258-402869B4781F}" dt="2017-08-21T21:04:47.605" v="394" actId="20577"/>
-        <pc:sldMkLst>
-          <pc:docMk/>
-          <pc:sldMk cId="2783061044" sldId="271"/>
-        </pc:sldMkLst>
-        <pc:spChg chg="mod">
-          <ac:chgData name="Kristofer Carta" userId="a949ead7c4bcd18f" providerId="LiveId" clId="{EE21B5BA-F702-4589-8258-402869B4781F}" dt="2017-08-21T21:03:41.934" v="384" actId="26606"/>
-          <ac:spMkLst>
-            <pc:docMk/>
-            <pc:sldMk cId="2783061044" sldId="271"/>
-            <ac:spMk id="2" creationId="{682FA6FE-49AC-4D37-B270-E527DFCE236A}"/>
-          </ac:spMkLst>
-        </pc:spChg>
-        <pc:spChg chg="mod">
-          <ac:chgData name="Kristofer Carta" userId="a949ead7c4bcd18f" providerId="LiveId" clId="{EE21B5BA-F702-4589-8258-402869B4781F}" dt="2017-08-21T21:04:47.605" v="394" actId="20577"/>
-          <ac:spMkLst>
-            <pc:docMk/>
-            <pc:sldMk cId="2783061044" sldId="271"/>
-            <ac:spMk id="3" creationId="{CB5CF5F7-55FD-40B2-8557-A3B9DF5E60B1}"/>
-          </ac:spMkLst>
-        </pc:spChg>
-        <pc:spChg chg="add del">
-          <ac:chgData name="Kristofer Carta" userId="a949ead7c4bcd18f" providerId="LiveId" clId="{EE21B5BA-F702-4589-8258-402869B4781F}" dt="2017-08-21T21:03:41.929" v="383" actId="26606"/>
-          <ac:spMkLst>
-            <pc:docMk/>
-            <pc:sldMk cId="2783061044" sldId="271"/>
-            <ac:spMk id="8" creationId="{00000000-0000-0000-0000-000000000000}"/>
-          </ac:spMkLst>
-        </pc:spChg>
-        <pc:spChg chg="add">
-          <ac:chgData name="Kristofer Carta" userId="a949ead7c4bcd18f" providerId="LiveId" clId="{EE21B5BA-F702-4589-8258-402869B4781F}" dt="2017-08-21T21:03:41.934" v="384" actId="26606"/>
-          <ac:spMkLst>
-            <pc:docMk/>
-            <pc:sldMk cId="2783061044" sldId="271"/>
-            <ac:spMk id="12" creationId="{00000000-0000-0000-0000-000000000000}"/>
-          </ac:spMkLst>
-        </pc:spChg>
-        <pc:spChg chg="add">
-          <ac:chgData name="Kristofer Carta" userId="a949ead7c4bcd18f" providerId="LiveId" clId="{EE21B5BA-F702-4589-8258-402869B4781F}" dt="2017-08-21T21:03:41.934" v="384" actId="26606"/>
-          <ac:spMkLst>
-            <pc:docMk/>
-            <pc:sldMk cId="2783061044" sldId="271"/>
-            <ac:spMk id="13" creationId="{00000000-0000-0000-0000-000000000000}"/>
-          </ac:spMkLst>
-        </pc:spChg>
-        <pc:spChg chg="add">
-          <ac:chgData name="Kristofer Carta" userId="a949ead7c4bcd18f" providerId="LiveId" clId="{EE21B5BA-F702-4589-8258-402869B4781F}" dt="2017-08-21T21:03:41.934" v="384" actId="26606"/>
-          <ac:spMkLst>
-            <pc:docMk/>
-            <pc:sldMk cId="2783061044" sldId="271"/>
-            <ac:spMk id="14" creationId="{00000000-0000-0000-0000-000000000000}"/>
-          </ac:spMkLst>
-        </pc:spChg>
-        <pc:cxnChg chg="add del">
-          <ac:chgData name="Kristofer Carta" userId="a949ead7c4bcd18f" providerId="LiveId" clId="{EE21B5BA-F702-4589-8258-402869B4781F}" dt="2017-08-21T21:03:41.929" v="383" actId="26606"/>
-          <ac:cxnSpMkLst>
-            <pc:docMk/>
-            <pc:sldMk cId="2783061044" sldId="271"/>
-            <ac:cxnSpMk id="10" creationId="{00000000-0000-0000-0000-000000000000}"/>
-          </ac:cxnSpMkLst>
-        </pc:cxnChg>
-      </pc:sldChg>
-      <pc:sldChg chg="modSp">
-        <pc:chgData name="Kristofer Carta" userId="a949ead7c4bcd18f" providerId="LiveId" clId="{EE21B5BA-F702-4589-8258-402869B4781F}" dt="2017-08-21T21:06:10.031" v="451" actId="113"/>
-        <pc:sldMkLst>
-          <pc:docMk/>
-          <pc:sldMk cId="258584565" sldId="272"/>
-        </pc:sldMkLst>
-        <pc:spChg chg="mod">
-          <ac:chgData name="Kristofer Carta" userId="a949ead7c4bcd18f" providerId="LiveId" clId="{EE21B5BA-F702-4589-8258-402869B4781F}" dt="2017-08-21T21:06:10.031" v="451" actId="113"/>
-          <ac:spMkLst>
-            <pc:docMk/>
-            <pc:sldMk cId="258584565" sldId="272"/>
-            <ac:spMk id="3" creationId="{D1B1226A-9863-424B-B2FF-DB7AD831C5A3}"/>
-          </ac:spMkLst>
-        </pc:spChg>
-      </pc:sldChg>
-      <pc:sldChg chg="addSp modSp add mod setBg setClrOvrMap">
-        <pc:chgData name="Kristofer Carta" userId="a949ead7c4bcd18f" providerId="LiveId" clId="{EE21B5BA-F702-4589-8258-402869B4781F}" dt="2017-08-21T21:23:13.376" v="739" actId="1076"/>
-        <pc:sldMkLst>
-          <pc:docMk/>
-          <pc:sldMk cId="371282952" sldId="274"/>
-        </pc:sldMkLst>
-        <pc:spChg chg="mod">
-          <ac:chgData name="Kristofer Carta" userId="a949ead7c4bcd18f" providerId="LiveId" clId="{EE21B5BA-F702-4589-8258-402869B4781F}" dt="2017-08-21T21:22:25.797" v="687" actId="26606"/>
-          <ac:spMkLst>
-            <pc:docMk/>
-            <pc:sldMk cId="371282952" sldId="274"/>
-            <ac:spMk id="2" creationId="{BBC4660B-A003-40EA-91DF-E29FCA70ED31}"/>
-          </ac:spMkLst>
-        </pc:spChg>
-        <pc:spChg chg="mod">
-          <ac:chgData name="Kristofer Carta" userId="a949ead7c4bcd18f" providerId="LiveId" clId="{EE21B5BA-F702-4589-8258-402869B4781F}" dt="2017-08-21T21:23:13.376" v="739" actId="1076"/>
-          <ac:spMkLst>
-            <pc:docMk/>
-            <pc:sldMk cId="371282952" sldId="274"/>
-            <ac:spMk id="3" creationId="{CFC9B3E3-1F8E-457A-8A5F-8C16303A7DF9}"/>
-          </ac:spMkLst>
-        </pc:spChg>
-        <pc:spChg chg="add">
-          <ac:chgData name="Kristofer Carta" userId="a949ead7c4bcd18f" providerId="LiveId" clId="{EE21B5BA-F702-4589-8258-402869B4781F}" dt="2017-08-21T21:22:25.797" v="687" actId="26606"/>
-          <ac:spMkLst>
-            <pc:docMk/>
-            <pc:sldMk cId="371282952" sldId="274"/>
-            <ac:spMk id="8" creationId="{00000000-0000-0000-0000-000000000000}"/>
-          </ac:spMkLst>
-        </pc:spChg>
-        <pc:spChg chg="add">
-          <ac:chgData name="Kristofer Carta" userId="a949ead7c4bcd18f" providerId="LiveId" clId="{EE21B5BA-F702-4589-8258-402869B4781F}" dt="2017-08-21T21:22:25.797" v="687" actId="26606"/>
-          <ac:spMkLst>
-            <pc:docMk/>
-            <pc:sldMk cId="371282952" sldId="274"/>
-            <ac:spMk id="10" creationId="{00000000-0000-0000-0000-000000000000}"/>
-          </ac:spMkLst>
-        </pc:spChg>
-        <pc:spChg chg="add">
-          <ac:chgData name="Kristofer Carta" userId="a949ead7c4bcd18f" providerId="LiveId" clId="{EE21B5BA-F702-4589-8258-402869B4781F}" dt="2017-08-21T21:22:25.797" v="687" actId="26606"/>
-          <ac:spMkLst>
-            <pc:docMk/>
-            <pc:sldMk cId="371282952" sldId="274"/>
-            <ac:spMk id="12" creationId="{00000000-0000-0000-0000-000000000000}"/>
-          </ac:spMkLst>
-        </pc:spChg>
-      </pc:sldChg>
-      <pc:sldChg chg="modSp add">
-        <pc:chgData name="Kristofer Carta" userId="a949ead7c4bcd18f" providerId="LiveId" clId="{EE21B5BA-F702-4589-8258-402869B4781F}" dt="2017-08-21T21:32:09.200" v="1340" actId="20577"/>
-        <pc:sldMkLst>
-          <pc:docMk/>
-          <pc:sldMk cId="311738350" sldId="275"/>
-        </pc:sldMkLst>
-        <pc:spChg chg="mod">
-          <ac:chgData name="Kristofer Carta" userId="a949ead7c4bcd18f" providerId="LiveId" clId="{EE21B5BA-F702-4589-8258-402869B4781F}" dt="2017-08-21T21:25:24.680" v="758" actId="20577"/>
-          <ac:spMkLst>
-            <pc:docMk/>
-            <pc:sldMk cId="311738350" sldId="275"/>
-            <ac:spMk id="2" creationId="{50813FC1-0B5C-4E30-980E-03F1557788AA}"/>
-          </ac:spMkLst>
-        </pc:spChg>
-        <pc:spChg chg="mod">
-          <ac:chgData name="Kristofer Carta" userId="a949ead7c4bcd18f" providerId="LiveId" clId="{EE21B5BA-F702-4589-8258-402869B4781F}" dt="2017-08-21T21:32:09.200" v="1340" actId="20577"/>
-          <ac:spMkLst>
-            <pc:docMk/>
-            <pc:sldMk cId="311738350" sldId="275"/>
-            <ac:spMk id="3" creationId="{AADA4A45-4FE9-4FC7-A116-BAF06F399409}"/>
-          </ac:spMkLst>
-        </pc:spChg>
-      </pc:sldChg>
-      <pc:sldChg chg="delSp modSp add">
-        <pc:chgData name="Kristofer Carta" userId="a949ead7c4bcd18f" providerId="LiveId" clId="{EE21B5BA-F702-4589-8258-402869B4781F}" dt="2017-08-21T21:23:47.781" v="749" actId="478"/>
-        <pc:sldMkLst>
-          <pc:docMk/>
-          <pc:sldMk cId="2245622187" sldId="276"/>
-        </pc:sldMkLst>
-        <pc:spChg chg="mod">
-          <ac:chgData name="Kristofer Carta" userId="a949ead7c4bcd18f" providerId="LiveId" clId="{EE21B5BA-F702-4589-8258-402869B4781F}" dt="2017-08-21T21:23:43.290" v="747" actId="20577"/>
-          <ac:spMkLst>
-            <pc:docMk/>
-            <pc:sldMk cId="2245622187" sldId="276"/>
-            <ac:spMk id="2" creationId="{1F1EF97D-66EF-4DCF-9EFF-EA639C490522}"/>
-          </ac:spMkLst>
-        </pc:spChg>
-        <pc:spChg chg="del mod">
-          <ac:chgData name="Kristofer Carta" userId="a949ead7c4bcd18f" providerId="LiveId" clId="{EE21B5BA-F702-4589-8258-402869B4781F}" dt="2017-08-21T21:23:47.781" v="749" actId="478"/>
-          <ac:spMkLst>
-            <pc:docMk/>
-            <pc:sldMk cId="2245622187" sldId="276"/>
-            <ac:spMk id="3" creationId="{807A7C8B-32C2-4824-820A-ED9AC9BA50A6}"/>
-          </ac:spMkLst>
-        </pc:spChg>
-      </pc:sldChg>
-      <pc:sldChg chg="add">
-        <pc:chgData name="Kristofer Carta" userId="a949ead7c4bcd18f" providerId="LiveId" clId="{EE21B5BA-F702-4589-8258-402869B4781F}" dt="2017-08-21T21:23:57.613" v="750" actId="20577"/>
-        <pc:sldMkLst>
-          <pc:docMk/>
-          <pc:sldMk cId="597761154" sldId="277"/>
-        </pc:sldMkLst>
-      </pc:sldChg>
-      <pc:sldChg chg="modSp add">
-        <pc:chgData name="Kristofer Carta" userId="a949ead7c4bcd18f" providerId="LiveId" clId="{EE21B5BA-F702-4589-8258-402869B4781F}" dt="2017-08-22T10:19:24.738" v="1436" actId="20577"/>
-        <pc:sldMkLst>
-          <pc:docMk/>
-          <pc:sldMk cId="3081455738" sldId="278"/>
-        </pc:sldMkLst>
-        <pc:spChg chg="mod">
-          <ac:chgData name="Kristofer Carta" userId="a949ead7c4bcd18f" providerId="LiveId" clId="{EE21B5BA-F702-4589-8258-402869B4781F}" dt="2017-08-21T21:29:27.794" v="1084" actId="20577"/>
-          <ac:spMkLst>
-            <pc:docMk/>
-            <pc:sldMk cId="3081455738" sldId="278"/>
-            <ac:spMk id="2" creationId="{68F475E6-7D37-468D-9AF2-FD15D95A9545}"/>
-          </ac:spMkLst>
-        </pc:spChg>
-        <pc:spChg chg="mod">
-          <ac:chgData name="Kristofer Carta" userId="a949ead7c4bcd18f" providerId="LiveId" clId="{EE21B5BA-F702-4589-8258-402869B4781F}" dt="2017-08-22T10:19:24.738" v="1436" actId="20577"/>
-          <ac:spMkLst>
-            <pc:docMk/>
-            <pc:sldMk cId="3081455738" sldId="278"/>
-            <ac:spMk id="3" creationId="{343444A7-2703-48E0-9935-A7B1A3C1F912}"/>
-          </ac:spMkLst>
-        </pc:spChg>
-      </pc:sldChg>
-      <pc:sldChg chg="addSp delSp modSp add">
-        <pc:chgData name="Kristofer Carta" userId="a949ead7c4bcd18f" providerId="LiveId" clId="{EE21B5BA-F702-4589-8258-402869B4781F}" dt="2017-08-22T10:22:10.164" v="1448" actId="1038"/>
-        <pc:sldMkLst>
-          <pc:docMk/>
-          <pc:sldMk cId="533655295" sldId="279"/>
-        </pc:sldMkLst>
-        <pc:spChg chg="del">
-          <ac:chgData name="Kristofer Carta" userId="a949ead7c4bcd18f" providerId="LiveId" clId="{EE21B5BA-F702-4589-8258-402869B4781F}" dt="2017-08-22T10:21:26.072" v="1439" actId="478"/>
-          <ac:spMkLst>
-            <pc:docMk/>
-            <pc:sldMk cId="533655295" sldId="279"/>
-            <ac:spMk id="2" creationId="{1E583C6B-51FB-4F17-AFA4-07B3DF058419}"/>
-          </ac:spMkLst>
-        </pc:spChg>
-        <pc:spChg chg="del">
-          <ac:chgData name="Kristofer Carta" userId="a949ead7c4bcd18f" providerId="LiveId" clId="{EE21B5BA-F702-4589-8258-402869B4781F}" dt="2017-08-22T10:21:26.072" v="1439" actId="478"/>
-          <ac:spMkLst>
-            <pc:docMk/>
-            <pc:sldMk cId="533655295" sldId="279"/>
-            <ac:spMk id="3" creationId="{BA82E502-A005-47AB-B80F-A69BBE0038A8}"/>
-          </ac:spMkLst>
-        </pc:spChg>
-        <pc:spChg chg="add del">
-          <ac:chgData name="Kristofer Carta" userId="a949ead7c4bcd18f" providerId="LiveId" clId="{EE21B5BA-F702-4589-8258-402869B4781F}" dt="2017-08-22T10:21:27.127" v="1441" actId="1038"/>
-          <ac:spMkLst>
-            <pc:docMk/>
-            <pc:sldMk cId="533655295" sldId="279"/>
-            <ac:spMk id="4" creationId="{BEC984D1-E841-447D-94AE-06A6430DD207}"/>
-          </ac:spMkLst>
-        </pc:spChg>
-        <pc:picChg chg="add mod">
-          <ac:chgData name="Kristofer Carta" userId="a949ead7c4bcd18f" providerId="LiveId" clId="{EE21B5BA-F702-4589-8258-402869B4781F}" dt="2017-08-22T10:22:10.164" v="1448" actId="1038"/>
-          <ac:picMkLst>
-            <pc:docMk/>
-            <pc:sldMk cId="533655295" sldId="279"/>
-            <ac:picMk id="5" creationId="{B3215D08-2983-41DA-BED9-5D7B37090991}"/>
-          </ac:picMkLst>
-        </pc:picChg>
-      </pc:sldChg>
-    </pc:docChg>
-  </pc:docChgLst>
-  <pc:docChgLst>
     <pc:chgData name="Kristofer Carta" userId="a949ead7c4bcd18f" providerId="LiveId" clId="{8B1725E7-4F78-4438-A95B-BD3CF9EE89A5}"/>
     <pc:docChg chg="undo redo custSel addSld delSld modSld sldOrd modSection">
-      <pc:chgData name="Kristofer Carta" userId="a949ead7c4bcd18f" providerId="LiveId" clId="{8B1725E7-4F78-4438-A95B-BD3CF9EE89A5}" dt="2017-08-31T08:43:42.206" v="17216" actId="20577"/>
+      <pc:chgData name="Kristofer Carta" userId="a949ead7c4bcd18f" providerId="LiveId" clId="{8B1725E7-4F78-4438-A95B-BD3CF9EE89A5}" dt="2017-08-31T10:22:16.760" v="17278" actId="20577"/>
       <pc:docMkLst>
         <pc:docMk/>
       </pc:docMkLst>
@@ -6143,6 +6139,21 @@
             <ac:picMk id="1028" creationId="{A48F452C-7E91-4FA3-A336-9A334F63C595}"/>
           </ac:picMkLst>
         </pc:picChg>
+      </pc:sldChg>
+      <pc:sldChg chg="modSp">
+        <pc:chgData name="Kristofer Carta" userId="a949ead7c4bcd18f" providerId="LiveId" clId="{8B1725E7-4F78-4438-A95B-BD3CF9EE89A5}" dt="2017-08-31T10:22:16.760" v="17278" actId="20577"/>
+        <pc:sldMkLst>
+          <pc:docMk/>
+          <pc:sldMk cId="1484369849" sldId="373"/>
+        </pc:sldMkLst>
+        <pc:spChg chg="mod">
+          <ac:chgData name="Kristofer Carta" userId="a949ead7c4bcd18f" providerId="LiveId" clId="{8B1725E7-4F78-4438-A95B-BD3CF9EE89A5}" dt="2017-08-31T10:22:16.760" v="17278" actId="20577"/>
+          <ac:spMkLst>
+            <pc:docMk/>
+            <pc:sldMk cId="1484369849" sldId="373"/>
+            <ac:spMk id="3" creationId="{C38F677F-5E54-4956-B549-0933911FF3E4}"/>
+          </ac:spMkLst>
+        </pc:spChg>
       </pc:sldChg>
     </pc:docChg>
   </pc:docChgLst>
@@ -22255,15 +22266,7 @@
             </a:pPr>
             <a:r>
               <a:rPr lang="en-US" dirty="0"/>
-              <a:t>	- Nvidia if </a:t>
-            </a:r>
-            <a:r>
-              <a:rPr lang="en-US" u="sng" dirty="0"/>
-              <a:t>heavy</a:t>
-            </a:r>
-            <a:r>
-              <a:rPr lang="en-US" dirty="0"/>
-              <a:t> graphic processing</a:t>
+              <a:t>	- Nvidia if graphic processing</a:t>
             </a:r>
           </a:p>
           <a:p>
@@ -22299,7 +22302,7 @@
             </a:pPr>
             <a:r>
               <a:rPr lang="en-US" dirty="0"/>
-              <a:t>	- SSD</a:t>
+              <a:t>	- SSD, but beware of ~120GB models</a:t>
             </a:r>
           </a:p>
           <a:p>
@@ -22308,8 +22311,13 @@
             </a:pPr>
             <a:r>
               <a:rPr lang="en-US" dirty="0"/>
-              <a:t>	- HDD only if your budget is extremely limited</a:t>
-            </a:r>
+              <a:t>	- HDD only if your budget is extremely limited (can be </a:t>
+            </a:r>
+            <a:r>
+              <a:rPr lang="en-US"/>
+              <a:t>switched later)</a:t>
+            </a:r>
+            <a:endParaRPr lang="en-US" dirty="0"/>
           </a:p>
         </p:txBody>
       </p:sp>

--- a/Presentations/4. TipsAndTricks.pptx
+++ b/Presentations/4. TipsAndTricks.pptx
@@ -218,8 +218,3906 @@
 </p:presentation>
 </file>
 
+<file path=ppt/revisionInfo.xml><?xml version="1.0" encoding="utf-8"?>
+<p1510:revInfo xmlns:a="http://schemas.openxmlformats.org/drawingml/2006/main" xmlns:r="http://schemas.openxmlformats.org/officeDocument/2006/relationships" xmlns:p1510="http://schemas.microsoft.com/office/powerpoint/2015/10/main"/>
+</file>
+
 <file path=ppt/changesInfos/changesInfo1.xml><?xml version="1.0" encoding="utf-8"?>
 <pc:chgInfo xmlns:a="http://schemas.openxmlformats.org/drawingml/2006/main" xmlns:r="http://schemas.openxmlformats.org/officeDocument/2006/relationships" xmlns:ac="http://schemas.microsoft.com/office/drawing/2013/main/command" xmlns:pc="http://schemas.microsoft.com/office/powerpoint/2013/main/command">
+  <pc:docChgLst>
+    <pc:chgData name="Kristofer Carta" userId="a949ead7c4bcd18f" providerId="LiveId" clId="{93888A2B-6F63-458A-BB21-CE9C4CE85A48}"/>
+    <pc:docChg chg="undo redo custSel addSld delSld modSld sldOrd modSection">
+      <pc:chgData name="Kristofer Carta" userId="a949ead7c4bcd18f" providerId="LiveId" clId="{93888A2B-6F63-458A-BB21-CE9C4CE85A48}" dt="2017-08-24T10:10:54.733" v="9879"/>
+      <pc:docMkLst>
+        <pc:docMk/>
+      </pc:docMkLst>
+      <pc:sldChg chg="modSp">
+        <pc:chgData name="Kristofer Carta" userId="a949ead7c4bcd18f" providerId="LiveId" clId="{93888A2B-6F63-458A-BB21-CE9C4CE85A48}" dt="2017-08-24T09:47:04.862" v="9329" actId="20577"/>
+        <pc:sldMkLst>
+          <pc:docMk/>
+          <pc:sldMk cId="974364153" sldId="256"/>
+        </pc:sldMkLst>
+        <pc:spChg chg="mod">
+          <ac:chgData name="Kristofer Carta" userId="a949ead7c4bcd18f" providerId="LiveId" clId="{93888A2B-6F63-458A-BB21-CE9C4CE85A48}" dt="2017-08-24T09:47:04.862" v="9329" actId="20577"/>
+          <ac:spMkLst>
+            <pc:docMk/>
+            <pc:sldMk cId="974364153" sldId="256"/>
+            <ac:spMk id="3" creationId="{BB7D2EFF-91D1-4FCE-84B8-A7286782BC3D}"/>
+          </ac:spMkLst>
+        </pc:spChg>
+      </pc:sldChg>
+      <pc:sldChg chg="del">
+        <pc:chgData name="Kristofer Carta" userId="a949ead7c4bcd18f" providerId="LiveId" clId="{93888A2B-6F63-458A-BB21-CE9C4CE85A48}" dt="2017-08-23T17:35:02.470" v="0" actId="2696"/>
+        <pc:sldMkLst>
+          <pc:docMk/>
+          <pc:sldMk cId="1531087304" sldId="257"/>
+        </pc:sldMkLst>
+      </pc:sldChg>
+      <pc:sldChg chg="modSp">
+        <pc:chgData name="Kristofer Carta" userId="a949ead7c4bcd18f" providerId="LiveId" clId="{93888A2B-6F63-458A-BB21-CE9C4CE85A48}" dt="2017-08-23T17:37:13.226" v="374" actId="20577"/>
+        <pc:sldMkLst>
+          <pc:docMk/>
+          <pc:sldMk cId="3956988050" sldId="260"/>
+        </pc:sldMkLst>
+        <pc:spChg chg="mod">
+          <ac:chgData name="Kristofer Carta" userId="a949ead7c4bcd18f" providerId="LiveId" clId="{93888A2B-6F63-458A-BB21-CE9C4CE85A48}" dt="2017-08-23T17:37:13.226" v="374" actId="20577"/>
+          <ac:spMkLst>
+            <pc:docMk/>
+            <pc:sldMk cId="3956988050" sldId="260"/>
+            <ac:spMk id="3" creationId="{FFC353AD-FA04-47E2-BB20-54AD62996ABA}"/>
+          </ac:spMkLst>
+        </pc:spChg>
+      </pc:sldChg>
+      <pc:sldChg chg="del">
+        <pc:chgData name="Kristofer Carta" userId="a949ead7c4bcd18f" providerId="LiveId" clId="{93888A2B-6F63-458A-BB21-CE9C4CE85A48}" dt="2017-08-23T18:35:42.830" v="883" actId="2696"/>
+        <pc:sldMkLst>
+          <pc:docMk/>
+          <pc:sldMk cId="1781895067" sldId="272"/>
+        </pc:sldMkLst>
+      </pc:sldChg>
+      <pc:sldChg chg="del">
+        <pc:chgData name="Kristofer Carta" userId="a949ead7c4bcd18f" providerId="LiveId" clId="{93888A2B-6F63-458A-BB21-CE9C4CE85A48}" dt="2017-08-23T17:37:39.153" v="419" actId="2696"/>
+        <pc:sldMkLst>
+          <pc:docMk/>
+          <pc:sldMk cId="3644306241" sldId="273"/>
+        </pc:sldMkLst>
+      </pc:sldChg>
+      <pc:sldChg chg="del">
+        <pc:chgData name="Kristofer Carta" userId="a949ead7c4bcd18f" providerId="LiveId" clId="{93888A2B-6F63-458A-BB21-CE9C4CE85A48}" dt="2017-08-23T17:37:39.153" v="418" actId="2696"/>
+        <pc:sldMkLst>
+          <pc:docMk/>
+          <pc:sldMk cId="39224183" sldId="274"/>
+        </pc:sldMkLst>
+      </pc:sldChg>
+      <pc:sldChg chg="del">
+        <pc:chgData name="Kristofer Carta" userId="a949ead7c4bcd18f" providerId="LiveId" clId="{93888A2B-6F63-458A-BB21-CE9C4CE85A48}" dt="2017-08-23T17:37:39.138" v="416" actId="2696"/>
+        <pc:sldMkLst>
+          <pc:docMk/>
+          <pc:sldMk cId="3388597120" sldId="275"/>
+        </pc:sldMkLst>
+      </pc:sldChg>
+      <pc:sldChg chg="del">
+        <pc:chgData name="Kristofer Carta" userId="a949ead7c4bcd18f" providerId="LiveId" clId="{93888A2B-6F63-458A-BB21-CE9C4CE85A48}" dt="2017-08-23T17:37:39.138" v="417" actId="2696"/>
+        <pc:sldMkLst>
+          <pc:docMk/>
+          <pc:sldMk cId="1688141316" sldId="276"/>
+        </pc:sldMkLst>
+      </pc:sldChg>
+      <pc:sldChg chg="del">
+        <pc:chgData name="Kristofer Carta" userId="a949ead7c4bcd18f" providerId="LiveId" clId="{93888A2B-6F63-458A-BB21-CE9C4CE85A48}" dt="2017-08-23T17:37:39.138" v="415" actId="2696"/>
+        <pc:sldMkLst>
+          <pc:docMk/>
+          <pc:sldMk cId="4204636137" sldId="277"/>
+        </pc:sldMkLst>
+      </pc:sldChg>
+      <pc:sldChg chg="del">
+        <pc:chgData name="Kristofer Carta" userId="a949ead7c4bcd18f" providerId="LiveId" clId="{93888A2B-6F63-458A-BB21-CE9C4CE85A48}" dt="2017-08-23T17:37:39.138" v="414" actId="2696"/>
+        <pc:sldMkLst>
+          <pc:docMk/>
+          <pc:sldMk cId="505186429" sldId="278"/>
+        </pc:sldMkLst>
+      </pc:sldChg>
+      <pc:sldChg chg="del">
+        <pc:chgData name="Kristofer Carta" userId="a949ead7c4bcd18f" providerId="LiveId" clId="{93888A2B-6F63-458A-BB21-CE9C4CE85A48}" dt="2017-08-23T17:37:39.138" v="413" actId="2696"/>
+        <pc:sldMkLst>
+          <pc:docMk/>
+          <pc:sldMk cId="1671945896" sldId="279"/>
+        </pc:sldMkLst>
+      </pc:sldChg>
+      <pc:sldChg chg="del">
+        <pc:chgData name="Kristofer Carta" userId="a949ead7c4bcd18f" providerId="LiveId" clId="{93888A2B-6F63-458A-BB21-CE9C4CE85A48}" dt="2017-08-23T17:37:32.635" v="379" actId="2696"/>
+        <pc:sldMkLst>
+          <pc:docMk/>
+          <pc:sldMk cId="946938703" sldId="282"/>
+        </pc:sldMkLst>
+      </pc:sldChg>
+      <pc:sldChg chg="del">
+        <pc:chgData name="Kristofer Carta" userId="a949ead7c4bcd18f" providerId="LiveId" clId="{93888A2B-6F63-458A-BB21-CE9C4CE85A48}" dt="2017-08-23T17:37:32.667" v="393" actId="2696"/>
+        <pc:sldMkLst>
+          <pc:docMk/>
+          <pc:sldMk cId="746043981" sldId="283"/>
+        </pc:sldMkLst>
+      </pc:sldChg>
+      <pc:sldChg chg="del">
+        <pc:chgData name="Kristofer Carta" userId="a949ead7c4bcd18f" providerId="LiveId" clId="{93888A2B-6F63-458A-BB21-CE9C4CE85A48}" dt="2017-08-23T17:37:39.138" v="412" actId="2696"/>
+        <pc:sldMkLst>
+          <pc:docMk/>
+          <pc:sldMk cId="3986163140" sldId="289"/>
+        </pc:sldMkLst>
+      </pc:sldChg>
+      <pc:sldChg chg="del">
+        <pc:chgData name="Kristofer Carta" userId="a949ead7c4bcd18f" providerId="LiveId" clId="{93888A2B-6F63-458A-BB21-CE9C4CE85A48}" dt="2017-08-23T17:37:32.635" v="376" actId="2696"/>
+        <pc:sldMkLst>
+          <pc:docMk/>
+          <pc:sldMk cId="3013723820" sldId="290"/>
+        </pc:sldMkLst>
+      </pc:sldChg>
+      <pc:sldChg chg="modSp">
+        <pc:chgData name="Kristofer Carta" userId="a949ead7c4bcd18f" providerId="LiveId" clId="{93888A2B-6F63-458A-BB21-CE9C4CE85A48}" dt="2017-08-23T20:55:40.413" v="5396" actId="20577"/>
+        <pc:sldMkLst>
+          <pc:docMk/>
+          <pc:sldMk cId="2069327080" sldId="291"/>
+        </pc:sldMkLst>
+        <pc:spChg chg="mod">
+          <ac:chgData name="Kristofer Carta" userId="a949ead7c4bcd18f" providerId="LiveId" clId="{93888A2B-6F63-458A-BB21-CE9C4CE85A48}" dt="2017-08-23T20:55:40.413" v="5396" actId="20577"/>
+          <ac:spMkLst>
+            <pc:docMk/>
+            <pc:sldMk cId="2069327080" sldId="291"/>
+            <ac:spMk id="2" creationId="{00000000-0000-0000-0000-000000000000}"/>
+          </ac:spMkLst>
+        </pc:spChg>
+      </pc:sldChg>
+      <pc:sldChg chg="del">
+        <pc:chgData name="Kristofer Carta" userId="a949ead7c4bcd18f" providerId="LiveId" clId="{93888A2B-6F63-458A-BB21-CE9C4CE85A48}" dt="2017-08-23T17:37:32.651" v="380" actId="2696"/>
+        <pc:sldMkLst>
+          <pc:docMk/>
+          <pc:sldMk cId="3312173396" sldId="292"/>
+        </pc:sldMkLst>
+      </pc:sldChg>
+      <pc:sldChg chg="del">
+        <pc:chgData name="Kristofer Carta" userId="a949ead7c4bcd18f" providerId="LiveId" clId="{93888A2B-6F63-458A-BB21-CE9C4CE85A48}" dt="2017-08-23T17:37:32.651" v="381" actId="2696"/>
+        <pc:sldMkLst>
+          <pc:docMk/>
+          <pc:sldMk cId="529333106" sldId="293"/>
+        </pc:sldMkLst>
+      </pc:sldChg>
+      <pc:sldChg chg="del">
+        <pc:chgData name="Kristofer Carta" userId="a949ead7c4bcd18f" providerId="LiveId" clId="{93888A2B-6F63-458A-BB21-CE9C4CE85A48}" dt="2017-08-23T17:37:32.651" v="382" actId="2696"/>
+        <pc:sldMkLst>
+          <pc:docMk/>
+          <pc:sldMk cId="2590034179" sldId="294"/>
+        </pc:sldMkLst>
+      </pc:sldChg>
+      <pc:sldChg chg="del">
+        <pc:chgData name="Kristofer Carta" userId="a949ead7c4bcd18f" providerId="LiveId" clId="{93888A2B-6F63-458A-BB21-CE9C4CE85A48}" dt="2017-08-23T17:37:32.651" v="383" actId="2696"/>
+        <pc:sldMkLst>
+          <pc:docMk/>
+          <pc:sldMk cId="832639978" sldId="295"/>
+        </pc:sldMkLst>
+      </pc:sldChg>
+      <pc:sldChg chg="del">
+        <pc:chgData name="Kristofer Carta" userId="a949ead7c4bcd18f" providerId="LiveId" clId="{93888A2B-6F63-458A-BB21-CE9C4CE85A48}" dt="2017-08-23T17:37:32.651" v="384" actId="2696"/>
+        <pc:sldMkLst>
+          <pc:docMk/>
+          <pc:sldMk cId="2908102715" sldId="296"/>
+        </pc:sldMkLst>
+      </pc:sldChg>
+      <pc:sldChg chg="del">
+        <pc:chgData name="Kristofer Carta" userId="a949ead7c4bcd18f" providerId="LiveId" clId="{93888A2B-6F63-458A-BB21-CE9C4CE85A48}" dt="2017-08-23T17:37:32.651" v="385" actId="2696"/>
+        <pc:sldMkLst>
+          <pc:docMk/>
+          <pc:sldMk cId="2085938742" sldId="297"/>
+        </pc:sldMkLst>
+      </pc:sldChg>
+      <pc:sldChg chg="del">
+        <pc:chgData name="Kristofer Carta" userId="a949ead7c4bcd18f" providerId="LiveId" clId="{93888A2B-6F63-458A-BB21-CE9C4CE85A48}" dt="2017-08-23T17:37:32.651" v="386" actId="2696"/>
+        <pc:sldMkLst>
+          <pc:docMk/>
+          <pc:sldMk cId="807550934" sldId="298"/>
+        </pc:sldMkLst>
+      </pc:sldChg>
+      <pc:sldChg chg="del">
+        <pc:chgData name="Kristofer Carta" userId="a949ead7c4bcd18f" providerId="LiveId" clId="{93888A2B-6F63-458A-BB21-CE9C4CE85A48}" dt="2017-08-23T17:37:32.667" v="387" actId="2696"/>
+        <pc:sldMkLst>
+          <pc:docMk/>
+          <pc:sldMk cId="2848556147" sldId="299"/>
+        </pc:sldMkLst>
+      </pc:sldChg>
+      <pc:sldChg chg="del">
+        <pc:chgData name="Kristofer Carta" userId="a949ead7c4bcd18f" providerId="LiveId" clId="{93888A2B-6F63-458A-BB21-CE9C4CE85A48}" dt="2017-08-23T17:37:32.667" v="391" actId="2696"/>
+        <pc:sldMkLst>
+          <pc:docMk/>
+          <pc:sldMk cId="2335144893" sldId="300"/>
+        </pc:sldMkLst>
+      </pc:sldChg>
+      <pc:sldChg chg="del">
+        <pc:chgData name="Kristofer Carta" userId="a949ead7c4bcd18f" providerId="LiveId" clId="{93888A2B-6F63-458A-BB21-CE9C4CE85A48}" dt="2017-08-23T17:37:32.667" v="392" actId="2696"/>
+        <pc:sldMkLst>
+          <pc:docMk/>
+          <pc:sldMk cId="1180048117" sldId="301"/>
+        </pc:sldMkLst>
+      </pc:sldChg>
+      <pc:sldChg chg="del">
+        <pc:chgData name="Kristofer Carta" userId="a949ead7c4bcd18f" providerId="LiveId" clId="{93888A2B-6F63-458A-BB21-CE9C4CE85A48}" dt="2017-08-23T17:37:32.682" v="394" actId="2696"/>
+        <pc:sldMkLst>
+          <pc:docMk/>
+          <pc:sldMk cId="2199076171" sldId="302"/>
+        </pc:sldMkLst>
+      </pc:sldChg>
+      <pc:sldChg chg="del">
+        <pc:chgData name="Kristofer Carta" userId="a949ead7c4bcd18f" providerId="LiveId" clId="{93888A2B-6F63-458A-BB21-CE9C4CE85A48}" dt="2017-08-23T17:37:32.682" v="395" actId="2696"/>
+        <pc:sldMkLst>
+          <pc:docMk/>
+          <pc:sldMk cId="3637556005" sldId="303"/>
+        </pc:sldMkLst>
+      </pc:sldChg>
+      <pc:sldChg chg="del">
+        <pc:chgData name="Kristofer Carta" userId="a949ead7c4bcd18f" providerId="LiveId" clId="{93888A2B-6F63-458A-BB21-CE9C4CE85A48}" dt="2017-08-23T17:37:32.682" v="400" actId="2696"/>
+        <pc:sldMkLst>
+          <pc:docMk/>
+          <pc:sldMk cId="1502807105" sldId="304"/>
+        </pc:sldMkLst>
+      </pc:sldChg>
+      <pc:sldChg chg="del">
+        <pc:chgData name="Kristofer Carta" userId="a949ead7c4bcd18f" providerId="LiveId" clId="{93888A2B-6F63-458A-BB21-CE9C4CE85A48}" dt="2017-08-23T17:37:32.682" v="396" actId="2696"/>
+        <pc:sldMkLst>
+          <pc:docMk/>
+          <pc:sldMk cId="893423556" sldId="305"/>
+        </pc:sldMkLst>
+      </pc:sldChg>
+      <pc:sldChg chg="del">
+        <pc:chgData name="Kristofer Carta" userId="a949ead7c4bcd18f" providerId="LiveId" clId="{93888A2B-6F63-458A-BB21-CE9C4CE85A48}" dt="2017-08-23T17:37:32.682" v="398" actId="2696"/>
+        <pc:sldMkLst>
+          <pc:docMk/>
+          <pc:sldMk cId="1451272425" sldId="306"/>
+        </pc:sldMkLst>
+      </pc:sldChg>
+      <pc:sldChg chg="del">
+        <pc:chgData name="Kristofer Carta" userId="a949ead7c4bcd18f" providerId="LiveId" clId="{93888A2B-6F63-458A-BB21-CE9C4CE85A48}" dt="2017-08-23T17:37:32.682" v="399" actId="2696"/>
+        <pc:sldMkLst>
+          <pc:docMk/>
+          <pc:sldMk cId="537141572" sldId="307"/>
+        </pc:sldMkLst>
+      </pc:sldChg>
+      <pc:sldChg chg="del">
+        <pc:chgData name="Kristofer Carta" userId="a949ead7c4bcd18f" providerId="LiveId" clId="{93888A2B-6F63-458A-BB21-CE9C4CE85A48}" dt="2017-08-23T17:37:32.667" v="390" actId="2696"/>
+        <pc:sldMkLst>
+          <pc:docMk/>
+          <pc:sldMk cId="2546566055" sldId="308"/>
+        </pc:sldMkLst>
+      </pc:sldChg>
+      <pc:sldChg chg="del">
+        <pc:chgData name="Kristofer Carta" userId="a949ead7c4bcd18f" providerId="LiveId" clId="{93888A2B-6F63-458A-BB21-CE9C4CE85A48}" dt="2017-08-23T17:37:39.153" v="421" actId="2696"/>
+        <pc:sldMkLst>
+          <pc:docMk/>
+          <pc:sldMk cId="3320679016" sldId="309"/>
+        </pc:sldMkLst>
+      </pc:sldChg>
+      <pc:sldChg chg="del">
+        <pc:chgData name="Kristofer Carta" userId="a949ead7c4bcd18f" providerId="LiveId" clId="{93888A2B-6F63-458A-BB21-CE9C4CE85A48}" dt="2017-08-23T17:37:39.153" v="420" actId="2696"/>
+        <pc:sldMkLst>
+          <pc:docMk/>
+          <pc:sldMk cId="3229214117" sldId="310"/>
+        </pc:sldMkLst>
+      </pc:sldChg>
+      <pc:sldChg chg="modSp ord">
+        <pc:chgData name="Kristofer Carta" userId="a949ead7c4bcd18f" providerId="LiveId" clId="{93888A2B-6F63-458A-BB21-CE9C4CE85A48}" dt="2017-08-23T20:05:09.506" v="3010" actId="113"/>
+        <pc:sldMkLst>
+          <pc:docMk/>
+          <pc:sldMk cId="3517925212" sldId="311"/>
+        </pc:sldMkLst>
+        <pc:spChg chg="mod">
+          <ac:chgData name="Kristofer Carta" userId="a949ead7c4bcd18f" providerId="LiveId" clId="{93888A2B-6F63-458A-BB21-CE9C4CE85A48}" dt="2017-08-23T17:37:47.305" v="430" actId="20577"/>
+          <ac:spMkLst>
+            <pc:docMk/>
+            <pc:sldMk cId="3517925212" sldId="311"/>
+            <ac:spMk id="2" creationId="{00000000-0000-0000-0000-000000000000}"/>
+          </ac:spMkLst>
+        </pc:spChg>
+        <pc:spChg chg="mod">
+          <ac:chgData name="Kristofer Carta" userId="a949ead7c4bcd18f" providerId="LiveId" clId="{93888A2B-6F63-458A-BB21-CE9C4CE85A48}" dt="2017-08-23T20:05:09.506" v="3010" actId="113"/>
+          <ac:spMkLst>
+            <pc:docMk/>
+            <pc:sldMk cId="3517925212" sldId="311"/>
+            <ac:spMk id="6" creationId="{6DD7875C-5F11-4BB5-B477-CEB13F99A703}"/>
+          </ac:spMkLst>
+        </pc:spChg>
+      </pc:sldChg>
+      <pc:sldChg chg="modSp add">
+        <pc:chgData name="Kristofer Carta" userId="a949ead7c4bcd18f" providerId="LiveId" clId="{93888A2B-6F63-458A-BB21-CE9C4CE85A48}" dt="2017-08-23T18:23:07.977" v="681" actId="20577"/>
+        <pc:sldMkLst>
+          <pc:docMk/>
+          <pc:sldMk cId="943162303" sldId="312"/>
+        </pc:sldMkLst>
+        <pc:spChg chg="mod">
+          <ac:chgData name="Kristofer Carta" userId="a949ead7c4bcd18f" providerId="LiveId" clId="{93888A2B-6F63-458A-BB21-CE9C4CE85A48}" dt="2017-08-23T18:23:07.977" v="681" actId="20577"/>
+          <ac:spMkLst>
+            <pc:docMk/>
+            <pc:sldMk cId="943162303" sldId="312"/>
+            <ac:spMk id="2" creationId="{00000000-0000-0000-0000-000000000000}"/>
+          </ac:spMkLst>
+        </pc:spChg>
+        <pc:spChg chg="mod">
+          <ac:chgData name="Kristofer Carta" userId="a949ead7c4bcd18f" providerId="LiveId" clId="{93888A2B-6F63-458A-BB21-CE9C4CE85A48}" dt="2017-08-23T18:22:50.148" v="675" actId="20577"/>
+          <ac:spMkLst>
+            <pc:docMk/>
+            <pc:sldMk cId="943162303" sldId="312"/>
+            <ac:spMk id="3" creationId="{00000000-0000-0000-0000-000000000000}"/>
+          </ac:spMkLst>
+        </pc:spChg>
+      </pc:sldChg>
+      <pc:sldChg chg="delSp modSp add">
+        <pc:chgData name="Kristofer Carta" userId="a949ead7c4bcd18f" providerId="LiveId" clId="{93888A2B-6F63-458A-BB21-CE9C4CE85A48}" dt="2017-08-23T20:26:52.571" v="4236" actId="113"/>
+        <pc:sldMkLst>
+          <pc:docMk/>
+          <pc:sldMk cId="612518781" sldId="313"/>
+        </pc:sldMkLst>
+        <pc:spChg chg="mod">
+          <ac:chgData name="Kristofer Carta" userId="a949ead7c4bcd18f" providerId="LiveId" clId="{93888A2B-6F63-458A-BB21-CE9C4CE85A48}" dt="2017-08-23T18:23:07.977" v="681" actId="113"/>
+          <ac:spMkLst>
+            <pc:docMk/>
+            <pc:sldMk cId="612518781" sldId="313"/>
+            <ac:spMk id="2" creationId="{00000000-0000-0000-0000-000000000000}"/>
+          </ac:spMkLst>
+        </pc:spChg>
+        <pc:spChg chg="mod">
+          <ac:chgData name="Kristofer Carta" userId="a949ead7c4bcd18f" providerId="LiveId" clId="{93888A2B-6F63-458A-BB21-CE9C4CE85A48}" dt="2017-08-23T20:26:52.571" v="4236" actId="113"/>
+          <ac:spMkLst>
+            <pc:docMk/>
+            <pc:sldMk cId="612518781" sldId="313"/>
+            <ac:spMk id="3" creationId="{00000000-0000-0000-0000-000000000000}"/>
+          </ac:spMkLst>
+        </pc:spChg>
+        <pc:picChg chg="del mod">
+          <ac:chgData name="Kristofer Carta" userId="a949ead7c4bcd18f" providerId="LiveId" clId="{93888A2B-6F63-458A-BB21-CE9C4CE85A48}" dt="2017-08-23T19:36:42.304" v="2119" actId="478"/>
+          <ac:picMkLst>
+            <pc:docMk/>
+            <pc:sldMk cId="612518781" sldId="313"/>
+            <ac:picMk id="5" creationId="{00000000-0000-0000-0000-000000000000}"/>
+          </ac:picMkLst>
+        </pc:picChg>
+      </pc:sldChg>
+      <pc:sldChg chg="del">
+        <pc:chgData name="Kristofer Carta" userId="a949ead7c4bcd18f" providerId="LiveId" clId="{93888A2B-6F63-458A-BB21-CE9C4CE85A48}" dt="2017-08-23T17:37:32.682" v="397" actId="2696"/>
+        <pc:sldMkLst>
+          <pc:docMk/>
+          <pc:sldMk cId="649682295" sldId="313"/>
+        </pc:sldMkLst>
+      </pc:sldChg>
+      <pc:sldChg chg="modSp add">
+        <pc:chgData name="Kristofer Carta" userId="a949ead7c4bcd18f" providerId="LiveId" clId="{93888A2B-6F63-458A-BB21-CE9C4CE85A48}" dt="2017-08-23T20:41:57.865" v="5366" actId="20577"/>
+        <pc:sldMkLst>
+          <pc:docMk/>
+          <pc:sldMk cId="993795240" sldId="314"/>
+        </pc:sldMkLst>
+        <pc:spChg chg="mod">
+          <ac:chgData name="Kristofer Carta" userId="a949ead7c4bcd18f" providerId="LiveId" clId="{93888A2B-6F63-458A-BB21-CE9C4CE85A48}" dt="2017-08-23T18:31:10.463" v="805" actId="20577"/>
+          <ac:spMkLst>
+            <pc:docMk/>
+            <pc:sldMk cId="993795240" sldId="314"/>
+            <ac:spMk id="2" creationId="{00000000-0000-0000-0000-000000000000}"/>
+          </ac:spMkLst>
+        </pc:spChg>
+        <pc:spChg chg="mod">
+          <ac:chgData name="Kristofer Carta" userId="a949ead7c4bcd18f" providerId="LiveId" clId="{93888A2B-6F63-458A-BB21-CE9C4CE85A48}" dt="2017-08-23T20:41:57.865" v="5366" actId="20577"/>
+          <ac:spMkLst>
+            <pc:docMk/>
+            <pc:sldMk cId="993795240" sldId="314"/>
+            <ac:spMk id="3" creationId="{00000000-0000-0000-0000-000000000000}"/>
+          </ac:spMkLst>
+        </pc:spChg>
+      </pc:sldChg>
+      <pc:sldChg chg="modSp add">
+        <pc:chgData name="Kristofer Carta" userId="a949ead7c4bcd18f" providerId="LiveId" clId="{93888A2B-6F63-458A-BB21-CE9C4CE85A48}" dt="2017-08-23T19:35:56.480" v="2064" actId="20577"/>
+        <pc:sldMkLst>
+          <pc:docMk/>
+          <pc:sldMk cId="2160951464" sldId="315"/>
+        </pc:sldMkLst>
+        <pc:spChg chg="mod">
+          <ac:chgData name="Kristofer Carta" userId="a949ead7c4bcd18f" providerId="LiveId" clId="{93888A2B-6F63-458A-BB21-CE9C4CE85A48}" dt="2017-08-23T18:23:07.977" v="681" actId="20577"/>
+          <ac:spMkLst>
+            <pc:docMk/>
+            <pc:sldMk cId="2160951464" sldId="315"/>
+            <ac:spMk id="2" creationId="{00000000-0000-0000-0000-000000000000}"/>
+          </ac:spMkLst>
+        </pc:spChg>
+        <pc:spChg chg="mod">
+          <ac:chgData name="Kristofer Carta" userId="a949ead7c4bcd18f" providerId="LiveId" clId="{93888A2B-6F63-458A-BB21-CE9C4CE85A48}" dt="2017-08-23T19:35:56.480" v="2064" actId="20577"/>
+          <ac:spMkLst>
+            <pc:docMk/>
+            <pc:sldMk cId="2160951464" sldId="315"/>
+            <ac:spMk id="3" creationId="{00000000-0000-0000-0000-000000000000}"/>
+          </ac:spMkLst>
+        </pc:spChg>
+      </pc:sldChg>
+      <pc:sldChg chg="del">
+        <pc:chgData name="Kristofer Carta" userId="a949ead7c4bcd18f" providerId="LiveId" clId="{93888A2B-6F63-458A-BB21-CE9C4CE85A48}" dt="2017-08-23T17:37:32.667" v="388" actId="2696"/>
+        <pc:sldMkLst>
+          <pc:docMk/>
+          <pc:sldMk cId="2556163480" sldId="315"/>
+        </pc:sldMkLst>
+      </pc:sldChg>
+      <pc:sldChg chg="del">
+        <pc:chgData name="Kristofer Carta" userId="a949ead7c4bcd18f" providerId="LiveId" clId="{93888A2B-6F63-458A-BB21-CE9C4CE85A48}" dt="2017-08-23T17:37:32.682" v="401" actId="2696"/>
+        <pc:sldMkLst>
+          <pc:docMk/>
+          <pc:sldMk cId="2168924539" sldId="316"/>
+        </pc:sldMkLst>
+      </pc:sldChg>
+      <pc:sldChg chg="modSp add">
+        <pc:chgData name="Kristofer Carta" userId="a949ead7c4bcd18f" providerId="LiveId" clId="{93888A2B-6F63-458A-BB21-CE9C4CE85A48}" dt="2017-08-23T21:05:37.516" v="6098" actId="20577"/>
+        <pc:sldMkLst>
+          <pc:docMk/>
+          <pc:sldMk cId="3427259681" sldId="316"/>
+        </pc:sldMkLst>
+        <pc:spChg chg="mod">
+          <ac:chgData name="Kristofer Carta" userId="a949ead7c4bcd18f" providerId="LiveId" clId="{93888A2B-6F63-458A-BB21-CE9C4CE85A48}" dt="2017-08-23T20:57:16.972" v="5488" actId="20577"/>
+          <ac:spMkLst>
+            <pc:docMk/>
+            <pc:sldMk cId="3427259681" sldId="316"/>
+            <ac:spMk id="2" creationId="{00000000-0000-0000-0000-000000000000}"/>
+          </ac:spMkLst>
+        </pc:spChg>
+        <pc:spChg chg="mod">
+          <ac:chgData name="Kristofer Carta" userId="a949ead7c4bcd18f" providerId="LiveId" clId="{93888A2B-6F63-458A-BB21-CE9C4CE85A48}" dt="2017-08-23T21:05:37.516" v="6098" actId="20577"/>
+          <ac:spMkLst>
+            <pc:docMk/>
+            <pc:sldMk cId="3427259681" sldId="316"/>
+            <ac:spMk id="3" creationId="{00000000-0000-0000-0000-000000000000}"/>
+          </ac:spMkLst>
+        </pc:spChg>
+      </pc:sldChg>
+      <pc:sldChg chg="modSp add del">
+        <pc:chgData name="Kristofer Carta" userId="a949ead7c4bcd18f" providerId="LiveId" clId="{93888A2B-6F63-458A-BB21-CE9C4CE85A48}" dt="2017-08-23T18:21:05.008" v="674" actId="2696"/>
+        <pc:sldMkLst>
+          <pc:docMk/>
+          <pc:sldMk cId="483910684" sldId="317"/>
+        </pc:sldMkLst>
+        <pc:spChg chg="mod">
+          <ac:chgData name="Kristofer Carta" userId="a949ead7c4bcd18f" providerId="LiveId" clId="{93888A2B-6F63-458A-BB21-CE9C4CE85A48}" dt="2017-08-23T18:21:02.368" v="673" actId="20577"/>
+          <ac:spMkLst>
+            <pc:docMk/>
+            <pc:sldMk cId="483910684" sldId="317"/>
+            <ac:spMk id="2" creationId="{00000000-0000-0000-0000-000000000000}"/>
+          </ac:spMkLst>
+        </pc:spChg>
+        <pc:spChg chg="mod">
+          <ac:chgData name="Kristofer Carta" userId="a949ead7c4bcd18f" providerId="LiveId" clId="{93888A2B-6F63-458A-BB21-CE9C4CE85A48}" dt="2017-08-23T18:20:27.841" v="634" actId="20577"/>
+          <ac:spMkLst>
+            <pc:docMk/>
+            <pc:sldMk cId="483910684" sldId="317"/>
+            <ac:spMk id="3" creationId="{00000000-0000-0000-0000-000000000000}"/>
+          </ac:spMkLst>
+        </pc:spChg>
+      </pc:sldChg>
+      <pc:sldChg chg="del">
+        <pc:chgData name="Kristofer Carta" userId="a949ead7c4bcd18f" providerId="LiveId" clId="{93888A2B-6F63-458A-BB21-CE9C4CE85A48}" dt="2017-08-23T17:37:32.698" v="402" actId="2696"/>
+        <pc:sldMkLst>
+          <pc:docMk/>
+          <pc:sldMk cId="2015390687" sldId="317"/>
+        </pc:sldMkLst>
+      </pc:sldChg>
+      <pc:sldChg chg="modSp add ord">
+        <pc:chgData name="Kristofer Carta" userId="a949ead7c4bcd18f" providerId="LiveId" clId="{93888A2B-6F63-458A-BB21-CE9C4CE85A48}" dt="2017-08-23T20:56:20.794" v="5407" actId="20577"/>
+        <pc:sldMkLst>
+          <pc:docMk/>
+          <pc:sldMk cId="2483379484" sldId="318"/>
+        </pc:sldMkLst>
+        <pc:spChg chg="mod">
+          <ac:chgData name="Kristofer Carta" userId="a949ead7c4bcd18f" providerId="LiveId" clId="{93888A2B-6F63-458A-BB21-CE9C4CE85A48}" dt="2017-08-23T18:39:13.068" v="905" actId="20577"/>
+          <ac:spMkLst>
+            <pc:docMk/>
+            <pc:sldMk cId="2483379484" sldId="318"/>
+            <ac:spMk id="2" creationId="{00000000-0000-0000-0000-000000000000}"/>
+          </ac:spMkLst>
+        </pc:spChg>
+        <pc:spChg chg="mod">
+          <ac:chgData name="Kristofer Carta" userId="a949ead7c4bcd18f" providerId="LiveId" clId="{93888A2B-6F63-458A-BB21-CE9C4CE85A48}" dt="2017-08-23T19:29:47.456" v="1791" actId="20577"/>
+          <ac:spMkLst>
+            <pc:docMk/>
+            <pc:sldMk cId="2483379484" sldId="318"/>
+            <ac:spMk id="3" creationId="{00000000-0000-0000-0000-000000000000}"/>
+          </ac:spMkLst>
+        </pc:spChg>
+      </pc:sldChg>
+      <pc:sldChg chg="del">
+        <pc:chgData name="Kristofer Carta" userId="a949ead7c4bcd18f" providerId="LiveId" clId="{93888A2B-6F63-458A-BB21-CE9C4CE85A48}" dt="2017-08-23T17:37:32.698" v="403" actId="2696"/>
+        <pc:sldMkLst>
+          <pc:docMk/>
+          <pc:sldMk cId="3762025611" sldId="318"/>
+        </pc:sldMkLst>
+      </pc:sldChg>
+      <pc:sldChg chg="modSp add ord">
+        <pc:chgData name="Kristofer Carta" userId="a949ead7c4bcd18f" providerId="LiveId" clId="{93888A2B-6F63-458A-BB21-CE9C4CE85A48}" dt="2017-08-23T20:43:12.338" v="5379" actId="113"/>
+        <pc:sldMkLst>
+          <pc:docMk/>
+          <pc:sldMk cId="2035023214" sldId="319"/>
+        </pc:sldMkLst>
+        <pc:spChg chg="mod">
+          <ac:chgData name="Kristofer Carta" userId="a949ead7c4bcd18f" providerId="LiveId" clId="{93888A2B-6F63-458A-BB21-CE9C4CE85A48}" dt="2017-08-23T18:23:07.977" v="681" actId="113"/>
+          <ac:spMkLst>
+            <pc:docMk/>
+            <pc:sldMk cId="2035023214" sldId="319"/>
+            <ac:spMk id="2" creationId="{00000000-0000-0000-0000-000000000000}"/>
+          </ac:spMkLst>
+        </pc:spChg>
+        <pc:spChg chg="mod">
+          <ac:chgData name="Kristofer Carta" userId="a949ead7c4bcd18f" providerId="LiveId" clId="{93888A2B-6F63-458A-BB21-CE9C4CE85A48}" dt="2017-08-23T20:43:12.338" v="5379" actId="113"/>
+          <ac:spMkLst>
+            <pc:docMk/>
+            <pc:sldMk cId="2035023214" sldId="319"/>
+            <ac:spMk id="3" creationId="{00000000-0000-0000-0000-000000000000}"/>
+          </ac:spMkLst>
+        </pc:spChg>
+      </pc:sldChg>
+      <pc:sldChg chg="del">
+        <pc:chgData name="Kristofer Carta" userId="a949ead7c4bcd18f" providerId="LiveId" clId="{93888A2B-6F63-458A-BB21-CE9C4CE85A48}" dt="2017-08-23T17:37:32.698" v="404" actId="2696"/>
+        <pc:sldMkLst>
+          <pc:docMk/>
+          <pc:sldMk cId="2324310570" sldId="319"/>
+        </pc:sldMkLst>
+      </pc:sldChg>
+      <pc:sldChg chg="modSp add">
+        <pc:chgData name="Kristofer Carta" userId="a949ead7c4bcd18f" providerId="LiveId" clId="{93888A2B-6F63-458A-BB21-CE9C4CE85A48}" dt="2017-08-23T18:23:07.977" v="681" actId="20577"/>
+        <pc:sldMkLst>
+          <pc:docMk/>
+          <pc:sldMk cId="2406742168" sldId="320"/>
+        </pc:sldMkLst>
+        <pc:spChg chg="mod">
+          <ac:chgData name="Kristofer Carta" userId="a949ead7c4bcd18f" providerId="LiveId" clId="{93888A2B-6F63-458A-BB21-CE9C4CE85A48}" dt="2017-08-23T18:23:07.977" v="681" actId="20577"/>
+          <ac:spMkLst>
+            <pc:docMk/>
+            <pc:sldMk cId="2406742168" sldId="320"/>
+            <ac:spMk id="2" creationId="{00000000-0000-0000-0000-000000000000}"/>
+          </ac:spMkLst>
+        </pc:spChg>
+        <pc:spChg chg="mod">
+          <ac:chgData name="Kristofer Carta" userId="a949ead7c4bcd18f" providerId="LiveId" clId="{93888A2B-6F63-458A-BB21-CE9C4CE85A48}" dt="2017-08-23T18:22:50.210" v="677" actId="27636"/>
+          <ac:spMkLst>
+            <pc:docMk/>
+            <pc:sldMk cId="2406742168" sldId="320"/>
+            <ac:spMk id="3" creationId="{00000000-0000-0000-0000-000000000000}"/>
+          </ac:spMkLst>
+        </pc:spChg>
+      </pc:sldChg>
+      <pc:sldChg chg="del">
+        <pc:chgData name="Kristofer Carta" userId="a949ead7c4bcd18f" providerId="LiveId" clId="{93888A2B-6F63-458A-BB21-CE9C4CE85A48}" dt="2017-08-23T17:37:32.776" v="405" actId="2696"/>
+        <pc:sldMkLst>
+          <pc:docMk/>
+          <pc:sldMk cId="2666954499" sldId="320"/>
+        </pc:sldMkLst>
+      </pc:sldChg>
+      <pc:sldChg chg="modSp add del">
+        <pc:chgData name="Kristofer Carta" userId="a949ead7c4bcd18f" providerId="LiveId" clId="{93888A2B-6F63-458A-BB21-CE9C4CE85A48}" dt="2017-08-23T21:10:54.192" v="6500" actId="2696"/>
+        <pc:sldMkLst>
+          <pc:docMk/>
+          <pc:sldMk cId="1643208327" sldId="321"/>
+        </pc:sldMkLst>
+        <pc:spChg chg="mod">
+          <ac:chgData name="Kristofer Carta" userId="a949ead7c4bcd18f" providerId="LiveId" clId="{93888A2B-6F63-458A-BB21-CE9C4CE85A48}" dt="2017-08-23T18:23:07.977" v="681" actId="2696"/>
+          <ac:spMkLst>
+            <pc:docMk/>
+            <pc:sldMk cId="1643208327" sldId="321"/>
+            <ac:spMk id="2" creationId="{00000000-0000-0000-0000-000000000000}"/>
+          </ac:spMkLst>
+        </pc:spChg>
+        <pc:spChg chg="mod">
+          <ac:chgData name="Kristofer Carta" userId="a949ead7c4bcd18f" providerId="LiveId" clId="{93888A2B-6F63-458A-BB21-CE9C4CE85A48}" dt="2017-08-23T19:50:58.831" v="2727" actId="6549"/>
+          <ac:spMkLst>
+            <pc:docMk/>
+            <pc:sldMk cId="1643208327" sldId="321"/>
+            <ac:spMk id="3" creationId="{00000000-0000-0000-0000-000000000000}"/>
+          </ac:spMkLst>
+        </pc:spChg>
+      </pc:sldChg>
+      <pc:sldChg chg="del">
+        <pc:chgData name="Kristofer Carta" userId="a949ead7c4bcd18f" providerId="LiveId" clId="{93888A2B-6F63-458A-BB21-CE9C4CE85A48}" dt="2017-08-23T17:37:32.776" v="406" actId="2696"/>
+        <pc:sldMkLst>
+          <pc:docMk/>
+          <pc:sldMk cId="1908217624" sldId="321"/>
+        </pc:sldMkLst>
+      </pc:sldChg>
+      <pc:sldChg chg="del">
+        <pc:chgData name="Kristofer Carta" userId="a949ead7c4bcd18f" providerId="LiveId" clId="{93888A2B-6F63-458A-BB21-CE9C4CE85A48}" dt="2017-08-23T17:37:32.635" v="375" actId="2696"/>
+        <pc:sldMkLst>
+          <pc:docMk/>
+          <pc:sldMk cId="614126133" sldId="322"/>
+        </pc:sldMkLst>
+      </pc:sldChg>
+      <pc:sldChg chg="modSp add ord">
+        <pc:chgData name="Kristofer Carta" userId="a949ead7c4bcd18f" providerId="LiveId" clId="{93888A2B-6F63-458A-BB21-CE9C4CE85A48}" dt="2017-08-24T09:56:15.723" v="9344" actId="20577"/>
+        <pc:sldMkLst>
+          <pc:docMk/>
+          <pc:sldMk cId="2693777697" sldId="322"/>
+        </pc:sldMkLst>
+        <pc:spChg chg="mod">
+          <ac:chgData name="Kristofer Carta" userId="a949ead7c4bcd18f" providerId="LiveId" clId="{93888A2B-6F63-458A-BB21-CE9C4CE85A48}" dt="2017-08-24T09:56:15.723" v="9344" actId="20577"/>
+          <ac:spMkLst>
+            <pc:docMk/>
+            <pc:sldMk cId="2693777697" sldId="322"/>
+            <ac:spMk id="3" creationId="{00000000-0000-0000-0000-000000000000}"/>
+          </ac:spMkLst>
+        </pc:spChg>
+      </pc:sldChg>
+      <pc:sldChg chg="add del">
+        <pc:chgData name="Kristofer Carta" userId="a949ead7c4bcd18f" providerId="LiveId" clId="{93888A2B-6F63-458A-BB21-CE9C4CE85A48}" dt="2017-08-23T19:31:44.130" v="1793" actId="2696"/>
+        <pc:sldMkLst>
+          <pc:docMk/>
+          <pc:sldMk cId="878893091" sldId="323"/>
+        </pc:sldMkLst>
+      </pc:sldChg>
+      <pc:sldChg chg="del">
+        <pc:chgData name="Kristofer Carta" userId="a949ead7c4bcd18f" providerId="LiveId" clId="{93888A2B-6F63-458A-BB21-CE9C4CE85A48}" dt="2017-08-23T17:37:32.776" v="409" actId="2696"/>
+        <pc:sldMkLst>
+          <pc:docMk/>
+          <pc:sldMk cId="1362771162" sldId="323"/>
+        </pc:sldMkLst>
+      </pc:sldChg>
+      <pc:sldChg chg="modSp add">
+        <pc:chgData name="Kristofer Carta" userId="a949ead7c4bcd18f" providerId="LiveId" clId="{93888A2B-6F63-458A-BB21-CE9C4CE85A48}" dt="2017-08-23T20:26:08.028" v="4131" actId="20577"/>
+        <pc:sldMkLst>
+          <pc:docMk/>
+          <pc:sldMk cId="3980520056" sldId="323"/>
+        </pc:sldMkLst>
+        <pc:spChg chg="mod">
+          <ac:chgData name="Kristofer Carta" userId="a949ead7c4bcd18f" providerId="LiveId" clId="{93888A2B-6F63-458A-BB21-CE9C4CE85A48}" dt="2017-08-23T20:01:44.105" v="2798" actId="20577"/>
+          <ac:spMkLst>
+            <pc:docMk/>
+            <pc:sldMk cId="3980520056" sldId="323"/>
+            <ac:spMk id="2" creationId="{00000000-0000-0000-0000-000000000000}"/>
+          </ac:spMkLst>
+        </pc:spChg>
+        <pc:spChg chg="mod">
+          <ac:chgData name="Kristofer Carta" userId="a949ead7c4bcd18f" providerId="LiveId" clId="{93888A2B-6F63-458A-BB21-CE9C4CE85A48}" dt="2017-08-23T20:26:08.028" v="4131" actId="20577"/>
+          <ac:spMkLst>
+            <pc:docMk/>
+            <pc:sldMk cId="3980520056" sldId="323"/>
+            <ac:spMk id="3" creationId="{00000000-0000-0000-0000-000000000000}"/>
+          </ac:spMkLst>
+        </pc:spChg>
+      </pc:sldChg>
+      <pc:sldChg chg="del">
+        <pc:chgData name="Kristofer Carta" userId="a949ead7c4bcd18f" providerId="LiveId" clId="{93888A2B-6F63-458A-BB21-CE9C4CE85A48}" dt="2017-08-23T17:37:32.792" v="410" actId="2696"/>
+        <pc:sldMkLst>
+          <pc:docMk/>
+          <pc:sldMk cId="1837948902" sldId="324"/>
+        </pc:sldMkLst>
+      </pc:sldChg>
+      <pc:sldChg chg="delSp modSp add modAnim">
+        <pc:chgData name="Kristofer Carta" userId="a949ead7c4bcd18f" providerId="LiveId" clId="{93888A2B-6F63-458A-BB21-CE9C4CE85A48}" dt="2017-08-23T19:36:01.912" v="2065" actId="20577"/>
+        <pc:sldMkLst>
+          <pc:docMk/>
+          <pc:sldMk cId="2317613614" sldId="324"/>
+        </pc:sldMkLst>
+        <pc:spChg chg="mod">
+          <ac:chgData name="Kristofer Carta" userId="a949ead7c4bcd18f" providerId="LiveId" clId="{93888A2B-6F63-458A-BB21-CE9C4CE85A48}" dt="2017-08-23T19:31:52.629" v="1808" actId="20577"/>
+          <ac:spMkLst>
+            <pc:docMk/>
+            <pc:sldMk cId="2317613614" sldId="324"/>
+            <ac:spMk id="2" creationId="{00000000-0000-0000-0000-000000000000}"/>
+          </ac:spMkLst>
+        </pc:spChg>
+        <pc:spChg chg="mod">
+          <ac:chgData name="Kristofer Carta" userId="a949ead7c4bcd18f" providerId="LiveId" clId="{93888A2B-6F63-458A-BB21-CE9C4CE85A48}" dt="2017-08-23T19:36:01.912" v="2065" actId="20577"/>
+          <ac:spMkLst>
+            <pc:docMk/>
+            <pc:sldMk cId="2317613614" sldId="324"/>
+            <ac:spMk id="3" creationId="{00000000-0000-0000-0000-000000000000}"/>
+          </ac:spMkLst>
+        </pc:spChg>
+        <pc:picChg chg="del">
+          <ac:chgData name="Kristofer Carta" userId="a949ead7c4bcd18f" providerId="LiveId" clId="{93888A2B-6F63-458A-BB21-CE9C4CE85A48}" dt="2017-08-23T19:32:04.985" v="1842" actId="478"/>
+          <ac:picMkLst>
+            <pc:docMk/>
+            <pc:sldMk cId="2317613614" sldId="324"/>
+            <ac:picMk id="5" creationId="{00000000-0000-0000-0000-000000000000}"/>
+          </ac:picMkLst>
+        </pc:picChg>
+      </pc:sldChg>
+      <pc:sldChg chg="del">
+        <pc:chgData name="Kristofer Carta" userId="a949ead7c4bcd18f" providerId="LiveId" clId="{93888A2B-6F63-458A-BB21-CE9C4CE85A48}" dt="2017-08-23T17:37:32.776" v="407" actId="2696"/>
+        <pc:sldMkLst>
+          <pc:docMk/>
+          <pc:sldMk cId="723795086" sldId="325"/>
+        </pc:sldMkLst>
+      </pc:sldChg>
+      <pc:sldChg chg="modSp add del">
+        <pc:chgData name="Kristofer Carta" userId="a949ead7c4bcd18f" providerId="LiveId" clId="{93888A2B-6F63-458A-BB21-CE9C4CE85A48}" dt="2017-08-23T19:36:23.348" v="2076" actId="2696"/>
+        <pc:sldMkLst>
+          <pc:docMk/>
+          <pc:sldMk cId="1864277068" sldId="325"/>
+        </pc:sldMkLst>
+        <pc:spChg chg="mod">
+          <ac:chgData name="Kristofer Carta" userId="a949ead7c4bcd18f" providerId="LiveId" clId="{93888A2B-6F63-458A-BB21-CE9C4CE85A48}" dt="2017-08-23T19:36:14.902" v="2073" actId="20577"/>
+          <ac:spMkLst>
+            <pc:docMk/>
+            <pc:sldMk cId="1864277068" sldId="325"/>
+            <ac:spMk id="2" creationId="{00000000-0000-0000-0000-000000000000}"/>
+          </ac:spMkLst>
+        </pc:spChg>
+        <pc:spChg chg="mod">
+          <ac:chgData name="Kristofer Carta" userId="a949ead7c4bcd18f" providerId="LiveId" clId="{93888A2B-6F63-458A-BB21-CE9C4CE85A48}" dt="2017-08-23T19:36:19.287" v="2075" actId="2696"/>
+          <ac:spMkLst>
+            <pc:docMk/>
+            <pc:sldMk cId="1864277068" sldId="325"/>
+            <ac:spMk id="3" creationId="{00000000-0000-0000-0000-000000000000}"/>
+          </ac:spMkLst>
+        </pc:spChg>
+      </pc:sldChg>
+      <pc:sldChg chg="modSp add">
+        <pc:chgData name="Kristofer Carta" userId="a949ead7c4bcd18f" providerId="LiveId" clId="{93888A2B-6F63-458A-BB21-CE9C4CE85A48}" dt="2017-08-23T20:19:49.828" v="3558" actId="20577"/>
+        <pc:sldMkLst>
+          <pc:docMk/>
+          <pc:sldMk cId="3607963425" sldId="325"/>
+        </pc:sldMkLst>
+        <pc:spChg chg="mod">
+          <ac:chgData name="Kristofer Carta" userId="a949ead7c4bcd18f" providerId="LiveId" clId="{93888A2B-6F63-458A-BB21-CE9C4CE85A48}" dt="2017-08-23T20:19:49.828" v="3558" actId="20577"/>
+          <ac:spMkLst>
+            <pc:docMk/>
+            <pc:sldMk cId="3607963425" sldId="325"/>
+            <ac:spMk id="2" creationId="{00000000-0000-0000-0000-000000000000}"/>
+          </ac:spMkLst>
+        </pc:spChg>
+        <pc:spChg chg="mod">
+          <ac:chgData name="Kristofer Carta" userId="a949ead7c4bcd18f" providerId="LiveId" clId="{93888A2B-6F63-458A-BB21-CE9C4CE85A48}" dt="2017-08-23T20:19:42.651" v="3547" actId="113"/>
+          <ac:spMkLst>
+            <pc:docMk/>
+            <pc:sldMk cId="3607963425" sldId="325"/>
+            <ac:spMk id="3" creationId="{00000000-0000-0000-0000-000000000000}"/>
+          </ac:spMkLst>
+        </pc:spChg>
+      </pc:sldChg>
+      <pc:sldChg chg="del">
+        <pc:chgData name="Kristofer Carta" userId="a949ead7c4bcd18f" providerId="LiveId" clId="{93888A2B-6F63-458A-BB21-CE9C4CE85A48}" dt="2017-08-23T17:37:32.776" v="408" actId="2696"/>
+        <pc:sldMkLst>
+          <pc:docMk/>
+          <pc:sldMk cId="163823994" sldId="326"/>
+        </pc:sldMkLst>
+      </pc:sldChg>
+      <pc:sldChg chg="modSp add ord">
+        <pc:chgData name="Kristofer Carta" userId="a949ead7c4bcd18f" providerId="LiveId" clId="{93888A2B-6F63-458A-BB21-CE9C4CE85A48}" dt="2017-08-23T20:24:56.706" v="4102" actId="20577"/>
+        <pc:sldMkLst>
+          <pc:docMk/>
+          <pc:sldMk cId="1574427063" sldId="326"/>
+        </pc:sldMkLst>
+        <pc:spChg chg="mod">
+          <ac:chgData name="Kristofer Carta" userId="a949ead7c4bcd18f" providerId="LiveId" clId="{93888A2B-6F63-458A-BB21-CE9C4CE85A48}" dt="2017-08-23T20:20:41.880" v="3580" actId="6549"/>
+          <ac:spMkLst>
+            <pc:docMk/>
+            <pc:sldMk cId="1574427063" sldId="326"/>
+            <ac:spMk id="2" creationId="{00000000-0000-0000-0000-000000000000}"/>
+          </ac:spMkLst>
+        </pc:spChg>
+        <pc:spChg chg="mod">
+          <ac:chgData name="Kristofer Carta" userId="a949ead7c4bcd18f" providerId="LiveId" clId="{93888A2B-6F63-458A-BB21-CE9C4CE85A48}" dt="2017-08-23T20:24:49.360" v="4101" actId="20577"/>
+          <ac:spMkLst>
+            <pc:docMk/>
+            <pc:sldMk cId="1574427063" sldId="326"/>
+            <ac:spMk id="3" creationId="{00000000-0000-0000-0000-000000000000}"/>
+          </ac:spMkLst>
+        </pc:spChg>
+      </pc:sldChg>
+      <pc:sldChg chg="add del">
+        <pc:chgData name="Kristofer Carta" userId="a949ead7c4bcd18f" providerId="LiveId" clId="{93888A2B-6F63-458A-BB21-CE9C4CE85A48}" dt="2017-08-23T20:25:47.223" v="4104" actId="2696"/>
+        <pc:sldMkLst>
+          <pc:docMk/>
+          <pc:sldMk cId="204604232" sldId="327"/>
+        </pc:sldMkLst>
+      </pc:sldChg>
+      <pc:sldChg chg="modSp add ord">
+        <pc:chgData name="Kristofer Carta" userId="a949ead7c4bcd18f" providerId="LiveId" clId="{93888A2B-6F63-458A-BB21-CE9C4CE85A48}" dt="2017-08-23T20:31:38.932" v="4855" actId="20577"/>
+        <pc:sldMkLst>
+          <pc:docMk/>
+          <pc:sldMk cId="497099618" sldId="327"/>
+        </pc:sldMkLst>
+        <pc:spChg chg="mod">
+          <ac:chgData name="Kristofer Carta" userId="a949ead7c4bcd18f" providerId="LiveId" clId="{93888A2B-6F63-458A-BB21-CE9C4CE85A48}" dt="2017-08-23T20:28:06.687" v="4252" actId="20577"/>
+          <ac:spMkLst>
+            <pc:docMk/>
+            <pc:sldMk cId="497099618" sldId="327"/>
+            <ac:spMk id="2" creationId="{00000000-0000-0000-0000-000000000000}"/>
+          </ac:spMkLst>
+        </pc:spChg>
+        <pc:spChg chg="mod">
+          <ac:chgData name="Kristofer Carta" userId="a949ead7c4bcd18f" providerId="LiveId" clId="{93888A2B-6F63-458A-BB21-CE9C4CE85A48}" dt="2017-08-23T20:31:28.547" v="4854" actId="20577"/>
+          <ac:spMkLst>
+            <pc:docMk/>
+            <pc:sldMk cId="497099618" sldId="327"/>
+            <ac:spMk id="3" creationId="{00000000-0000-0000-0000-000000000000}"/>
+          </ac:spMkLst>
+        </pc:spChg>
+      </pc:sldChg>
+      <pc:sldChg chg="del">
+        <pc:chgData name="Kristofer Carta" userId="a949ead7c4bcd18f" providerId="LiveId" clId="{93888A2B-6F63-458A-BB21-CE9C4CE85A48}" dt="2017-08-23T17:37:39.138" v="411" actId="2696"/>
+        <pc:sldMkLst>
+          <pc:docMk/>
+          <pc:sldMk cId="727536863" sldId="327"/>
+        </pc:sldMkLst>
+      </pc:sldChg>
+      <pc:sldChg chg="del">
+        <pc:chgData name="Kristofer Carta" userId="a949ead7c4bcd18f" providerId="LiveId" clId="{93888A2B-6F63-458A-BB21-CE9C4CE85A48}" dt="2017-08-23T17:37:32.667" v="389" actId="2696"/>
+        <pc:sldMkLst>
+          <pc:docMk/>
+          <pc:sldMk cId="2002747593" sldId="328"/>
+        </pc:sldMkLst>
+      </pc:sldChg>
+      <pc:sldChg chg="modSp add">
+        <pc:chgData name="Kristofer Carta" userId="a949ead7c4bcd18f" providerId="LiveId" clId="{93888A2B-6F63-458A-BB21-CE9C4CE85A48}" dt="2017-08-23T20:34:04.555" v="5220" actId="20577"/>
+        <pc:sldMkLst>
+          <pc:docMk/>
+          <pc:sldMk cId="4256727003" sldId="328"/>
+        </pc:sldMkLst>
+        <pc:spChg chg="mod">
+          <ac:chgData name="Kristofer Carta" userId="a949ead7c4bcd18f" providerId="LiveId" clId="{93888A2B-6F63-458A-BB21-CE9C4CE85A48}" dt="2017-08-23T20:34:04.555" v="5220" actId="20577"/>
+          <ac:spMkLst>
+            <pc:docMk/>
+            <pc:sldMk cId="4256727003" sldId="328"/>
+            <ac:spMk id="3" creationId="{00000000-0000-0000-0000-000000000000}"/>
+          </ac:spMkLst>
+        </pc:spChg>
+      </pc:sldChg>
+      <pc:sldChg chg="del">
+        <pc:chgData name="Kristofer Carta" userId="a949ead7c4bcd18f" providerId="LiveId" clId="{93888A2B-6F63-458A-BB21-CE9C4CE85A48}" dt="2017-08-23T17:37:32.635" v="377" actId="2696"/>
+        <pc:sldMkLst>
+          <pc:docMk/>
+          <pc:sldMk cId="443018284" sldId="329"/>
+        </pc:sldMkLst>
+      </pc:sldChg>
+      <pc:sldChg chg="addSp delSp add del setBg delDesignElem">
+        <pc:chgData name="Kristofer Carta" userId="a949ead7c4bcd18f" providerId="LiveId" clId="{93888A2B-6F63-458A-BB21-CE9C4CE85A48}" dt="2017-08-23T20:35:34.489" v="5224" actId="20577"/>
+        <pc:sldMkLst>
+          <pc:docMk/>
+          <pc:sldMk cId="3110958223" sldId="329"/>
+        </pc:sldMkLst>
+        <pc:spChg chg="add del">
+          <ac:chgData name="Kristofer Carta" userId="a949ead7c4bcd18f" providerId="LiveId" clId="{93888A2B-6F63-458A-BB21-CE9C4CE85A48}" dt="2017-08-23T20:35:34.489" v="5224" actId="20577"/>
+          <ac:spMkLst>
+            <pc:docMk/>
+            <pc:sldMk cId="3110958223" sldId="329"/>
+            <ac:spMk id="11" creationId="{00000000-0000-0000-0000-000000000000}"/>
+          </ac:spMkLst>
+        </pc:spChg>
+        <pc:spChg chg="add del">
+          <ac:chgData name="Kristofer Carta" userId="a949ead7c4bcd18f" providerId="LiveId" clId="{93888A2B-6F63-458A-BB21-CE9C4CE85A48}" dt="2017-08-23T20:35:34.489" v="5224" actId="20577"/>
+          <ac:spMkLst>
+            <pc:docMk/>
+            <pc:sldMk cId="3110958223" sldId="329"/>
+            <ac:spMk id="13" creationId="{00000000-0000-0000-0000-000000000000}"/>
+          </ac:spMkLst>
+        </pc:spChg>
+        <pc:spChg chg="add del">
+          <ac:chgData name="Kristofer Carta" userId="a949ead7c4bcd18f" providerId="LiveId" clId="{93888A2B-6F63-458A-BB21-CE9C4CE85A48}" dt="2017-08-23T20:35:34.489" v="5224" actId="20577"/>
+          <ac:spMkLst>
+            <pc:docMk/>
+            <pc:sldMk cId="3110958223" sldId="329"/>
+            <ac:spMk id="15" creationId="{00000000-0000-0000-0000-000000000000}"/>
+          </ac:spMkLst>
+        </pc:spChg>
+        <pc:spChg chg="add del">
+          <ac:chgData name="Kristofer Carta" userId="a949ead7c4bcd18f" providerId="LiveId" clId="{93888A2B-6F63-458A-BB21-CE9C4CE85A48}" dt="2017-08-23T20:35:34.489" v="5224" actId="20577"/>
+          <ac:spMkLst>
+            <pc:docMk/>
+            <pc:sldMk cId="3110958223" sldId="329"/>
+            <ac:spMk id="17" creationId="{00000000-0000-0000-0000-000000000000}"/>
+          </ac:spMkLst>
+        </pc:spChg>
+      </pc:sldChg>
+      <pc:sldChg chg="addSp delSp add del setBg delDesignElem">
+        <pc:chgData name="Kristofer Carta" userId="a949ead7c4bcd18f" providerId="LiveId" clId="{93888A2B-6F63-458A-BB21-CE9C4CE85A48}" dt="2017-08-23T20:35:42.092" v="5227" actId="20577"/>
+        <pc:sldMkLst>
+          <pc:docMk/>
+          <pc:sldMk cId="3368960551" sldId="329"/>
+        </pc:sldMkLst>
+        <pc:spChg chg="add del">
+          <ac:chgData name="Kristofer Carta" userId="a949ead7c4bcd18f" providerId="LiveId" clId="{93888A2B-6F63-458A-BB21-CE9C4CE85A48}" dt="2017-08-23T20:35:42.092" v="5227" actId="20577"/>
+          <ac:spMkLst>
+            <pc:docMk/>
+            <pc:sldMk cId="3368960551" sldId="329"/>
+            <ac:spMk id="11" creationId="{00000000-0000-0000-0000-000000000000}"/>
+          </ac:spMkLst>
+        </pc:spChg>
+        <pc:spChg chg="add del">
+          <ac:chgData name="Kristofer Carta" userId="a949ead7c4bcd18f" providerId="LiveId" clId="{93888A2B-6F63-458A-BB21-CE9C4CE85A48}" dt="2017-08-23T20:35:42.092" v="5227" actId="20577"/>
+          <ac:spMkLst>
+            <pc:docMk/>
+            <pc:sldMk cId="3368960551" sldId="329"/>
+            <ac:spMk id="13" creationId="{00000000-0000-0000-0000-000000000000}"/>
+          </ac:spMkLst>
+        </pc:spChg>
+        <pc:spChg chg="add del">
+          <ac:chgData name="Kristofer Carta" userId="a949ead7c4bcd18f" providerId="LiveId" clId="{93888A2B-6F63-458A-BB21-CE9C4CE85A48}" dt="2017-08-23T20:35:42.092" v="5227" actId="20577"/>
+          <ac:spMkLst>
+            <pc:docMk/>
+            <pc:sldMk cId="3368960551" sldId="329"/>
+            <ac:spMk id="15" creationId="{00000000-0000-0000-0000-000000000000}"/>
+          </ac:spMkLst>
+        </pc:spChg>
+        <pc:spChg chg="add del">
+          <ac:chgData name="Kristofer Carta" userId="a949ead7c4bcd18f" providerId="LiveId" clId="{93888A2B-6F63-458A-BB21-CE9C4CE85A48}" dt="2017-08-23T20:35:42.092" v="5227" actId="20577"/>
+          <ac:spMkLst>
+            <pc:docMk/>
+            <pc:sldMk cId="3368960551" sldId="329"/>
+            <ac:spMk id="17" creationId="{00000000-0000-0000-0000-000000000000}"/>
+          </ac:spMkLst>
+        </pc:spChg>
+      </pc:sldChg>
+      <pc:sldChg chg="modSp add ord">
+        <pc:chgData name="Kristofer Carta" userId="a949ead7c4bcd18f" providerId="LiveId" clId="{93888A2B-6F63-458A-BB21-CE9C4CE85A48}" dt="2017-08-23T20:55:58.313" v="5404" actId="20577"/>
+        <pc:sldMkLst>
+          <pc:docMk/>
+          <pc:sldMk cId="3874696944" sldId="329"/>
+        </pc:sldMkLst>
+        <pc:spChg chg="mod">
+          <ac:chgData name="Kristofer Carta" userId="a949ead7c4bcd18f" providerId="LiveId" clId="{93888A2B-6F63-458A-BB21-CE9C4CE85A48}" dt="2017-08-23T20:55:58.313" v="5404" actId="20577"/>
+          <ac:spMkLst>
+            <pc:docMk/>
+            <pc:sldMk cId="3874696944" sldId="329"/>
+            <ac:spMk id="2" creationId="{00000000-0000-0000-0000-000000000000}"/>
+          </ac:spMkLst>
+        </pc:spChg>
+      </pc:sldChg>
+      <pc:sldChg chg="del">
+        <pc:chgData name="Kristofer Carta" userId="a949ead7c4bcd18f" providerId="LiveId" clId="{93888A2B-6F63-458A-BB21-CE9C4CE85A48}" dt="2017-08-23T17:37:32.635" v="378" actId="2696"/>
+        <pc:sldMkLst>
+          <pc:docMk/>
+          <pc:sldMk cId="142365089" sldId="330"/>
+        </pc:sldMkLst>
+      </pc:sldChg>
+      <pc:sldChg chg="modSp add ord">
+        <pc:chgData name="Kristofer Carta" userId="a949ead7c4bcd18f" providerId="LiveId" clId="{93888A2B-6F63-458A-BB21-CE9C4CE85A48}" dt="2017-08-23T20:56:41.859" v="5448" actId="20577"/>
+        <pc:sldMkLst>
+          <pc:docMk/>
+          <pc:sldMk cId="1287956474" sldId="330"/>
+        </pc:sldMkLst>
+        <pc:spChg chg="mod">
+          <ac:chgData name="Kristofer Carta" userId="a949ead7c4bcd18f" providerId="LiveId" clId="{93888A2B-6F63-458A-BB21-CE9C4CE85A48}" dt="2017-08-23T20:56:41.859" v="5448" actId="20577"/>
+          <ac:spMkLst>
+            <pc:docMk/>
+            <pc:sldMk cId="1287956474" sldId="330"/>
+            <ac:spMk id="2" creationId="{00000000-0000-0000-0000-000000000000}"/>
+          </ac:spMkLst>
+        </pc:spChg>
+      </pc:sldChg>
+      <pc:sldChg chg="add del">
+        <pc:chgData name="Kristofer Carta" userId="a949ead7c4bcd18f" providerId="LiveId" clId="{93888A2B-6F63-458A-BB21-CE9C4CE85A48}" dt="2017-08-23T20:41:28.818" v="5248" actId="2696"/>
+        <pc:sldMkLst>
+          <pc:docMk/>
+          <pc:sldMk cId="2926253838" sldId="330"/>
+        </pc:sldMkLst>
+      </pc:sldChg>
+      <pc:sldChg chg="modSp add">
+        <pc:chgData name="Kristofer Carta" userId="a949ead7c4bcd18f" providerId="LiveId" clId="{93888A2B-6F63-458A-BB21-CE9C4CE85A48}" dt="2017-08-23T21:10:31.221" v="6499" actId="20577"/>
+        <pc:sldMkLst>
+          <pc:docMk/>
+          <pc:sldMk cId="1555797324" sldId="331"/>
+        </pc:sldMkLst>
+        <pc:spChg chg="mod">
+          <ac:chgData name="Kristofer Carta" userId="a949ead7c4bcd18f" providerId="LiveId" clId="{93888A2B-6F63-458A-BB21-CE9C4CE85A48}" dt="2017-08-23T21:10:31.221" v="6499" actId="20577"/>
+          <ac:spMkLst>
+            <pc:docMk/>
+            <pc:sldMk cId="1555797324" sldId="331"/>
+            <ac:spMk id="2" creationId="{00000000-0000-0000-0000-000000000000}"/>
+          </ac:spMkLst>
+        </pc:spChg>
+        <pc:spChg chg="mod">
+          <ac:chgData name="Kristofer Carta" userId="a949ead7c4bcd18f" providerId="LiveId" clId="{93888A2B-6F63-458A-BB21-CE9C4CE85A48}" dt="2017-08-23T21:10:16.618" v="6465" actId="20577"/>
+          <ac:spMkLst>
+            <pc:docMk/>
+            <pc:sldMk cId="1555797324" sldId="331"/>
+            <ac:spMk id="3" creationId="{00000000-0000-0000-0000-000000000000}"/>
+          </ac:spMkLst>
+        </pc:spChg>
+      </pc:sldChg>
+      <pc:sldChg chg="modSp add ord">
+        <pc:chgData name="Kristofer Carta" userId="a949ead7c4bcd18f" providerId="LiveId" clId="{93888A2B-6F63-458A-BB21-CE9C4CE85A48}" dt="2017-08-23T21:03:56.680" v="5935" actId="20577"/>
+        <pc:sldMkLst>
+          <pc:docMk/>
+          <pc:sldMk cId="630278260" sldId="332"/>
+        </pc:sldMkLst>
+        <pc:spChg chg="mod">
+          <ac:chgData name="Kristofer Carta" userId="a949ead7c4bcd18f" providerId="LiveId" clId="{93888A2B-6F63-458A-BB21-CE9C4CE85A48}" dt="2017-08-23T21:02:31.160" v="5697" actId="20577"/>
+          <ac:spMkLst>
+            <pc:docMk/>
+            <pc:sldMk cId="630278260" sldId="332"/>
+            <ac:spMk id="2" creationId="{00000000-0000-0000-0000-000000000000}"/>
+          </ac:spMkLst>
+        </pc:spChg>
+        <pc:spChg chg="mod">
+          <ac:chgData name="Kristofer Carta" userId="a949ead7c4bcd18f" providerId="LiveId" clId="{93888A2B-6F63-458A-BB21-CE9C4CE85A48}" dt="2017-08-23T21:03:56.680" v="5935" actId="20577"/>
+          <ac:spMkLst>
+            <pc:docMk/>
+            <pc:sldMk cId="630278260" sldId="332"/>
+            <ac:spMk id="3" creationId="{00000000-0000-0000-0000-000000000000}"/>
+          </ac:spMkLst>
+        </pc:spChg>
+      </pc:sldChg>
+      <pc:sldChg chg="modSp add ord">
+        <pc:chgData name="Kristofer Carta" userId="a949ead7c4bcd18f" providerId="LiveId" clId="{93888A2B-6F63-458A-BB21-CE9C4CE85A48}" dt="2017-08-23T21:11:28.921" v="6506" actId="20577"/>
+        <pc:sldMkLst>
+          <pc:docMk/>
+          <pc:sldMk cId="2424243048" sldId="333"/>
+        </pc:sldMkLst>
+        <pc:spChg chg="mod">
+          <ac:chgData name="Kristofer Carta" userId="a949ead7c4bcd18f" providerId="LiveId" clId="{93888A2B-6F63-458A-BB21-CE9C4CE85A48}" dt="2017-08-23T21:11:28.921" v="6506" actId="20577"/>
+          <ac:spMkLst>
+            <pc:docMk/>
+            <pc:sldMk cId="2424243048" sldId="333"/>
+            <ac:spMk id="2" creationId="{00000000-0000-0000-0000-000000000000}"/>
+          </ac:spMkLst>
+        </pc:spChg>
+      </pc:sldChg>
+      <pc:sldChg chg="modSp add del">
+        <pc:chgData name="Kristofer Carta" userId="a949ead7c4bcd18f" providerId="LiveId" clId="{93888A2B-6F63-458A-BB21-CE9C4CE85A48}" dt="2017-08-24T10:10:40.610" v="9878" actId="2696"/>
+        <pc:sldMkLst>
+          <pc:docMk/>
+          <pc:sldMk cId="1085793466" sldId="334"/>
+        </pc:sldMkLst>
+        <pc:spChg chg="mod">
+          <ac:chgData name="Kristofer Carta" userId="a949ead7c4bcd18f" providerId="LiveId" clId="{93888A2B-6F63-458A-BB21-CE9C4CE85A48}" dt="2017-08-23T21:11:48.335" v="6522" actId="20577"/>
+          <ac:spMkLst>
+            <pc:docMk/>
+            <pc:sldMk cId="1085793466" sldId="334"/>
+            <ac:spMk id="2" creationId="{00000000-0000-0000-0000-000000000000}"/>
+          </ac:spMkLst>
+        </pc:spChg>
+      </pc:sldChg>
+      <pc:sldChg chg="modSp add ord">
+        <pc:chgData name="Kristofer Carta" userId="a949ead7c4bcd18f" providerId="LiveId" clId="{93888A2B-6F63-458A-BB21-CE9C4CE85A48}" dt="2017-08-23T21:17:46.390" v="6894" actId="20577"/>
+        <pc:sldMkLst>
+          <pc:docMk/>
+          <pc:sldMk cId="1070794913" sldId="335"/>
+        </pc:sldMkLst>
+        <pc:spChg chg="mod">
+          <ac:chgData name="Kristofer Carta" userId="a949ead7c4bcd18f" providerId="LiveId" clId="{93888A2B-6F63-458A-BB21-CE9C4CE85A48}" dt="2017-08-23T21:17:46.390" v="6894" actId="20577"/>
+          <ac:spMkLst>
+            <pc:docMk/>
+            <pc:sldMk cId="1070794913" sldId="335"/>
+            <ac:spMk id="2" creationId="{00000000-0000-0000-0000-000000000000}"/>
+          </ac:spMkLst>
+        </pc:spChg>
+      </pc:sldChg>
+      <pc:sldChg chg="addSp modSp add modAnim">
+        <pc:chgData name="Kristofer Carta" userId="a949ead7c4bcd18f" providerId="LiveId" clId="{93888A2B-6F63-458A-BB21-CE9C4CE85A48}" dt="2017-08-23T21:17:12.735" v="6876" actId="14100"/>
+        <pc:sldMkLst>
+          <pc:docMk/>
+          <pc:sldMk cId="2708759021" sldId="336"/>
+        </pc:sldMkLst>
+        <pc:spChg chg="mod">
+          <ac:chgData name="Kristofer Carta" userId="a949ead7c4bcd18f" providerId="LiveId" clId="{93888A2B-6F63-458A-BB21-CE9C4CE85A48}" dt="2017-08-23T21:13:06.638" v="6548" actId="20577"/>
+          <ac:spMkLst>
+            <pc:docMk/>
+            <pc:sldMk cId="2708759021" sldId="336"/>
+            <ac:spMk id="2" creationId="{00000000-0000-0000-0000-000000000000}"/>
+          </ac:spMkLst>
+        </pc:spChg>
+        <pc:spChg chg="mod">
+          <ac:chgData name="Kristofer Carta" userId="a949ead7c4bcd18f" providerId="LiveId" clId="{93888A2B-6F63-458A-BB21-CE9C4CE85A48}" dt="2017-08-23T21:17:12.735" v="6876" actId="14100"/>
+          <ac:spMkLst>
+            <pc:docMk/>
+            <pc:sldMk cId="2708759021" sldId="336"/>
+            <ac:spMk id="3" creationId="{00000000-0000-0000-0000-000000000000}"/>
+          </ac:spMkLst>
+        </pc:spChg>
+        <pc:picChg chg="add mod">
+          <ac:chgData name="Kristofer Carta" userId="a949ead7c4bcd18f" providerId="LiveId" clId="{93888A2B-6F63-458A-BB21-CE9C4CE85A48}" dt="2017-08-23T21:14:40.823" v="6555" actId="14100"/>
+          <ac:picMkLst>
+            <pc:docMk/>
+            <pc:sldMk cId="2708759021" sldId="336"/>
+            <ac:picMk id="4" creationId="{C2832AE4-A70D-47D4-B1BB-B8AF9D89B1F3}"/>
+          </ac:picMkLst>
+        </pc:picChg>
+      </pc:sldChg>
+      <pc:sldChg chg="delSp add del">
+        <pc:chgData name="Kristofer Carta" userId="a949ead7c4bcd18f" providerId="LiveId" clId="{93888A2B-6F63-458A-BB21-CE9C4CE85A48}" dt="2017-08-23T21:17:35.541" v="6877" actId="2696"/>
+        <pc:sldMkLst>
+          <pc:docMk/>
+          <pc:sldMk cId="1032842593" sldId="337"/>
+        </pc:sldMkLst>
+        <pc:spChg chg="del">
+          <ac:chgData name="Kristofer Carta" userId="a949ead7c4bcd18f" providerId="LiveId" clId="{93888A2B-6F63-458A-BB21-CE9C4CE85A48}" dt="2017-08-23T21:13:55.469" v="6550" actId="478"/>
+          <ac:spMkLst>
+            <pc:docMk/>
+            <pc:sldMk cId="1032842593" sldId="337"/>
+            <ac:spMk id="2" creationId="{2537FF9B-037C-4137-BCEE-C2D62235ACFD}"/>
+          </ac:spMkLst>
+        </pc:spChg>
+        <pc:spChg chg="del">
+          <ac:chgData name="Kristofer Carta" userId="a949ead7c4bcd18f" providerId="LiveId" clId="{93888A2B-6F63-458A-BB21-CE9C4CE85A48}" dt="2017-08-23T21:13:55.469" v="6550" actId="478"/>
+          <ac:spMkLst>
+            <pc:docMk/>
+            <pc:sldMk cId="1032842593" sldId="337"/>
+            <ac:spMk id="3" creationId="{F6243D84-AF2F-4E83-A5AD-5A0EC33F2A96}"/>
+          </ac:spMkLst>
+        </pc:spChg>
+      </pc:sldChg>
+      <pc:sldChg chg="modSp add">
+        <pc:chgData name="Kristofer Carta" userId="a949ead7c4bcd18f" providerId="LiveId" clId="{93888A2B-6F63-458A-BB21-CE9C4CE85A48}" dt="2017-08-23T21:54:41.639" v="7921" actId="20577"/>
+        <pc:sldMkLst>
+          <pc:docMk/>
+          <pc:sldMk cId="3470279297" sldId="337"/>
+        </pc:sldMkLst>
+        <pc:spChg chg="mod">
+          <ac:chgData name="Kristofer Carta" userId="a949ead7c4bcd18f" providerId="LiveId" clId="{93888A2B-6F63-458A-BB21-CE9C4CE85A48}" dt="2017-08-23T21:47:56.753" v="6941" actId="20577"/>
+          <ac:spMkLst>
+            <pc:docMk/>
+            <pc:sldMk cId="3470279297" sldId="337"/>
+            <ac:spMk id="2" creationId="{00000000-0000-0000-0000-000000000000}"/>
+          </ac:spMkLst>
+        </pc:spChg>
+        <pc:spChg chg="mod">
+          <ac:chgData name="Kristofer Carta" userId="a949ead7c4bcd18f" providerId="LiveId" clId="{93888A2B-6F63-458A-BB21-CE9C4CE85A48}" dt="2017-08-23T21:54:41.639" v="7921" actId="20577"/>
+          <ac:spMkLst>
+            <pc:docMk/>
+            <pc:sldMk cId="3470279297" sldId="337"/>
+            <ac:spMk id="3" creationId="{00000000-0000-0000-0000-000000000000}"/>
+          </ac:spMkLst>
+        </pc:spChg>
+      </pc:sldChg>
+      <pc:sldChg chg="modSp add del">
+        <pc:chgData name="Kristofer Carta" userId="a949ead7c4bcd18f" providerId="LiveId" clId="{93888A2B-6F63-458A-BB21-CE9C4CE85A48}" dt="2017-08-23T21:55:30.540" v="7933" actId="2696"/>
+        <pc:sldMkLst>
+          <pc:docMk/>
+          <pc:sldMk cId="4082170344" sldId="338"/>
+        </pc:sldMkLst>
+        <pc:spChg chg="mod">
+          <ac:chgData name="Kristofer Carta" userId="a949ead7c4bcd18f" providerId="LiveId" clId="{93888A2B-6F63-458A-BB21-CE9C4CE85A48}" dt="2017-08-23T21:55:09.515" v="7931" actId="20577"/>
+          <ac:spMkLst>
+            <pc:docMk/>
+            <pc:sldMk cId="4082170344" sldId="338"/>
+            <ac:spMk id="2" creationId="{00000000-0000-0000-0000-000000000000}"/>
+          </ac:spMkLst>
+        </pc:spChg>
+      </pc:sldChg>
+      <pc:sldChg chg="modSp add">
+        <pc:chgData name="Kristofer Carta" userId="a949ead7c4bcd18f" providerId="LiveId" clId="{93888A2B-6F63-458A-BB21-CE9C4CE85A48}" dt="2017-08-23T22:05:27.495" v="8535" actId="2711"/>
+        <pc:sldMkLst>
+          <pc:docMk/>
+          <pc:sldMk cId="2302659806" sldId="339"/>
+        </pc:sldMkLst>
+        <pc:spChg chg="mod">
+          <ac:chgData name="Kristofer Carta" userId="a949ead7c4bcd18f" providerId="LiveId" clId="{93888A2B-6F63-458A-BB21-CE9C4CE85A48}" dt="2017-08-23T21:55:43.515" v="7951" actId="20577"/>
+          <ac:spMkLst>
+            <pc:docMk/>
+            <pc:sldMk cId="2302659806" sldId="339"/>
+            <ac:spMk id="2" creationId="{00000000-0000-0000-0000-000000000000}"/>
+          </ac:spMkLst>
+        </pc:spChg>
+        <pc:spChg chg="mod">
+          <ac:chgData name="Kristofer Carta" userId="a949ead7c4bcd18f" providerId="LiveId" clId="{93888A2B-6F63-458A-BB21-CE9C4CE85A48}" dt="2017-08-23T22:05:27.495" v="8535" actId="2711"/>
+          <ac:spMkLst>
+            <pc:docMk/>
+            <pc:sldMk cId="2302659806" sldId="339"/>
+            <ac:spMk id="3" creationId="{00000000-0000-0000-0000-000000000000}"/>
+          </ac:spMkLst>
+        </pc:spChg>
+      </pc:sldChg>
+      <pc:sldChg chg="modSp add">
+        <pc:chgData name="Kristofer Carta" userId="a949ead7c4bcd18f" providerId="LiveId" clId="{93888A2B-6F63-458A-BB21-CE9C4CE85A48}" dt="2017-08-23T22:09:25.664" v="8741" actId="20577"/>
+        <pc:sldMkLst>
+          <pc:docMk/>
+          <pc:sldMk cId="626146546" sldId="340"/>
+        </pc:sldMkLst>
+        <pc:spChg chg="mod">
+          <ac:chgData name="Kristofer Carta" userId="a949ead7c4bcd18f" providerId="LiveId" clId="{93888A2B-6F63-458A-BB21-CE9C4CE85A48}" dt="2017-08-23T22:01:28.657" v="8319" actId="20577"/>
+          <ac:spMkLst>
+            <pc:docMk/>
+            <pc:sldMk cId="626146546" sldId="340"/>
+            <ac:spMk id="2" creationId="{00000000-0000-0000-0000-000000000000}"/>
+          </ac:spMkLst>
+        </pc:spChg>
+        <pc:spChg chg="mod">
+          <ac:chgData name="Kristofer Carta" userId="a949ead7c4bcd18f" providerId="LiveId" clId="{93888A2B-6F63-458A-BB21-CE9C4CE85A48}" dt="2017-08-23T22:09:25.664" v="8741" actId="20577"/>
+          <ac:spMkLst>
+            <pc:docMk/>
+            <pc:sldMk cId="626146546" sldId="340"/>
+            <ac:spMk id="3" creationId="{00000000-0000-0000-0000-000000000000}"/>
+          </ac:spMkLst>
+        </pc:spChg>
+      </pc:sldChg>
+      <pc:sldChg chg="modSp add">
+        <pc:chgData name="Kristofer Carta" userId="a949ead7c4bcd18f" providerId="LiveId" clId="{93888A2B-6F63-458A-BB21-CE9C4CE85A48}" dt="2017-08-23T22:20:18.315" v="9302" actId="20577"/>
+        <pc:sldMkLst>
+          <pc:docMk/>
+          <pc:sldMk cId="403702013" sldId="341"/>
+        </pc:sldMkLst>
+        <pc:spChg chg="mod">
+          <ac:chgData name="Kristofer Carta" userId="a949ead7c4bcd18f" providerId="LiveId" clId="{93888A2B-6F63-458A-BB21-CE9C4CE85A48}" dt="2017-08-23T22:09:42.207" v="8751" actId="20577"/>
+          <ac:spMkLst>
+            <pc:docMk/>
+            <pc:sldMk cId="403702013" sldId="341"/>
+            <ac:spMk id="2" creationId="{00000000-0000-0000-0000-000000000000}"/>
+          </ac:spMkLst>
+        </pc:spChg>
+        <pc:spChg chg="mod">
+          <ac:chgData name="Kristofer Carta" userId="a949ead7c4bcd18f" providerId="LiveId" clId="{93888A2B-6F63-458A-BB21-CE9C4CE85A48}" dt="2017-08-23T22:20:18.315" v="9302" actId="20577"/>
+          <ac:spMkLst>
+            <pc:docMk/>
+            <pc:sldMk cId="403702013" sldId="341"/>
+            <ac:spMk id="3" creationId="{00000000-0000-0000-0000-000000000000}"/>
+          </ac:spMkLst>
+        </pc:spChg>
+      </pc:sldChg>
+      <pc:sldChg chg="modSp add">
+        <pc:chgData name="Kristofer Carta" userId="a949ead7c4bcd18f" providerId="LiveId" clId="{93888A2B-6F63-458A-BB21-CE9C4CE85A48}" dt="2017-08-24T09:59:29.977" v="9590" actId="20577"/>
+        <pc:sldMkLst>
+          <pc:docMk/>
+          <pc:sldMk cId="1221464796" sldId="342"/>
+        </pc:sldMkLst>
+        <pc:spChg chg="mod">
+          <ac:chgData name="Kristofer Carta" userId="a949ead7c4bcd18f" providerId="LiveId" clId="{93888A2B-6F63-458A-BB21-CE9C4CE85A48}" dt="2017-08-24T09:59:29.977" v="9590" actId="20577"/>
+          <ac:spMkLst>
+            <pc:docMk/>
+            <pc:sldMk cId="1221464796" sldId="342"/>
+            <ac:spMk id="3" creationId="{E0FB1EA4-FD9D-4CF6-B17B-8F663C6C20F2}"/>
+          </ac:spMkLst>
+        </pc:spChg>
+      </pc:sldChg>
+      <pc:sldChg chg="modSp add">
+        <pc:chgData name="Kristofer Carta" userId="a949ead7c4bcd18f" providerId="LiveId" clId="{93888A2B-6F63-458A-BB21-CE9C4CE85A48}" dt="2017-08-24T10:00:49.665" v="9643" actId="2711"/>
+        <pc:sldMkLst>
+          <pc:docMk/>
+          <pc:sldMk cId="1829302010" sldId="343"/>
+        </pc:sldMkLst>
+        <pc:spChg chg="mod">
+          <ac:chgData name="Kristofer Carta" userId="a949ead7c4bcd18f" providerId="LiveId" clId="{93888A2B-6F63-458A-BB21-CE9C4CE85A48}" dt="2017-08-24T10:00:49.665" v="9643" actId="2711"/>
+          <ac:spMkLst>
+            <pc:docMk/>
+            <pc:sldMk cId="1829302010" sldId="343"/>
+            <ac:spMk id="3" creationId="{8DF7DAA4-D856-4C8D-812E-EA52E328D9CE}"/>
+          </ac:spMkLst>
+        </pc:spChg>
+      </pc:sldChg>
+      <pc:sldChg chg="modSp add">
+        <pc:chgData name="Kristofer Carta" userId="a949ead7c4bcd18f" providerId="LiveId" clId="{93888A2B-6F63-458A-BB21-CE9C4CE85A48}" dt="2017-08-24T10:01:46.820" v="9696" actId="113"/>
+        <pc:sldMkLst>
+          <pc:docMk/>
+          <pc:sldMk cId="293919274" sldId="344"/>
+        </pc:sldMkLst>
+        <pc:spChg chg="mod">
+          <ac:chgData name="Kristofer Carta" userId="a949ead7c4bcd18f" providerId="LiveId" clId="{93888A2B-6F63-458A-BB21-CE9C4CE85A48}" dt="2017-08-24T10:01:46.820" v="9696" actId="113"/>
+          <ac:spMkLst>
+            <pc:docMk/>
+            <pc:sldMk cId="293919274" sldId="344"/>
+            <ac:spMk id="3" creationId="{DDA7FC82-2E55-4D5B-A184-B6DB976401D1}"/>
+          </ac:spMkLst>
+        </pc:spChg>
+      </pc:sldChg>
+      <pc:sldChg chg="modSp add">
+        <pc:chgData name="Kristofer Carta" userId="a949ead7c4bcd18f" providerId="LiveId" clId="{93888A2B-6F63-458A-BB21-CE9C4CE85A48}" dt="2017-08-24T10:02:48.931" v="9814" actId="113"/>
+        <pc:sldMkLst>
+          <pc:docMk/>
+          <pc:sldMk cId="2281961699" sldId="345"/>
+        </pc:sldMkLst>
+        <pc:spChg chg="mod">
+          <ac:chgData name="Kristofer Carta" userId="a949ead7c4bcd18f" providerId="LiveId" clId="{93888A2B-6F63-458A-BB21-CE9C4CE85A48}" dt="2017-08-24T10:02:48.931" v="9814" actId="113"/>
+          <ac:spMkLst>
+            <pc:docMk/>
+            <pc:sldMk cId="2281961699" sldId="345"/>
+            <ac:spMk id="3" creationId="{1365B191-106F-4751-82E6-5CAB1B02DE18}"/>
+          </ac:spMkLst>
+        </pc:spChg>
+      </pc:sldChg>
+      <pc:sldChg chg="modSp add">
+        <pc:chgData name="Kristofer Carta" userId="a949ead7c4bcd18f" providerId="LiveId" clId="{93888A2B-6F63-458A-BB21-CE9C4CE85A48}" dt="2017-08-24T10:07:34.002" v="9866" actId="20577"/>
+        <pc:sldMkLst>
+          <pc:docMk/>
+          <pc:sldMk cId="171839120" sldId="346"/>
+        </pc:sldMkLst>
+        <pc:spChg chg="mod">
+          <ac:chgData name="Kristofer Carta" userId="a949ead7c4bcd18f" providerId="LiveId" clId="{93888A2B-6F63-458A-BB21-CE9C4CE85A48}" dt="2017-08-24T10:07:34.002" v="9866" actId="20577"/>
+          <ac:spMkLst>
+            <pc:docMk/>
+            <pc:sldMk cId="171839120" sldId="346"/>
+            <ac:spMk id="3" creationId="{307FDE91-7965-464C-8454-FD962DF3A217}"/>
+          </ac:spMkLst>
+        </pc:spChg>
+      </pc:sldChg>
+      <pc:sldChg chg="modSp add">
+        <pc:chgData name="Kristofer Carta" userId="a949ead7c4bcd18f" providerId="LiveId" clId="{93888A2B-6F63-458A-BB21-CE9C4CE85A48}" dt="2017-08-24T10:09:13.925" v="9877" actId="20577"/>
+        <pc:sldMkLst>
+          <pc:docMk/>
+          <pc:sldMk cId="160374749" sldId="347"/>
+        </pc:sldMkLst>
+        <pc:spChg chg="mod">
+          <ac:chgData name="Kristofer Carta" userId="a949ead7c4bcd18f" providerId="LiveId" clId="{93888A2B-6F63-458A-BB21-CE9C4CE85A48}" dt="2017-08-24T10:09:13.925" v="9877" actId="20577"/>
+          <ac:spMkLst>
+            <pc:docMk/>
+            <pc:sldMk cId="160374749" sldId="347"/>
+            <ac:spMk id="3" creationId="{5EE5CBF3-ADB2-4309-A9F0-BB3C6997C0A7}"/>
+          </ac:spMkLst>
+        </pc:spChg>
+      </pc:sldChg>
+      <pc:sldChg chg="add">
+        <pc:chgData name="Kristofer Carta" userId="a949ead7c4bcd18f" providerId="LiveId" clId="{93888A2B-6F63-458A-BB21-CE9C4CE85A48}" dt="2017-08-24T10:10:54.733" v="9879"/>
+        <pc:sldMkLst>
+          <pc:docMk/>
+          <pc:sldMk cId="593501888" sldId="348"/>
+        </pc:sldMkLst>
+      </pc:sldChg>
+    </pc:docChg>
+  </pc:docChgLst>
+  <pc:docChgLst>
+    <pc:chgData name="Kristofer Carta" userId="a949ead7c4bcd18f" providerId="LiveId" clId="{BDB12BE9-6248-4518-AD0A-7BEFF3A06A4A}"/>
+    <pc:docChg chg="undo redo custSel addSld delSld modSld sldOrd delMainMaster modSection">
+      <pc:chgData name="Kristofer Carta" userId="a949ead7c4bcd18f" providerId="LiveId" clId="{BDB12BE9-6248-4518-AD0A-7BEFF3A06A4A}" dt="2017-08-23T11:02:12.182" v="13528"/>
+      <pc:docMkLst>
+        <pc:docMk/>
+      </pc:docMkLst>
+      <pc:sldChg chg="modSp">
+        <pc:chgData name="Kristofer Carta" userId="a949ead7c4bcd18f" providerId="LiveId" clId="{BDB12BE9-6248-4518-AD0A-7BEFF3A06A4A}" dt="2017-08-22T21:56:48.300" v="2951" actId="20577"/>
+        <pc:sldMkLst>
+          <pc:docMk/>
+          <pc:sldMk cId="974364153" sldId="256"/>
+        </pc:sldMkLst>
+        <pc:spChg chg="mod">
+          <ac:chgData name="Kristofer Carta" userId="a949ead7c4bcd18f" providerId="LiveId" clId="{BDB12BE9-6248-4518-AD0A-7BEFF3A06A4A}" dt="2017-08-22T21:56:48.300" v="2951" actId="20577"/>
+          <ac:spMkLst>
+            <pc:docMk/>
+            <pc:sldMk cId="974364153" sldId="256"/>
+            <ac:spMk id="3" creationId="{BB7D2EFF-91D1-4FCE-84B8-A7286782BC3D}"/>
+          </ac:spMkLst>
+        </pc:spChg>
+      </pc:sldChg>
+      <pc:sldChg chg="modSp">
+        <pc:chgData name="Kristofer Carta" userId="a949ead7c4bcd18f" providerId="LiveId" clId="{BDB12BE9-6248-4518-AD0A-7BEFF3A06A4A}" dt="2017-08-23T09:34:44.502" v="13411" actId="6549"/>
+        <pc:sldMkLst>
+          <pc:docMk/>
+          <pc:sldMk cId="1531087304" sldId="257"/>
+        </pc:sldMkLst>
+        <pc:spChg chg="mod">
+          <ac:chgData name="Kristofer Carta" userId="a949ead7c4bcd18f" providerId="LiveId" clId="{BDB12BE9-6248-4518-AD0A-7BEFF3A06A4A}" dt="2017-08-23T09:34:44.502" v="13411" actId="6549"/>
+          <ac:spMkLst>
+            <pc:docMk/>
+            <pc:sldMk cId="1531087304" sldId="257"/>
+            <ac:spMk id="2" creationId="{CFF8F415-0289-42DD-8368-9F4A4D4037B6}"/>
+          </ac:spMkLst>
+        </pc:spChg>
+      </pc:sldChg>
+      <pc:sldChg chg="addSp delSp modSp delDesignElem">
+        <pc:chgData name="Kristofer Carta" userId="a949ead7c4bcd18f" providerId="LiveId" clId="{BDB12BE9-6248-4518-AD0A-7BEFF3A06A4A}" dt="2017-08-23T09:34:09.247" v="13376" actId="20577"/>
+        <pc:sldMkLst>
+          <pc:docMk/>
+          <pc:sldMk cId="3212783590" sldId="258"/>
+        </pc:sldMkLst>
+        <pc:spChg chg="mod">
+          <ac:chgData name="Kristofer Carta" userId="a949ead7c4bcd18f" providerId="LiveId" clId="{BDB12BE9-6248-4518-AD0A-7BEFF3A06A4A}" dt="2017-08-22T21:03:05.652" v="1230" actId="20577"/>
+          <ac:spMkLst>
+            <pc:docMk/>
+            <pc:sldMk cId="3212783590" sldId="258"/>
+            <ac:spMk id="3" creationId="{05F9B296-6FED-46D7-B938-C6029FE5AE22}"/>
+          </ac:spMkLst>
+        </pc:spChg>
+        <pc:spChg chg="add del">
+          <ac:chgData name="Kristofer Carta" userId="a949ead7c4bcd18f" providerId="LiveId" clId="{BDB12BE9-6248-4518-AD0A-7BEFF3A06A4A}" dt="2017-08-23T09:34:09.247" v="13376" actId="20577"/>
+          <ac:spMkLst>
+            <pc:docMk/>
+            <pc:sldMk cId="3212783590" sldId="258"/>
+            <ac:spMk id="12" creationId="{00000000-0000-0000-0000-000000000000}"/>
+          </ac:spMkLst>
+        </pc:spChg>
+      </pc:sldChg>
+      <pc:sldChg chg="del">
+        <pc:chgData name="Kristofer Carta" userId="a949ead7c4bcd18f" providerId="LiveId" clId="{BDB12BE9-6248-4518-AD0A-7BEFF3A06A4A}" dt="2017-08-22T18:19:44.761" v="129" actId="2696"/>
+        <pc:sldMkLst>
+          <pc:docMk/>
+          <pc:sldMk cId="1871955869" sldId="259"/>
+        </pc:sldMkLst>
+      </pc:sldChg>
+      <pc:sldChg chg="addSp delSp modSp delDesignElem">
+        <pc:chgData name="Kristofer Carta" userId="a949ead7c4bcd18f" providerId="LiveId" clId="{BDB12BE9-6248-4518-AD0A-7BEFF3A06A4A}" dt="2017-08-23T09:35:41.418" v="13527" actId="20577"/>
+        <pc:sldMkLst>
+          <pc:docMk/>
+          <pc:sldMk cId="3956988050" sldId="260"/>
+        </pc:sldMkLst>
+        <pc:spChg chg="mod">
+          <ac:chgData name="Kristofer Carta" userId="a949ead7c4bcd18f" providerId="LiveId" clId="{BDB12BE9-6248-4518-AD0A-7BEFF3A06A4A}" dt="2017-08-23T09:35:41.418" v="13527" actId="20577"/>
+          <ac:spMkLst>
+            <pc:docMk/>
+            <pc:sldMk cId="3956988050" sldId="260"/>
+            <ac:spMk id="3" creationId="{FFC353AD-FA04-47E2-BB20-54AD62996ABA}"/>
+          </ac:spMkLst>
+        </pc:spChg>
+        <pc:spChg chg="add del">
+          <ac:chgData name="Kristofer Carta" userId="a949ead7c4bcd18f" providerId="LiveId" clId="{BDB12BE9-6248-4518-AD0A-7BEFF3A06A4A}" dt="2017-08-23T09:34:09.247" v="13376" actId="20577"/>
+          <ac:spMkLst>
+            <pc:docMk/>
+            <pc:sldMk cId="3956988050" sldId="260"/>
+            <ac:spMk id="27" creationId="{00000000-0000-0000-0000-000000000000}"/>
+          </ac:spMkLst>
+        </pc:spChg>
+        <pc:spChg chg="add del">
+          <ac:chgData name="Kristofer Carta" userId="a949ead7c4bcd18f" providerId="LiveId" clId="{BDB12BE9-6248-4518-AD0A-7BEFF3A06A4A}" dt="2017-08-23T09:34:09.247" v="13376" actId="20577"/>
+          <ac:spMkLst>
+            <pc:docMk/>
+            <pc:sldMk cId="3956988050" sldId="260"/>
+            <ac:spMk id="28" creationId="{00000000-0000-0000-0000-000000000000}"/>
+          </ac:spMkLst>
+        </pc:spChg>
+      </pc:sldChg>
+      <pc:sldChg chg="del">
+        <pc:chgData name="Kristofer Carta" userId="a949ead7c4bcd18f" providerId="LiveId" clId="{BDB12BE9-6248-4518-AD0A-7BEFF3A06A4A}" dt="2017-08-22T18:19:01.125" v="6" actId="2696"/>
+        <pc:sldMkLst>
+          <pc:docMk/>
+          <pc:sldMk cId="1483780471" sldId="261"/>
+        </pc:sldMkLst>
+      </pc:sldChg>
+      <pc:sldChg chg="del">
+        <pc:chgData name="Kristofer Carta" userId="a949ead7c4bcd18f" providerId="LiveId" clId="{BDB12BE9-6248-4518-AD0A-7BEFF3A06A4A}" dt="2017-08-22T18:19:01.109" v="5" actId="2696"/>
+        <pc:sldMkLst>
+          <pc:docMk/>
+          <pc:sldMk cId="1550220192" sldId="262"/>
+        </pc:sldMkLst>
+      </pc:sldChg>
+      <pc:sldChg chg="del">
+        <pc:chgData name="Kristofer Carta" userId="a949ead7c4bcd18f" providerId="LiveId" clId="{BDB12BE9-6248-4518-AD0A-7BEFF3A06A4A}" dt="2017-08-22T18:19:01.094" v="4" actId="2696"/>
+        <pc:sldMkLst>
+          <pc:docMk/>
+          <pc:sldMk cId="492457668" sldId="263"/>
+        </pc:sldMkLst>
+      </pc:sldChg>
+      <pc:sldChg chg="del">
+        <pc:chgData name="Kristofer Carta" userId="a949ead7c4bcd18f" providerId="LiveId" clId="{BDB12BE9-6248-4518-AD0A-7BEFF3A06A4A}" dt="2017-08-22T18:19:44.761" v="128" actId="2696"/>
+        <pc:sldMkLst>
+          <pc:docMk/>
+          <pc:sldMk cId="428011476" sldId="264"/>
+        </pc:sldMkLst>
+      </pc:sldChg>
+      <pc:sldChg chg="del">
+        <pc:chgData name="Kristofer Carta" userId="a949ead7c4bcd18f" providerId="LiveId" clId="{BDB12BE9-6248-4518-AD0A-7BEFF3A06A4A}" dt="2017-08-22T18:19:01.140" v="7" actId="2696"/>
+        <pc:sldMkLst>
+          <pc:docMk/>
+          <pc:sldMk cId="2700095255" sldId="265"/>
+        </pc:sldMkLst>
+      </pc:sldChg>
+      <pc:sldChg chg="del">
+        <pc:chgData name="Kristofer Carta" userId="a949ead7c4bcd18f" providerId="LiveId" clId="{BDB12BE9-6248-4518-AD0A-7BEFF3A06A4A}" dt="2017-08-22T18:19:01.156" v="20" actId="2696"/>
+        <pc:sldMkLst>
+          <pc:docMk/>
+          <pc:sldMk cId="2413704392" sldId="266"/>
+        </pc:sldMkLst>
+      </pc:sldChg>
+      <pc:sldChg chg="del">
+        <pc:chgData name="Kristofer Carta" userId="a949ead7c4bcd18f" providerId="LiveId" clId="{BDB12BE9-6248-4518-AD0A-7BEFF3A06A4A}" dt="2017-08-22T18:19:01.172" v="23" actId="2696"/>
+        <pc:sldMkLst>
+          <pc:docMk/>
+          <pc:sldMk cId="2886054059" sldId="268"/>
+        </pc:sldMkLst>
+      </pc:sldChg>
+      <pc:sldChg chg="del">
+        <pc:chgData name="Kristofer Carta" userId="a949ead7c4bcd18f" providerId="LiveId" clId="{BDB12BE9-6248-4518-AD0A-7BEFF3A06A4A}" dt="2017-08-22T18:19:01.203" v="25" actId="2696"/>
+        <pc:sldMkLst>
+          <pc:docMk/>
+          <pc:sldMk cId="1087171556" sldId="269"/>
+        </pc:sldMkLst>
+      </pc:sldChg>
+      <pc:sldChg chg="del">
+        <pc:chgData name="Kristofer Carta" userId="a949ead7c4bcd18f" providerId="LiveId" clId="{BDB12BE9-6248-4518-AD0A-7BEFF3A06A4A}" dt="2017-08-22T18:38:45.325" v="300" actId="2696"/>
+        <pc:sldMkLst>
+          <pc:docMk/>
+          <pc:sldMk cId="2834989558" sldId="270"/>
+        </pc:sldMkLst>
+      </pc:sldChg>
+      <pc:sldChg chg="addSp delSp modSp delDesignElem">
+        <pc:chgData name="Kristofer Carta" userId="a949ead7c4bcd18f" providerId="LiveId" clId="{BDB12BE9-6248-4518-AD0A-7BEFF3A06A4A}" dt="2017-08-23T11:02:12.182" v="13528"/>
+        <pc:sldMkLst>
+          <pc:docMk/>
+          <pc:sldMk cId="2783061044" sldId="271"/>
+        </pc:sldMkLst>
+        <pc:spChg chg="mod">
+          <ac:chgData name="Kristofer Carta" userId="a949ead7c4bcd18f" providerId="LiveId" clId="{BDB12BE9-6248-4518-AD0A-7BEFF3A06A4A}" dt="2017-08-22T18:29:12.444" v="216" actId="20577"/>
+          <ac:spMkLst>
+            <pc:docMk/>
+            <pc:sldMk cId="2783061044" sldId="271"/>
+            <ac:spMk id="2" creationId="{682FA6FE-49AC-4D37-B270-E527DFCE236A}"/>
+          </ac:spMkLst>
+        </pc:spChg>
+        <pc:spChg chg="mod">
+          <ac:chgData name="Kristofer Carta" userId="a949ead7c4bcd18f" providerId="LiveId" clId="{BDB12BE9-6248-4518-AD0A-7BEFF3A06A4A}" dt="2017-08-23T11:02:12.182" v="13528"/>
+          <ac:spMkLst>
+            <pc:docMk/>
+            <pc:sldMk cId="2783061044" sldId="271"/>
+            <ac:spMk id="3" creationId="{CB5CF5F7-55FD-40B2-8557-A3B9DF5E60B1}"/>
+          </ac:spMkLst>
+        </pc:spChg>
+        <pc:spChg chg="add del">
+          <ac:chgData name="Kristofer Carta" userId="a949ead7c4bcd18f" providerId="LiveId" clId="{BDB12BE9-6248-4518-AD0A-7BEFF3A06A4A}" dt="2017-08-23T09:34:09.247" v="13376" actId="20577"/>
+          <ac:spMkLst>
+            <pc:docMk/>
+            <pc:sldMk cId="2783061044" sldId="271"/>
+            <ac:spMk id="12" creationId="{00000000-0000-0000-0000-000000000000}"/>
+          </ac:spMkLst>
+        </pc:spChg>
+        <pc:spChg chg="add del">
+          <ac:chgData name="Kristofer Carta" userId="a949ead7c4bcd18f" providerId="LiveId" clId="{BDB12BE9-6248-4518-AD0A-7BEFF3A06A4A}" dt="2017-08-23T09:34:09.247" v="13376" actId="20577"/>
+          <ac:spMkLst>
+            <pc:docMk/>
+            <pc:sldMk cId="2783061044" sldId="271"/>
+            <ac:spMk id="13" creationId="{00000000-0000-0000-0000-000000000000}"/>
+          </ac:spMkLst>
+        </pc:spChg>
+        <pc:spChg chg="add del">
+          <ac:chgData name="Kristofer Carta" userId="a949ead7c4bcd18f" providerId="LiveId" clId="{BDB12BE9-6248-4518-AD0A-7BEFF3A06A4A}" dt="2017-08-23T09:34:09.247" v="13376" actId="20577"/>
+          <ac:spMkLst>
+            <pc:docMk/>
+            <pc:sldMk cId="2783061044" sldId="271"/>
+            <ac:spMk id="14" creationId="{00000000-0000-0000-0000-000000000000}"/>
+          </ac:spMkLst>
+        </pc:spChg>
+      </pc:sldChg>
+      <pc:sldChg chg="del">
+        <pc:chgData name="Kristofer Carta" userId="a949ead7c4bcd18f" providerId="LiveId" clId="{BDB12BE9-6248-4518-AD0A-7BEFF3A06A4A}" dt="2017-08-22T18:19:01.203" v="26" actId="2696"/>
+        <pc:sldMkLst>
+          <pc:docMk/>
+          <pc:sldMk cId="258584565" sldId="272"/>
+        </pc:sldMkLst>
+      </pc:sldChg>
+      <pc:sldChg chg="modSp add">
+        <pc:chgData name="Kristofer Carta" userId="a949ead7c4bcd18f" providerId="LiveId" clId="{BDB12BE9-6248-4518-AD0A-7BEFF3A06A4A}" dt="2017-08-22T21:32:28.811" v="1994" actId="20577"/>
+        <pc:sldMkLst>
+          <pc:docMk/>
+          <pc:sldMk cId="1781895067" sldId="272"/>
+        </pc:sldMkLst>
+        <pc:spChg chg="mod">
+          <ac:chgData name="Kristofer Carta" userId="a949ead7c4bcd18f" providerId="LiveId" clId="{BDB12BE9-6248-4518-AD0A-7BEFF3A06A4A}" dt="2017-08-22T21:26:42.347" v="1842" actId="20577"/>
+          <ac:spMkLst>
+            <pc:docMk/>
+            <pc:sldMk cId="1781895067" sldId="272"/>
+            <ac:spMk id="2" creationId="{00000000-0000-0000-0000-000000000000}"/>
+          </ac:spMkLst>
+        </pc:spChg>
+        <pc:spChg chg="mod">
+          <ac:chgData name="Kristofer Carta" userId="a949ead7c4bcd18f" providerId="LiveId" clId="{BDB12BE9-6248-4518-AD0A-7BEFF3A06A4A}" dt="2017-08-22T21:32:28.811" v="1994" actId="20577"/>
+          <ac:spMkLst>
+            <pc:docMk/>
+            <pc:sldMk cId="1781895067" sldId="272"/>
+            <ac:spMk id="3" creationId="{00000000-0000-0000-0000-000000000000}"/>
+          </ac:spMkLst>
+        </pc:spChg>
+      </pc:sldChg>
+      <pc:sldChg chg="del">
+        <pc:chgData name="Kristofer Carta" userId="a949ead7c4bcd18f" providerId="LiveId" clId="{BDB12BE9-6248-4518-AD0A-7BEFF3A06A4A}" dt="2017-08-22T18:19:01.187" v="24" actId="2696"/>
+        <pc:sldMkLst>
+          <pc:docMk/>
+          <pc:sldMk cId="2889338845" sldId="273"/>
+        </pc:sldMkLst>
+      </pc:sldChg>
+      <pc:sldChg chg="modSp add">
+        <pc:chgData name="Kristofer Carta" userId="a949ead7c4bcd18f" providerId="LiveId" clId="{BDB12BE9-6248-4518-AD0A-7BEFF3A06A4A}" dt="2017-08-22T21:26:42.347" v="1842" actId="2696"/>
+        <pc:sldMkLst>
+          <pc:docMk/>
+          <pc:sldMk cId="3644306241" sldId="273"/>
+        </pc:sldMkLst>
+        <pc:spChg chg="mod">
+          <ac:chgData name="Kristofer Carta" userId="a949ead7c4bcd18f" providerId="LiveId" clId="{BDB12BE9-6248-4518-AD0A-7BEFF3A06A4A}" dt="2017-08-22T21:26:42.347" v="1842" actId="2696"/>
+          <ac:spMkLst>
+            <pc:docMk/>
+            <pc:sldMk cId="3644306241" sldId="273"/>
+            <ac:spMk id="2" creationId="{00000000-0000-0000-0000-000000000000}"/>
+          </ac:spMkLst>
+        </pc:spChg>
+        <pc:spChg chg="mod">
+          <ac:chgData name="Kristofer Carta" userId="a949ead7c4bcd18f" providerId="LiveId" clId="{BDB12BE9-6248-4518-AD0A-7BEFF3A06A4A}" dt="2017-08-22T21:26:35.146" v="1829" actId="2696"/>
+          <ac:spMkLst>
+            <pc:docMk/>
+            <pc:sldMk cId="3644306241" sldId="273"/>
+            <ac:spMk id="3" creationId="{00000000-0000-0000-0000-000000000000}"/>
+          </ac:spMkLst>
+        </pc:spChg>
+      </pc:sldChg>
+      <pc:sldChg chg="modSp add">
+        <pc:chgData name="Kristofer Carta" userId="a949ead7c4bcd18f" providerId="LiveId" clId="{BDB12BE9-6248-4518-AD0A-7BEFF3A06A4A}" dt="2017-08-22T21:26:42.347" v="1842" actId="2696"/>
+        <pc:sldMkLst>
+          <pc:docMk/>
+          <pc:sldMk cId="39224183" sldId="274"/>
+        </pc:sldMkLst>
+        <pc:spChg chg="mod">
+          <ac:chgData name="Kristofer Carta" userId="a949ead7c4bcd18f" providerId="LiveId" clId="{BDB12BE9-6248-4518-AD0A-7BEFF3A06A4A}" dt="2017-08-22T21:26:42.347" v="1842" actId="2696"/>
+          <ac:spMkLst>
+            <pc:docMk/>
+            <pc:sldMk cId="39224183" sldId="274"/>
+            <ac:spMk id="2" creationId="{00000000-0000-0000-0000-000000000000}"/>
+          </ac:spMkLst>
+        </pc:spChg>
+        <pc:spChg chg="mod">
+          <ac:chgData name="Kristofer Carta" userId="a949ead7c4bcd18f" providerId="LiveId" clId="{BDB12BE9-6248-4518-AD0A-7BEFF3A06A4A}" dt="2017-08-22T21:26:35.146" v="1829" actId="2696"/>
+          <ac:spMkLst>
+            <pc:docMk/>
+            <pc:sldMk cId="39224183" sldId="274"/>
+            <ac:spMk id="6" creationId="{00000000-0000-0000-0000-000000000000}"/>
+          </ac:spMkLst>
+        </pc:spChg>
+        <pc:graphicFrameChg chg="mod">
+          <ac:chgData name="Kristofer Carta" userId="a949ead7c4bcd18f" providerId="LiveId" clId="{BDB12BE9-6248-4518-AD0A-7BEFF3A06A4A}" dt="2017-08-22T21:26:35.146" v="1829" actId="2696"/>
+          <ac:graphicFrameMkLst>
+            <pc:docMk/>
+            <pc:sldMk cId="39224183" sldId="274"/>
+            <ac:graphicFrameMk id="4" creationId="{00000000-0000-0000-0000-000000000000}"/>
+          </ac:graphicFrameMkLst>
+        </pc:graphicFrameChg>
+      </pc:sldChg>
+      <pc:sldChg chg="del">
+        <pc:chgData name="Kristofer Carta" userId="a949ead7c4bcd18f" providerId="LiveId" clId="{BDB12BE9-6248-4518-AD0A-7BEFF3A06A4A}" dt="2017-08-22T18:19:01.156" v="21" actId="2696"/>
+        <pc:sldMkLst>
+          <pc:docMk/>
+          <pc:sldMk cId="371282952" sldId="274"/>
+        </pc:sldMkLst>
+      </pc:sldChg>
+      <pc:sldChg chg="del">
+        <pc:chgData name="Kristofer Carta" userId="a949ead7c4bcd18f" providerId="LiveId" clId="{BDB12BE9-6248-4518-AD0A-7BEFF3A06A4A}" dt="2017-08-22T18:19:01.078" v="2" actId="2696"/>
+        <pc:sldMkLst>
+          <pc:docMk/>
+          <pc:sldMk cId="311738350" sldId="275"/>
+        </pc:sldMkLst>
+      </pc:sldChg>
+      <pc:sldChg chg="modSp add">
+        <pc:chgData name="Kristofer Carta" userId="a949ead7c4bcd18f" providerId="LiveId" clId="{BDB12BE9-6248-4518-AD0A-7BEFF3A06A4A}" dt="2017-08-22T21:26:42.347" v="1842" actId="2696"/>
+        <pc:sldMkLst>
+          <pc:docMk/>
+          <pc:sldMk cId="3388597120" sldId="275"/>
+        </pc:sldMkLst>
+        <pc:spChg chg="mod">
+          <ac:chgData name="Kristofer Carta" userId="a949ead7c4bcd18f" providerId="LiveId" clId="{BDB12BE9-6248-4518-AD0A-7BEFF3A06A4A}" dt="2017-08-22T21:26:42.347" v="1842" actId="2696"/>
+          <ac:spMkLst>
+            <pc:docMk/>
+            <pc:sldMk cId="3388597120" sldId="275"/>
+            <ac:spMk id="2" creationId="{00000000-0000-0000-0000-000000000000}"/>
+          </ac:spMkLst>
+        </pc:spChg>
+        <pc:spChg chg="mod">
+          <ac:chgData name="Kristofer Carta" userId="a949ead7c4bcd18f" providerId="LiveId" clId="{BDB12BE9-6248-4518-AD0A-7BEFF3A06A4A}" dt="2017-08-22T21:26:35.180" v="1830" actId="27636"/>
+          <ac:spMkLst>
+            <pc:docMk/>
+            <pc:sldMk cId="3388597120" sldId="275"/>
+            <ac:spMk id="3" creationId="{00000000-0000-0000-0000-000000000000}"/>
+          </ac:spMkLst>
+        </pc:spChg>
+      </pc:sldChg>
+      <pc:sldChg chg="modSp add ord">
+        <pc:chgData name="Kristofer Carta" userId="a949ead7c4bcd18f" providerId="LiveId" clId="{BDB12BE9-6248-4518-AD0A-7BEFF3A06A4A}" dt="2017-08-22T21:26:42.347" v="1842" actId="2696"/>
+        <pc:sldMkLst>
+          <pc:docMk/>
+          <pc:sldMk cId="1688141316" sldId="276"/>
+        </pc:sldMkLst>
+        <pc:spChg chg="mod">
+          <ac:chgData name="Kristofer Carta" userId="a949ead7c4bcd18f" providerId="LiveId" clId="{BDB12BE9-6248-4518-AD0A-7BEFF3A06A4A}" dt="2017-08-22T21:26:42.347" v="1842" actId="2696"/>
+          <ac:spMkLst>
+            <pc:docMk/>
+            <pc:sldMk cId="1688141316" sldId="276"/>
+            <ac:spMk id="2" creationId="{00000000-0000-0000-0000-000000000000}"/>
+          </ac:spMkLst>
+        </pc:spChg>
+        <pc:spChg chg="mod">
+          <ac:chgData name="Kristofer Carta" userId="a949ead7c4bcd18f" providerId="LiveId" clId="{BDB12BE9-6248-4518-AD0A-7BEFF3A06A4A}" dt="2017-08-22T21:26:35.146" v="1829" actId="2696"/>
+          <ac:spMkLst>
+            <pc:docMk/>
+            <pc:sldMk cId="1688141316" sldId="276"/>
+            <ac:spMk id="3" creationId="{00000000-0000-0000-0000-000000000000}"/>
+          </ac:spMkLst>
+        </pc:spChg>
+      </pc:sldChg>
+      <pc:sldChg chg="del">
+        <pc:chgData name="Kristofer Carta" userId="a949ead7c4bcd18f" providerId="LiveId" clId="{BDB12BE9-6248-4518-AD0A-7BEFF3A06A4A}" dt="2017-08-22T18:19:01.094" v="3" actId="2696"/>
+        <pc:sldMkLst>
+          <pc:docMk/>
+          <pc:sldMk cId="2245622187" sldId="276"/>
+        </pc:sldMkLst>
+      </pc:sldChg>
+      <pc:sldChg chg="del">
+        <pc:chgData name="Kristofer Carta" userId="a949ead7c4bcd18f" providerId="LiveId" clId="{BDB12BE9-6248-4518-AD0A-7BEFF3A06A4A}" dt="2017-08-22T18:19:01.172" v="22" actId="2696"/>
+        <pc:sldMkLst>
+          <pc:docMk/>
+          <pc:sldMk cId="597761154" sldId="277"/>
+        </pc:sldMkLst>
+      </pc:sldChg>
+      <pc:sldChg chg="modSp add">
+        <pc:chgData name="Kristofer Carta" userId="a949ead7c4bcd18f" providerId="LiveId" clId="{BDB12BE9-6248-4518-AD0A-7BEFF3A06A4A}" dt="2017-08-22T21:32:59.239" v="2005" actId="20577"/>
+        <pc:sldMkLst>
+          <pc:docMk/>
+          <pc:sldMk cId="4204636137" sldId="277"/>
+        </pc:sldMkLst>
+        <pc:spChg chg="mod">
+          <ac:chgData name="Kristofer Carta" userId="a949ead7c4bcd18f" providerId="LiveId" clId="{BDB12BE9-6248-4518-AD0A-7BEFF3A06A4A}" dt="2017-08-22T21:26:42.347" v="1842" actId="20577"/>
+          <ac:spMkLst>
+            <pc:docMk/>
+            <pc:sldMk cId="4204636137" sldId="277"/>
+            <ac:spMk id="2" creationId="{00000000-0000-0000-0000-000000000000}"/>
+          </ac:spMkLst>
+        </pc:spChg>
+        <pc:spChg chg="mod">
+          <ac:chgData name="Kristofer Carta" userId="a949ead7c4bcd18f" providerId="LiveId" clId="{BDB12BE9-6248-4518-AD0A-7BEFF3A06A4A}" dt="2017-08-22T21:32:59.239" v="2005" actId="20577"/>
+          <ac:spMkLst>
+            <pc:docMk/>
+            <pc:sldMk cId="4204636137" sldId="277"/>
+            <ac:spMk id="3" creationId="{00000000-0000-0000-0000-000000000000}"/>
+          </ac:spMkLst>
+        </pc:spChg>
+      </pc:sldChg>
+      <pc:sldChg chg="modSp add">
+        <pc:chgData name="Kristofer Carta" userId="a949ead7c4bcd18f" providerId="LiveId" clId="{BDB12BE9-6248-4518-AD0A-7BEFF3A06A4A}" dt="2017-08-22T21:26:42.347" v="1842" actId="2696"/>
+        <pc:sldMkLst>
+          <pc:docMk/>
+          <pc:sldMk cId="505186429" sldId="278"/>
+        </pc:sldMkLst>
+        <pc:spChg chg="mod">
+          <ac:chgData name="Kristofer Carta" userId="a949ead7c4bcd18f" providerId="LiveId" clId="{BDB12BE9-6248-4518-AD0A-7BEFF3A06A4A}" dt="2017-08-22T21:26:42.347" v="1842" actId="2696"/>
+          <ac:spMkLst>
+            <pc:docMk/>
+            <pc:sldMk cId="505186429" sldId="278"/>
+            <ac:spMk id="2" creationId="{00000000-0000-0000-0000-000000000000}"/>
+          </ac:spMkLst>
+        </pc:spChg>
+        <pc:spChg chg="mod">
+          <ac:chgData name="Kristofer Carta" userId="a949ead7c4bcd18f" providerId="LiveId" clId="{BDB12BE9-6248-4518-AD0A-7BEFF3A06A4A}" dt="2017-08-22T21:26:35.146" v="1829" actId="2696"/>
+          <ac:spMkLst>
+            <pc:docMk/>
+            <pc:sldMk cId="505186429" sldId="278"/>
+            <ac:spMk id="3" creationId="{00000000-0000-0000-0000-000000000000}"/>
+          </ac:spMkLst>
+        </pc:spChg>
+      </pc:sldChg>
+      <pc:sldChg chg="del">
+        <pc:chgData name="Kristofer Carta" userId="a949ead7c4bcd18f" providerId="LiveId" clId="{BDB12BE9-6248-4518-AD0A-7BEFF3A06A4A}" dt="2017-08-22T18:19:01.078" v="1" actId="2696"/>
+        <pc:sldMkLst>
+          <pc:docMk/>
+          <pc:sldMk cId="3081455738" sldId="278"/>
+        </pc:sldMkLst>
+      </pc:sldChg>
+      <pc:sldChg chg="del">
+        <pc:chgData name="Kristofer Carta" userId="a949ead7c4bcd18f" providerId="LiveId" clId="{BDB12BE9-6248-4518-AD0A-7BEFF3A06A4A}" dt="2017-08-22T18:19:01.062" v="0" actId="2696"/>
+        <pc:sldMkLst>
+          <pc:docMk/>
+          <pc:sldMk cId="533655295" sldId="279"/>
+        </pc:sldMkLst>
+      </pc:sldChg>
+      <pc:sldChg chg="modSp add">
+        <pc:chgData name="Kristofer Carta" userId="a949ead7c4bcd18f" providerId="LiveId" clId="{BDB12BE9-6248-4518-AD0A-7BEFF3A06A4A}" dt="2017-08-22T21:26:42.347" v="1842" actId="2696"/>
+        <pc:sldMkLst>
+          <pc:docMk/>
+          <pc:sldMk cId="1671945896" sldId="279"/>
+        </pc:sldMkLst>
+        <pc:spChg chg="mod">
+          <ac:chgData name="Kristofer Carta" userId="a949ead7c4bcd18f" providerId="LiveId" clId="{BDB12BE9-6248-4518-AD0A-7BEFF3A06A4A}" dt="2017-08-22T21:26:42.347" v="1842" actId="2696"/>
+          <ac:spMkLst>
+            <pc:docMk/>
+            <pc:sldMk cId="1671945896" sldId="279"/>
+            <ac:spMk id="2" creationId="{00000000-0000-0000-0000-000000000000}"/>
+          </ac:spMkLst>
+        </pc:spChg>
+        <pc:spChg chg="mod">
+          <ac:chgData name="Kristofer Carta" userId="a949ead7c4bcd18f" providerId="LiveId" clId="{BDB12BE9-6248-4518-AD0A-7BEFF3A06A4A}" dt="2017-08-22T21:26:35.146" v="1829" actId="2696"/>
+          <ac:spMkLst>
+            <pc:docMk/>
+            <pc:sldMk cId="1671945896" sldId="279"/>
+            <ac:spMk id="3" creationId="{00000000-0000-0000-0000-000000000000}"/>
+          </ac:spMkLst>
+        </pc:spChg>
+      </pc:sldChg>
+      <pc:sldChg chg="modSp add del">
+        <pc:chgData name="Kristofer Carta" userId="a949ead7c4bcd18f" providerId="LiveId" clId="{BDB12BE9-6248-4518-AD0A-7BEFF3A06A4A}" dt="2017-08-22T18:22:25.804" v="135" actId="2696"/>
+        <pc:sldMkLst>
+          <pc:docMk/>
+          <pc:sldMk cId="729149625" sldId="280"/>
+        </pc:sldMkLst>
+        <pc:spChg chg="mod">
+          <ac:chgData name="Kristofer Carta" userId="a949ead7c4bcd18f" providerId="LiveId" clId="{BDB12BE9-6248-4518-AD0A-7BEFF3A06A4A}" dt="2017-08-22T18:21:40.776" v="132" actId="27636"/>
+          <ac:spMkLst>
+            <pc:docMk/>
+            <pc:sldMk cId="729149625" sldId="280"/>
+            <ac:spMk id="3" creationId="{00000000-0000-0000-0000-000000000000}"/>
+          </ac:spMkLst>
+        </pc:spChg>
+      </pc:sldChg>
+      <pc:sldChg chg="add del">
+        <pc:chgData name="Kristofer Carta" userId="a949ead7c4bcd18f" providerId="LiveId" clId="{BDB12BE9-6248-4518-AD0A-7BEFF3A06A4A}" dt="2017-08-22T18:22:24.112" v="134" actId="2696"/>
+        <pc:sldMkLst>
+          <pc:docMk/>
+          <pc:sldMk cId="815190344" sldId="281"/>
+        </pc:sldMkLst>
+      </pc:sldChg>
+      <pc:sldChg chg="addSp delSp modSp add">
+        <pc:chgData name="Kristofer Carta" userId="a949ead7c4bcd18f" providerId="LiveId" clId="{BDB12BE9-6248-4518-AD0A-7BEFF3A06A4A}" dt="2017-08-22T21:36:01.553" v="2390" actId="20577"/>
+        <pc:sldMkLst>
+          <pc:docMk/>
+          <pc:sldMk cId="946938703" sldId="282"/>
+        </pc:sldMkLst>
+        <pc:spChg chg="mod">
+          <ac:chgData name="Kristofer Carta" userId="a949ead7c4bcd18f" providerId="LiveId" clId="{BDB12BE9-6248-4518-AD0A-7BEFF3A06A4A}" dt="2017-08-22T21:26:42.347" v="1842" actId="20577"/>
+          <ac:spMkLst>
+            <pc:docMk/>
+            <pc:sldMk cId="946938703" sldId="282"/>
+            <ac:spMk id="2" creationId="{00000000-0000-0000-0000-000000000000}"/>
+          </ac:spMkLst>
+        </pc:spChg>
+        <pc:spChg chg="mod">
+          <ac:chgData name="Kristofer Carta" userId="a949ead7c4bcd18f" providerId="LiveId" clId="{BDB12BE9-6248-4518-AD0A-7BEFF3A06A4A}" dt="2017-08-22T21:36:01.553" v="2390" actId="20577"/>
+          <ac:spMkLst>
+            <pc:docMk/>
+            <pc:sldMk cId="946938703" sldId="282"/>
+            <ac:spMk id="3" creationId="{00000000-0000-0000-0000-000000000000}"/>
+          </ac:spMkLst>
+        </pc:spChg>
+        <pc:picChg chg="del">
+          <ac:chgData name="Kristofer Carta" userId="a949ead7c4bcd18f" providerId="LiveId" clId="{BDB12BE9-6248-4518-AD0A-7BEFF3A06A4A}" dt="2017-08-22T21:33:54.776" v="2040" actId="478"/>
+          <ac:picMkLst>
+            <pc:docMk/>
+            <pc:sldMk cId="946938703" sldId="282"/>
+            <ac:picMk id="4" creationId="{00000000-0000-0000-0000-000000000000}"/>
+          </ac:picMkLst>
+        </pc:picChg>
+        <pc:picChg chg="add mod">
+          <ac:chgData name="Kristofer Carta" userId="a949ead7c4bcd18f" providerId="LiveId" clId="{BDB12BE9-6248-4518-AD0A-7BEFF3A06A4A}" dt="2017-08-22T21:34:06.928" v="2043" actId="1076"/>
+          <ac:picMkLst>
+            <pc:docMk/>
+            <pc:sldMk cId="946938703" sldId="282"/>
+            <ac:picMk id="5" creationId="{9333DC40-D6C0-412D-9F60-28C867ED41D0}"/>
+          </ac:picMkLst>
+        </pc:picChg>
+      </pc:sldChg>
+      <pc:sldChg chg="addSp delSp modSp add">
+        <pc:chgData name="Kristofer Carta" userId="a949ead7c4bcd18f" providerId="LiveId" clId="{BDB12BE9-6248-4518-AD0A-7BEFF3A06A4A}" dt="2017-08-22T21:48:01.691" v="2655" actId="14100"/>
+        <pc:sldMkLst>
+          <pc:docMk/>
+          <pc:sldMk cId="746043981" sldId="283"/>
+        </pc:sldMkLst>
+        <pc:spChg chg="mod">
+          <ac:chgData name="Kristofer Carta" userId="a949ead7c4bcd18f" providerId="LiveId" clId="{BDB12BE9-6248-4518-AD0A-7BEFF3A06A4A}" dt="2017-08-22T21:26:42.347" v="1842" actId="14100"/>
+          <ac:spMkLst>
+            <pc:docMk/>
+            <pc:sldMk cId="746043981" sldId="283"/>
+            <ac:spMk id="2" creationId="{00000000-0000-0000-0000-000000000000}"/>
+          </ac:spMkLst>
+        </pc:spChg>
+        <pc:spChg chg="mod">
+          <ac:chgData name="Kristofer Carta" userId="a949ead7c4bcd18f" providerId="LiveId" clId="{BDB12BE9-6248-4518-AD0A-7BEFF3A06A4A}" dt="2017-08-22T21:26:35.146" v="1829" actId="14100"/>
+          <ac:spMkLst>
+            <pc:docMk/>
+            <pc:sldMk cId="746043981" sldId="283"/>
+            <ac:spMk id="3" creationId="{00000000-0000-0000-0000-000000000000}"/>
+          </ac:spMkLst>
+        </pc:spChg>
+        <pc:picChg chg="del">
+          <ac:chgData name="Kristofer Carta" userId="a949ead7c4bcd18f" providerId="LiveId" clId="{BDB12BE9-6248-4518-AD0A-7BEFF3A06A4A}" dt="2017-08-22T21:46:13.829" v="2635" actId="478"/>
+          <ac:picMkLst>
+            <pc:docMk/>
+            <pc:sldMk cId="746043981" sldId="283"/>
+            <ac:picMk id="4" creationId="{00000000-0000-0000-0000-000000000000}"/>
+          </ac:picMkLst>
+        </pc:picChg>
+        <pc:picChg chg="add mod">
+          <ac:chgData name="Kristofer Carta" userId="a949ead7c4bcd18f" providerId="LiveId" clId="{BDB12BE9-6248-4518-AD0A-7BEFF3A06A4A}" dt="2017-08-22T21:48:01.691" v="2655" actId="14100"/>
+          <ac:picMkLst>
+            <pc:docMk/>
+            <pc:sldMk cId="746043981" sldId="283"/>
+            <ac:picMk id="5" creationId="{A4FF3F9F-75DC-45C0-B57A-C1EDA913CD4D}"/>
+          </ac:picMkLst>
+        </pc:picChg>
+      </pc:sldChg>
+      <pc:sldChg chg="modSp add del">
+        <pc:chgData name="Kristofer Carta" userId="a949ead7c4bcd18f" providerId="LiveId" clId="{BDB12BE9-6248-4518-AD0A-7BEFF3A06A4A}" dt="2017-08-22T18:22:43.707" v="144" actId="2696"/>
+        <pc:sldMkLst>
+          <pc:docMk/>
+          <pc:sldMk cId="905444684" sldId="284"/>
+        </pc:sldMkLst>
+        <pc:spChg chg="mod">
+          <ac:chgData name="Kristofer Carta" userId="a949ead7c4bcd18f" providerId="LiveId" clId="{BDB12BE9-6248-4518-AD0A-7BEFF3A06A4A}" dt="2017-08-22T18:22:40.309" v="143" actId="20577"/>
+          <ac:spMkLst>
+            <pc:docMk/>
+            <pc:sldMk cId="905444684" sldId="284"/>
+            <ac:spMk id="2" creationId="{A622F912-4353-4792-9C59-89ADA7E60613}"/>
+          </ac:spMkLst>
+        </pc:spChg>
+      </pc:sldChg>
+      <pc:sldChg chg="modSp add del">
+        <pc:chgData name="Kristofer Carta" userId="a949ead7c4bcd18f" providerId="LiveId" clId="{BDB12BE9-6248-4518-AD0A-7BEFF3A06A4A}" dt="2017-08-22T21:50:46.759" v="2676" actId="2696"/>
+        <pc:sldMkLst>
+          <pc:docMk/>
+          <pc:sldMk cId="4099631735" sldId="284"/>
+        </pc:sldMkLst>
+        <pc:spChg chg="mod">
+          <ac:chgData name="Kristofer Carta" userId="a949ead7c4bcd18f" providerId="LiveId" clId="{BDB12BE9-6248-4518-AD0A-7BEFF3A06A4A}" dt="2017-08-22T21:26:42.347" v="1842" actId="2696"/>
+          <ac:spMkLst>
+            <pc:docMk/>
+            <pc:sldMk cId="4099631735" sldId="284"/>
+            <ac:spMk id="2" creationId="{00000000-0000-0000-0000-000000000000}"/>
+          </ac:spMkLst>
+        </pc:spChg>
+        <pc:spChg chg="mod">
+          <ac:chgData name="Kristofer Carta" userId="a949ead7c4bcd18f" providerId="LiveId" clId="{BDB12BE9-6248-4518-AD0A-7BEFF3A06A4A}" dt="2017-08-22T21:26:35.146" v="1829" actId="2696"/>
+          <ac:spMkLst>
+            <pc:docMk/>
+            <pc:sldMk cId="4099631735" sldId="284"/>
+            <ac:spMk id="3" creationId="{00000000-0000-0000-0000-000000000000}"/>
+          </ac:spMkLst>
+        </pc:spChg>
+      </pc:sldChg>
+      <pc:sldChg chg="modSp add del">
+        <pc:chgData name="Kristofer Carta" userId="a949ead7c4bcd18f" providerId="LiveId" clId="{BDB12BE9-6248-4518-AD0A-7BEFF3A06A4A}" dt="2017-08-22T21:50:46.759" v="2677" actId="2696"/>
+        <pc:sldMkLst>
+          <pc:docMk/>
+          <pc:sldMk cId="9526296" sldId="285"/>
+        </pc:sldMkLst>
+        <pc:spChg chg="mod">
+          <ac:chgData name="Kristofer Carta" userId="a949ead7c4bcd18f" providerId="LiveId" clId="{BDB12BE9-6248-4518-AD0A-7BEFF3A06A4A}" dt="2017-08-22T21:26:42.347" v="1842" actId="2696"/>
+          <ac:spMkLst>
+            <pc:docMk/>
+            <pc:sldMk cId="9526296" sldId="285"/>
+            <ac:spMk id="2" creationId="{00000000-0000-0000-0000-000000000000}"/>
+          </ac:spMkLst>
+        </pc:spChg>
+        <pc:spChg chg="mod">
+          <ac:chgData name="Kristofer Carta" userId="a949ead7c4bcd18f" providerId="LiveId" clId="{BDB12BE9-6248-4518-AD0A-7BEFF3A06A4A}" dt="2017-08-22T21:26:35.146" v="1829" actId="2696"/>
+          <ac:spMkLst>
+            <pc:docMk/>
+            <pc:sldMk cId="9526296" sldId="285"/>
+            <ac:spMk id="3" creationId="{00000000-0000-0000-0000-000000000000}"/>
+          </ac:spMkLst>
+        </pc:spChg>
+      </pc:sldChg>
+      <pc:sldChg chg="modSp add del">
+        <pc:chgData name="Kristofer Carta" userId="a949ead7c4bcd18f" providerId="LiveId" clId="{BDB12BE9-6248-4518-AD0A-7BEFF3A06A4A}" dt="2017-08-22T21:50:46.759" v="2678" actId="2696"/>
+        <pc:sldMkLst>
+          <pc:docMk/>
+          <pc:sldMk cId="2062250131" sldId="286"/>
+        </pc:sldMkLst>
+        <pc:spChg chg="mod">
+          <ac:chgData name="Kristofer Carta" userId="a949ead7c4bcd18f" providerId="LiveId" clId="{BDB12BE9-6248-4518-AD0A-7BEFF3A06A4A}" dt="2017-08-22T21:26:42.347" v="1842" actId="2696"/>
+          <ac:spMkLst>
+            <pc:docMk/>
+            <pc:sldMk cId="2062250131" sldId="286"/>
+            <ac:spMk id="2" creationId="{00000000-0000-0000-0000-000000000000}"/>
+          </ac:spMkLst>
+        </pc:spChg>
+        <pc:spChg chg="mod">
+          <ac:chgData name="Kristofer Carta" userId="a949ead7c4bcd18f" providerId="LiveId" clId="{BDB12BE9-6248-4518-AD0A-7BEFF3A06A4A}" dt="2017-08-22T21:26:35.146" v="1829" actId="2696"/>
+          <ac:spMkLst>
+            <pc:docMk/>
+            <pc:sldMk cId="2062250131" sldId="286"/>
+            <ac:spMk id="3" creationId="{00000000-0000-0000-0000-000000000000}"/>
+          </ac:spMkLst>
+        </pc:spChg>
+      </pc:sldChg>
+      <pc:sldChg chg="modSp add del">
+        <pc:chgData name="Kristofer Carta" userId="a949ead7c4bcd18f" providerId="LiveId" clId="{BDB12BE9-6248-4518-AD0A-7BEFF3A06A4A}" dt="2017-08-22T21:50:46.779" v="2679" actId="2696"/>
+        <pc:sldMkLst>
+          <pc:docMk/>
+          <pc:sldMk cId="2031538484" sldId="287"/>
+        </pc:sldMkLst>
+        <pc:spChg chg="mod">
+          <ac:chgData name="Kristofer Carta" userId="a949ead7c4bcd18f" providerId="LiveId" clId="{BDB12BE9-6248-4518-AD0A-7BEFF3A06A4A}" dt="2017-08-22T21:26:42.347" v="1842" actId="2696"/>
+          <ac:spMkLst>
+            <pc:docMk/>
+            <pc:sldMk cId="2031538484" sldId="287"/>
+            <ac:spMk id="2" creationId="{00000000-0000-0000-0000-000000000000}"/>
+          </ac:spMkLst>
+        </pc:spChg>
+        <pc:spChg chg="mod">
+          <ac:chgData name="Kristofer Carta" userId="a949ead7c4bcd18f" providerId="LiveId" clId="{BDB12BE9-6248-4518-AD0A-7BEFF3A06A4A}" dt="2017-08-22T21:26:35.146" v="1829" actId="2696"/>
+          <ac:spMkLst>
+            <pc:docMk/>
+            <pc:sldMk cId="2031538484" sldId="287"/>
+            <ac:spMk id="3" creationId="{00000000-0000-0000-0000-000000000000}"/>
+          </ac:spMkLst>
+        </pc:spChg>
+      </pc:sldChg>
+      <pc:sldChg chg="modSp add del">
+        <pc:chgData name="Kristofer Carta" userId="a949ead7c4bcd18f" providerId="LiveId" clId="{BDB12BE9-6248-4518-AD0A-7BEFF3A06A4A}" dt="2017-08-22T21:50:46.743" v="2675" actId="2696"/>
+        <pc:sldMkLst>
+          <pc:docMk/>
+          <pc:sldMk cId="2186406252" sldId="288"/>
+        </pc:sldMkLst>
+        <pc:spChg chg="mod">
+          <ac:chgData name="Kristofer Carta" userId="a949ead7c4bcd18f" providerId="LiveId" clId="{BDB12BE9-6248-4518-AD0A-7BEFF3A06A4A}" dt="2017-08-22T21:26:42.347" v="1842" actId="2696"/>
+          <ac:spMkLst>
+            <pc:docMk/>
+            <pc:sldMk cId="2186406252" sldId="288"/>
+            <ac:spMk id="2" creationId="{00000000-0000-0000-0000-000000000000}"/>
+          </ac:spMkLst>
+        </pc:spChg>
+        <pc:spChg chg="mod">
+          <ac:chgData name="Kristofer Carta" userId="a949ead7c4bcd18f" providerId="LiveId" clId="{BDB12BE9-6248-4518-AD0A-7BEFF3A06A4A}" dt="2017-08-22T21:26:35.146" v="1829" actId="2696"/>
+          <ac:spMkLst>
+            <pc:docMk/>
+            <pc:sldMk cId="2186406252" sldId="288"/>
+            <ac:spMk id="3" creationId="{00000000-0000-0000-0000-000000000000}"/>
+          </ac:spMkLst>
+        </pc:spChg>
+      </pc:sldChg>
+      <pc:sldChg chg="modSp add ord">
+        <pc:chgData name="Kristofer Carta" userId="a949ead7c4bcd18f" providerId="LiveId" clId="{BDB12BE9-6248-4518-AD0A-7BEFF3A06A4A}" dt="2017-08-22T21:33:14.933" v="2039" actId="1037"/>
+        <pc:sldMkLst>
+          <pc:docMk/>
+          <pc:sldMk cId="3986163140" sldId="289"/>
+        </pc:sldMkLst>
+        <pc:spChg chg="mod">
+          <ac:chgData name="Kristofer Carta" userId="a949ead7c4bcd18f" providerId="LiveId" clId="{BDB12BE9-6248-4518-AD0A-7BEFF3A06A4A}" dt="2017-08-22T21:26:42.347" v="1842" actId="1037"/>
+          <ac:spMkLst>
+            <pc:docMk/>
+            <pc:sldMk cId="3986163140" sldId="289"/>
+            <ac:spMk id="2" creationId="{00000000-0000-0000-0000-000000000000}"/>
+          </ac:spMkLst>
+        </pc:spChg>
+        <pc:spChg chg="mod">
+          <ac:chgData name="Kristofer Carta" userId="a949ead7c4bcd18f" providerId="LiveId" clId="{BDB12BE9-6248-4518-AD0A-7BEFF3A06A4A}" dt="2017-08-22T21:26:35.146" v="1829" actId="1037"/>
+          <ac:spMkLst>
+            <pc:docMk/>
+            <pc:sldMk cId="3986163140" sldId="289"/>
+            <ac:spMk id="3" creationId="{00000000-0000-0000-0000-000000000000}"/>
+          </ac:spMkLst>
+        </pc:spChg>
+        <pc:spChg chg="mod">
+          <ac:chgData name="Kristofer Carta" userId="a949ead7c4bcd18f" providerId="LiveId" clId="{BDB12BE9-6248-4518-AD0A-7BEFF3A06A4A}" dt="2017-08-22T20:29:29.927" v="322" actId="20577"/>
+          <ac:spMkLst>
+            <pc:docMk/>
+            <pc:sldMk cId="3986163140" sldId="289"/>
+            <ac:spMk id="16" creationId="{00000000-0000-0000-0000-000000000000}"/>
+          </ac:spMkLst>
+        </pc:spChg>
+        <pc:spChg chg="mod">
+          <ac:chgData name="Kristofer Carta" userId="a949ead7c4bcd18f" providerId="LiveId" clId="{BDB12BE9-6248-4518-AD0A-7BEFF3A06A4A}" dt="2017-08-22T21:26:35.146" v="1829" actId="1037"/>
+          <ac:spMkLst>
+            <pc:docMk/>
+            <pc:sldMk cId="3986163140" sldId="289"/>
+            <ac:spMk id="51" creationId="{00000000-0000-0000-0000-000000000000}"/>
+          </ac:spMkLst>
+        </pc:spChg>
+        <pc:picChg chg="mod">
+          <ac:chgData name="Kristofer Carta" userId="a949ead7c4bcd18f" providerId="LiveId" clId="{BDB12BE9-6248-4518-AD0A-7BEFF3A06A4A}" dt="2017-08-22T21:33:14.933" v="2039" actId="1037"/>
+          <ac:picMkLst>
+            <pc:docMk/>
+            <pc:sldMk cId="3986163140" sldId="289"/>
+            <ac:picMk id="5" creationId="{00000000-0000-0000-0000-000000000000}"/>
+          </ac:picMkLst>
+        </pc:picChg>
+      </pc:sldChg>
+      <pc:sldChg chg="add del">
+        <pc:chgData name="Kristofer Carta" userId="a949ead7c4bcd18f" providerId="LiveId" clId="{BDB12BE9-6248-4518-AD0A-7BEFF3A06A4A}" dt="2017-08-22T20:29:50.136" v="324" actId="2696"/>
+        <pc:sldMkLst>
+          <pc:docMk/>
+          <pc:sldMk cId="1134725105" sldId="290"/>
+        </pc:sldMkLst>
+      </pc:sldChg>
+      <pc:sldChg chg="addSp delSp modSp add mod setBg setClrOvrMap delDesignElem">
+        <pc:chgData name="Kristofer Carta" userId="a949ead7c4bcd18f" providerId="LiveId" clId="{BDB12BE9-6248-4518-AD0A-7BEFF3A06A4A}" dt="2017-08-23T09:34:09.247" v="13376" actId="20577"/>
+        <pc:sldMkLst>
+          <pc:docMk/>
+          <pc:sldMk cId="3013723820" sldId="290"/>
+        </pc:sldMkLst>
+        <pc:spChg chg="mod">
+          <ac:chgData name="Kristofer Carta" userId="a949ead7c4bcd18f" providerId="LiveId" clId="{BDB12BE9-6248-4518-AD0A-7BEFF3A06A4A}" dt="2017-08-22T20:32:05.030" v="399" actId="20577"/>
+          <ac:spMkLst>
+            <pc:docMk/>
+            <pc:sldMk cId="3013723820" sldId="290"/>
+            <ac:spMk id="2" creationId="{00000000-0000-0000-0000-000000000000}"/>
+          </ac:spMkLst>
+        </pc:spChg>
+        <pc:spChg chg="del">
+          <ac:chgData name="Kristofer Carta" userId="a949ead7c4bcd18f" providerId="LiveId" clId="{BDB12BE9-6248-4518-AD0A-7BEFF3A06A4A}" dt="2017-08-22T20:30:05.003" v="348" actId="478"/>
+          <ac:spMkLst>
+            <pc:docMk/>
+            <pc:sldMk cId="3013723820" sldId="290"/>
+            <ac:spMk id="3" creationId="{00000000-0000-0000-0000-000000000000}"/>
+          </ac:spMkLst>
+        </pc:spChg>
+        <pc:spChg chg="add del">
+          <ac:chgData name="Kristofer Carta" userId="a949ead7c4bcd18f" providerId="LiveId" clId="{BDB12BE9-6248-4518-AD0A-7BEFF3A06A4A}" dt="2017-08-23T09:34:09.247" v="13376" actId="20577"/>
+          <ac:spMkLst>
+            <pc:docMk/>
+            <pc:sldMk cId="3013723820" sldId="290"/>
+            <ac:spMk id="4" creationId="{00000000-0000-0000-0000-000000000000}"/>
+          </ac:spMkLst>
+        </pc:spChg>
+        <pc:spChg chg="add del mod">
+          <ac:chgData name="Kristofer Carta" userId="a949ead7c4bcd18f" providerId="LiveId" clId="{BDB12BE9-6248-4518-AD0A-7BEFF3A06A4A}" dt="2017-08-22T20:30:07.563" v="349" actId="478"/>
+          <ac:spMkLst>
+            <pc:docMk/>
+            <pc:sldMk cId="3013723820" sldId="290"/>
+            <ac:spMk id="6" creationId="{D2CD2CD0-13D2-494C-877E-454E1D21E2BD}"/>
+          </ac:spMkLst>
+        </pc:spChg>
+        <pc:spChg chg="add del">
+          <ac:chgData name="Kristofer Carta" userId="a949ead7c4bcd18f" providerId="LiveId" clId="{BDB12BE9-6248-4518-AD0A-7BEFF3A06A4A}" dt="2017-08-23T09:34:09.247" v="13376" actId="20577"/>
+          <ac:spMkLst>
+            <pc:docMk/>
+            <pc:sldMk cId="3013723820" sldId="290"/>
+            <ac:spMk id="7" creationId="{00000000-0000-0000-0000-000000000000}"/>
+          </ac:spMkLst>
+        </pc:spChg>
+        <pc:spChg chg="add del">
+          <ac:chgData name="Kristofer Carta" userId="a949ead7c4bcd18f" providerId="LiveId" clId="{BDB12BE9-6248-4518-AD0A-7BEFF3A06A4A}" dt="2017-08-23T09:34:09.247" v="13376" actId="20577"/>
+          <ac:spMkLst>
+            <pc:docMk/>
+            <pc:sldMk cId="3013723820" sldId="290"/>
+            <ac:spMk id="9" creationId="{00000000-0000-0000-0000-000000000000}"/>
+          </ac:spMkLst>
+        </pc:spChg>
+        <pc:spChg chg="add del">
+          <ac:chgData name="Kristofer Carta" userId="a949ead7c4bcd18f" providerId="LiveId" clId="{BDB12BE9-6248-4518-AD0A-7BEFF3A06A4A}" dt="2017-08-23T09:34:09.247" v="13376" actId="20577"/>
+          <ac:spMkLst>
+            <pc:docMk/>
+            <pc:sldMk cId="3013723820" sldId="290"/>
+            <ac:spMk id="13" creationId="{00000000-0000-0000-0000-000000000000}"/>
+          </ac:spMkLst>
+        </pc:spChg>
+        <pc:spChg chg="del">
+          <ac:chgData name="Kristofer Carta" userId="a949ead7c4bcd18f" providerId="LiveId" clId="{BDB12BE9-6248-4518-AD0A-7BEFF3A06A4A}" dt="2017-08-22T20:30:11.557" v="350" actId="478"/>
+          <ac:spMkLst>
+            <pc:docMk/>
+            <pc:sldMk cId="3013723820" sldId="290"/>
+            <ac:spMk id="51" creationId="{00000000-0000-0000-0000-000000000000}"/>
+          </ac:spMkLst>
+        </pc:spChg>
+        <pc:grpChg chg="del">
+          <ac:chgData name="Kristofer Carta" userId="a949ead7c4bcd18f" providerId="LiveId" clId="{BDB12BE9-6248-4518-AD0A-7BEFF3A06A4A}" dt="2017-08-22T20:30:11.557" v="350" actId="478"/>
+          <ac:grpSpMkLst>
+            <pc:docMk/>
+            <pc:sldMk cId="3013723820" sldId="290"/>
+            <ac:grpSpMk id="10" creationId="{00000000-0000-0000-0000-000000000000}"/>
+          </ac:grpSpMkLst>
+        </pc:grpChg>
+        <pc:grpChg chg="del">
+          <ac:chgData name="Kristofer Carta" userId="a949ead7c4bcd18f" providerId="LiveId" clId="{BDB12BE9-6248-4518-AD0A-7BEFF3A06A4A}" dt="2017-08-22T20:30:11.557" v="350" actId="478"/>
+          <ac:grpSpMkLst>
+            <pc:docMk/>
+            <pc:sldMk cId="3013723820" sldId="290"/>
+            <ac:grpSpMk id="11" creationId="{00000000-0000-0000-0000-000000000000}"/>
+          </ac:grpSpMkLst>
+        </pc:grpChg>
+        <pc:grpChg chg="del">
+          <ac:chgData name="Kristofer Carta" userId="a949ead7c4bcd18f" providerId="LiveId" clId="{BDB12BE9-6248-4518-AD0A-7BEFF3A06A4A}" dt="2017-08-22T20:30:11.557" v="350" actId="478"/>
+          <ac:grpSpMkLst>
+            <pc:docMk/>
+            <pc:sldMk cId="3013723820" sldId="290"/>
+            <ac:grpSpMk id="14" creationId="{00000000-0000-0000-0000-000000000000}"/>
+          </ac:grpSpMkLst>
+        </pc:grpChg>
+        <pc:grpChg chg="del">
+          <ac:chgData name="Kristofer Carta" userId="a949ead7c4bcd18f" providerId="LiveId" clId="{BDB12BE9-6248-4518-AD0A-7BEFF3A06A4A}" dt="2017-08-22T20:30:11.557" v="350" actId="478"/>
+          <ac:grpSpMkLst>
+            <pc:docMk/>
+            <pc:sldMk cId="3013723820" sldId="290"/>
+            <ac:grpSpMk id="17" creationId="{00000000-0000-0000-0000-000000000000}"/>
+          </ac:grpSpMkLst>
+        </pc:grpChg>
+        <pc:grpChg chg="del">
+          <ac:chgData name="Kristofer Carta" userId="a949ead7c4bcd18f" providerId="LiveId" clId="{BDB12BE9-6248-4518-AD0A-7BEFF3A06A4A}" dt="2017-08-22T20:30:11.557" v="350" actId="478"/>
+          <ac:grpSpMkLst>
+            <pc:docMk/>
+            <pc:sldMk cId="3013723820" sldId="290"/>
+            <ac:grpSpMk id="24" creationId="{00000000-0000-0000-0000-000000000000}"/>
+          </ac:grpSpMkLst>
+        </pc:grpChg>
+        <pc:grpChg chg="del">
+          <ac:chgData name="Kristofer Carta" userId="a949ead7c4bcd18f" providerId="LiveId" clId="{BDB12BE9-6248-4518-AD0A-7BEFF3A06A4A}" dt="2017-08-22T20:30:11.557" v="350" actId="478"/>
+          <ac:grpSpMkLst>
+            <pc:docMk/>
+            <pc:sldMk cId="3013723820" sldId="290"/>
+            <ac:grpSpMk id="33" creationId="{00000000-0000-0000-0000-000000000000}"/>
+          </ac:grpSpMkLst>
+        </pc:grpChg>
+        <pc:picChg chg="del">
+          <ac:chgData name="Kristofer Carta" userId="a949ead7c4bcd18f" providerId="LiveId" clId="{BDB12BE9-6248-4518-AD0A-7BEFF3A06A4A}" dt="2017-08-22T20:30:11.557" v="350" actId="478"/>
+          <ac:picMkLst>
+            <pc:docMk/>
+            <pc:sldMk cId="3013723820" sldId="290"/>
+            <ac:picMk id="5" creationId="{00000000-0000-0000-0000-000000000000}"/>
+          </ac:picMkLst>
+        </pc:picChg>
+      </pc:sldChg>
+      <pc:sldChg chg="addSp delSp modSp add mod ord setBg setClrOvrMap delDesignElem">
+        <pc:chgData name="Kristofer Carta" userId="a949ead7c4bcd18f" providerId="LiveId" clId="{BDB12BE9-6248-4518-AD0A-7BEFF3A06A4A}" dt="2017-08-23T09:34:09.247" v="13376" actId="20577"/>
+        <pc:sldMkLst>
+          <pc:docMk/>
+          <pc:sldMk cId="2069327080" sldId="291"/>
+        </pc:sldMkLst>
+        <pc:spChg chg="mod">
+          <ac:chgData name="Kristofer Carta" userId="a949ead7c4bcd18f" providerId="LiveId" clId="{BDB12BE9-6248-4518-AD0A-7BEFF3A06A4A}" dt="2017-08-22T20:31:45.792" v="388" actId="26606"/>
+          <ac:spMkLst>
+            <pc:docMk/>
+            <pc:sldMk cId="2069327080" sldId="291"/>
+            <ac:spMk id="2" creationId="{00000000-0000-0000-0000-000000000000}"/>
+          </ac:spMkLst>
+        </pc:spChg>
+        <pc:spChg chg="del">
+          <ac:chgData name="Kristofer Carta" userId="a949ead7c4bcd18f" providerId="LiveId" clId="{BDB12BE9-6248-4518-AD0A-7BEFF3A06A4A}" dt="2017-08-22T20:30:22.884" v="353" actId="478"/>
+          <ac:spMkLst>
+            <pc:docMk/>
+            <pc:sldMk cId="2069327080" sldId="291"/>
+            <ac:spMk id="3" creationId="{00000000-0000-0000-0000-000000000000}"/>
+          </ac:spMkLst>
+        </pc:spChg>
+        <pc:spChg chg="del">
+          <ac:chgData name="Kristofer Carta" userId="a949ead7c4bcd18f" providerId="LiveId" clId="{BDB12BE9-6248-4518-AD0A-7BEFF3A06A4A}" dt="2017-08-22T20:30:22.884" v="353" actId="478"/>
+          <ac:spMkLst>
+            <pc:docMk/>
+            <pc:sldMk cId="2069327080" sldId="291"/>
+            <ac:spMk id="5" creationId="{00000000-0000-0000-0000-000000000000}"/>
+          </ac:spMkLst>
+        </pc:spChg>
+        <pc:spChg chg="add del mod">
+          <ac:chgData name="Kristofer Carta" userId="a949ead7c4bcd18f" providerId="LiveId" clId="{BDB12BE9-6248-4518-AD0A-7BEFF3A06A4A}" dt="2017-08-22T20:31:45.792" v="388" actId="26606"/>
+          <ac:spMkLst>
+            <pc:docMk/>
+            <pc:sldMk cId="2069327080" sldId="291"/>
+            <ac:spMk id="6" creationId="{88EE29C7-6914-4775-B50D-96023720F2D1}"/>
+          </ac:spMkLst>
+        </pc:spChg>
+        <pc:spChg chg="add del">
+          <ac:chgData name="Kristofer Carta" userId="a949ead7c4bcd18f" providerId="LiveId" clId="{BDB12BE9-6248-4518-AD0A-7BEFF3A06A4A}" dt="2017-08-23T09:34:09.247" v="13376" actId="20577"/>
+          <ac:spMkLst>
+            <pc:docMk/>
+            <pc:sldMk cId="2069327080" sldId="291"/>
+            <ac:spMk id="11" creationId="{00000000-0000-0000-0000-000000000000}"/>
+          </ac:spMkLst>
+        </pc:spChg>
+        <pc:spChg chg="add del">
+          <ac:chgData name="Kristofer Carta" userId="a949ead7c4bcd18f" providerId="LiveId" clId="{BDB12BE9-6248-4518-AD0A-7BEFF3A06A4A}" dt="2017-08-23T09:34:09.247" v="13376" actId="20577"/>
+          <ac:spMkLst>
+            <pc:docMk/>
+            <pc:sldMk cId="2069327080" sldId="291"/>
+            <ac:spMk id="13" creationId="{00000000-0000-0000-0000-000000000000}"/>
+          </ac:spMkLst>
+        </pc:spChg>
+        <pc:spChg chg="add del">
+          <ac:chgData name="Kristofer Carta" userId="a949ead7c4bcd18f" providerId="LiveId" clId="{BDB12BE9-6248-4518-AD0A-7BEFF3A06A4A}" dt="2017-08-23T09:34:09.247" v="13376" actId="20577"/>
+          <ac:spMkLst>
+            <pc:docMk/>
+            <pc:sldMk cId="2069327080" sldId="291"/>
+            <ac:spMk id="15" creationId="{00000000-0000-0000-0000-000000000000}"/>
+          </ac:spMkLst>
+        </pc:spChg>
+        <pc:spChg chg="add del">
+          <ac:chgData name="Kristofer Carta" userId="a949ead7c4bcd18f" providerId="LiveId" clId="{BDB12BE9-6248-4518-AD0A-7BEFF3A06A4A}" dt="2017-08-23T09:34:09.247" v="13376" actId="20577"/>
+          <ac:spMkLst>
+            <pc:docMk/>
+            <pc:sldMk cId="2069327080" sldId="291"/>
+            <ac:spMk id="17" creationId="{00000000-0000-0000-0000-000000000000}"/>
+          </ac:spMkLst>
+        </pc:spChg>
+        <pc:picChg chg="del">
+          <ac:chgData name="Kristofer Carta" userId="a949ead7c4bcd18f" providerId="LiveId" clId="{BDB12BE9-6248-4518-AD0A-7BEFF3A06A4A}" dt="2017-08-22T20:30:22.884" v="353" actId="478"/>
+          <ac:picMkLst>
+            <pc:docMk/>
+            <pc:sldMk cId="2069327080" sldId="291"/>
+            <ac:picMk id="3074" creationId="{00000000-0000-0000-0000-000000000000}"/>
+          </ac:picMkLst>
+        </pc:picChg>
+      </pc:sldChg>
+      <pc:sldChg chg="modSp add">
+        <pc:chgData name="Kristofer Carta" userId="a949ead7c4bcd18f" providerId="LiveId" clId="{BDB12BE9-6248-4518-AD0A-7BEFF3A06A4A}" dt="2017-08-22T21:26:42.347" v="1842" actId="2696"/>
+        <pc:sldMkLst>
+          <pc:docMk/>
+          <pc:sldMk cId="3312173396" sldId="292"/>
+        </pc:sldMkLst>
+        <pc:spChg chg="mod">
+          <ac:chgData name="Kristofer Carta" userId="a949ead7c4bcd18f" providerId="LiveId" clId="{BDB12BE9-6248-4518-AD0A-7BEFF3A06A4A}" dt="2017-08-22T21:26:42.347" v="1842" actId="2696"/>
+          <ac:spMkLst>
+            <pc:docMk/>
+            <pc:sldMk cId="3312173396" sldId="292"/>
+            <ac:spMk id="2" creationId="{00000000-0000-0000-0000-000000000000}"/>
+          </ac:spMkLst>
+        </pc:spChg>
+        <pc:spChg chg="mod">
+          <ac:chgData name="Kristofer Carta" userId="a949ead7c4bcd18f" providerId="LiveId" clId="{BDB12BE9-6248-4518-AD0A-7BEFF3A06A4A}" dt="2017-08-22T21:26:35.234" v="1832" actId="27636"/>
+          <ac:spMkLst>
+            <pc:docMk/>
+            <pc:sldMk cId="3312173396" sldId="292"/>
+            <ac:spMk id="3" creationId="{00000000-0000-0000-0000-000000000000}"/>
+          </ac:spMkLst>
+        </pc:spChg>
+      </pc:sldChg>
+      <pc:sldChg chg="add del">
+        <pc:chgData name="Kristofer Carta" userId="a949ead7c4bcd18f" providerId="LiveId" clId="{BDB12BE9-6248-4518-AD0A-7BEFF3A06A4A}" dt="2017-08-22T20:33:17.750" v="408" actId="2696"/>
+        <pc:sldMkLst>
+          <pc:docMk/>
+          <pc:sldMk cId="217873713" sldId="293"/>
+        </pc:sldMkLst>
+      </pc:sldChg>
+      <pc:sldChg chg="addSp delSp modSp add">
+        <pc:chgData name="Kristofer Carta" userId="a949ead7c4bcd18f" providerId="LiveId" clId="{BDB12BE9-6248-4518-AD0A-7BEFF3A06A4A}" dt="2017-08-22T21:37:51.164" v="2572" actId="113"/>
+        <pc:sldMkLst>
+          <pc:docMk/>
+          <pc:sldMk cId="529333106" sldId="293"/>
+        </pc:sldMkLst>
+        <pc:spChg chg="mod">
+          <ac:chgData name="Kristofer Carta" userId="a949ead7c4bcd18f" providerId="LiveId" clId="{BDB12BE9-6248-4518-AD0A-7BEFF3A06A4A}" dt="2017-08-22T21:26:42.347" v="1842" actId="113"/>
+          <ac:spMkLst>
+            <pc:docMk/>
+            <pc:sldMk cId="529333106" sldId="293"/>
+            <ac:spMk id="2" creationId="{00000000-0000-0000-0000-000000000000}"/>
+          </ac:spMkLst>
+        </pc:spChg>
+        <pc:spChg chg="mod">
+          <ac:chgData name="Kristofer Carta" userId="a949ead7c4bcd18f" providerId="LiveId" clId="{BDB12BE9-6248-4518-AD0A-7BEFF3A06A4A}" dt="2017-08-22T21:37:51.164" v="2572" actId="113"/>
+          <ac:spMkLst>
+            <pc:docMk/>
+            <pc:sldMk cId="529333106" sldId="293"/>
+            <ac:spMk id="3" creationId="{00000000-0000-0000-0000-000000000000}"/>
+          </ac:spMkLst>
+        </pc:spChg>
+        <pc:picChg chg="del mod">
+          <ac:chgData name="Kristofer Carta" userId="a949ead7c4bcd18f" providerId="LiveId" clId="{BDB12BE9-6248-4518-AD0A-7BEFF3A06A4A}" dt="2017-08-22T21:36:35.775" v="2392" actId="478"/>
+          <ac:picMkLst>
+            <pc:docMk/>
+            <pc:sldMk cId="529333106" sldId="293"/>
+            <ac:picMk id="4" creationId="{00000000-0000-0000-0000-000000000000}"/>
+          </ac:picMkLst>
+        </pc:picChg>
+        <pc:picChg chg="add mod">
+          <ac:chgData name="Kristofer Carta" userId="a949ead7c4bcd18f" providerId="LiveId" clId="{BDB12BE9-6248-4518-AD0A-7BEFF3A06A4A}" dt="2017-08-22T21:36:41.062" v="2394" actId="1076"/>
+          <ac:picMkLst>
+            <pc:docMk/>
+            <pc:sldMk cId="529333106" sldId="293"/>
+            <ac:picMk id="5" creationId="{271A1B1F-85CB-49A0-AC91-EC68B3DC66FE}"/>
+          </ac:picMkLst>
+        </pc:picChg>
+      </pc:sldChg>
+      <pc:sldChg chg="addSp delSp modSp add">
+        <pc:chgData name="Kristofer Carta" userId="a949ead7c4bcd18f" providerId="LiveId" clId="{BDB12BE9-6248-4518-AD0A-7BEFF3A06A4A}" dt="2017-08-23T08:10:22.687" v="9011" actId="20577"/>
+        <pc:sldMkLst>
+          <pc:docMk/>
+          <pc:sldMk cId="2590034179" sldId="294"/>
+        </pc:sldMkLst>
+        <pc:spChg chg="mod">
+          <ac:chgData name="Kristofer Carta" userId="a949ead7c4bcd18f" providerId="LiveId" clId="{BDB12BE9-6248-4518-AD0A-7BEFF3A06A4A}" dt="2017-08-22T21:26:42.347" v="1842" actId="2696"/>
+          <ac:spMkLst>
+            <pc:docMk/>
+            <pc:sldMk cId="2590034179" sldId="294"/>
+            <ac:spMk id="2" creationId="{00000000-0000-0000-0000-000000000000}"/>
+          </ac:spMkLst>
+        </pc:spChg>
+        <pc:spChg chg="mod">
+          <ac:chgData name="Kristofer Carta" userId="a949ead7c4bcd18f" providerId="LiveId" clId="{BDB12BE9-6248-4518-AD0A-7BEFF3A06A4A}" dt="2017-08-23T08:10:22.687" v="9011" actId="20577"/>
+          <ac:spMkLst>
+            <pc:docMk/>
+            <pc:sldMk cId="2590034179" sldId="294"/>
+            <ac:spMk id="3" creationId="{00000000-0000-0000-0000-000000000000}"/>
+          </ac:spMkLst>
+        </pc:spChg>
+        <pc:picChg chg="del mod">
+          <ac:chgData name="Kristofer Carta" userId="a949ead7c4bcd18f" providerId="LiveId" clId="{BDB12BE9-6248-4518-AD0A-7BEFF3A06A4A}" dt="2017-08-22T21:38:26.264" v="2574" actId="478"/>
+          <ac:picMkLst>
+            <pc:docMk/>
+            <pc:sldMk cId="2590034179" sldId="294"/>
+            <ac:picMk id="4" creationId="{00000000-0000-0000-0000-000000000000}"/>
+          </ac:picMkLst>
+        </pc:picChg>
+        <pc:picChg chg="add mod">
+          <ac:chgData name="Kristofer Carta" userId="a949ead7c4bcd18f" providerId="LiveId" clId="{BDB12BE9-6248-4518-AD0A-7BEFF3A06A4A}" dt="2017-08-22T21:38:32.579" v="2577" actId="1076"/>
+          <ac:picMkLst>
+            <pc:docMk/>
+            <pc:sldMk cId="2590034179" sldId="294"/>
+            <ac:picMk id="5" creationId="{852FC0B1-560E-4FAF-864F-4627AB04BD50}"/>
+          </ac:picMkLst>
+        </pc:picChg>
+      </pc:sldChg>
+      <pc:sldChg chg="addSp delSp modSp add">
+        <pc:chgData name="Kristofer Carta" userId="a949ead7c4bcd18f" providerId="LiveId" clId="{BDB12BE9-6248-4518-AD0A-7BEFF3A06A4A}" dt="2017-08-23T08:14:17.141" v="9500" actId="113"/>
+        <pc:sldMkLst>
+          <pc:docMk/>
+          <pc:sldMk cId="832639978" sldId="295"/>
+        </pc:sldMkLst>
+        <pc:spChg chg="mod">
+          <ac:chgData name="Kristofer Carta" userId="a949ead7c4bcd18f" providerId="LiveId" clId="{BDB12BE9-6248-4518-AD0A-7BEFF3A06A4A}" dt="2017-08-22T21:26:42.347" v="1842" actId="2696"/>
+          <ac:spMkLst>
+            <pc:docMk/>
+            <pc:sldMk cId="832639978" sldId="295"/>
+            <ac:spMk id="2" creationId="{00000000-0000-0000-0000-000000000000}"/>
+          </ac:spMkLst>
+        </pc:spChg>
+        <pc:spChg chg="mod">
+          <ac:chgData name="Kristofer Carta" userId="a949ead7c4bcd18f" providerId="LiveId" clId="{BDB12BE9-6248-4518-AD0A-7BEFF3A06A4A}" dt="2017-08-23T08:14:17.141" v="9500" actId="113"/>
+          <ac:spMkLst>
+            <pc:docMk/>
+            <pc:sldMk cId="832639978" sldId="295"/>
+            <ac:spMk id="3" creationId="{00000000-0000-0000-0000-000000000000}"/>
+          </ac:spMkLst>
+        </pc:spChg>
+        <pc:picChg chg="add mod">
+          <ac:chgData name="Kristofer Carta" userId="a949ead7c4bcd18f" providerId="LiveId" clId="{BDB12BE9-6248-4518-AD0A-7BEFF3A06A4A}" dt="2017-08-23T08:13:58.991" v="9481" actId="1076"/>
+          <ac:picMkLst>
+            <pc:docMk/>
+            <pc:sldMk cId="832639978" sldId="295"/>
+            <ac:picMk id="4" creationId="{71E8057C-BA28-4627-8773-43C7BB2058D4}"/>
+          </ac:picMkLst>
+        </pc:picChg>
+        <pc:picChg chg="del">
+          <ac:chgData name="Kristofer Carta" userId="a949ead7c4bcd18f" providerId="LiveId" clId="{BDB12BE9-6248-4518-AD0A-7BEFF3A06A4A}" dt="2017-08-22T21:38:57.303" v="2579" actId="478"/>
+          <ac:picMkLst>
+            <pc:docMk/>
+            <pc:sldMk cId="832639978" sldId="295"/>
+            <ac:picMk id="4" creationId="{00000000-0000-0000-0000-000000000000}"/>
+          </ac:picMkLst>
+        </pc:picChg>
+        <pc:picChg chg="add mod">
+          <ac:chgData name="Kristofer Carta" userId="a949ead7c4bcd18f" providerId="LiveId" clId="{BDB12BE9-6248-4518-AD0A-7BEFF3A06A4A}" dt="2017-08-23T08:13:54.867" v="9480" actId="1076"/>
+          <ac:picMkLst>
+            <pc:docMk/>
+            <pc:sldMk cId="832639978" sldId="295"/>
+            <ac:picMk id="5" creationId="{7F6550AA-33B5-46FD-A2A1-65B67944C7B6}"/>
+          </ac:picMkLst>
+        </pc:picChg>
+      </pc:sldChg>
+      <pc:sldChg chg="addSp delSp modSp add">
+        <pc:chgData name="Kristofer Carta" userId="a949ead7c4bcd18f" providerId="LiveId" clId="{BDB12BE9-6248-4518-AD0A-7BEFF3A06A4A}" dt="2017-08-23T08:15:53.887" v="9759" actId="113"/>
+        <pc:sldMkLst>
+          <pc:docMk/>
+          <pc:sldMk cId="2908102715" sldId="296"/>
+        </pc:sldMkLst>
+        <pc:spChg chg="mod">
+          <ac:chgData name="Kristofer Carta" userId="a949ead7c4bcd18f" providerId="LiveId" clId="{BDB12BE9-6248-4518-AD0A-7BEFF3A06A4A}" dt="2017-08-22T21:26:42.347" v="1842" actId="2696"/>
+          <ac:spMkLst>
+            <pc:docMk/>
+            <pc:sldMk cId="2908102715" sldId="296"/>
+            <ac:spMk id="2" creationId="{00000000-0000-0000-0000-000000000000}"/>
+          </ac:spMkLst>
+        </pc:spChg>
+        <pc:spChg chg="mod">
+          <ac:chgData name="Kristofer Carta" userId="a949ead7c4bcd18f" providerId="LiveId" clId="{BDB12BE9-6248-4518-AD0A-7BEFF3A06A4A}" dt="2017-08-23T08:15:53.887" v="9759" actId="113"/>
+          <ac:spMkLst>
+            <pc:docMk/>
+            <pc:sldMk cId="2908102715" sldId="296"/>
+            <ac:spMk id="3" creationId="{00000000-0000-0000-0000-000000000000}"/>
+          </ac:spMkLst>
+        </pc:spChg>
+        <pc:picChg chg="del">
+          <ac:chgData name="Kristofer Carta" userId="a949ead7c4bcd18f" providerId="LiveId" clId="{BDB12BE9-6248-4518-AD0A-7BEFF3A06A4A}" dt="2017-08-22T21:39:27.833" v="2584" actId="478"/>
+          <ac:picMkLst>
+            <pc:docMk/>
+            <pc:sldMk cId="2908102715" sldId="296"/>
+            <ac:picMk id="4" creationId="{00000000-0000-0000-0000-000000000000}"/>
+          </ac:picMkLst>
+        </pc:picChg>
+        <pc:picChg chg="add mod">
+          <ac:chgData name="Kristofer Carta" userId="a949ead7c4bcd18f" providerId="LiveId" clId="{BDB12BE9-6248-4518-AD0A-7BEFF3A06A4A}" dt="2017-08-22T21:39:41.704" v="2589" actId="1076"/>
+          <ac:picMkLst>
+            <pc:docMk/>
+            <pc:sldMk cId="2908102715" sldId="296"/>
+            <ac:picMk id="5" creationId="{83B28743-91E3-420C-B644-7D81A68E0725}"/>
+          </ac:picMkLst>
+        </pc:picChg>
+      </pc:sldChg>
+      <pc:sldChg chg="addSp delSp modSp add">
+        <pc:chgData name="Kristofer Carta" userId="a949ead7c4bcd18f" providerId="LiveId" clId="{BDB12BE9-6248-4518-AD0A-7BEFF3A06A4A}" dt="2017-08-23T08:21:46.183" v="10417" actId="20577"/>
+        <pc:sldMkLst>
+          <pc:docMk/>
+          <pc:sldMk cId="2085938742" sldId="297"/>
+        </pc:sldMkLst>
+        <pc:spChg chg="mod">
+          <ac:chgData name="Kristofer Carta" userId="a949ead7c4bcd18f" providerId="LiveId" clId="{BDB12BE9-6248-4518-AD0A-7BEFF3A06A4A}" dt="2017-08-22T21:26:42.347" v="1842" actId="2696"/>
+          <ac:spMkLst>
+            <pc:docMk/>
+            <pc:sldMk cId="2085938742" sldId="297"/>
+            <ac:spMk id="2" creationId="{00000000-0000-0000-0000-000000000000}"/>
+          </ac:spMkLst>
+        </pc:spChg>
+        <pc:spChg chg="mod">
+          <ac:chgData name="Kristofer Carta" userId="a949ead7c4bcd18f" providerId="LiveId" clId="{BDB12BE9-6248-4518-AD0A-7BEFF3A06A4A}" dt="2017-08-23T08:21:46.183" v="10417" actId="20577"/>
+          <ac:spMkLst>
+            <pc:docMk/>
+            <pc:sldMk cId="2085938742" sldId="297"/>
+            <ac:spMk id="3" creationId="{00000000-0000-0000-0000-000000000000}"/>
+          </ac:spMkLst>
+        </pc:spChg>
+        <pc:picChg chg="del">
+          <ac:chgData name="Kristofer Carta" userId="a949ead7c4bcd18f" providerId="LiveId" clId="{BDB12BE9-6248-4518-AD0A-7BEFF3A06A4A}" dt="2017-08-22T21:40:42.979" v="2591" actId="478"/>
+          <ac:picMkLst>
+            <pc:docMk/>
+            <pc:sldMk cId="2085938742" sldId="297"/>
+            <ac:picMk id="4" creationId="{00000000-0000-0000-0000-000000000000}"/>
+          </ac:picMkLst>
+        </pc:picChg>
+        <pc:picChg chg="add mod">
+          <ac:chgData name="Kristofer Carta" userId="a949ead7c4bcd18f" providerId="LiveId" clId="{BDB12BE9-6248-4518-AD0A-7BEFF3A06A4A}" dt="2017-08-22T21:40:54.013" v="2594" actId="1076"/>
+          <ac:picMkLst>
+            <pc:docMk/>
+            <pc:sldMk cId="2085938742" sldId="297"/>
+            <ac:picMk id="5" creationId="{EEDAB5C8-623D-4AC5-9A4B-9108452521CB}"/>
+          </ac:picMkLst>
+        </pc:picChg>
+      </pc:sldChg>
+      <pc:sldChg chg="addSp delSp modSp add">
+        <pc:chgData name="Kristofer Carta" userId="a949ead7c4bcd18f" providerId="LiveId" clId="{BDB12BE9-6248-4518-AD0A-7BEFF3A06A4A}" dt="2017-08-23T08:25:58.036" v="10832" actId="20577"/>
+        <pc:sldMkLst>
+          <pc:docMk/>
+          <pc:sldMk cId="807550934" sldId="298"/>
+        </pc:sldMkLst>
+        <pc:spChg chg="mod">
+          <ac:chgData name="Kristofer Carta" userId="a949ead7c4bcd18f" providerId="LiveId" clId="{BDB12BE9-6248-4518-AD0A-7BEFF3A06A4A}" dt="2017-08-22T21:26:42.347" v="1842" actId="2696"/>
+          <ac:spMkLst>
+            <pc:docMk/>
+            <pc:sldMk cId="807550934" sldId="298"/>
+            <ac:spMk id="2" creationId="{00000000-0000-0000-0000-000000000000}"/>
+          </ac:spMkLst>
+        </pc:spChg>
+        <pc:spChg chg="mod">
+          <ac:chgData name="Kristofer Carta" userId="a949ead7c4bcd18f" providerId="LiveId" clId="{BDB12BE9-6248-4518-AD0A-7BEFF3A06A4A}" dt="2017-08-23T08:25:58.036" v="10832" actId="20577"/>
+          <ac:spMkLst>
+            <pc:docMk/>
+            <pc:sldMk cId="807550934" sldId="298"/>
+            <ac:spMk id="3" creationId="{00000000-0000-0000-0000-000000000000}"/>
+          </ac:spMkLst>
+        </pc:spChg>
+        <pc:picChg chg="del">
+          <ac:chgData name="Kristofer Carta" userId="a949ead7c4bcd18f" providerId="LiveId" clId="{BDB12BE9-6248-4518-AD0A-7BEFF3A06A4A}" dt="2017-08-22T21:41:22.055" v="2596" actId="478"/>
+          <ac:picMkLst>
+            <pc:docMk/>
+            <pc:sldMk cId="807550934" sldId="298"/>
+            <ac:picMk id="4" creationId="{00000000-0000-0000-0000-000000000000}"/>
+          </ac:picMkLst>
+        </pc:picChg>
+        <pc:picChg chg="add mod">
+          <ac:chgData name="Kristofer Carta" userId="a949ead7c4bcd18f" providerId="LiveId" clId="{BDB12BE9-6248-4518-AD0A-7BEFF3A06A4A}" dt="2017-08-22T21:41:37.340" v="2599" actId="1076"/>
+          <ac:picMkLst>
+            <pc:docMk/>
+            <pc:sldMk cId="807550934" sldId="298"/>
+            <ac:picMk id="5" creationId="{CF501747-140C-4AC9-A9D4-1226A637100B}"/>
+          </ac:picMkLst>
+        </pc:picChg>
+      </pc:sldChg>
+      <pc:sldChg chg="addSp delSp modSp add">
+        <pc:chgData name="Kristofer Carta" userId="a949ead7c4bcd18f" providerId="LiveId" clId="{BDB12BE9-6248-4518-AD0A-7BEFF3A06A4A}" dt="2017-08-23T08:28:28.238" v="11086" actId="20577"/>
+        <pc:sldMkLst>
+          <pc:docMk/>
+          <pc:sldMk cId="2848556147" sldId="299"/>
+        </pc:sldMkLst>
+        <pc:spChg chg="mod">
+          <ac:chgData name="Kristofer Carta" userId="a949ead7c4bcd18f" providerId="LiveId" clId="{BDB12BE9-6248-4518-AD0A-7BEFF3A06A4A}" dt="2017-08-22T21:26:42.347" v="1842" actId="1076"/>
+          <ac:spMkLst>
+            <pc:docMk/>
+            <pc:sldMk cId="2848556147" sldId="299"/>
+            <ac:spMk id="2" creationId="{00000000-0000-0000-0000-000000000000}"/>
+          </ac:spMkLst>
+        </pc:spChg>
+        <pc:spChg chg="mod">
+          <ac:chgData name="Kristofer Carta" userId="a949ead7c4bcd18f" providerId="LiveId" clId="{BDB12BE9-6248-4518-AD0A-7BEFF3A06A4A}" dt="2017-08-23T08:28:28.238" v="11086" actId="20577"/>
+          <ac:spMkLst>
+            <pc:docMk/>
+            <pc:sldMk cId="2848556147" sldId="299"/>
+            <ac:spMk id="3" creationId="{00000000-0000-0000-0000-000000000000}"/>
+          </ac:spMkLst>
+        </pc:spChg>
+        <pc:picChg chg="del">
+          <ac:chgData name="Kristofer Carta" userId="a949ead7c4bcd18f" providerId="LiveId" clId="{BDB12BE9-6248-4518-AD0A-7BEFF3A06A4A}" dt="2017-08-22T21:42:01.667" v="2602" actId="478"/>
+          <ac:picMkLst>
+            <pc:docMk/>
+            <pc:sldMk cId="2848556147" sldId="299"/>
+            <ac:picMk id="4" creationId="{00000000-0000-0000-0000-000000000000}"/>
+          </ac:picMkLst>
+        </pc:picChg>
+        <pc:picChg chg="add del mod">
+          <ac:chgData name="Kristofer Carta" userId="a949ead7c4bcd18f" providerId="LiveId" clId="{BDB12BE9-6248-4518-AD0A-7BEFF3A06A4A}" dt="2017-08-22T21:42:31.490" v="2606" actId="478"/>
+          <ac:picMkLst>
+            <pc:docMk/>
+            <pc:sldMk cId="2848556147" sldId="299"/>
+            <ac:picMk id="5" creationId="{BA5D52C4-D2C0-4935-BC7B-4F9AAF7DBE48}"/>
+          </ac:picMkLst>
+        </pc:picChg>
+        <pc:picChg chg="add mod">
+          <ac:chgData name="Kristofer Carta" userId="a949ead7c4bcd18f" providerId="LiveId" clId="{BDB12BE9-6248-4518-AD0A-7BEFF3A06A4A}" dt="2017-08-22T21:42:44.339" v="2611" actId="1076"/>
+          <ac:picMkLst>
+            <pc:docMk/>
+            <pc:sldMk cId="2848556147" sldId="299"/>
+            <ac:picMk id="6" creationId="{E764F7A9-4B41-4B08-ADED-E938C2E690B3}"/>
+          </ac:picMkLst>
+        </pc:picChg>
+      </pc:sldChg>
+      <pc:sldChg chg="addSp delSp modSp add">
+        <pc:chgData name="Kristofer Carta" userId="a949ead7c4bcd18f" providerId="LiveId" clId="{BDB12BE9-6248-4518-AD0A-7BEFF3A06A4A}" dt="2017-08-23T08:07:35.368" v="8643" actId="20577"/>
+        <pc:sldMkLst>
+          <pc:docMk/>
+          <pc:sldMk cId="2335144893" sldId="300"/>
+        </pc:sldMkLst>
+        <pc:spChg chg="mod">
+          <ac:chgData name="Kristofer Carta" userId="a949ead7c4bcd18f" providerId="LiveId" clId="{BDB12BE9-6248-4518-AD0A-7BEFF3A06A4A}" dt="2017-08-22T21:26:42.347" v="1842" actId="2696"/>
+          <ac:spMkLst>
+            <pc:docMk/>
+            <pc:sldMk cId="2335144893" sldId="300"/>
+            <ac:spMk id="2" creationId="{00000000-0000-0000-0000-000000000000}"/>
+          </ac:spMkLst>
+        </pc:spChg>
+        <pc:spChg chg="mod">
+          <ac:chgData name="Kristofer Carta" userId="a949ead7c4bcd18f" providerId="LiveId" clId="{BDB12BE9-6248-4518-AD0A-7BEFF3A06A4A}" dt="2017-08-23T08:07:35.368" v="8643" actId="20577"/>
+          <ac:spMkLst>
+            <pc:docMk/>
+            <pc:sldMk cId="2335144893" sldId="300"/>
+            <ac:spMk id="3" creationId="{00000000-0000-0000-0000-000000000000}"/>
+          </ac:spMkLst>
+        </pc:spChg>
+        <pc:picChg chg="del">
+          <ac:chgData name="Kristofer Carta" userId="a949ead7c4bcd18f" providerId="LiveId" clId="{BDB12BE9-6248-4518-AD0A-7BEFF3A06A4A}" dt="2017-08-22T21:43:42.834" v="2616" actId="478"/>
+          <ac:picMkLst>
+            <pc:docMk/>
+            <pc:sldMk cId="2335144893" sldId="300"/>
+            <ac:picMk id="4" creationId="{00000000-0000-0000-0000-000000000000}"/>
+          </ac:picMkLst>
+        </pc:picChg>
+        <pc:picChg chg="add mod">
+          <ac:chgData name="Kristofer Carta" userId="a949ead7c4bcd18f" providerId="LiveId" clId="{BDB12BE9-6248-4518-AD0A-7BEFF3A06A4A}" dt="2017-08-22T21:43:53.039" v="2621" actId="1076"/>
+          <ac:picMkLst>
+            <pc:docMk/>
+            <pc:sldMk cId="2335144893" sldId="300"/>
+            <ac:picMk id="5" creationId="{8A3F2D87-EF38-4C4A-9569-37E20CC0F07E}"/>
+          </ac:picMkLst>
+        </pc:picChg>
+      </pc:sldChg>
+      <pc:sldChg chg="addSp delSp modSp add mod setBg setClrOvrMap delDesignElem">
+        <pc:chgData name="Kristofer Carta" userId="a949ead7c4bcd18f" providerId="LiveId" clId="{BDB12BE9-6248-4518-AD0A-7BEFF3A06A4A}" dt="2017-08-23T09:34:09.247" v="13376" actId="20577"/>
+        <pc:sldMkLst>
+          <pc:docMk/>
+          <pc:sldMk cId="1180048117" sldId="301"/>
+        </pc:sldMkLst>
+        <pc:spChg chg="mod">
+          <ac:chgData name="Kristofer Carta" userId="a949ead7c4bcd18f" providerId="LiveId" clId="{BDB12BE9-6248-4518-AD0A-7BEFF3A06A4A}" dt="2017-08-22T20:40:17.113" v="576" actId="26606"/>
+          <ac:spMkLst>
+            <pc:docMk/>
+            <pc:sldMk cId="1180048117" sldId="301"/>
+            <ac:spMk id="2" creationId="{00000000-0000-0000-0000-000000000000}"/>
+          </ac:spMkLst>
+        </pc:spChg>
+        <pc:spChg chg="del">
+          <ac:chgData name="Kristofer Carta" userId="a949ead7c4bcd18f" providerId="LiveId" clId="{BDB12BE9-6248-4518-AD0A-7BEFF3A06A4A}" dt="2017-08-22T20:39:46.395" v="561" actId="26606"/>
+          <ac:spMkLst>
+            <pc:docMk/>
+            <pc:sldMk cId="1180048117" sldId="301"/>
+            <ac:spMk id="4" creationId="{00000000-0000-0000-0000-000000000000}"/>
+          </ac:spMkLst>
+        </pc:spChg>
+        <pc:spChg chg="add del">
+          <ac:chgData name="Kristofer Carta" userId="a949ead7c4bcd18f" providerId="LiveId" clId="{BDB12BE9-6248-4518-AD0A-7BEFF3A06A4A}" dt="2017-08-22T20:40:17.129" v="577" actId="26606"/>
+          <ac:spMkLst>
+            <pc:docMk/>
+            <pc:sldMk cId="1180048117" sldId="301"/>
+            <ac:spMk id="5" creationId="{00000000-0000-0000-0000-000000000000}"/>
+          </ac:spMkLst>
+        </pc:spChg>
+        <pc:spChg chg="add del">
+          <ac:chgData name="Kristofer Carta" userId="a949ead7c4bcd18f" providerId="LiveId" clId="{BDB12BE9-6248-4518-AD0A-7BEFF3A06A4A}" dt="2017-08-22T20:40:17.129" v="577" actId="26606"/>
+          <ac:spMkLst>
+            <pc:docMk/>
+            <pc:sldMk cId="1180048117" sldId="301"/>
+            <ac:spMk id="6" creationId="{00000000-0000-0000-0000-000000000000}"/>
+          </ac:spMkLst>
+        </pc:spChg>
+        <pc:spChg chg="del">
+          <ac:chgData name="Kristofer Carta" userId="a949ead7c4bcd18f" providerId="LiveId" clId="{BDB12BE9-6248-4518-AD0A-7BEFF3A06A4A}" dt="2017-08-22T20:39:46.395" v="561" actId="26606"/>
+          <ac:spMkLst>
+            <pc:docMk/>
+            <pc:sldMk cId="1180048117" sldId="301"/>
+            <ac:spMk id="7" creationId="{00000000-0000-0000-0000-000000000000}"/>
+          </ac:spMkLst>
+        </pc:spChg>
+        <pc:spChg chg="add del">
+          <ac:chgData name="Kristofer Carta" userId="a949ead7c4bcd18f" providerId="LiveId" clId="{BDB12BE9-6248-4518-AD0A-7BEFF3A06A4A}" dt="2017-08-22T20:40:17.129" v="577" actId="26606"/>
+          <ac:spMkLst>
+            <pc:docMk/>
+            <pc:sldMk cId="1180048117" sldId="301"/>
+            <ac:spMk id="8" creationId="{00000000-0000-0000-0000-000000000000}"/>
+          </ac:spMkLst>
+        </pc:spChg>
+        <pc:spChg chg="del">
+          <ac:chgData name="Kristofer Carta" userId="a949ead7c4bcd18f" providerId="LiveId" clId="{BDB12BE9-6248-4518-AD0A-7BEFF3A06A4A}" dt="2017-08-22T20:39:46.395" v="561" actId="26606"/>
+          <ac:spMkLst>
+            <pc:docMk/>
+            <pc:sldMk cId="1180048117" sldId="301"/>
+            <ac:spMk id="9" creationId="{00000000-0000-0000-0000-000000000000}"/>
+          </ac:spMkLst>
+        </pc:spChg>
+        <pc:spChg chg="add del">
+          <ac:chgData name="Kristofer Carta" userId="a949ead7c4bcd18f" providerId="LiveId" clId="{BDB12BE9-6248-4518-AD0A-7BEFF3A06A4A}" dt="2017-08-22T20:40:17.129" v="577" actId="26606"/>
+          <ac:spMkLst>
+            <pc:docMk/>
+            <pc:sldMk cId="1180048117" sldId="301"/>
+            <ac:spMk id="11" creationId="{00000000-0000-0000-0000-000000000000}"/>
+          </ac:spMkLst>
+        </pc:spChg>
+        <pc:spChg chg="del">
+          <ac:chgData name="Kristofer Carta" userId="a949ead7c4bcd18f" providerId="LiveId" clId="{BDB12BE9-6248-4518-AD0A-7BEFF3A06A4A}" dt="2017-08-22T20:39:46.395" v="561" actId="26606"/>
+          <ac:spMkLst>
+            <pc:docMk/>
+            <pc:sldMk cId="1180048117" sldId="301"/>
+            <ac:spMk id="13" creationId="{00000000-0000-0000-0000-000000000000}"/>
+          </ac:spMkLst>
+        </pc:spChg>
+        <pc:spChg chg="add del">
+          <ac:chgData name="Kristofer Carta" userId="a949ead7c4bcd18f" providerId="LiveId" clId="{BDB12BE9-6248-4518-AD0A-7BEFF3A06A4A}" dt="2017-08-22T20:40:17.113" v="576" actId="26606"/>
+          <ac:spMkLst>
+            <pc:docMk/>
+            <pc:sldMk cId="1180048117" sldId="301"/>
+            <ac:spMk id="16" creationId="{00000000-0000-0000-0000-000000000000}"/>
+          </ac:spMkLst>
+        </pc:spChg>
+        <pc:spChg chg="add del">
+          <ac:chgData name="Kristofer Carta" userId="a949ead7c4bcd18f" providerId="LiveId" clId="{BDB12BE9-6248-4518-AD0A-7BEFF3A06A4A}" dt="2017-08-22T20:40:17.113" v="576" actId="26606"/>
+          <ac:spMkLst>
+            <pc:docMk/>
+            <pc:sldMk cId="1180048117" sldId="301"/>
+            <ac:spMk id="18" creationId="{00000000-0000-0000-0000-000000000000}"/>
+          </ac:spMkLst>
+        </pc:spChg>
+        <pc:spChg chg="add del">
+          <ac:chgData name="Kristofer Carta" userId="a949ead7c4bcd18f" providerId="LiveId" clId="{BDB12BE9-6248-4518-AD0A-7BEFF3A06A4A}" dt="2017-08-22T20:40:17.113" v="576" actId="26606"/>
+          <ac:spMkLst>
+            <pc:docMk/>
+            <pc:sldMk cId="1180048117" sldId="301"/>
+            <ac:spMk id="20" creationId="{00000000-0000-0000-0000-000000000000}"/>
+          </ac:spMkLst>
+        </pc:spChg>
+        <pc:spChg chg="add del">
+          <ac:chgData name="Kristofer Carta" userId="a949ead7c4bcd18f" providerId="LiveId" clId="{BDB12BE9-6248-4518-AD0A-7BEFF3A06A4A}" dt="2017-08-23T09:34:09.247" v="13376" actId="20577"/>
+          <ac:spMkLst>
+            <pc:docMk/>
+            <pc:sldMk cId="1180048117" sldId="301"/>
+            <ac:spMk id="24" creationId="{00000000-0000-0000-0000-000000000000}"/>
+          </ac:spMkLst>
+        </pc:spChg>
+        <pc:spChg chg="add del">
+          <ac:chgData name="Kristofer Carta" userId="a949ead7c4bcd18f" providerId="LiveId" clId="{BDB12BE9-6248-4518-AD0A-7BEFF3A06A4A}" dt="2017-08-23T09:34:09.247" v="13376" actId="20577"/>
+          <ac:spMkLst>
+            <pc:docMk/>
+            <pc:sldMk cId="1180048117" sldId="301"/>
+            <ac:spMk id="25" creationId="{00000000-0000-0000-0000-000000000000}"/>
+          </ac:spMkLst>
+        </pc:spChg>
+        <pc:spChg chg="add del">
+          <ac:chgData name="Kristofer Carta" userId="a949ead7c4bcd18f" providerId="LiveId" clId="{BDB12BE9-6248-4518-AD0A-7BEFF3A06A4A}" dt="2017-08-23T09:34:09.247" v="13376" actId="20577"/>
+          <ac:spMkLst>
+            <pc:docMk/>
+            <pc:sldMk cId="1180048117" sldId="301"/>
+            <ac:spMk id="26" creationId="{00000000-0000-0000-0000-000000000000}"/>
+          </ac:spMkLst>
+        </pc:spChg>
+        <pc:spChg chg="add del">
+          <ac:chgData name="Kristofer Carta" userId="a949ead7c4bcd18f" providerId="LiveId" clId="{BDB12BE9-6248-4518-AD0A-7BEFF3A06A4A}" dt="2017-08-23T09:34:09.247" v="13376" actId="20577"/>
+          <ac:spMkLst>
+            <pc:docMk/>
+            <pc:sldMk cId="1180048117" sldId="301"/>
+            <ac:spMk id="27" creationId="{00000000-0000-0000-0000-000000000000}"/>
+          </ac:spMkLst>
+        </pc:spChg>
+        <pc:cxnChg chg="add del">
+          <ac:chgData name="Kristofer Carta" userId="a949ead7c4bcd18f" providerId="LiveId" clId="{BDB12BE9-6248-4518-AD0A-7BEFF3A06A4A}" dt="2017-08-22T20:40:17.113" v="576" actId="26606"/>
+          <ac:cxnSpMkLst>
+            <pc:docMk/>
+            <pc:sldMk cId="1180048117" sldId="301"/>
+            <ac:cxnSpMk id="22" creationId="{00000000-0000-0000-0000-000000000000}"/>
+          </ac:cxnSpMkLst>
+        </pc:cxnChg>
+      </pc:sldChg>
+      <pc:sldChg chg="modSp add del">
+        <pc:chgData name="Kristofer Carta" userId="a949ead7c4bcd18f" providerId="LiveId" clId="{BDB12BE9-6248-4518-AD0A-7BEFF3A06A4A}" dt="2017-08-22T21:00:10.290" v="1064" actId="2696"/>
+        <pc:sldMkLst>
+          <pc:docMk/>
+          <pc:sldMk cId="751138012" sldId="302"/>
+        </pc:sldMkLst>
+        <pc:spChg chg="mod">
+          <ac:chgData name="Kristofer Carta" userId="a949ead7c4bcd18f" providerId="LiveId" clId="{BDB12BE9-6248-4518-AD0A-7BEFF3A06A4A}" dt="2017-08-22T21:00:08.491" v="1063" actId="20577"/>
+          <ac:spMkLst>
+            <pc:docMk/>
+            <pc:sldMk cId="751138012" sldId="302"/>
+            <ac:spMk id="2" creationId="{4D183F82-5BA4-4CD4-926A-8EF890C47141}"/>
+          </ac:spMkLst>
+        </pc:spChg>
+      </pc:sldChg>
+      <pc:sldChg chg="addSp delSp modSp add">
+        <pc:chgData name="Kristofer Carta" userId="a949ead7c4bcd18f" providerId="LiveId" clId="{BDB12BE9-6248-4518-AD0A-7BEFF3A06A4A}" dt="2017-08-23T08:03:14.736" v="8130" actId="20577"/>
+        <pc:sldMkLst>
+          <pc:docMk/>
+          <pc:sldMk cId="2199076171" sldId="302"/>
+        </pc:sldMkLst>
+        <pc:spChg chg="mod">
+          <ac:chgData name="Kristofer Carta" userId="a949ead7c4bcd18f" providerId="LiveId" clId="{BDB12BE9-6248-4518-AD0A-7BEFF3A06A4A}" dt="2017-08-22T21:26:42.347" v="1842" actId="2696"/>
+          <ac:spMkLst>
+            <pc:docMk/>
+            <pc:sldMk cId="2199076171" sldId="302"/>
+            <ac:spMk id="2" creationId="{00000000-0000-0000-0000-000000000000}"/>
+          </ac:spMkLst>
+        </pc:spChg>
+        <pc:spChg chg="mod">
+          <ac:chgData name="Kristofer Carta" userId="a949ead7c4bcd18f" providerId="LiveId" clId="{BDB12BE9-6248-4518-AD0A-7BEFF3A06A4A}" dt="2017-08-23T08:03:14.736" v="8130" actId="20577"/>
+          <ac:spMkLst>
+            <pc:docMk/>
+            <pc:sldMk cId="2199076171" sldId="302"/>
+            <ac:spMk id="3" creationId="{00000000-0000-0000-0000-000000000000}"/>
+          </ac:spMkLst>
+        </pc:spChg>
+        <pc:picChg chg="del">
+          <ac:chgData name="Kristofer Carta" userId="a949ead7c4bcd18f" providerId="LiveId" clId="{BDB12BE9-6248-4518-AD0A-7BEFF3A06A4A}" dt="2017-08-22T21:46:49.784" v="2640" actId="478"/>
+          <ac:picMkLst>
+            <pc:docMk/>
+            <pc:sldMk cId="2199076171" sldId="302"/>
+            <ac:picMk id="4" creationId="{00000000-0000-0000-0000-000000000000}"/>
+          </ac:picMkLst>
+        </pc:picChg>
+        <pc:picChg chg="add del mod">
+          <ac:chgData name="Kristofer Carta" userId="a949ead7c4bcd18f" providerId="LiveId" clId="{BDB12BE9-6248-4518-AD0A-7BEFF3A06A4A}" dt="2017-08-22T21:47:10.452" v="2645" actId="478"/>
+          <ac:picMkLst>
+            <pc:docMk/>
+            <pc:sldMk cId="2199076171" sldId="302"/>
+            <ac:picMk id="5" creationId="{F4B1E399-7200-4582-87FC-6507DBA3044C}"/>
+          </ac:picMkLst>
+        </pc:picChg>
+        <pc:picChg chg="add mod">
+          <ac:chgData name="Kristofer Carta" userId="a949ead7c4bcd18f" providerId="LiveId" clId="{BDB12BE9-6248-4518-AD0A-7BEFF3A06A4A}" dt="2017-08-22T21:47:57.234" v="2654" actId="14100"/>
+          <ac:picMkLst>
+            <pc:docMk/>
+            <pc:sldMk cId="2199076171" sldId="302"/>
+            <ac:picMk id="6" creationId="{D9D6CB6B-1A41-4639-BD53-19491E40A617}"/>
+          </ac:picMkLst>
+        </pc:picChg>
+      </pc:sldChg>
+      <pc:sldChg chg="addSp delSp modSp add">
+        <pc:chgData name="Kristofer Carta" userId="a949ead7c4bcd18f" providerId="LiveId" clId="{BDB12BE9-6248-4518-AD0A-7BEFF3A06A4A}" dt="2017-08-23T08:00:28.587" v="7638" actId="20577"/>
+        <pc:sldMkLst>
+          <pc:docMk/>
+          <pc:sldMk cId="3637556005" sldId="303"/>
+        </pc:sldMkLst>
+        <pc:spChg chg="mod">
+          <ac:chgData name="Kristofer Carta" userId="a949ead7c4bcd18f" providerId="LiveId" clId="{BDB12BE9-6248-4518-AD0A-7BEFF3A06A4A}" dt="2017-08-22T21:26:42.347" v="1842" actId="2696"/>
+          <ac:spMkLst>
+            <pc:docMk/>
+            <pc:sldMk cId="3637556005" sldId="303"/>
+            <ac:spMk id="2" creationId="{00000000-0000-0000-0000-000000000000}"/>
+          </ac:spMkLst>
+        </pc:spChg>
+        <pc:spChg chg="mod">
+          <ac:chgData name="Kristofer Carta" userId="a949ead7c4bcd18f" providerId="LiveId" clId="{BDB12BE9-6248-4518-AD0A-7BEFF3A06A4A}" dt="2017-08-23T08:00:28.587" v="7638" actId="20577"/>
+          <ac:spMkLst>
+            <pc:docMk/>
+            <pc:sldMk cId="3637556005" sldId="303"/>
+            <ac:spMk id="3" creationId="{00000000-0000-0000-0000-000000000000}"/>
+          </ac:spMkLst>
+        </pc:spChg>
+        <pc:picChg chg="del">
+          <ac:chgData name="Kristofer Carta" userId="a949ead7c4bcd18f" providerId="LiveId" clId="{BDB12BE9-6248-4518-AD0A-7BEFF3A06A4A}" dt="2017-08-22T21:47:45.472" v="2650" actId="478"/>
+          <ac:picMkLst>
+            <pc:docMk/>
+            <pc:sldMk cId="3637556005" sldId="303"/>
+            <ac:picMk id="4" creationId="{00000000-0000-0000-0000-000000000000}"/>
+          </ac:picMkLst>
+        </pc:picChg>
+        <pc:picChg chg="add mod">
+          <ac:chgData name="Kristofer Carta" userId="a949ead7c4bcd18f" providerId="LiveId" clId="{BDB12BE9-6248-4518-AD0A-7BEFF3A06A4A}" dt="2017-08-22T21:47:52.751" v="2653" actId="14100"/>
+          <ac:picMkLst>
+            <pc:docMk/>
+            <pc:sldMk cId="3637556005" sldId="303"/>
+            <ac:picMk id="5" creationId="{62E493E2-3B69-42D7-94BB-EEA3F4D6FC9F}"/>
+          </ac:picMkLst>
+        </pc:picChg>
+      </pc:sldChg>
+      <pc:sldChg chg="addSp delSp modSp add ord delDesignElem">
+        <pc:chgData name="Kristofer Carta" userId="a949ead7c4bcd18f" providerId="LiveId" clId="{BDB12BE9-6248-4518-AD0A-7BEFF3A06A4A}" dt="2017-08-23T09:34:09.247" v="13376" actId="20577"/>
+        <pc:sldMkLst>
+          <pc:docMk/>
+          <pc:sldMk cId="1502807105" sldId="304"/>
+        </pc:sldMkLst>
+        <pc:spChg chg="mod">
+          <ac:chgData name="Kristofer Carta" userId="a949ead7c4bcd18f" providerId="LiveId" clId="{BDB12BE9-6248-4518-AD0A-7BEFF3A06A4A}" dt="2017-08-22T21:01:25.667" v="1137" actId="20577"/>
+          <ac:spMkLst>
+            <pc:docMk/>
+            <pc:sldMk cId="1502807105" sldId="304"/>
+            <ac:spMk id="2" creationId="{00000000-0000-0000-0000-000000000000}"/>
+          </ac:spMkLst>
+        </pc:spChg>
+        <pc:spChg chg="add del">
+          <ac:chgData name="Kristofer Carta" userId="a949ead7c4bcd18f" providerId="LiveId" clId="{BDB12BE9-6248-4518-AD0A-7BEFF3A06A4A}" dt="2017-08-23T09:34:09.247" v="13376" actId="20577"/>
+          <ac:spMkLst>
+            <pc:docMk/>
+            <pc:sldMk cId="1502807105" sldId="304"/>
+            <ac:spMk id="24" creationId="{00000000-0000-0000-0000-000000000000}"/>
+          </ac:spMkLst>
+        </pc:spChg>
+        <pc:spChg chg="add del">
+          <ac:chgData name="Kristofer Carta" userId="a949ead7c4bcd18f" providerId="LiveId" clId="{BDB12BE9-6248-4518-AD0A-7BEFF3A06A4A}" dt="2017-08-23T09:34:09.247" v="13376" actId="20577"/>
+          <ac:spMkLst>
+            <pc:docMk/>
+            <pc:sldMk cId="1502807105" sldId="304"/>
+            <ac:spMk id="25" creationId="{00000000-0000-0000-0000-000000000000}"/>
+          </ac:spMkLst>
+        </pc:spChg>
+        <pc:spChg chg="add del">
+          <ac:chgData name="Kristofer Carta" userId="a949ead7c4bcd18f" providerId="LiveId" clId="{BDB12BE9-6248-4518-AD0A-7BEFF3A06A4A}" dt="2017-08-23T09:34:09.247" v="13376" actId="20577"/>
+          <ac:spMkLst>
+            <pc:docMk/>
+            <pc:sldMk cId="1502807105" sldId="304"/>
+            <ac:spMk id="26" creationId="{00000000-0000-0000-0000-000000000000}"/>
+          </ac:spMkLst>
+        </pc:spChg>
+        <pc:spChg chg="add del">
+          <ac:chgData name="Kristofer Carta" userId="a949ead7c4bcd18f" providerId="LiveId" clId="{BDB12BE9-6248-4518-AD0A-7BEFF3A06A4A}" dt="2017-08-23T09:34:09.247" v="13376" actId="20577"/>
+          <ac:spMkLst>
+            <pc:docMk/>
+            <pc:sldMk cId="1502807105" sldId="304"/>
+            <ac:spMk id="27" creationId="{00000000-0000-0000-0000-000000000000}"/>
+          </ac:spMkLst>
+        </pc:spChg>
+      </pc:sldChg>
+      <pc:sldChg chg="addSp delSp add del setBg delDesignElem">
+        <pc:chgData name="Kristofer Carta" userId="a949ead7c4bcd18f" providerId="LiveId" clId="{BDB12BE9-6248-4518-AD0A-7BEFF3A06A4A}" dt="2017-08-22T21:01:04.455" v="1090" actId="2696"/>
+        <pc:sldMkLst>
+          <pc:docMk/>
+          <pc:sldMk cId="3868604548" sldId="304"/>
+        </pc:sldMkLst>
+        <pc:spChg chg="add del">
+          <ac:chgData name="Kristofer Carta" userId="a949ead7c4bcd18f" providerId="LiveId" clId="{BDB12BE9-6248-4518-AD0A-7BEFF3A06A4A}" dt="2017-08-22T21:01:04.455" v="1090" actId="2696"/>
+          <ac:spMkLst>
+            <pc:docMk/>
+            <pc:sldMk cId="3868604548" sldId="304"/>
+            <ac:spMk id="24" creationId="{00000000-0000-0000-0000-000000000000}"/>
+          </ac:spMkLst>
+        </pc:spChg>
+        <pc:spChg chg="add del">
+          <ac:chgData name="Kristofer Carta" userId="a949ead7c4bcd18f" providerId="LiveId" clId="{BDB12BE9-6248-4518-AD0A-7BEFF3A06A4A}" dt="2017-08-22T21:01:04.455" v="1090" actId="2696"/>
+          <ac:spMkLst>
+            <pc:docMk/>
+            <pc:sldMk cId="3868604548" sldId="304"/>
+            <ac:spMk id="25" creationId="{00000000-0000-0000-0000-000000000000}"/>
+          </ac:spMkLst>
+        </pc:spChg>
+        <pc:spChg chg="add del">
+          <ac:chgData name="Kristofer Carta" userId="a949ead7c4bcd18f" providerId="LiveId" clId="{BDB12BE9-6248-4518-AD0A-7BEFF3A06A4A}" dt="2017-08-22T21:01:04.455" v="1090" actId="2696"/>
+          <ac:spMkLst>
+            <pc:docMk/>
+            <pc:sldMk cId="3868604548" sldId="304"/>
+            <ac:spMk id="26" creationId="{00000000-0000-0000-0000-000000000000}"/>
+          </ac:spMkLst>
+        </pc:spChg>
+        <pc:spChg chg="add del">
+          <ac:chgData name="Kristofer Carta" userId="a949ead7c4bcd18f" providerId="LiveId" clId="{BDB12BE9-6248-4518-AD0A-7BEFF3A06A4A}" dt="2017-08-22T21:01:04.455" v="1090" actId="2696"/>
+          <ac:spMkLst>
+            <pc:docMk/>
+            <pc:sldMk cId="3868604548" sldId="304"/>
+            <ac:spMk id="27" creationId="{00000000-0000-0000-0000-000000000000}"/>
+          </ac:spMkLst>
+        </pc:spChg>
+      </pc:sldChg>
+      <pc:sldChg chg="addSp delSp modSp add">
+        <pc:chgData name="Kristofer Carta" userId="a949ead7c4bcd18f" providerId="LiveId" clId="{BDB12BE9-6248-4518-AD0A-7BEFF3A06A4A}" dt="2017-08-23T08:02:06.534" v="7883" actId="113"/>
+        <pc:sldMkLst>
+          <pc:docMk/>
+          <pc:sldMk cId="893423556" sldId="305"/>
+        </pc:sldMkLst>
+        <pc:spChg chg="mod">
+          <ac:chgData name="Kristofer Carta" userId="a949ead7c4bcd18f" providerId="LiveId" clId="{BDB12BE9-6248-4518-AD0A-7BEFF3A06A4A}" dt="2017-08-22T21:26:42.347" v="1842" actId="2696"/>
+          <ac:spMkLst>
+            <pc:docMk/>
+            <pc:sldMk cId="893423556" sldId="305"/>
+            <ac:spMk id="2" creationId="{00000000-0000-0000-0000-000000000000}"/>
+          </ac:spMkLst>
+        </pc:spChg>
+        <pc:spChg chg="mod">
+          <ac:chgData name="Kristofer Carta" userId="a949ead7c4bcd18f" providerId="LiveId" clId="{BDB12BE9-6248-4518-AD0A-7BEFF3A06A4A}" dt="2017-08-23T08:02:06.534" v="7883" actId="113"/>
+          <ac:spMkLst>
+            <pc:docMk/>
+            <pc:sldMk cId="893423556" sldId="305"/>
+            <ac:spMk id="3" creationId="{00000000-0000-0000-0000-000000000000}"/>
+          </ac:spMkLst>
+        </pc:spChg>
+        <pc:picChg chg="del">
+          <ac:chgData name="Kristofer Carta" userId="a949ead7c4bcd18f" providerId="LiveId" clId="{BDB12BE9-6248-4518-AD0A-7BEFF3A06A4A}" dt="2017-08-22T21:48:55.607" v="2658" actId="478"/>
+          <ac:picMkLst>
+            <pc:docMk/>
+            <pc:sldMk cId="893423556" sldId="305"/>
+            <ac:picMk id="4" creationId="{00000000-0000-0000-0000-000000000000}"/>
+          </ac:picMkLst>
+        </pc:picChg>
+        <pc:picChg chg="add mod">
+          <ac:chgData name="Kristofer Carta" userId="a949ead7c4bcd18f" providerId="LiveId" clId="{BDB12BE9-6248-4518-AD0A-7BEFF3A06A4A}" dt="2017-08-22T21:49:07.222" v="2663" actId="1076"/>
+          <ac:picMkLst>
+            <pc:docMk/>
+            <pc:sldMk cId="893423556" sldId="305"/>
+            <ac:picMk id="5" creationId="{39027472-F6C0-4DCA-AFBA-F86AB7EE83E8}"/>
+          </ac:picMkLst>
+        </pc:picChg>
+      </pc:sldChg>
+      <pc:sldChg chg="addSp delSp modSp add">
+        <pc:chgData name="Kristofer Carta" userId="a949ead7c4bcd18f" providerId="LiveId" clId="{BDB12BE9-6248-4518-AD0A-7BEFF3A06A4A}" dt="2017-08-23T07:47:56.467" v="6510" actId="20577"/>
+        <pc:sldMkLst>
+          <pc:docMk/>
+          <pc:sldMk cId="1451272425" sldId="306"/>
+        </pc:sldMkLst>
+        <pc:spChg chg="mod">
+          <ac:chgData name="Kristofer Carta" userId="a949ead7c4bcd18f" providerId="LiveId" clId="{BDB12BE9-6248-4518-AD0A-7BEFF3A06A4A}" dt="2017-08-22T21:26:42.347" v="1842" actId="1076"/>
+          <ac:spMkLst>
+            <pc:docMk/>
+            <pc:sldMk cId="1451272425" sldId="306"/>
+            <ac:spMk id="2" creationId="{00000000-0000-0000-0000-000000000000}"/>
+          </ac:spMkLst>
+        </pc:spChg>
+        <pc:spChg chg="mod">
+          <ac:chgData name="Kristofer Carta" userId="a949ead7c4bcd18f" providerId="LiveId" clId="{BDB12BE9-6248-4518-AD0A-7BEFF3A06A4A}" dt="2017-08-23T07:47:56.467" v="6510" actId="20577"/>
+          <ac:spMkLst>
+            <pc:docMk/>
+            <pc:sldMk cId="1451272425" sldId="306"/>
+            <ac:spMk id="3" creationId="{00000000-0000-0000-0000-000000000000}"/>
+          </ac:spMkLst>
+        </pc:spChg>
+        <pc:picChg chg="del">
+          <ac:chgData name="Kristofer Carta" userId="a949ead7c4bcd18f" providerId="LiveId" clId="{BDB12BE9-6248-4518-AD0A-7BEFF3A06A4A}" dt="2017-08-22T21:49:53.030" v="2665" actId="478"/>
+          <ac:picMkLst>
+            <pc:docMk/>
+            <pc:sldMk cId="1451272425" sldId="306"/>
+            <ac:picMk id="4" creationId="{00000000-0000-0000-0000-000000000000}"/>
+          </ac:picMkLst>
+        </pc:picChg>
+        <pc:picChg chg="add mod">
+          <ac:chgData name="Kristofer Carta" userId="a949ead7c4bcd18f" providerId="LiveId" clId="{BDB12BE9-6248-4518-AD0A-7BEFF3A06A4A}" dt="2017-08-22T21:50:04.576" v="2669" actId="1076"/>
+          <ac:picMkLst>
+            <pc:docMk/>
+            <pc:sldMk cId="1451272425" sldId="306"/>
+            <ac:picMk id="5" creationId="{C15C9DFC-4B35-4332-A1D6-D5494A9E77EE}"/>
+          </ac:picMkLst>
+        </pc:picChg>
+      </pc:sldChg>
+      <pc:sldChg chg="addSp delSp modSp add">
+        <pc:chgData name="Kristofer Carta" userId="a949ead7c4bcd18f" providerId="LiveId" clId="{BDB12BE9-6248-4518-AD0A-7BEFF3A06A4A}" dt="2017-08-23T08:57:43.874" v="12147" actId="20577"/>
+        <pc:sldMkLst>
+          <pc:docMk/>
+          <pc:sldMk cId="537141572" sldId="307"/>
+        </pc:sldMkLst>
+        <pc:spChg chg="mod">
+          <ac:chgData name="Kristofer Carta" userId="a949ead7c4bcd18f" providerId="LiveId" clId="{BDB12BE9-6248-4518-AD0A-7BEFF3A06A4A}" dt="2017-08-22T21:26:42.347" v="1842" actId="2696"/>
+          <ac:spMkLst>
+            <pc:docMk/>
+            <pc:sldMk cId="537141572" sldId="307"/>
+            <ac:spMk id="2" creationId="{00000000-0000-0000-0000-000000000000}"/>
+          </ac:spMkLst>
+        </pc:spChg>
+        <pc:spChg chg="mod">
+          <ac:chgData name="Kristofer Carta" userId="a949ead7c4bcd18f" providerId="LiveId" clId="{BDB12BE9-6248-4518-AD0A-7BEFF3A06A4A}" dt="2017-08-23T08:57:43.874" v="12147" actId="20577"/>
+          <ac:spMkLst>
+            <pc:docMk/>
+            <pc:sldMk cId="537141572" sldId="307"/>
+            <ac:spMk id="3" creationId="{00000000-0000-0000-0000-000000000000}"/>
+          </ac:spMkLst>
+        </pc:spChg>
+        <pc:picChg chg="del">
+          <ac:chgData name="Kristofer Carta" userId="a949ead7c4bcd18f" providerId="LiveId" clId="{BDB12BE9-6248-4518-AD0A-7BEFF3A06A4A}" dt="2017-08-22T21:50:22.486" v="2670" actId="478"/>
+          <ac:picMkLst>
+            <pc:docMk/>
+            <pc:sldMk cId="537141572" sldId="307"/>
+            <ac:picMk id="4" creationId="{00000000-0000-0000-0000-000000000000}"/>
+          </ac:picMkLst>
+        </pc:picChg>
+        <pc:picChg chg="add mod">
+          <ac:chgData name="Kristofer Carta" userId="a949ead7c4bcd18f" providerId="LiveId" clId="{BDB12BE9-6248-4518-AD0A-7BEFF3A06A4A}" dt="2017-08-22T21:50:33.094" v="2673" actId="14100"/>
+          <ac:picMkLst>
+            <pc:docMk/>
+            <pc:sldMk cId="537141572" sldId="307"/>
+            <ac:picMk id="5" creationId="{2E4EE3B5-C583-4A1A-9030-B8016A0B56CD}"/>
+          </ac:picMkLst>
+        </pc:picChg>
+      </pc:sldChg>
+      <pc:sldChg chg="addSp delSp modSp add">
+        <pc:chgData name="Kristofer Carta" userId="a949ead7c4bcd18f" providerId="LiveId" clId="{BDB12BE9-6248-4518-AD0A-7BEFF3A06A4A}" dt="2017-08-23T09:22:30.912" v="12676" actId="27636"/>
+        <pc:sldMkLst>
+          <pc:docMk/>
+          <pc:sldMk cId="2546566055" sldId="308"/>
+        </pc:sldMkLst>
+        <pc:spChg chg="mod">
+          <ac:chgData name="Kristofer Carta" userId="a949ead7c4bcd18f" providerId="LiveId" clId="{BDB12BE9-6248-4518-AD0A-7BEFF3A06A4A}" dt="2017-08-22T21:26:42.347" v="1842" actId="1076"/>
+          <ac:spMkLst>
+            <pc:docMk/>
+            <pc:sldMk cId="2546566055" sldId="308"/>
+            <ac:spMk id="2" creationId="{00000000-0000-0000-0000-000000000000}"/>
+          </ac:spMkLst>
+        </pc:spChg>
+        <pc:spChg chg="mod">
+          <ac:chgData name="Kristofer Carta" userId="a949ead7c4bcd18f" providerId="LiveId" clId="{BDB12BE9-6248-4518-AD0A-7BEFF3A06A4A}" dt="2017-08-23T09:22:30.912" v="12676" actId="27636"/>
+          <ac:spMkLst>
+            <pc:docMk/>
+            <pc:sldMk cId="2546566055" sldId="308"/>
+            <ac:spMk id="3" creationId="{00000000-0000-0000-0000-000000000000}"/>
+          </ac:spMkLst>
+        </pc:spChg>
+        <pc:picChg chg="del">
+          <ac:chgData name="Kristofer Carta" userId="a949ead7c4bcd18f" providerId="LiveId" clId="{BDB12BE9-6248-4518-AD0A-7BEFF3A06A4A}" dt="2017-08-22T21:43:24.360" v="2613" actId="478"/>
+          <ac:picMkLst>
+            <pc:docMk/>
+            <pc:sldMk cId="2546566055" sldId="308"/>
+            <ac:picMk id="4" creationId="{00000000-0000-0000-0000-000000000000}"/>
+          </ac:picMkLst>
+        </pc:picChg>
+        <pc:picChg chg="add del">
+          <ac:chgData name="Kristofer Carta" userId="a949ead7c4bcd18f" providerId="LiveId" clId="{BDB12BE9-6248-4518-AD0A-7BEFF3A06A4A}" dt="2017-08-23T08:09:07.038" v="8752" actId="478"/>
+          <ac:picMkLst>
+            <pc:docMk/>
+            <pc:sldMk cId="2546566055" sldId="308"/>
+            <ac:picMk id="4" creationId="{0191EAA5-49E0-4749-A0C5-B907B9EEB0A3}"/>
+          </ac:picMkLst>
+        </pc:picChg>
+        <pc:picChg chg="add mod">
+          <ac:chgData name="Kristofer Carta" userId="a949ead7c4bcd18f" providerId="LiveId" clId="{BDB12BE9-6248-4518-AD0A-7BEFF3A06A4A}" dt="2017-08-22T21:43:27.707" v="2615" actId="1076"/>
+          <ac:picMkLst>
+            <pc:docMk/>
+            <pc:sldMk cId="2546566055" sldId="308"/>
+            <ac:picMk id="5" creationId="{C8FB572C-C08D-44C1-A35C-E4882BDA6E7F}"/>
+          </ac:picMkLst>
+        </pc:picChg>
+      </pc:sldChg>
+      <pc:sldChg chg="modSp add del">
+        <pc:chgData name="Kristofer Carta" userId="a949ead7c4bcd18f" providerId="LiveId" clId="{BDB12BE9-6248-4518-AD0A-7BEFF3A06A4A}" dt="2017-08-22T21:06:35.625" v="1372" actId="2696"/>
+        <pc:sldMkLst>
+          <pc:docMk/>
+          <pc:sldMk cId="1103888360" sldId="309"/>
+        </pc:sldMkLst>
+        <pc:spChg chg="mod">
+          <ac:chgData name="Kristofer Carta" userId="a949ead7c4bcd18f" providerId="LiveId" clId="{BDB12BE9-6248-4518-AD0A-7BEFF3A06A4A}" dt="2017-08-22T21:04:41.896" v="1314" actId="20577"/>
+          <ac:spMkLst>
+            <pc:docMk/>
+            <pc:sldMk cId="1103888360" sldId="309"/>
+            <ac:spMk id="2" creationId="{00000000-0000-0000-0000-000000000000}"/>
+          </ac:spMkLst>
+        </pc:spChg>
+        <pc:spChg chg="mod">
+          <ac:chgData name="Kristofer Carta" userId="a949ead7c4bcd18f" providerId="LiveId" clId="{BDB12BE9-6248-4518-AD0A-7BEFF3A06A4A}" dt="2017-08-22T21:06:08.835" v="1363" actId="6549"/>
+          <ac:spMkLst>
+            <pc:docMk/>
+            <pc:sldMk cId="1103888360" sldId="309"/>
+            <ac:spMk id="51" creationId="{00000000-0000-0000-0000-000000000000}"/>
+          </ac:spMkLst>
+        </pc:spChg>
+        <pc:picChg chg="mod">
+          <ac:chgData name="Kristofer Carta" userId="a949ead7c4bcd18f" providerId="LiveId" clId="{BDB12BE9-6248-4518-AD0A-7BEFF3A06A4A}" dt="2017-08-22T21:06:18.849" v="1367" actId="1038"/>
+          <ac:picMkLst>
+            <pc:docMk/>
+            <pc:sldMk cId="1103888360" sldId="309"/>
+            <ac:picMk id="5" creationId="{00000000-0000-0000-0000-000000000000}"/>
+          </ac:picMkLst>
+        </pc:picChg>
+      </pc:sldChg>
+      <pc:sldChg chg="add del">
+        <pc:chgData name="Kristofer Carta" userId="a949ead7c4bcd18f" providerId="LiveId" clId="{BDB12BE9-6248-4518-AD0A-7BEFF3A06A4A}" dt="2017-08-22T21:02:25.805" v="1194" actId="2696"/>
+        <pc:sldMkLst>
+          <pc:docMk/>
+          <pc:sldMk cId="1144517915" sldId="309"/>
+        </pc:sldMkLst>
+      </pc:sldChg>
+      <pc:sldChg chg="modSp add">
+        <pc:chgData name="Kristofer Carta" userId="a949ead7c4bcd18f" providerId="LiveId" clId="{BDB12BE9-6248-4518-AD0A-7BEFF3A06A4A}" dt="2017-08-22T21:32:40.204" v="1998" actId="20577"/>
+        <pc:sldMkLst>
+          <pc:docMk/>
+          <pc:sldMk cId="3320679016" sldId="309"/>
+        </pc:sldMkLst>
+        <pc:spChg chg="mod">
+          <ac:chgData name="Kristofer Carta" userId="a949ead7c4bcd18f" providerId="LiveId" clId="{BDB12BE9-6248-4518-AD0A-7BEFF3A06A4A}" dt="2017-08-22T21:26:42.347" v="1842" actId="20577"/>
+          <ac:spMkLst>
+            <pc:docMk/>
+            <pc:sldMk cId="3320679016" sldId="309"/>
+            <ac:spMk id="2" creationId="{00000000-0000-0000-0000-000000000000}"/>
+          </ac:spMkLst>
+        </pc:spChg>
+        <pc:spChg chg="mod">
+          <ac:chgData name="Kristofer Carta" userId="a949ead7c4bcd18f" providerId="LiveId" clId="{BDB12BE9-6248-4518-AD0A-7BEFF3A06A4A}" dt="2017-08-22T21:32:36.401" v="1996" actId="14100"/>
+          <ac:spMkLst>
+            <pc:docMk/>
+            <pc:sldMk cId="3320679016" sldId="309"/>
+            <ac:spMk id="3" creationId="{00000000-0000-0000-0000-000000000000}"/>
+          </ac:spMkLst>
+        </pc:spChg>
+        <pc:spChg chg="mod">
+          <ac:chgData name="Kristofer Carta" userId="a949ead7c4bcd18f" providerId="LiveId" clId="{BDB12BE9-6248-4518-AD0A-7BEFF3A06A4A}" dt="2017-08-22T21:32:40.204" v="1998" actId="20577"/>
+          <ac:spMkLst>
+            <pc:docMk/>
+            <pc:sldMk cId="3320679016" sldId="309"/>
+            <ac:spMk id="4" creationId="{00000000-0000-0000-0000-000000000000}"/>
+          </ac:spMkLst>
+        </pc:spChg>
+      </pc:sldChg>
+      <pc:sldChg chg="modSp add">
+        <pc:chgData name="Kristofer Carta" userId="a949ead7c4bcd18f" providerId="LiveId" clId="{BDB12BE9-6248-4518-AD0A-7BEFF3A06A4A}" dt="2017-08-22T21:26:42.347" v="1842" actId="2696"/>
+        <pc:sldMkLst>
+          <pc:docMk/>
+          <pc:sldMk cId="3229214117" sldId="310"/>
+        </pc:sldMkLst>
+        <pc:spChg chg="mod">
+          <ac:chgData name="Kristofer Carta" userId="a949ead7c4bcd18f" providerId="LiveId" clId="{BDB12BE9-6248-4518-AD0A-7BEFF3A06A4A}" dt="2017-08-22T21:26:42.347" v="1842" actId="2696"/>
+          <ac:spMkLst>
+            <pc:docMk/>
+            <pc:sldMk cId="3229214117" sldId="310"/>
+            <ac:spMk id="2" creationId="{00000000-0000-0000-0000-000000000000}"/>
+          </ac:spMkLst>
+        </pc:spChg>
+        <pc:spChg chg="mod">
+          <ac:chgData name="Kristofer Carta" userId="a949ead7c4bcd18f" providerId="LiveId" clId="{BDB12BE9-6248-4518-AD0A-7BEFF3A06A4A}" dt="2017-08-22T21:26:35.146" v="1829" actId="2696"/>
+          <ac:spMkLst>
+            <pc:docMk/>
+            <pc:sldMk cId="3229214117" sldId="310"/>
+            <ac:spMk id="3" creationId="{00000000-0000-0000-0000-000000000000}"/>
+          </ac:spMkLst>
+        </pc:spChg>
+        <pc:spChg chg="mod">
+          <ac:chgData name="Kristofer Carta" userId="a949ead7c4bcd18f" providerId="LiveId" clId="{BDB12BE9-6248-4518-AD0A-7BEFF3A06A4A}" dt="2017-08-22T21:26:35.146" v="1829" actId="2696"/>
+          <ac:spMkLst>
+            <pc:docMk/>
+            <pc:sldMk cId="3229214117" sldId="310"/>
+            <ac:spMk id="6" creationId="{00000000-0000-0000-0000-000000000000}"/>
+          </ac:spMkLst>
+        </pc:spChg>
+      </pc:sldChg>
+      <pc:sldChg chg="modSp add del">
+        <pc:chgData name="Kristofer Carta" userId="a949ead7c4bcd18f" providerId="LiveId" clId="{BDB12BE9-6248-4518-AD0A-7BEFF3A06A4A}" dt="2017-08-22T21:24:18.146" v="1767" actId="2696"/>
+        <pc:sldMkLst>
+          <pc:docMk/>
+          <pc:sldMk cId="806124075" sldId="311"/>
+        </pc:sldMkLst>
+        <pc:spChg chg="mod">
+          <ac:chgData name="Kristofer Carta" userId="a949ead7c4bcd18f" providerId="LiveId" clId="{BDB12BE9-6248-4518-AD0A-7BEFF3A06A4A}" dt="2017-08-22T21:24:14.588" v="1766" actId="20577"/>
+          <ac:spMkLst>
+            <pc:docMk/>
+            <pc:sldMk cId="806124075" sldId="311"/>
+            <ac:spMk id="2" creationId="{2682CDF9-6513-4C61-A80A-DC5D21426352}"/>
+          </ac:spMkLst>
+        </pc:spChg>
+      </pc:sldChg>
+      <pc:sldChg chg="addSp delSp modSp add">
+        <pc:chgData name="Kristofer Carta" userId="a949ead7c4bcd18f" providerId="LiveId" clId="{BDB12BE9-6248-4518-AD0A-7BEFF3A06A4A}" dt="2017-08-23T08:39:41.602" v="12122" actId="20577"/>
+        <pc:sldMkLst>
+          <pc:docMk/>
+          <pc:sldMk cId="3517925212" sldId="311"/>
+        </pc:sldMkLst>
+        <pc:spChg chg="mod">
+          <ac:chgData name="Kristofer Carta" userId="a949ead7c4bcd18f" providerId="LiveId" clId="{BDB12BE9-6248-4518-AD0A-7BEFF3A06A4A}" dt="2017-08-22T21:26:42.347" v="1842" actId="2696"/>
+          <ac:spMkLst>
+            <pc:docMk/>
+            <pc:sldMk cId="3517925212" sldId="311"/>
+            <ac:spMk id="2" creationId="{00000000-0000-0000-0000-000000000000}"/>
+          </ac:spMkLst>
+        </pc:spChg>
+        <pc:spChg chg="del">
+          <ac:chgData name="Kristofer Carta" userId="a949ead7c4bcd18f" providerId="LiveId" clId="{BDB12BE9-6248-4518-AD0A-7BEFF3A06A4A}" dt="2017-08-22T21:24:39.369" v="1817" actId="478"/>
+          <ac:spMkLst>
+            <pc:docMk/>
+            <pc:sldMk cId="3517925212" sldId="311"/>
+            <ac:spMk id="3" creationId="{00000000-0000-0000-0000-000000000000}"/>
+          </ac:spMkLst>
+        </pc:spChg>
+        <pc:spChg chg="add mod">
+          <ac:chgData name="Kristofer Carta" userId="a949ead7c4bcd18f" providerId="LiveId" clId="{BDB12BE9-6248-4518-AD0A-7BEFF3A06A4A}" dt="2017-08-23T08:39:41.602" v="12122" actId="20577"/>
+          <ac:spMkLst>
+            <pc:docMk/>
+            <pc:sldMk cId="3517925212" sldId="311"/>
+            <ac:spMk id="6" creationId="{6DD7875C-5F11-4BB5-B477-CEB13F99A703}"/>
+          </ac:spMkLst>
+        </pc:spChg>
+        <pc:spChg chg="del">
+          <ac:chgData name="Kristofer Carta" userId="a949ead7c4bcd18f" providerId="LiveId" clId="{BDB12BE9-6248-4518-AD0A-7BEFF3A06A4A}" dt="2017-08-22T21:24:39.369" v="1817" actId="478"/>
+          <ac:spMkLst>
+            <pc:docMk/>
+            <pc:sldMk cId="3517925212" sldId="311"/>
+            <ac:spMk id="51" creationId="{00000000-0000-0000-0000-000000000000}"/>
+          </ac:spMkLst>
+        </pc:spChg>
+        <pc:grpChg chg="del">
+          <ac:chgData name="Kristofer Carta" userId="a949ead7c4bcd18f" providerId="LiveId" clId="{BDB12BE9-6248-4518-AD0A-7BEFF3A06A4A}" dt="2017-08-22T21:24:39.369" v="1817" actId="478"/>
+          <ac:grpSpMkLst>
+            <pc:docMk/>
+            <pc:sldMk cId="3517925212" sldId="311"/>
+            <ac:grpSpMk id="10" creationId="{00000000-0000-0000-0000-000000000000}"/>
+          </ac:grpSpMkLst>
+        </pc:grpChg>
+        <pc:grpChg chg="del">
+          <ac:chgData name="Kristofer Carta" userId="a949ead7c4bcd18f" providerId="LiveId" clId="{BDB12BE9-6248-4518-AD0A-7BEFF3A06A4A}" dt="2017-08-22T21:24:39.369" v="1817" actId="478"/>
+          <ac:grpSpMkLst>
+            <pc:docMk/>
+            <pc:sldMk cId="3517925212" sldId="311"/>
+            <ac:grpSpMk id="11" creationId="{00000000-0000-0000-0000-000000000000}"/>
+          </ac:grpSpMkLst>
+        </pc:grpChg>
+        <pc:grpChg chg="del">
+          <ac:chgData name="Kristofer Carta" userId="a949ead7c4bcd18f" providerId="LiveId" clId="{BDB12BE9-6248-4518-AD0A-7BEFF3A06A4A}" dt="2017-08-22T21:24:39.369" v="1817" actId="478"/>
+          <ac:grpSpMkLst>
+            <pc:docMk/>
+            <pc:sldMk cId="3517925212" sldId="311"/>
+            <ac:grpSpMk id="14" creationId="{00000000-0000-0000-0000-000000000000}"/>
+          </ac:grpSpMkLst>
+        </pc:grpChg>
+        <pc:grpChg chg="del">
+          <ac:chgData name="Kristofer Carta" userId="a949ead7c4bcd18f" providerId="LiveId" clId="{BDB12BE9-6248-4518-AD0A-7BEFF3A06A4A}" dt="2017-08-22T21:24:39.369" v="1817" actId="478"/>
+          <ac:grpSpMkLst>
+            <pc:docMk/>
+            <pc:sldMk cId="3517925212" sldId="311"/>
+            <ac:grpSpMk id="17" creationId="{00000000-0000-0000-0000-000000000000}"/>
+          </ac:grpSpMkLst>
+        </pc:grpChg>
+        <pc:grpChg chg="del">
+          <ac:chgData name="Kristofer Carta" userId="a949ead7c4bcd18f" providerId="LiveId" clId="{BDB12BE9-6248-4518-AD0A-7BEFF3A06A4A}" dt="2017-08-22T21:24:39.369" v="1817" actId="478"/>
+          <ac:grpSpMkLst>
+            <pc:docMk/>
+            <pc:sldMk cId="3517925212" sldId="311"/>
+            <ac:grpSpMk id="24" creationId="{00000000-0000-0000-0000-000000000000}"/>
+          </ac:grpSpMkLst>
+        </pc:grpChg>
+        <pc:grpChg chg="del">
+          <ac:chgData name="Kristofer Carta" userId="a949ead7c4bcd18f" providerId="LiveId" clId="{BDB12BE9-6248-4518-AD0A-7BEFF3A06A4A}" dt="2017-08-22T21:24:39.369" v="1817" actId="478"/>
+          <ac:grpSpMkLst>
+            <pc:docMk/>
+            <pc:sldMk cId="3517925212" sldId="311"/>
+            <ac:grpSpMk id="33" creationId="{00000000-0000-0000-0000-000000000000}"/>
+          </ac:grpSpMkLst>
+        </pc:grpChg>
+        <pc:picChg chg="del">
+          <ac:chgData name="Kristofer Carta" userId="a949ead7c4bcd18f" providerId="LiveId" clId="{BDB12BE9-6248-4518-AD0A-7BEFF3A06A4A}" dt="2017-08-22T21:24:39.369" v="1817" actId="478"/>
+          <ac:picMkLst>
+            <pc:docMk/>
+            <pc:sldMk cId="3517925212" sldId="311"/>
+            <ac:picMk id="5" creationId="{00000000-0000-0000-0000-000000000000}"/>
+          </ac:picMkLst>
+        </pc:picChg>
+      </pc:sldChg>
+      <pc:sldChg chg="modSp add del ord">
+        <pc:chgData name="Kristofer Carta" userId="a949ead7c4bcd18f" providerId="LiveId" clId="{BDB12BE9-6248-4518-AD0A-7BEFF3A06A4A}" dt="2017-08-23T07:02:38.855" v="5041" actId="2696"/>
+        <pc:sldMkLst>
+          <pc:docMk/>
+          <pc:sldMk cId="3990449321" sldId="312"/>
+        </pc:sldMkLst>
+        <pc:spChg chg="mod">
+          <ac:chgData name="Kristofer Carta" userId="a949ead7c4bcd18f" providerId="LiveId" clId="{BDB12BE9-6248-4518-AD0A-7BEFF3A06A4A}" dt="2017-08-22T21:44:58.645" v="2632" actId="20577"/>
+          <ac:spMkLst>
+            <pc:docMk/>
+            <pc:sldMk cId="3990449321" sldId="312"/>
+            <ac:spMk id="2" creationId="{00000000-0000-0000-0000-000000000000}"/>
+          </ac:spMkLst>
+        </pc:spChg>
+        <pc:spChg chg="mod">
+          <ac:chgData name="Kristofer Carta" userId="a949ead7c4bcd18f" providerId="LiveId" clId="{BDB12BE9-6248-4518-AD0A-7BEFF3A06A4A}" dt="2017-08-23T07:02:28.616" v="5039" actId="20577"/>
+          <ac:spMkLst>
+            <pc:docMk/>
+            <pc:sldMk cId="3990449321" sldId="312"/>
+            <ac:spMk id="3" creationId="{00000000-0000-0000-0000-000000000000}"/>
+          </ac:spMkLst>
+        </pc:spChg>
+      </pc:sldChg>
+      <pc:sldChg chg="modSp add">
+        <pc:chgData name="Kristofer Carta" userId="a949ead7c4bcd18f" providerId="LiveId" clId="{BDB12BE9-6248-4518-AD0A-7BEFF3A06A4A}" dt="2017-08-23T08:56:26.642" v="12146" actId="6549"/>
+        <pc:sldMkLst>
+          <pc:docMk/>
+          <pc:sldMk cId="649682295" sldId="313"/>
+        </pc:sldMkLst>
+        <pc:spChg chg="mod">
+          <ac:chgData name="Kristofer Carta" userId="a949ead7c4bcd18f" providerId="LiveId" clId="{BDB12BE9-6248-4518-AD0A-7BEFF3A06A4A}" dt="2017-08-23T08:34:42.944" v="11418" actId="20577"/>
+          <ac:spMkLst>
+            <pc:docMk/>
+            <pc:sldMk cId="649682295" sldId="313"/>
+            <ac:spMk id="2" creationId="{00000000-0000-0000-0000-000000000000}"/>
+          </ac:spMkLst>
+        </pc:spChg>
+        <pc:spChg chg="mod">
+          <ac:chgData name="Kristofer Carta" userId="a949ead7c4bcd18f" providerId="LiveId" clId="{BDB12BE9-6248-4518-AD0A-7BEFF3A06A4A}" dt="2017-08-23T08:56:26.642" v="12146" actId="6549"/>
+          <ac:spMkLst>
+            <pc:docMk/>
+            <pc:sldMk cId="649682295" sldId="313"/>
+            <ac:spMk id="6" creationId="{6DD7875C-5F11-4BB5-B477-CEB13F99A703}"/>
+          </ac:spMkLst>
+        </pc:spChg>
+      </pc:sldChg>
+      <pc:sldChg chg="modSp add del">
+        <pc:chgData name="Kristofer Carta" userId="a949ead7c4bcd18f" providerId="LiveId" clId="{BDB12BE9-6248-4518-AD0A-7BEFF3A06A4A}" dt="2017-08-23T08:34:27.205" v="11414" actId="2696"/>
+        <pc:sldMkLst>
+          <pc:docMk/>
+          <pc:sldMk cId="1940417308" sldId="314"/>
+        </pc:sldMkLst>
+        <pc:spChg chg="mod">
+          <ac:chgData name="Kristofer Carta" userId="a949ead7c4bcd18f" providerId="LiveId" clId="{BDB12BE9-6248-4518-AD0A-7BEFF3A06A4A}" dt="2017-08-22T21:54:56.710" v="2784" actId="20577"/>
+          <ac:spMkLst>
+            <pc:docMk/>
+            <pc:sldMk cId="1940417308" sldId="314"/>
+            <ac:spMk id="2" creationId="{00000000-0000-0000-0000-000000000000}"/>
+          </ac:spMkLst>
+        </pc:spChg>
+        <pc:spChg chg="mod">
+          <ac:chgData name="Kristofer Carta" userId="a949ead7c4bcd18f" providerId="LiveId" clId="{BDB12BE9-6248-4518-AD0A-7BEFF3A06A4A}" dt="2017-08-22T21:55:52.637" v="2921" actId="6549"/>
+          <ac:spMkLst>
+            <pc:docMk/>
+            <pc:sldMk cId="1940417308" sldId="314"/>
+            <ac:spMk id="6" creationId="{6DD7875C-5F11-4BB5-B477-CEB13F99A703}"/>
+          </ac:spMkLst>
+        </pc:spChg>
+      </pc:sldChg>
+      <pc:sldChg chg="addSp modSp add modAnim">
+        <pc:chgData name="Kristofer Carta" userId="a949ead7c4bcd18f" providerId="LiveId" clId="{BDB12BE9-6248-4518-AD0A-7BEFF3A06A4A}" dt="2017-08-23T08:34:55.773" v="11423" actId="20577"/>
+        <pc:sldMkLst>
+          <pc:docMk/>
+          <pc:sldMk cId="2556163480" sldId="315"/>
+        </pc:sldMkLst>
+        <pc:spChg chg="mod">
+          <ac:chgData name="Kristofer Carta" userId="a949ead7c4bcd18f" providerId="LiveId" clId="{BDB12BE9-6248-4518-AD0A-7BEFF3A06A4A}" dt="2017-08-23T08:34:55.773" v="11423" actId="20577"/>
+          <ac:spMkLst>
+            <pc:docMk/>
+            <pc:sldMk cId="2556163480" sldId="315"/>
+            <ac:spMk id="2" creationId="{00000000-0000-0000-0000-000000000000}"/>
+          </ac:spMkLst>
+        </pc:spChg>
+        <pc:spChg chg="add mod">
+          <ac:chgData name="Kristofer Carta" userId="a949ead7c4bcd18f" providerId="LiveId" clId="{BDB12BE9-6248-4518-AD0A-7BEFF3A06A4A}" dt="2017-08-23T08:32:54.570" v="11410" actId="1076"/>
+          <ac:spMkLst>
+            <pc:docMk/>
+            <pc:sldMk cId="2556163480" sldId="315"/>
+            <ac:spMk id="3" creationId="{78ED6B30-D2E3-489E-9193-E081937390B3}"/>
+          </ac:spMkLst>
+        </pc:spChg>
+        <pc:spChg chg="mod">
+          <ac:chgData name="Kristofer Carta" userId="a949ead7c4bcd18f" providerId="LiveId" clId="{BDB12BE9-6248-4518-AD0A-7BEFF3A06A4A}" dt="2017-08-23T08:33:05.129" v="11412" actId="113"/>
+          <ac:spMkLst>
+            <pc:docMk/>
+            <pc:sldMk cId="2556163480" sldId="315"/>
+            <ac:spMk id="6" creationId="{6DD7875C-5F11-4BB5-B477-CEB13F99A703}"/>
+          </ac:spMkLst>
+        </pc:spChg>
+      </pc:sldChg>
+      <pc:sldChg chg="modSp add">
+        <pc:chgData name="Kristofer Carta" userId="a949ead7c4bcd18f" providerId="LiveId" clId="{BDB12BE9-6248-4518-AD0A-7BEFF3A06A4A}" dt="2017-08-23T06:44:42.082" v="3715" actId="20577"/>
+        <pc:sldMkLst>
+          <pc:docMk/>
+          <pc:sldMk cId="2168924539" sldId="316"/>
+        </pc:sldMkLst>
+        <pc:spChg chg="mod">
+          <ac:chgData name="Kristofer Carta" userId="a949ead7c4bcd18f" providerId="LiveId" clId="{BDB12BE9-6248-4518-AD0A-7BEFF3A06A4A}" dt="2017-08-23T06:28:17.918" v="2970" actId="20577"/>
+          <ac:spMkLst>
+            <pc:docMk/>
+            <pc:sldMk cId="2168924539" sldId="316"/>
+            <ac:spMk id="2" creationId="{E83416FD-12B5-405D-B43D-DC5812755CBA}"/>
+          </ac:spMkLst>
+        </pc:spChg>
+        <pc:spChg chg="mod">
+          <ac:chgData name="Kristofer Carta" userId="a949ead7c4bcd18f" providerId="LiveId" clId="{BDB12BE9-6248-4518-AD0A-7BEFF3A06A4A}" dt="2017-08-23T06:44:42.082" v="3715" actId="20577"/>
+          <ac:spMkLst>
+            <pc:docMk/>
+            <pc:sldMk cId="2168924539" sldId="316"/>
+            <ac:spMk id="3" creationId="{ED11FE13-729F-4B9A-8C9E-7906C79231F5}"/>
+          </ac:spMkLst>
+        </pc:spChg>
+      </pc:sldChg>
+      <pc:sldChg chg="modSp add">
+        <pc:chgData name="Kristofer Carta" userId="a949ead7c4bcd18f" providerId="LiveId" clId="{BDB12BE9-6248-4518-AD0A-7BEFF3A06A4A}" dt="2017-08-23T06:44:52.631" v="3725" actId="5793"/>
+        <pc:sldMkLst>
+          <pc:docMk/>
+          <pc:sldMk cId="2015390687" sldId="317"/>
+        </pc:sldMkLst>
+        <pc:spChg chg="mod">
+          <ac:chgData name="Kristofer Carta" userId="a949ead7c4bcd18f" providerId="LiveId" clId="{BDB12BE9-6248-4518-AD0A-7BEFF3A06A4A}" dt="2017-08-23T06:44:52.631" v="3725" actId="5793"/>
+          <ac:spMkLst>
+            <pc:docMk/>
+            <pc:sldMk cId="2015390687" sldId="317"/>
+            <ac:spMk id="3" creationId="{DBA18C91-1061-4EC6-9CC4-38C54AEF019A}"/>
+          </ac:spMkLst>
+        </pc:spChg>
+      </pc:sldChg>
+      <pc:sldChg chg="addSp modSp add">
+        <pc:chgData name="Kristofer Carta" userId="a949ead7c4bcd18f" providerId="LiveId" clId="{BDB12BE9-6248-4518-AD0A-7BEFF3A06A4A}" dt="2017-08-23T09:01:06.673" v="12152" actId="20577"/>
+        <pc:sldMkLst>
+          <pc:docMk/>
+          <pc:sldMk cId="3762025611" sldId="318"/>
+        </pc:sldMkLst>
+        <pc:spChg chg="mod">
+          <ac:chgData name="Kristofer Carta" userId="a949ead7c4bcd18f" providerId="LiveId" clId="{BDB12BE9-6248-4518-AD0A-7BEFF3A06A4A}" dt="2017-08-23T06:38:11.020" v="3432" actId="20577"/>
+          <ac:spMkLst>
+            <pc:docMk/>
+            <pc:sldMk cId="3762025611" sldId="318"/>
+            <ac:spMk id="2" creationId="{4A230808-680A-4A2F-AA0F-F17298BBA479}"/>
+          </ac:spMkLst>
+        </pc:spChg>
+        <pc:spChg chg="mod">
+          <ac:chgData name="Kristofer Carta" userId="a949ead7c4bcd18f" providerId="LiveId" clId="{BDB12BE9-6248-4518-AD0A-7BEFF3A06A4A}" dt="2017-08-23T09:01:06.673" v="12152" actId="20577"/>
+          <ac:spMkLst>
+            <pc:docMk/>
+            <pc:sldMk cId="3762025611" sldId="318"/>
+            <ac:spMk id="3" creationId="{4BE9E9A5-59DB-4130-9E79-4AAB02F886A8}"/>
+          </ac:spMkLst>
+        </pc:spChg>
+        <pc:picChg chg="add mod ord">
+          <ac:chgData name="Kristofer Carta" userId="a949ead7c4bcd18f" providerId="LiveId" clId="{BDB12BE9-6248-4518-AD0A-7BEFF3A06A4A}" dt="2017-08-23T06:35:14.428" v="3249" actId="26606"/>
+          <ac:picMkLst>
+            <pc:docMk/>
+            <pc:sldMk cId="3762025611" sldId="318"/>
+            <ac:picMk id="1026" creationId="{9E563CCD-D5F3-41E2-B787-D3D792E87A08}"/>
+          </ac:picMkLst>
+        </pc:picChg>
+      </pc:sldChg>
+      <pc:sldChg chg="add">
+        <pc:chgData name="Kristofer Carta" userId="a949ead7c4bcd18f" providerId="LiveId" clId="{BDB12BE9-6248-4518-AD0A-7BEFF3A06A4A}" dt="2017-08-23T06:28:05.946" v="2952" actId="1076"/>
+        <pc:sldMkLst>
+          <pc:docMk/>
+          <pc:sldMk cId="2324310570" sldId="319"/>
+        </pc:sldMkLst>
+      </pc:sldChg>
+      <pc:sldChg chg="add">
+        <pc:chgData name="Kristofer Carta" userId="a949ead7c4bcd18f" providerId="LiveId" clId="{BDB12BE9-6248-4518-AD0A-7BEFF3A06A4A}" dt="2017-08-23T06:28:05.946" v="2952" actId="1076"/>
+        <pc:sldMkLst>
+          <pc:docMk/>
+          <pc:sldMk cId="2666954499" sldId="320"/>
+        </pc:sldMkLst>
+      </pc:sldChg>
+      <pc:sldChg chg="modSp add">
+        <pc:chgData name="Kristofer Carta" userId="a949ead7c4bcd18f" providerId="LiveId" clId="{BDB12BE9-6248-4518-AD0A-7BEFF3A06A4A}" dt="2017-08-23T06:42:21.874" v="3587" actId="20577"/>
+        <pc:sldMkLst>
+          <pc:docMk/>
+          <pc:sldMk cId="1908217624" sldId="321"/>
+        </pc:sldMkLst>
+        <pc:spChg chg="mod">
+          <ac:chgData name="Kristofer Carta" userId="a949ead7c4bcd18f" providerId="LiveId" clId="{BDB12BE9-6248-4518-AD0A-7BEFF3A06A4A}" dt="2017-08-23T06:42:21.874" v="3587" actId="20577"/>
+          <ac:spMkLst>
+            <pc:docMk/>
+            <pc:sldMk cId="1908217624" sldId="321"/>
+            <ac:spMk id="3" creationId="{9FA69DCD-901F-4849-8214-4810FFBDDC79}"/>
+          </ac:spMkLst>
+        </pc:spChg>
+      </pc:sldChg>
+      <pc:sldChg chg="modSp add">
+        <pc:chgData name="Kristofer Carta" userId="a949ead7c4bcd18f" providerId="LiveId" clId="{BDB12BE9-6248-4518-AD0A-7BEFF3A06A4A}" dt="2017-08-23T06:40:54.708" v="3573" actId="20577"/>
+        <pc:sldMkLst>
+          <pc:docMk/>
+          <pc:sldMk cId="614126133" sldId="322"/>
+        </pc:sldMkLst>
+        <pc:spChg chg="mod">
+          <ac:chgData name="Kristofer Carta" userId="a949ead7c4bcd18f" providerId="LiveId" clId="{BDB12BE9-6248-4518-AD0A-7BEFF3A06A4A}" dt="2017-08-23T06:40:17.630" v="3490" actId="6549"/>
+          <ac:spMkLst>
+            <pc:docMk/>
+            <pc:sldMk cId="614126133" sldId="322"/>
+            <ac:spMk id="2" creationId="{5441E596-BE1A-415F-B5D1-8A52B1118243}"/>
+          </ac:spMkLst>
+        </pc:spChg>
+        <pc:spChg chg="mod">
+          <ac:chgData name="Kristofer Carta" userId="a949ead7c4bcd18f" providerId="LiveId" clId="{BDB12BE9-6248-4518-AD0A-7BEFF3A06A4A}" dt="2017-08-23T06:40:54.708" v="3573" actId="20577"/>
+          <ac:spMkLst>
+            <pc:docMk/>
+            <pc:sldMk cId="614126133" sldId="322"/>
+            <ac:spMk id="3" creationId="{FD872F4C-EC0F-4BF3-8C3A-DF1B400DEC4C}"/>
+          </ac:spMkLst>
+        </pc:spChg>
+      </pc:sldChg>
+      <pc:sldChg chg="modSp add ord">
+        <pc:chgData name="Kristofer Carta" userId="a949ead7c4bcd18f" providerId="LiveId" clId="{BDB12BE9-6248-4518-AD0A-7BEFF3A06A4A}" dt="2017-08-23T08:34:48.258" v="11421" actId="20577"/>
+        <pc:sldMkLst>
+          <pc:docMk/>
+          <pc:sldMk cId="1362771162" sldId="323"/>
+        </pc:sldMkLst>
+        <pc:spChg chg="mod">
+          <ac:chgData name="Kristofer Carta" userId="a949ead7c4bcd18f" providerId="LiveId" clId="{BDB12BE9-6248-4518-AD0A-7BEFF3A06A4A}" dt="2017-08-23T08:34:48.258" v="11421" actId="20577"/>
+          <ac:spMkLst>
+            <pc:docMk/>
+            <pc:sldMk cId="1362771162" sldId="323"/>
+            <ac:spMk id="2" creationId="{A21098D2-9A82-4C01-AF6F-0A837748A2C5}"/>
+          </ac:spMkLst>
+        </pc:spChg>
+        <pc:spChg chg="mod">
+          <ac:chgData name="Kristofer Carta" userId="a949ead7c4bcd18f" providerId="LiveId" clId="{BDB12BE9-6248-4518-AD0A-7BEFF3A06A4A}" dt="2017-08-23T06:59:43.583" v="4946" actId="20577"/>
+          <ac:spMkLst>
+            <pc:docMk/>
+            <pc:sldMk cId="1362771162" sldId="323"/>
+            <ac:spMk id="3" creationId="{8022E8B0-02AF-4833-88A7-D386870057A1}"/>
+          </ac:spMkLst>
+        </pc:spChg>
+      </pc:sldChg>
+      <pc:sldChg chg="modSp add ord">
+        <pc:chgData name="Kristofer Carta" userId="a949ead7c4bcd18f" providerId="LiveId" clId="{BDB12BE9-6248-4518-AD0A-7BEFF3A06A4A}" dt="2017-08-23T07:00:06.390" v="4947" actId="1076"/>
+        <pc:sldMkLst>
+          <pc:docMk/>
+          <pc:sldMk cId="1837948902" sldId="324"/>
+        </pc:sldMkLst>
+        <pc:spChg chg="mod">
+          <ac:chgData name="Kristofer Carta" userId="a949ead7c4bcd18f" providerId="LiveId" clId="{BDB12BE9-6248-4518-AD0A-7BEFF3A06A4A}" dt="2017-08-23T06:41:09.287" v="3576" actId="5793"/>
+          <ac:spMkLst>
+            <pc:docMk/>
+            <pc:sldMk cId="1837948902" sldId="324"/>
+            <ac:spMk id="3" creationId="{7676FF6A-8448-4F11-9605-179FB8EB9C75}"/>
+          </ac:spMkLst>
+        </pc:spChg>
+      </pc:sldChg>
+      <pc:sldChg chg="addSp delSp modSp add">
+        <pc:chgData name="Kristofer Carta" userId="a949ead7c4bcd18f" providerId="LiveId" clId="{BDB12BE9-6248-4518-AD0A-7BEFF3A06A4A}" dt="2017-08-23T06:59:17.717" v="4945" actId="113"/>
+        <pc:sldMkLst>
+          <pc:docMk/>
+          <pc:sldMk cId="723795086" sldId="325"/>
+        </pc:sldMkLst>
+        <pc:spChg chg="mod">
+          <ac:chgData name="Kristofer Carta" userId="a949ead7c4bcd18f" providerId="LiveId" clId="{BDB12BE9-6248-4518-AD0A-7BEFF3A06A4A}" dt="2017-08-23T06:47:17.367" v="3908" actId="20577"/>
+          <ac:spMkLst>
+            <pc:docMk/>
+            <pc:sldMk cId="723795086" sldId="325"/>
+            <ac:spMk id="2" creationId="{39CD267B-C47F-43D3-A8C5-1A25C49A6B13}"/>
+          </ac:spMkLst>
+        </pc:spChg>
+        <pc:spChg chg="mod">
+          <ac:chgData name="Kristofer Carta" userId="a949ead7c4bcd18f" providerId="LiveId" clId="{BDB12BE9-6248-4518-AD0A-7BEFF3A06A4A}" dt="2017-08-23T06:59:17.717" v="4945" actId="113"/>
+          <ac:spMkLst>
+            <pc:docMk/>
+            <pc:sldMk cId="723795086" sldId="325"/>
+            <ac:spMk id="3" creationId="{9FA69DCD-901F-4849-8214-4810FFBDDC79}"/>
+          </ac:spMkLst>
+        </pc:spChg>
+        <pc:picChg chg="del">
+          <ac:chgData name="Kristofer Carta" userId="a949ead7c4bcd18f" providerId="LiveId" clId="{BDB12BE9-6248-4518-AD0A-7BEFF3A06A4A}" dt="2017-08-23T06:49:07.061" v="4264" actId="478"/>
+          <ac:picMkLst>
+            <pc:docMk/>
+            <pc:sldMk cId="723795086" sldId="325"/>
+            <ac:picMk id="9" creationId="{6C3297DB-0EB6-45B6-9B86-126C13B85A60}"/>
+          </ac:picMkLst>
+        </pc:picChg>
+        <pc:picChg chg="add mod">
+          <ac:chgData name="Kristofer Carta" userId="a949ead7c4bcd18f" providerId="LiveId" clId="{BDB12BE9-6248-4518-AD0A-7BEFF3A06A4A}" dt="2017-08-23T06:57:11.967" v="4668" actId="1076"/>
+          <ac:picMkLst>
+            <pc:docMk/>
+            <pc:sldMk cId="723795086" sldId="325"/>
+            <ac:picMk id="3074" creationId="{A68EF154-7D11-4791-82E2-310426288065}"/>
+          </ac:picMkLst>
+        </pc:picChg>
+      </pc:sldChg>
+      <pc:sldChg chg="addSp delSp modSp add">
+        <pc:chgData name="Kristofer Carta" userId="a949ead7c4bcd18f" providerId="LiveId" clId="{BDB12BE9-6248-4518-AD0A-7BEFF3A06A4A}" dt="2017-08-23T06:54:59.922" v="4630" actId="732"/>
+        <pc:sldMkLst>
+          <pc:docMk/>
+          <pc:sldMk cId="163823994" sldId="326"/>
+        </pc:sldMkLst>
+        <pc:spChg chg="mod">
+          <ac:chgData name="Kristofer Carta" userId="a949ead7c4bcd18f" providerId="LiveId" clId="{BDB12BE9-6248-4518-AD0A-7BEFF3A06A4A}" dt="2017-08-23T06:47:24.976" v="3917" actId="20577"/>
+          <ac:spMkLst>
+            <pc:docMk/>
+            <pc:sldMk cId="163823994" sldId="326"/>
+            <ac:spMk id="2" creationId="{39CD267B-C47F-43D3-A8C5-1A25C49A6B13}"/>
+          </ac:spMkLst>
+        </pc:spChg>
+        <pc:spChg chg="mod">
+          <ac:chgData name="Kristofer Carta" userId="a949ead7c4bcd18f" providerId="LiveId" clId="{BDB12BE9-6248-4518-AD0A-7BEFF3A06A4A}" dt="2017-08-23T06:54:18.481" v="4625" actId="20577"/>
+          <ac:spMkLst>
+            <pc:docMk/>
+            <pc:sldMk cId="163823994" sldId="326"/>
+            <ac:spMk id="3" creationId="{9FA69DCD-901F-4849-8214-4810FFBDDC79}"/>
+          </ac:spMkLst>
+        </pc:spChg>
+        <pc:picChg chg="add mod">
+          <ac:chgData name="Kristofer Carta" userId="a949ead7c4bcd18f" providerId="LiveId" clId="{BDB12BE9-6248-4518-AD0A-7BEFF3A06A4A}" dt="2017-08-23T06:54:36.690" v="4628" actId="1076"/>
+          <ac:picMkLst>
+            <pc:docMk/>
+            <pc:sldMk cId="163823994" sldId="326"/>
+            <ac:picMk id="4" creationId="{6AA6757D-61FD-44F4-8552-F84FF808DAF6}"/>
+          </ac:picMkLst>
+        </pc:picChg>
+        <pc:picChg chg="del">
+          <ac:chgData name="Kristofer Carta" userId="a949ead7c4bcd18f" providerId="LiveId" clId="{BDB12BE9-6248-4518-AD0A-7BEFF3A06A4A}" dt="2017-08-23T06:50:49.447" v="4268" actId="478"/>
+          <ac:picMkLst>
+            <pc:docMk/>
+            <pc:sldMk cId="163823994" sldId="326"/>
+            <ac:picMk id="9" creationId="{6C3297DB-0EB6-45B6-9B86-126C13B85A60}"/>
+          </ac:picMkLst>
+        </pc:picChg>
+        <pc:picChg chg="add mod modCrop">
+          <ac:chgData name="Kristofer Carta" userId="a949ead7c4bcd18f" providerId="LiveId" clId="{BDB12BE9-6248-4518-AD0A-7BEFF3A06A4A}" dt="2017-08-23T06:54:59.922" v="4630" actId="732"/>
+          <ac:picMkLst>
+            <pc:docMk/>
+            <pc:sldMk cId="163823994" sldId="326"/>
+            <ac:picMk id="2050" creationId="{45ADD073-88A9-4D71-9752-2E3260753254}"/>
+          </ac:picMkLst>
+        </pc:picChg>
+      </pc:sldChg>
+      <pc:sldChg chg="modSp add">
+        <pc:chgData name="Kristofer Carta" userId="a949ead7c4bcd18f" providerId="LiveId" clId="{BDB12BE9-6248-4518-AD0A-7BEFF3A06A4A}" dt="2017-08-23T07:07:27.029" v="6080" actId="404"/>
+        <pc:sldMkLst>
+          <pc:docMk/>
+          <pc:sldMk cId="727536863" sldId="327"/>
+        </pc:sldMkLst>
+        <pc:spChg chg="mod">
+          <ac:chgData name="Kristofer Carta" userId="a949ead7c4bcd18f" providerId="LiveId" clId="{BDB12BE9-6248-4518-AD0A-7BEFF3A06A4A}" dt="2017-08-23T07:02:48.898" v="5085" actId="20577"/>
+          <ac:spMkLst>
+            <pc:docMk/>
+            <pc:sldMk cId="727536863" sldId="327"/>
+            <ac:spMk id="2" creationId="{00000000-0000-0000-0000-000000000000}"/>
+          </ac:spMkLst>
+        </pc:spChg>
+        <pc:spChg chg="mod">
+          <ac:chgData name="Kristofer Carta" userId="a949ead7c4bcd18f" providerId="LiveId" clId="{BDB12BE9-6248-4518-AD0A-7BEFF3A06A4A}" dt="2017-08-23T07:07:27.029" v="6080" actId="404"/>
+          <ac:spMkLst>
+            <pc:docMk/>
+            <pc:sldMk cId="727536863" sldId="327"/>
+            <ac:spMk id="3" creationId="{00000000-0000-0000-0000-000000000000}"/>
+          </ac:spMkLst>
+        </pc:spChg>
+      </pc:sldChg>
+      <pc:sldChg chg="delSp modSp add ord">
+        <pc:chgData name="Kristofer Carta" userId="a949ead7c4bcd18f" providerId="LiveId" clId="{BDB12BE9-6248-4518-AD0A-7BEFF3A06A4A}" dt="2017-08-23T09:23:08.137" v="12838" actId="20577"/>
+        <pc:sldMkLst>
+          <pc:docMk/>
+          <pc:sldMk cId="2002747593" sldId="328"/>
+        </pc:sldMkLst>
+        <pc:spChg chg="mod">
+          <ac:chgData name="Kristofer Carta" userId="a949ead7c4bcd18f" providerId="LiveId" clId="{BDB12BE9-6248-4518-AD0A-7BEFF3A06A4A}" dt="2017-08-23T08:52:24.199" v="12143" actId="20577"/>
+          <ac:spMkLst>
+            <pc:docMk/>
+            <pc:sldMk cId="2002747593" sldId="328"/>
+            <ac:spMk id="2" creationId="{00000000-0000-0000-0000-000000000000}"/>
+          </ac:spMkLst>
+        </pc:spChg>
+        <pc:spChg chg="mod">
+          <ac:chgData name="Kristofer Carta" userId="a949ead7c4bcd18f" providerId="LiveId" clId="{BDB12BE9-6248-4518-AD0A-7BEFF3A06A4A}" dt="2017-08-23T09:23:08.137" v="12838" actId="20577"/>
+          <ac:spMkLst>
+            <pc:docMk/>
+            <pc:sldMk cId="2002747593" sldId="328"/>
+            <ac:spMk id="3" creationId="{00000000-0000-0000-0000-000000000000}"/>
+          </ac:spMkLst>
+        </pc:spChg>
+        <pc:picChg chg="mod">
+          <ac:chgData name="Kristofer Carta" userId="a949ead7c4bcd18f" providerId="LiveId" clId="{BDB12BE9-6248-4518-AD0A-7BEFF3A06A4A}" dt="2017-08-23T08:09:18.149" v="8756" actId="14100"/>
+          <ac:picMkLst>
+            <pc:docMk/>
+            <pc:sldMk cId="2002747593" sldId="328"/>
+            <ac:picMk id="4" creationId="{0191EAA5-49E0-4749-A0C5-B907B9EEB0A3}"/>
+          </ac:picMkLst>
+        </pc:picChg>
+        <pc:picChg chg="del">
+          <ac:chgData name="Kristofer Carta" userId="a949ead7c4bcd18f" providerId="LiveId" clId="{BDB12BE9-6248-4518-AD0A-7BEFF3A06A4A}" dt="2017-08-23T08:09:11.571" v="8754" actId="478"/>
+          <ac:picMkLst>
+            <pc:docMk/>
+            <pc:sldMk cId="2002747593" sldId="328"/>
+            <ac:picMk id="5" creationId="{C8FB572C-C08D-44C1-A35C-E4882BDA6E7F}"/>
+          </ac:picMkLst>
+        </pc:picChg>
+      </pc:sldChg>
+      <pc:sldChg chg="addSp delSp modSp add">
+        <pc:chgData name="Kristofer Carta" userId="a949ead7c4bcd18f" providerId="LiveId" clId="{BDB12BE9-6248-4518-AD0A-7BEFF3A06A4A}" dt="2017-08-23T09:26:57.905" v="13361" actId="1076"/>
+        <pc:sldMkLst>
+          <pc:docMk/>
+          <pc:sldMk cId="443018284" sldId="329"/>
+        </pc:sldMkLst>
+        <pc:spChg chg="mod">
+          <ac:chgData name="Kristofer Carta" userId="a949ead7c4bcd18f" providerId="LiveId" clId="{BDB12BE9-6248-4518-AD0A-7BEFF3A06A4A}" dt="2017-08-23T09:23:27.412" v="12868" actId="20577"/>
+          <ac:spMkLst>
+            <pc:docMk/>
+            <pc:sldMk cId="443018284" sldId="329"/>
+            <ac:spMk id="2" creationId="{00000000-0000-0000-0000-000000000000}"/>
+          </ac:spMkLst>
+        </pc:spChg>
+        <pc:spChg chg="mod">
+          <ac:chgData name="Kristofer Carta" userId="a949ead7c4bcd18f" providerId="LiveId" clId="{BDB12BE9-6248-4518-AD0A-7BEFF3A06A4A}" dt="2017-08-23T09:26:11.477" v="13245" actId="27636"/>
+          <ac:spMkLst>
+            <pc:docMk/>
+            <pc:sldMk cId="443018284" sldId="329"/>
+            <ac:spMk id="3" creationId="{00000000-0000-0000-0000-000000000000}"/>
+          </ac:spMkLst>
+        </pc:spChg>
+        <pc:spChg chg="add del">
+          <ac:chgData name="Kristofer Carta" userId="a949ead7c4bcd18f" providerId="LiveId" clId="{BDB12BE9-6248-4518-AD0A-7BEFF3A06A4A}" dt="2017-08-23T09:23:51.220" v="12873" actId="1076"/>
+          <ac:spMkLst>
+            <pc:docMk/>
+            <pc:sldMk cId="443018284" sldId="329"/>
+            <ac:spMk id="6" creationId="{E223C2EB-BC1F-4E30-9894-260B31DA9845}"/>
+          </ac:spMkLst>
+        </pc:spChg>
+        <pc:spChg chg="add mod">
+          <ac:chgData name="Kristofer Carta" userId="a949ead7c4bcd18f" providerId="LiveId" clId="{BDB12BE9-6248-4518-AD0A-7BEFF3A06A4A}" dt="2017-08-23T09:26:57.905" v="13361" actId="1076"/>
+          <ac:spMkLst>
+            <pc:docMk/>
+            <pc:sldMk cId="443018284" sldId="329"/>
+            <ac:spMk id="7" creationId="{3A7EA15E-30EC-4037-95CA-D5AA7E647A05}"/>
+          </ac:spMkLst>
+        </pc:spChg>
+        <pc:picChg chg="add del mod">
+          <ac:chgData name="Kristofer Carta" userId="a949ead7c4bcd18f" providerId="LiveId" clId="{BDB12BE9-6248-4518-AD0A-7BEFF3A06A4A}" dt="2017-08-23T09:23:49.564" v="12871" actId="478"/>
+          <ac:picMkLst>
+            <pc:docMk/>
+            <pc:sldMk cId="443018284" sldId="329"/>
+            <ac:picMk id="4" creationId="{0747185A-8873-4B77-B98C-D5E998279B6A}"/>
+          </ac:picMkLst>
+        </pc:picChg>
+        <pc:picChg chg="del">
+          <ac:chgData name="Kristofer Carta" userId="a949ead7c4bcd18f" providerId="LiveId" clId="{BDB12BE9-6248-4518-AD0A-7BEFF3A06A4A}" dt="2017-08-23T08:18:47.665" v="10072" actId="478"/>
+          <ac:picMkLst>
+            <pc:docMk/>
+            <pc:sldMk cId="443018284" sldId="329"/>
+            <ac:picMk id="5" creationId="{9333DC40-D6C0-412D-9F60-28C867ED41D0}"/>
+          </ac:picMkLst>
+        </pc:picChg>
+        <pc:picChg chg="add mod">
+          <ac:chgData name="Kristofer Carta" userId="a949ead7c4bcd18f" providerId="LiveId" clId="{BDB12BE9-6248-4518-AD0A-7BEFF3A06A4A}" dt="2017-08-23T09:24:01.360" v="12876" actId="1076"/>
+          <ac:picMkLst>
+            <pc:docMk/>
+            <pc:sldMk cId="443018284" sldId="329"/>
+            <ac:picMk id="4098" creationId="{E5352757-8936-4C6F-9C4E-16E8A183AC52}"/>
+          </ac:picMkLst>
+        </pc:picChg>
+      </pc:sldChg>
+      <pc:sldChg chg="add">
+        <pc:chgData name="Kristofer Carta" userId="a949ead7c4bcd18f" providerId="LiveId" clId="{BDB12BE9-6248-4518-AD0A-7BEFF3A06A4A}" dt="2017-08-23T09:23:19.104" v="12839" actId="1076"/>
+        <pc:sldMkLst>
+          <pc:docMk/>
+          <pc:sldMk cId="142365089" sldId="330"/>
+        </pc:sldMkLst>
+      </pc:sldChg>
+      <pc:sldMasterChg chg="del delSldLayout">
+        <pc:chgData name="Kristofer Carta" userId="a949ead7c4bcd18f" providerId="LiveId" clId="{BDB12BE9-6248-4518-AD0A-7BEFF3A06A4A}" dt="2017-08-22T18:19:01.140" v="19" actId="2696"/>
+        <pc:sldMasterMkLst>
+          <pc:docMk/>
+          <pc:sldMasterMk cId="1321859155" sldId="2147483660"/>
+        </pc:sldMasterMkLst>
+        <pc:sldLayoutChg chg="del">
+          <pc:chgData name="Kristofer Carta" userId="a949ead7c4bcd18f" providerId="LiveId" clId="{BDB12BE9-6248-4518-AD0A-7BEFF3A06A4A}" dt="2017-08-22T18:19:01.140" v="8" actId="2696"/>
+          <pc:sldLayoutMkLst>
+            <pc:docMk/>
+            <pc:sldMasterMk cId="1321859155" sldId="2147483660"/>
+            <pc:sldLayoutMk cId="3973853676" sldId="2147483661"/>
+          </pc:sldLayoutMkLst>
+        </pc:sldLayoutChg>
+        <pc:sldLayoutChg chg="del">
+          <pc:chgData name="Kristofer Carta" userId="a949ead7c4bcd18f" providerId="LiveId" clId="{BDB12BE9-6248-4518-AD0A-7BEFF3A06A4A}" dt="2017-08-22T18:19:01.140" v="9" actId="2696"/>
+          <pc:sldLayoutMkLst>
+            <pc:docMk/>
+            <pc:sldMasterMk cId="1321859155" sldId="2147483660"/>
+            <pc:sldLayoutMk cId="2974076596" sldId="2147483662"/>
+          </pc:sldLayoutMkLst>
+        </pc:sldLayoutChg>
+        <pc:sldLayoutChg chg="del">
+          <pc:chgData name="Kristofer Carta" userId="a949ead7c4bcd18f" providerId="LiveId" clId="{BDB12BE9-6248-4518-AD0A-7BEFF3A06A4A}" dt="2017-08-22T18:19:01.140" v="10" actId="2696"/>
+          <pc:sldLayoutMkLst>
+            <pc:docMk/>
+            <pc:sldMasterMk cId="1321859155" sldId="2147483660"/>
+            <pc:sldLayoutMk cId="3653884782" sldId="2147483663"/>
+          </pc:sldLayoutMkLst>
+        </pc:sldLayoutChg>
+        <pc:sldLayoutChg chg="del">
+          <pc:chgData name="Kristofer Carta" userId="a949ead7c4bcd18f" providerId="LiveId" clId="{BDB12BE9-6248-4518-AD0A-7BEFF3A06A4A}" dt="2017-08-22T18:19:01.140" v="11" actId="2696"/>
+          <pc:sldLayoutMkLst>
+            <pc:docMk/>
+            <pc:sldMasterMk cId="1321859155" sldId="2147483660"/>
+            <pc:sldLayoutMk cId="1705030098" sldId="2147483664"/>
+          </pc:sldLayoutMkLst>
+        </pc:sldLayoutChg>
+        <pc:sldLayoutChg chg="del">
+          <pc:chgData name="Kristofer Carta" userId="a949ead7c4bcd18f" providerId="LiveId" clId="{BDB12BE9-6248-4518-AD0A-7BEFF3A06A4A}" dt="2017-08-22T18:19:01.140" v="12" actId="2696"/>
+          <pc:sldLayoutMkLst>
+            <pc:docMk/>
+            <pc:sldMasterMk cId="1321859155" sldId="2147483660"/>
+            <pc:sldLayoutMk cId="2074326156" sldId="2147483665"/>
+          </pc:sldLayoutMkLst>
+        </pc:sldLayoutChg>
+        <pc:sldLayoutChg chg="del">
+          <pc:chgData name="Kristofer Carta" userId="a949ead7c4bcd18f" providerId="LiveId" clId="{BDB12BE9-6248-4518-AD0A-7BEFF3A06A4A}" dt="2017-08-22T18:19:01.140" v="13" actId="2696"/>
+          <pc:sldLayoutMkLst>
+            <pc:docMk/>
+            <pc:sldMasterMk cId="1321859155" sldId="2147483660"/>
+            <pc:sldLayoutMk cId="4242145447" sldId="2147483666"/>
+          </pc:sldLayoutMkLst>
+        </pc:sldLayoutChg>
+        <pc:sldLayoutChg chg="del">
+          <pc:chgData name="Kristofer Carta" userId="a949ead7c4bcd18f" providerId="LiveId" clId="{BDB12BE9-6248-4518-AD0A-7BEFF3A06A4A}" dt="2017-08-22T18:19:01.140" v="14" actId="2696"/>
+          <pc:sldLayoutMkLst>
+            <pc:docMk/>
+            <pc:sldMasterMk cId="1321859155" sldId="2147483660"/>
+            <pc:sldLayoutMk cId="1618508700" sldId="2147483667"/>
+          </pc:sldLayoutMkLst>
+        </pc:sldLayoutChg>
+        <pc:sldLayoutChg chg="del">
+          <pc:chgData name="Kristofer Carta" userId="a949ead7c4bcd18f" providerId="LiveId" clId="{BDB12BE9-6248-4518-AD0A-7BEFF3A06A4A}" dt="2017-08-22T18:19:01.140" v="15" actId="2696"/>
+          <pc:sldLayoutMkLst>
+            <pc:docMk/>
+            <pc:sldMasterMk cId="1321859155" sldId="2147483660"/>
+            <pc:sldLayoutMk cId="3173534071" sldId="2147483668"/>
+          </pc:sldLayoutMkLst>
+        </pc:sldLayoutChg>
+        <pc:sldLayoutChg chg="del">
+          <pc:chgData name="Kristofer Carta" userId="a949ead7c4bcd18f" providerId="LiveId" clId="{BDB12BE9-6248-4518-AD0A-7BEFF3A06A4A}" dt="2017-08-22T18:19:01.140" v="16" actId="2696"/>
+          <pc:sldLayoutMkLst>
+            <pc:docMk/>
+            <pc:sldMasterMk cId="1321859155" sldId="2147483660"/>
+            <pc:sldLayoutMk cId="3168844201" sldId="2147483669"/>
+          </pc:sldLayoutMkLst>
+        </pc:sldLayoutChg>
+        <pc:sldLayoutChg chg="del">
+          <pc:chgData name="Kristofer Carta" userId="a949ead7c4bcd18f" providerId="LiveId" clId="{BDB12BE9-6248-4518-AD0A-7BEFF3A06A4A}" dt="2017-08-22T18:19:01.140" v="17" actId="2696"/>
+          <pc:sldLayoutMkLst>
+            <pc:docMk/>
+            <pc:sldMasterMk cId="1321859155" sldId="2147483660"/>
+            <pc:sldLayoutMk cId="3964689264" sldId="2147483670"/>
+          </pc:sldLayoutMkLst>
+        </pc:sldLayoutChg>
+        <pc:sldLayoutChg chg="del">
+          <pc:chgData name="Kristofer Carta" userId="a949ead7c4bcd18f" providerId="LiveId" clId="{BDB12BE9-6248-4518-AD0A-7BEFF3A06A4A}" dt="2017-08-22T18:19:01.140" v="18" actId="2696"/>
+          <pc:sldLayoutMkLst>
+            <pc:docMk/>
+            <pc:sldMasterMk cId="1321859155" sldId="2147483660"/>
+            <pc:sldLayoutMk cId="3596709308" sldId="2147483671"/>
+          </pc:sldLayoutMkLst>
+        </pc:sldLayoutChg>
+      </pc:sldMasterChg>
+    </pc:docChg>
+  </pc:docChgLst>
   <pc:docChgLst>
     <pc:chgData name="Kristofer Carta" userId="a949ead7c4bcd18f" providerId="LiveId" clId="{DC448491-B5B1-4C54-A7C5-1DD1B9C52ECE}"/>
     <pc:docChg chg="undo custSel addSld modSld">
@@ -865,3900 +4763,6 @@
           </ac:picMkLst>
         </pc:picChg>
       </pc:sldChg>
-    </pc:docChg>
-  </pc:docChgLst>
-  <pc:docChgLst>
-    <pc:chgData name="Kristofer Carta" userId="a949ead7c4bcd18f" providerId="LiveId" clId="{93888A2B-6F63-458A-BB21-CE9C4CE85A48}"/>
-    <pc:docChg chg="undo redo custSel addSld delSld modSld sldOrd modSection">
-      <pc:chgData name="Kristofer Carta" userId="a949ead7c4bcd18f" providerId="LiveId" clId="{93888A2B-6F63-458A-BB21-CE9C4CE85A48}" dt="2017-08-24T10:10:54.733" v="9879"/>
-      <pc:docMkLst>
-        <pc:docMk/>
-      </pc:docMkLst>
-      <pc:sldChg chg="modSp">
-        <pc:chgData name="Kristofer Carta" userId="a949ead7c4bcd18f" providerId="LiveId" clId="{93888A2B-6F63-458A-BB21-CE9C4CE85A48}" dt="2017-08-24T09:47:04.862" v="9329" actId="20577"/>
-        <pc:sldMkLst>
-          <pc:docMk/>
-          <pc:sldMk cId="974364153" sldId="256"/>
-        </pc:sldMkLst>
-        <pc:spChg chg="mod">
-          <ac:chgData name="Kristofer Carta" userId="a949ead7c4bcd18f" providerId="LiveId" clId="{93888A2B-6F63-458A-BB21-CE9C4CE85A48}" dt="2017-08-24T09:47:04.862" v="9329" actId="20577"/>
-          <ac:spMkLst>
-            <pc:docMk/>
-            <pc:sldMk cId="974364153" sldId="256"/>
-            <ac:spMk id="3" creationId="{BB7D2EFF-91D1-4FCE-84B8-A7286782BC3D}"/>
-          </ac:spMkLst>
-        </pc:spChg>
-      </pc:sldChg>
-      <pc:sldChg chg="del">
-        <pc:chgData name="Kristofer Carta" userId="a949ead7c4bcd18f" providerId="LiveId" clId="{93888A2B-6F63-458A-BB21-CE9C4CE85A48}" dt="2017-08-23T17:35:02.470" v="0" actId="2696"/>
-        <pc:sldMkLst>
-          <pc:docMk/>
-          <pc:sldMk cId="1531087304" sldId="257"/>
-        </pc:sldMkLst>
-      </pc:sldChg>
-      <pc:sldChg chg="modSp">
-        <pc:chgData name="Kristofer Carta" userId="a949ead7c4bcd18f" providerId="LiveId" clId="{93888A2B-6F63-458A-BB21-CE9C4CE85A48}" dt="2017-08-23T17:37:13.226" v="374" actId="20577"/>
-        <pc:sldMkLst>
-          <pc:docMk/>
-          <pc:sldMk cId="3956988050" sldId="260"/>
-        </pc:sldMkLst>
-        <pc:spChg chg="mod">
-          <ac:chgData name="Kristofer Carta" userId="a949ead7c4bcd18f" providerId="LiveId" clId="{93888A2B-6F63-458A-BB21-CE9C4CE85A48}" dt="2017-08-23T17:37:13.226" v="374" actId="20577"/>
-          <ac:spMkLst>
-            <pc:docMk/>
-            <pc:sldMk cId="3956988050" sldId="260"/>
-            <ac:spMk id="3" creationId="{FFC353AD-FA04-47E2-BB20-54AD62996ABA}"/>
-          </ac:spMkLst>
-        </pc:spChg>
-      </pc:sldChg>
-      <pc:sldChg chg="del">
-        <pc:chgData name="Kristofer Carta" userId="a949ead7c4bcd18f" providerId="LiveId" clId="{93888A2B-6F63-458A-BB21-CE9C4CE85A48}" dt="2017-08-23T18:35:42.830" v="883" actId="2696"/>
-        <pc:sldMkLst>
-          <pc:docMk/>
-          <pc:sldMk cId="1781895067" sldId="272"/>
-        </pc:sldMkLst>
-      </pc:sldChg>
-      <pc:sldChg chg="del">
-        <pc:chgData name="Kristofer Carta" userId="a949ead7c4bcd18f" providerId="LiveId" clId="{93888A2B-6F63-458A-BB21-CE9C4CE85A48}" dt="2017-08-23T17:37:39.153" v="419" actId="2696"/>
-        <pc:sldMkLst>
-          <pc:docMk/>
-          <pc:sldMk cId="3644306241" sldId="273"/>
-        </pc:sldMkLst>
-      </pc:sldChg>
-      <pc:sldChg chg="del">
-        <pc:chgData name="Kristofer Carta" userId="a949ead7c4bcd18f" providerId="LiveId" clId="{93888A2B-6F63-458A-BB21-CE9C4CE85A48}" dt="2017-08-23T17:37:39.153" v="418" actId="2696"/>
-        <pc:sldMkLst>
-          <pc:docMk/>
-          <pc:sldMk cId="39224183" sldId="274"/>
-        </pc:sldMkLst>
-      </pc:sldChg>
-      <pc:sldChg chg="del">
-        <pc:chgData name="Kristofer Carta" userId="a949ead7c4bcd18f" providerId="LiveId" clId="{93888A2B-6F63-458A-BB21-CE9C4CE85A48}" dt="2017-08-23T17:37:39.138" v="416" actId="2696"/>
-        <pc:sldMkLst>
-          <pc:docMk/>
-          <pc:sldMk cId="3388597120" sldId="275"/>
-        </pc:sldMkLst>
-      </pc:sldChg>
-      <pc:sldChg chg="del">
-        <pc:chgData name="Kristofer Carta" userId="a949ead7c4bcd18f" providerId="LiveId" clId="{93888A2B-6F63-458A-BB21-CE9C4CE85A48}" dt="2017-08-23T17:37:39.138" v="417" actId="2696"/>
-        <pc:sldMkLst>
-          <pc:docMk/>
-          <pc:sldMk cId="1688141316" sldId="276"/>
-        </pc:sldMkLst>
-      </pc:sldChg>
-      <pc:sldChg chg="del">
-        <pc:chgData name="Kristofer Carta" userId="a949ead7c4bcd18f" providerId="LiveId" clId="{93888A2B-6F63-458A-BB21-CE9C4CE85A48}" dt="2017-08-23T17:37:39.138" v="415" actId="2696"/>
-        <pc:sldMkLst>
-          <pc:docMk/>
-          <pc:sldMk cId="4204636137" sldId="277"/>
-        </pc:sldMkLst>
-      </pc:sldChg>
-      <pc:sldChg chg="del">
-        <pc:chgData name="Kristofer Carta" userId="a949ead7c4bcd18f" providerId="LiveId" clId="{93888A2B-6F63-458A-BB21-CE9C4CE85A48}" dt="2017-08-23T17:37:39.138" v="414" actId="2696"/>
-        <pc:sldMkLst>
-          <pc:docMk/>
-          <pc:sldMk cId="505186429" sldId="278"/>
-        </pc:sldMkLst>
-      </pc:sldChg>
-      <pc:sldChg chg="del">
-        <pc:chgData name="Kristofer Carta" userId="a949ead7c4bcd18f" providerId="LiveId" clId="{93888A2B-6F63-458A-BB21-CE9C4CE85A48}" dt="2017-08-23T17:37:39.138" v="413" actId="2696"/>
-        <pc:sldMkLst>
-          <pc:docMk/>
-          <pc:sldMk cId="1671945896" sldId="279"/>
-        </pc:sldMkLst>
-      </pc:sldChg>
-      <pc:sldChg chg="del">
-        <pc:chgData name="Kristofer Carta" userId="a949ead7c4bcd18f" providerId="LiveId" clId="{93888A2B-6F63-458A-BB21-CE9C4CE85A48}" dt="2017-08-23T17:37:32.635" v="379" actId="2696"/>
-        <pc:sldMkLst>
-          <pc:docMk/>
-          <pc:sldMk cId="946938703" sldId="282"/>
-        </pc:sldMkLst>
-      </pc:sldChg>
-      <pc:sldChg chg="del">
-        <pc:chgData name="Kristofer Carta" userId="a949ead7c4bcd18f" providerId="LiveId" clId="{93888A2B-6F63-458A-BB21-CE9C4CE85A48}" dt="2017-08-23T17:37:32.667" v="393" actId="2696"/>
-        <pc:sldMkLst>
-          <pc:docMk/>
-          <pc:sldMk cId="746043981" sldId="283"/>
-        </pc:sldMkLst>
-      </pc:sldChg>
-      <pc:sldChg chg="del">
-        <pc:chgData name="Kristofer Carta" userId="a949ead7c4bcd18f" providerId="LiveId" clId="{93888A2B-6F63-458A-BB21-CE9C4CE85A48}" dt="2017-08-23T17:37:39.138" v="412" actId="2696"/>
-        <pc:sldMkLst>
-          <pc:docMk/>
-          <pc:sldMk cId="3986163140" sldId="289"/>
-        </pc:sldMkLst>
-      </pc:sldChg>
-      <pc:sldChg chg="del">
-        <pc:chgData name="Kristofer Carta" userId="a949ead7c4bcd18f" providerId="LiveId" clId="{93888A2B-6F63-458A-BB21-CE9C4CE85A48}" dt="2017-08-23T17:37:32.635" v="376" actId="2696"/>
-        <pc:sldMkLst>
-          <pc:docMk/>
-          <pc:sldMk cId="3013723820" sldId="290"/>
-        </pc:sldMkLst>
-      </pc:sldChg>
-      <pc:sldChg chg="modSp">
-        <pc:chgData name="Kristofer Carta" userId="a949ead7c4bcd18f" providerId="LiveId" clId="{93888A2B-6F63-458A-BB21-CE9C4CE85A48}" dt="2017-08-23T20:55:40.413" v="5396" actId="20577"/>
-        <pc:sldMkLst>
-          <pc:docMk/>
-          <pc:sldMk cId="2069327080" sldId="291"/>
-        </pc:sldMkLst>
-        <pc:spChg chg="mod">
-          <ac:chgData name="Kristofer Carta" userId="a949ead7c4bcd18f" providerId="LiveId" clId="{93888A2B-6F63-458A-BB21-CE9C4CE85A48}" dt="2017-08-23T20:55:40.413" v="5396" actId="20577"/>
-          <ac:spMkLst>
-            <pc:docMk/>
-            <pc:sldMk cId="2069327080" sldId="291"/>
-            <ac:spMk id="2" creationId="{00000000-0000-0000-0000-000000000000}"/>
-          </ac:spMkLst>
-        </pc:spChg>
-      </pc:sldChg>
-      <pc:sldChg chg="del">
-        <pc:chgData name="Kristofer Carta" userId="a949ead7c4bcd18f" providerId="LiveId" clId="{93888A2B-6F63-458A-BB21-CE9C4CE85A48}" dt="2017-08-23T17:37:32.651" v="380" actId="2696"/>
-        <pc:sldMkLst>
-          <pc:docMk/>
-          <pc:sldMk cId="3312173396" sldId="292"/>
-        </pc:sldMkLst>
-      </pc:sldChg>
-      <pc:sldChg chg="del">
-        <pc:chgData name="Kristofer Carta" userId="a949ead7c4bcd18f" providerId="LiveId" clId="{93888A2B-6F63-458A-BB21-CE9C4CE85A48}" dt="2017-08-23T17:37:32.651" v="381" actId="2696"/>
-        <pc:sldMkLst>
-          <pc:docMk/>
-          <pc:sldMk cId="529333106" sldId="293"/>
-        </pc:sldMkLst>
-      </pc:sldChg>
-      <pc:sldChg chg="del">
-        <pc:chgData name="Kristofer Carta" userId="a949ead7c4bcd18f" providerId="LiveId" clId="{93888A2B-6F63-458A-BB21-CE9C4CE85A48}" dt="2017-08-23T17:37:32.651" v="382" actId="2696"/>
-        <pc:sldMkLst>
-          <pc:docMk/>
-          <pc:sldMk cId="2590034179" sldId="294"/>
-        </pc:sldMkLst>
-      </pc:sldChg>
-      <pc:sldChg chg="del">
-        <pc:chgData name="Kristofer Carta" userId="a949ead7c4bcd18f" providerId="LiveId" clId="{93888A2B-6F63-458A-BB21-CE9C4CE85A48}" dt="2017-08-23T17:37:32.651" v="383" actId="2696"/>
-        <pc:sldMkLst>
-          <pc:docMk/>
-          <pc:sldMk cId="832639978" sldId="295"/>
-        </pc:sldMkLst>
-      </pc:sldChg>
-      <pc:sldChg chg="del">
-        <pc:chgData name="Kristofer Carta" userId="a949ead7c4bcd18f" providerId="LiveId" clId="{93888A2B-6F63-458A-BB21-CE9C4CE85A48}" dt="2017-08-23T17:37:32.651" v="384" actId="2696"/>
-        <pc:sldMkLst>
-          <pc:docMk/>
-          <pc:sldMk cId="2908102715" sldId="296"/>
-        </pc:sldMkLst>
-      </pc:sldChg>
-      <pc:sldChg chg="del">
-        <pc:chgData name="Kristofer Carta" userId="a949ead7c4bcd18f" providerId="LiveId" clId="{93888A2B-6F63-458A-BB21-CE9C4CE85A48}" dt="2017-08-23T17:37:32.651" v="385" actId="2696"/>
-        <pc:sldMkLst>
-          <pc:docMk/>
-          <pc:sldMk cId="2085938742" sldId="297"/>
-        </pc:sldMkLst>
-      </pc:sldChg>
-      <pc:sldChg chg="del">
-        <pc:chgData name="Kristofer Carta" userId="a949ead7c4bcd18f" providerId="LiveId" clId="{93888A2B-6F63-458A-BB21-CE9C4CE85A48}" dt="2017-08-23T17:37:32.651" v="386" actId="2696"/>
-        <pc:sldMkLst>
-          <pc:docMk/>
-          <pc:sldMk cId="807550934" sldId="298"/>
-        </pc:sldMkLst>
-      </pc:sldChg>
-      <pc:sldChg chg="del">
-        <pc:chgData name="Kristofer Carta" userId="a949ead7c4bcd18f" providerId="LiveId" clId="{93888A2B-6F63-458A-BB21-CE9C4CE85A48}" dt="2017-08-23T17:37:32.667" v="387" actId="2696"/>
-        <pc:sldMkLst>
-          <pc:docMk/>
-          <pc:sldMk cId="2848556147" sldId="299"/>
-        </pc:sldMkLst>
-      </pc:sldChg>
-      <pc:sldChg chg="del">
-        <pc:chgData name="Kristofer Carta" userId="a949ead7c4bcd18f" providerId="LiveId" clId="{93888A2B-6F63-458A-BB21-CE9C4CE85A48}" dt="2017-08-23T17:37:32.667" v="391" actId="2696"/>
-        <pc:sldMkLst>
-          <pc:docMk/>
-          <pc:sldMk cId="2335144893" sldId="300"/>
-        </pc:sldMkLst>
-      </pc:sldChg>
-      <pc:sldChg chg="del">
-        <pc:chgData name="Kristofer Carta" userId="a949ead7c4bcd18f" providerId="LiveId" clId="{93888A2B-6F63-458A-BB21-CE9C4CE85A48}" dt="2017-08-23T17:37:32.667" v="392" actId="2696"/>
-        <pc:sldMkLst>
-          <pc:docMk/>
-          <pc:sldMk cId="1180048117" sldId="301"/>
-        </pc:sldMkLst>
-      </pc:sldChg>
-      <pc:sldChg chg="del">
-        <pc:chgData name="Kristofer Carta" userId="a949ead7c4bcd18f" providerId="LiveId" clId="{93888A2B-6F63-458A-BB21-CE9C4CE85A48}" dt="2017-08-23T17:37:32.682" v="394" actId="2696"/>
-        <pc:sldMkLst>
-          <pc:docMk/>
-          <pc:sldMk cId="2199076171" sldId="302"/>
-        </pc:sldMkLst>
-      </pc:sldChg>
-      <pc:sldChg chg="del">
-        <pc:chgData name="Kristofer Carta" userId="a949ead7c4bcd18f" providerId="LiveId" clId="{93888A2B-6F63-458A-BB21-CE9C4CE85A48}" dt="2017-08-23T17:37:32.682" v="395" actId="2696"/>
-        <pc:sldMkLst>
-          <pc:docMk/>
-          <pc:sldMk cId="3637556005" sldId="303"/>
-        </pc:sldMkLst>
-      </pc:sldChg>
-      <pc:sldChg chg="del">
-        <pc:chgData name="Kristofer Carta" userId="a949ead7c4bcd18f" providerId="LiveId" clId="{93888A2B-6F63-458A-BB21-CE9C4CE85A48}" dt="2017-08-23T17:37:32.682" v="400" actId="2696"/>
-        <pc:sldMkLst>
-          <pc:docMk/>
-          <pc:sldMk cId="1502807105" sldId="304"/>
-        </pc:sldMkLst>
-      </pc:sldChg>
-      <pc:sldChg chg="del">
-        <pc:chgData name="Kristofer Carta" userId="a949ead7c4bcd18f" providerId="LiveId" clId="{93888A2B-6F63-458A-BB21-CE9C4CE85A48}" dt="2017-08-23T17:37:32.682" v="396" actId="2696"/>
-        <pc:sldMkLst>
-          <pc:docMk/>
-          <pc:sldMk cId="893423556" sldId="305"/>
-        </pc:sldMkLst>
-      </pc:sldChg>
-      <pc:sldChg chg="del">
-        <pc:chgData name="Kristofer Carta" userId="a949ead7c4bcd18f" providerId="LiveId" clId="{93888A2B-6F63-458A-BB21-CE9C4CE85A48}" dt="2017-08-23T17:37:32.682" v="398" actId="2696"/>
-        <pc:sldMkLst>
-          <pc:docMk/>
-          <pc:sldMk cId="1451272425" sldId="306"/>
-        </pc:sldMkLst>
-      </pc:sldChg>
-      <pc:sldChg chg="del">
-        <pc:chgData name="Kristofer Carta" userId="a949ead7c4bcd18f" providerId="LiveId" clId="{93888A2B-6F63-458A-BB21-CE9C4CE85A48}" dt="2017-08-23T17:37:32.682" v="399" actId="2696"/>
-        <pc:sldMkLst>
-          <pc:docMk/>
-          <pc:sldMk cId="537141572" sldId="307"/>
-        </pc:sldMkLst>
-      </pc:sldChg>
-      <pc:sldChg chg="del">
-        <pc:chgData name="Kristofer Carta" userId="a949ead7c4bcd18f" providerId="LiveId" clId="{93888A2B-6F63-458A-BB21-CE9C4CE85A48}" dt="2017-08-23T17:37:32.667" v="390" actId="2696"/>
-        <pc:sldMkLst>
-          <pc:docMk/>
-          <pc:sldMk cId="2546566055" sldId="308"/>
-        </pc:sldMkLst>
-      </pc:sldChg>
-      <pc:sldChg chg="del">
-        <pc:chgData name="Kristofer Carta" userId="a949ead7c4bcd18f" providerId="LiveId" clId="{93888A2B-6F63-458A-BB21-CE9C4CE85A48}" dt="2017-08-23T17:37:39.153" v="421" actId="2696"/>
-        <pc:sldMkLst>
-          <pc:docMk/>
-          <pc:sldMk cId="3320679016" sldId="309"/>
-        </pc:sldMkLst>
-      </pc:sldChg>
-      <pc:sldChg chg="del">
-        <pc:chgData name="Kristofer Carta" userId="a949ead7c4bcd18f" providerId="LiveId" clId="{93888A2B-6F63-458A-BB21-CE9C4CE85A48}" dt="2017-08-23T17:37:39.153" v="420" actId="2696"/>
-        <pc:sldMkLst>
-          <pc:docMk/>
-          <pc:sldMk cId="3229214117" sldId="310"/>
-        </pc:sldMkLst>
-      </pc:sldChg>
-      <pc:sldChg chg="modSp ord">
-        <pc:chgData name="Kristofer Carta" userId="a949ead7c4bcd18f" providerId="LiveId" clId="{93888A2B-6F63-458A-BB21-CE9C4CE85A48}" dt="2017-08-23T20:05:09.506" v="3010" actId="113"/>
-        <pc:sldMkLst>
-          <pc:docMk/>
-          <pc:sldMk cId="3517925212" sldId="311"/>
-        </pc:sldMkLst>
-        <pc:spChg chg="mod">
-          <ac:chgData name="Kristofer Carta" userId="a949ead7c4bcd18f" providerId="LiveId" clId="{93888A2B-6F63-458A-BB21-CE9C4CE85A48}" dt="2017-08-23T17:37:47.305" v="430" actId="20577"/>
-          <ac:spMkLst>
-            <pc:docMk/>
-            <pc:sldMk cId="3517925212" sldId="311"/>
-            <ac:spMk id="2" creationId="{00000000-0000-0000-0000-000000000000}"/>
-          </ac:spMkLst>
-        </pc:spChg>
-        <pc:spChg chg="mod">
-          <ac:chgData name="Kristofer Carta" userId="a949ead7c4bcd18f" providerId="LiveId" clId="{93888A2B-6F63-458A-BB21-CE9C4CE85A48}" dt="2017-08-23T20:05:09.506" v="3010" actId="113"/>
-          <ac:spMkLst>
-            <pc:docMk/>
-            <pc:sldMk cId="3517925212" sldId="311"/>
-            <ac:spMk id="6" creationId="{6DD7875C-5F11-4BB5-B477-CEB13F99A703}"/>
-          </ac:spMkLst>
-        </pc:spChg>
-      </pc:sldChg>
-      <pc:sldChg chg="modSp add">
-        <pc:chgData name="Kristofer Carta" userId="a949ead7c4bcd18f" providerId="LiveId" clId="{93888A2B-6F63-458A-BB21-CE9C4CE85A48}" dt="2017-08-23T18:23:07.977" v="681" actId="20577"/>
-        <pc:sldMkLst>
-          <pc:docMk/>
-          <pc:sldMk cId="943162303" sldId="312"/>
-        </pc:sldMkLst>
-        <pc:spChg chg="mod">
-          <ac:chgData name="Kristofer Carta" userId="a949ead7c4bcd18f" providerId="LiveId" clId="{93888A2B-6F63-458A-BB21-CE9C4CE85A48}" dt="2017-08-23T18:23:07.977" v="681" actId="20577"/>
-          <ac:spMkLst>
-            <pc:docMk/>
-            <pc:sldMk cId="943162303" sldId="312"/>
-            <ac:spMk id="2" creationId="{00000000-0000-0000-0000-000000000000}"/>
-          </ac:spMkLst>
-        </pc:spChg>
-        <pc:spChg chg="mod">
-          <ac:chgData name="Kristofer Carta" userId="a949ead7c4bcd18f" providerId="LiveId" clId="{93888A2B-6F63-458A-BB21-CE9C4CE85A48}" dt="2017-08-23T18:22:50.148" v="675" actId="20577"/>
-          <ac:spMkLst>
-            <pc:docMk/>
-            <pc:sldMk cId="943162303" sldId="312"/>
-            <ac:spMk id="3" creationId="{00000000-0000-0000-0000-000000000000}"/>
-          </ac:spMkLst>
-        </pc:spChg>
-      </pc:sldChg>
-      <pc:sldChg chg="delSp modSp add">
-        <pc:chgData name="Kristofer Carta" userId="a949ead7c4bcd18f" providerId="LiveId" clId="{93888A2B-6F63-458A-BB21-CE9C4CE85A48}" dt="2017-08-23T20:26:52.571" v="4236" actId="113"/>
-        <pc:sldMkLst>
-          <pc:docMk/>
-          <pc:sldMk cId="612518781" sldId="313"/>
-        </pc:sldMkLst>
-        <pc:spChg chg="mod">
-          <ac:chgData name="Kristofer Carta" userId="a949ead7c4bcd18f" providerId="LiveId" clId="{93888A2B-6F63-458A-BB21-CE9C4CE85A48}" dt="2017-08-23T18:23:07.977" v="681" actId="113"/>
-          <ac:spMkLst>
-            <pc:docMk/>
-            <pc:sldMk cId="612518781" sldId="313"/>
-            <ac:spMk id="2" creationId="{00000000-0000-0000-0000-000000000000}"/>
-          </ac:spMkLst>
-        </pc:spChg>
-        <pc:spChg chg="mod">
-          <ac:chgData name="Kristofer Carta" userId="a949ead7c4bcd18f" providerId="LiveId" clId="{93888A2B-6F63-458A-BB21-CE9C4CE85A48}" dt="2017-08-23T20:26:52.571" v="4236" actId="113"/>
-          <ac:spMkLst>
-            <pc:docMk/>
-            <pc:sldMk cId="612518781" sldId="313"/>
-            <ac:spMk id="3" creationId="{00000000-0000-0000-0000-000000000000}"/>
-          </ac:spMkLst>
-        </pc:spChg>
-        <pc:picChg chg="del mod">
-          <ac:chgData name="Kristofer Carta" userId="a949ead7c4bcd18f" providerId="LiveId" clId="{93888A2B-6F63-458A-BB21-CE9C4CE85A48}" dt="2017-08-23T19:36:42.304" v="2119" actId="478"/>
-          <ac:picMkLst>
-            <pc:docMk/>
-            <pc:sldMk cId="612518781" sldId="313"/>
-            <ac:picMk id="5" creationId="{00000000-0000-0000-0000-000000000000}"/>
-          </ac:picMkLst>
-        </pc:picChg>
-      </pc:sldChg>
-      <pc:sldChg chg="del">
-        <pc:chgData name="Kristofer Carta" userId="a949ead7c4bcd18f" providerId="LiveId" clId="{93888A2B-6F63-458A-BB21-CE9C4CE85A48}" dt="2017-08-23T17:37:32.682" v="397" actId="2696"/>
-        <pc:sldMkLst>
-          <pc:docMk/>
-          <pc:sldMk cId="649682295" sldId="313"/>
-        </pc:sldMkLst>
-      </pc:sldChg>
-      <pc:sldChg chg="modSp add">
-        <pc:chgData name="Kristofer Carta" userId="a949ead7c4bcd18f" providerId="LiveId" clId="{93888A2B-6F63-458A-BB21-CE9C4CE85A48}" dt="2017-08-23T20:41:57.865" v="5366" actId="20577"/>
-        <pc:sldMkLst>
-          <pc:docMk/>
-          <pc:sldMk cId="993795240" sldId="314"/>
-        </pc:sldMkLst>
-        <pc:spChg chg="mod">
-          <ac:chgData name="Kristofer Carta" userId="a949ead7c4bcd18f" providerId="LiveId" clId="{93888A2B-6F63-458A-BB21-CE9C4CE85A48}" dt="2017-08-23T18:31:10.463" v="805" actId="20577"/>
-          <ac:spMkLst>
-            <pc:docMk/>
-            <pc:sldMk cId="993795240" sldId="314"/>
-            <ac:spMk id="2" creationId="{00000000-0000-0000-0000-000000000000}"/>
-          </ac:spMkLst>
-        </pc:spChg>
-        <pc:spChg chg="mod">
-          <ac:chgData name="Kristofer Carta" userId="a949ead7c4bcd18f" providerId="LiveId" clId="{93888A2B-6F63-458A-BB21-CE9C4CE85A48}" dt="2017-08-23T20:41:57.865" v="5366" actId="20577"/>
-          <ac:spMkLst>
-            <pc:docMk/>
-            <pc:sldMk cId="993795240" sldId="314"/>
-            <ac:spMk id="3" creationId="{00000000-0000-0000-0000-000000000000}"/>
-          </ac:spMkLst>
-        </pc:spChg>
-      </pc:sldChg>
-      <pc:sldChg chg="modSp add">
-        <pc:chgData name="Kristofer Carta" userId="a949ead7c4bcd18f" providerId="LiveId" clId="{93888A2B-6F63-458A-BB21-CE9C4CE85A48}" dt="2017-08-23T19:35:56.480" v="2064" actId="20577"/>
-        <pc:sldMkLst>
-          <pc:docMk/>
-          <pc:sldMk cId="2160951464" sldId="315"/>
-        </pc:sldMkLst>
-        <pc:spChg chg="mod">
-          <ac:chgData name="Kristofer Carta" userId="a949ead7c4bcd18f" providerId="LiveId" clId="{93888A2B-6F63-458A-BB21-CE9C4CE85A48}" dt="2017-08-23T18:23:07.977" v="681" actId="20577"/>
-          <ac:spMkLst>
-            <pc:docMk/>
-            <pc:sldMk cId="2160951464" sldId="315"/>
-            <ac:spMk id="2" creationId="{00000000-0000-0000-0000-000000000000}"/>
-          </ac:spMkLst>
-        </pc:spChg>
-        <pc:spChg chg="mod">
-          <ac:chgData name="Kristofer Carta" userId="a949ead7c4bcd18f" providerId="LiveId" clId="{93888A2B-6F63-458A-BB21-CE9C4CE85A48}" dt="2017-08-23T19:35:56.480" v="2064" actId="20577"/>
-          <ac:spMkLst>
-            <pc:docMk/>
-            <pc:sldMk cId="2160951464" sldId="315"/>
-            <ac:spMk id="3" creationId="{00000000-0000-0000-0000-000000000000}"/>
-          </ac:spMkLst>
-        </pc:spChg>
-      </pc:sldChg>
-      <pc:sldChg chg="del">
-        <pc:chgData name="Kristofer Carta" userId="a949ead7c4bcd18f" providerId="LiveId" clId="{93888A2B-6F63-458A-BB21-CE9C4CE85A48}" dt="2017-08-23T17:37:32.667" v="388" actId="2696"/>
-        <pc:sldMkLst>
-          <pc:docMk/>
-          <pc:sldMk cId="2556163480" sldId="315"/>
-        </pc:sldMkLst>
-      </pc:sldChg>
-      <pc:sldChg chg="del">
-        <pc:chgData name="Kristofer Carta" userId="a949ead7c4bcd18f" providerId="LiveId" clId="{93888A2B-6F63-458A-BB21-CE9C4CE85A48}" dt="2017-08-23T17:37:32.682" v="401" actId="2696"/>
-        <pc:sldMkLst>
-          <pc:docMk/>
-          <pc:sldMk cId="2168924539" sldId="316"/>
-        </pc:sldMkLst>
-      </pc:sldChg>
-      <pc:sldChg chg="modSp add">
-        <pc:chgData name="Kristofer Carta" userId="a949ead7c4bcd18f" providerId="LiveId" clId="{93888A2B-6F63-458A-BB21-CE9C4CE85A48}" dt="2017-08-23T21:05:37.516" v="6098" actId="20577"/>
-        <pc:sldMkLst>
-          <pc:docMk/>
-          <pc:sldMk cId="3427259681" sldId="316"/>
-        </pc:sldMkLst>
-        <pc:spChg chg="mod">
-          <ac:chgData name="Kristofer Carta" userId="a949ead7c4bcd18f" providerId="LiveId" clId="{93888A2B-6F63-458A-BB21-CE9C4CE85A48}" dt="2017-08-23T20:57:16.972" v="5488" actId="20577"/>
-          <ac:spMkLst>
-            <pc:docMk/>
-            <pc:sldMk cId="3427259681" sldId="316"/>
-            <ac:spMk id="2" creationId="{00000000-0000-0000-0000-000000000000}"/>
-          </ac:spMkLst>
-        </pc:spChg>
-        <pc:spChg chg="mod">
-          <ac:chgData name="Kristofer Carta" userId="a949ead7c4bcd18f" providerId="LiveId" clId="{93888A2B-6F63-458A-BB21-CE9C4CE85A48}" dt="2017-08-23T21:05:37.516" v="6098" actId="20577"/>
-          <ac:spMkLst>
-            <pc:docMk/>
-            <pc:sldMk cId="3427259681" sldId="316"/>
-            <ac:spMk id="3" creationId="{00000000-0000-0000-0000-000000000000}"/>
-          </ac:spMkLst>
-        </pc:spChg>
-      </pc:sldChg>
-      <pc:sldChg chg="modSp add del">
-        <pc:chgData name="Kristofer Carta" userId="a949ead7c4bcd18f" providerId="LiveId" clId="{93888A2B-6F63-458A-BB21-CE9C4CE85A48}" dt="2017-08-23T18:21:05.008" v="674" actId="2696"/>
-        <pc:sldMkLst>
-          <pc:docMk/>
-          <pc:sldMk cId="483910684" sldId="317"/>
-        </pc:sldMkLst>
-        <pc:spChg chg="mod">
-          <ac:chgData name="Kristofer Carta" userId="a949ead7c4bcd18f" providerId="LiveId" clId="{93888A2B-6F63-458A-BB21-CE9C4CE85A48}" dt="2017-08-23T18:21:02.368" v="673" actId="20577"/>
-          <ac:spMkLst>
-            <pc:docMk/>
-            <pc:sldMk cId="483910684" sldId="317"/>
-            <ac:spMk id="2" creationId="{00000000-0000-0000-0000-000000000000}"/>
-          </ac:spMkLst>
-        </pc:spChg>
-        <pc:spChg chg="mod">
-          <ac:chgData name="Kristofer Carta" userId="a949ead7c4bcd18f" providerId="LiveId" clId="{93888A2B-6F63-458A-BB21-CE9C4CE85A48}" dt="2017-08-23T18:20:27.841" v="634" actId="20577"/>
-          <ac:spMkLst>
-            <pc:docMk/>
-            <pc:sldMk cId="483910684" sldId="317"/>
-            <ac:spMk id="3" creationId="{00000000-0000-0000-0000-000000000000}"/>
-          </ac:spMkLst>
-        </pc:spChg>
-      </pc:sldChg>
-      <pc:sldChg chg="del">
-        <pc:chgData name="Kristofer Carta" userId="a949ead7c4bcd18f" providerId="LiveId" clId="{93888A2B-6F63-458A-BB21-CE9C4CE85A48}" dt="2017-08-23T17:37:32.698" v="402" actId="2696"/>
-        <pc:sldMkLst>
-          <pc:docMk/>
-          <pc:sldMk cId="2015390687" sldId="317"/>
-        </pc:sldMkLst>
-      </pc:sldChg>
-      <pc:sldChg chg="modSp add ord">
-        <pc:chgData name="Kristofer Carta" userId="a949ead7c4bcd18f" providerId="LiveId" clId="{93888A2B-6F63-458A-BB21-CE9C4CE85A48}" dt="2017-08-23T20:56:20.794" v="5407" actId="20577"/>
-        <pc:sldMkLst>
-          <pc:docMk/>
-          <pc:sldMk cId="2483379484" sldId="318"/>
-        </pc:sldMkLst>
-        <pc:spChg chg="mod">
-          <ac:chgData name="Kristofer Carta" userId="a949ead7c4bcd18f" providerId="LiveId" clId="{93888A2B-6F63-458A-BB21-CE9C4CE85A48}" dt="2017-08-23T18:39:13.068" v="905" actId="20577"/>
-          <ac:spMkLst>
-            <pc:docMk/>
-            <pc:sldMk cId="2483379484" sldId="318"/>
-            <ac:spMk id="2" creationId="{00000000-0000-0000-0000-000000000000}"/>
-          </ac:spMkLst>
-        </pc:spChg>
-        <pc:spChg chg="mod">
-          <ac:chgData name="Kristofer Carta" userId="a949ead7c4bcd18f" providerId="LiveId" clId="{93888A2B-6F63-458A-BB21-CE9C4CE85A48}" dt="2017-08-23T19:29:47.456" v="1791" actId="20577"/>
-          <ac:spMkLst>
-            <pc:docMk/>
-            <pc:sldMk cId="2483379484" sldId="318"/>
-            <ac:spMk id="3" creationId="{00000000-0000-0000-0000-000000000000}"/>
-          </ac:spMkLst>
-        </pc:spChg>
-      </pc:sldChg>
-      <pc:sldChg chg="del">
-        <pc:chgData name="Kristofer Carta" userId="a949ead7c4bcd18f" providerId="LiveId" clId="{93888A2B-6F63-458A-BB21-CE9C4CE85A48}" dt="2017-08-23T17:37:32.698" v="403" actId="2696"/>
-        <pc:sldMkLst>
-          <pc:docMk/>
-          <pc:sldMk cId="3762025611" sldId="318"/>
-        </pc:sldMkLst>
-      </pc:sldChg>
-      <pc:sldChg chg="modSp add ord">
-        <pc:chgData name="Kristofer Carta" userId="a949ead7c4bcd18f" providerId="LiveId" clId="{93888A2B-6F63-458A-BB21-CE9C4CE85A48}" dt="2017-08-23T20:43:12.338" v="5379" actId="113"/>
-        <pc:sldMkLst>
-          <pc:docMk/>
-          <pc:sldMk cId="2035023214" sldId="319"/>
-        </pc:sldMkLst>
-        <pc:spChg chg="mod">
-          <ac:chgData name="Kristofer Carta" userId="a949ead7c4bcd18f" providerId="LiveId" clId="{93888A2B-6F63-458A-BB21-CE9C4CE85A48}" dt="2017-08-23T18:23:07.977" v="681" actId="113"/>
-          <ac:spMkLst>
-            <pc:docMk/>
-            <pc:sldMk cId="2035023214" sldId="319"/>
-            <ac:spMk id="2" creationId="{00000000-0000-0000-0000-000000000000}"/>
-          </ac:spMkLst>
-        </pc:spChg>
-        <pc:spChg chg="mod">
-          <ac:chgData name="Kristofer Carta" userId="a949ead7c4bcd18f" providerId="LiveId" clId="{93888A2B-6F63-458A-BB21-CE9C4CE85A48}" dt="2017-08-23T20:43:12.338" v="5379" actId="113"/>
-          <ac:spMkLst>
-            <pc:docMk/>
-            <pc:sldMk cId="2035023214" sldId="319"/>
-            <ac:spMk id="3" creationId="{00000000-0000-0000-0000-000000000000}"/>
-          </ac:spMkLst>
-        </pc:spChg>
-      </pc:sldChg>
-      <pc:sldChg chg="del">
-        <pc:chgData name="Kristofer Carta" userId="a949ead7c4bcd18f" providerId="LiveId" clId="{93888A2B-6F63-458A-BB21-CE9C4CE85A48}" dt="2017-08-23T17:37:32.698" v="404" actId="2696"/>
-        <pc:sldMkLst>
-          <pc:docMk/>
-          <pc:sldMk cId="2324310570" sldId="319"/>
-        </pc:sldMkLst>
-      </pc:sldChg>
-      <pc:sldChg chg="modSp add">
-        <pc:chgData name="Kristofer Carta" userId="a949ead7c4bcd18f" providerId="LiveId" clId="{93888A2B-6F63-458A-BB21-CE9C4CE85A48}" dt="2017-08-23T18:23:07.977" v="681" actId="20577"/>
-        <pc:sldMkLst>
-          <pc:docMk/>
-          <pc:sldMk cId="2406742168" sldId="320"/>
-        </pc:sldMkLst>
-        <pc:spChg chg="mod">
-          <ac:chgData name="Kristofer Carta" userId="a949ead7c4bcd18f" providerId="LiveId" clId="{93888A2B-6F63-458A-BB21-CE9C4CE85A48}" dt="2017-08-23T18:23:07.977" v="681" actId="20577"/>
-          <ac:spMkLst>
-            <pc:docMk/>
-            <pc:sldMk cId="2406742168" sldId="320"/>
-            <ac:spMk id="2" creationId="{00000000-0000-0000-0000-000000000000}"/>
-          </ac:spMkLst>
-        </pc:spChg>
-        <pc:spChg chg="mod">
-          <ac:chgData name="Kristofer Carta" userId="a949ead7c4bcd18f" providerId="LiveId" clId="{93888A2B-6F63-458A-BB21-CE9C4CE85A48}" dt="2017-08-23T18:22:50.210" v="677" actId="27636"/>
-          <ac:spMkLst>
-            <pc:docMk/>
-            <pc:sldMk cId="2406742168" sldId="320"/>
-            <ac:spMk id="3" creationId="{00000000-0000-0000-0000-000000000000}"/>
-          </ac:spMkLst>
-        </pc:spChg>
-      </pc:sldChg>
-      <pc:sldChg chg="del">
-        <pc:chgData name="Kristofer Carta" userId="a949ead7c4bcd18f" providerId="LiveId" clId="{93888A2B-6F63-458A-BB21-CE9C4CE85A48}" dt="2017-08-23T17:37:32.776" v="405" actId="2696"/>
-        <pc:sldMkLst>
-          <pc:docMk/>
-          <pc:sldMk cId="2666954499" sldId="320"/>
-        </pc:sldMkLst>
-      </pc:sldChg>
-      <pc:sldChg chg="modSp add del">
-        <pc:chgData name="Kristofer Carta" userId="a949ead7c4bcd18f" providerId="LiveId" clId="{93888A2B-6F63-458A-BB21-CE9C4CE85A48}" dt="2017-08-23T21:10:54.192" v="6500" actId="2696"/>
-        <pc:sldMkLst>
-          <pc:docMk/>
-          <pc:sldMk cId="1643208327" sldId="321"/>
-        </pc:sldMkLst>
-        <pc:spChg chg="mod">
-          <ac:chgData name="Kristofer Carta" userId="a949ead7c4bcd18f" providerId="LiveId" clId="{93888A2B-6F63-458A-BB21-CE9C4CE85A48}" dt="2017-08-23T18:23:07.977" v="681" actId="2696"/>
-          <ac:spMkLst>
-            <pc:docMk/>
-            <pc:sldMk cId="1643208327" sldId="321"/>
-            <ac:spMk id="2" creationId="{00000000-0000-0000-0000-000000000000}"/>
-          </ac:spMkLst>
-        </pc:spChg>
-        <pc:spChg chg="mod">
-          <ac:chgData name="Kristofer Carta" userId="a949ead7c4bcd18f" providerId="LiveId" clId="{93888A2B-6F63-458A-BB21-CE9C4CE85A48}" dt="2017-08-23T19:50:58.831" v="2727" actId="6549"/>
-          <ac:spMkLst>
-            <pc:docMk/>
-            <pc:sldMk cId="1643208327" sldId="321"/>
-            <ac:spMk id="3" creationId="{00000000-0000-0000-0000-000000000000}"/>
-          </ac:spMkLst>
-        </pc:spChg>
-      </pc:sldChg>
-      <pc:sldChg chg="del">
-        <pc:chgData name="Kristofer Carta" userId="a949ead7c4bcd18f" providerId="LiveId" clId="{93888A2B-6F63-458A-BB21-CE9C4CE85A48}" dt="2017-08-23T17:37:32.776" v="406" actId="2696"/>
-        <pc:sldMkLst>
-          <pc:docMk/>
-          <pc:sldMk cId="1908217624" sldId="321"/>
-        </pc:sldMkLst>
-      </pc:sldChg>
-      <pc:sldChg chg="del">
-        <pc:chgData name="Kristofer Carta" userId="a949ead7c4bcd18f" providerId="LiveId" clId="{93888A2B-6F63-458A-BB21-CE9C4CE85A48}" dt="2017-08-23T17:37:32.635" v="375" actId="2696"/>
-        <pc:sldMkLst>
-          <pc:docMk/>
-          <pc:sldMk cId="614126133" sldId="322"/>
-        </pc:sldMkLst>
-      </pc:sldChg>
-      <pc:sldChg chg="modSp add ord">
-        <pc:chgData name="Kristofer Carta" userId="a949ead7c4bcd18f" providerId="LiveId" clId="{93888A2B-6F63-458A-BB21-CE9C4CE85A48}" dt="2017-08-24T09:56:15.723" v="9344" actId="20577"/>
-        <pc:sldMkLst>
-          <pc:docMk/>
-          <pc:sldMk cId="2693777697" sldId="322"/>
-        </pc:sldMkLst>
-        <pc:spChg chg="mod">
-          <ac:chgData name="Kristofer Carta" userId="a949ead7c4bcd18f" providerId="LiveId" clId="{93888A2B-6F63-458A-BB21-CE9C4CE85A48}" dt="2017-08-24T09:56:15.723" v="9344" actId="20577"/>
-          <ac:spMkLst>
-            <pc:docMk/>
-            <pc:sldMk cId="2693777697" sldId="322"/>
-            <ac:spMk id="3" creationId="{00000000-0000-0000-0000-000000000000}"/>
-          </ac:spMkLst>
-        </pc:spChg>
-      </pc:sldChg>
-      <pc:sldChg chg="add del">
-        <pc:chgData name="Kristofer Carta" userId="a949ead7c4bcd18f" providerId="LiveId" clId="{93888A2B-6F63-458A-BB21-CE9C4CE85A48}" dt="2017-08-23T19:31:44.130" v="1793" actId="2696"/>
-        <pc:sldMkLst>
-          <pc:docMk/>
-          <pc:sldMk cId="878893091" sldId="323"/>
-        </pc:sldMkLst>
-      </pc:sldChg>
-      <pc:sldChg chg="del">
-        <pc:chgData name="Kristofer Carta" userId="a949ead7c4bcd18f" providerId="LiveId" clId="{93888A2B-6F63-458A-BB21-CE9C4CE85A48}" dt="2017-08-23T17:37:32.776" v="409" actId="2696"/>
-        <pc:sldMkLst>
-          <pc:docMk/>
-          <pc:sldMk cId="1362771162" sldId="323"/>
-        </pc:sldMkLst>
-      </pc:sldChg>
-      <pc:sldChg chg="modSp add">
-        <pc:chgData name="Kristofer Carta" userId="a949ead7c4bcd18f" providerId="LiveId" clId="{93888A2B-6F63-458A-BB21-CE9C4CE85A48}" dt="2017-08-23T20:26:08.028" v="4131" actId="20577"/>
-        <pc:sldMkLst>
-          <pc:docMk/>
-          <pc:sldMk cId="3980520056" sldId="323"/>
-        </pc:sldMkLst>
-        <pc:spChg chg="mod">
-          <ac:chgData name="Kristofer Carta" userId="a949ead7c4bcd18f" providerId="LiveId" clId="{93888A2B-6F63-458A-BB21-CE9C4CE85A48}" dt="2017-08-23T20:01:44.105" v="2798" actId="20577"/>
-          <ac:spMkLst>
-            <pc:docMk/>
-            <pc:sldMk cId="3980520056" sldId="323"/>
-            <ac:spMk id="2" creationId="{00000000-0000-0000-0000-000000000000}"/>
-          </ac:spMkLst>
-        </pc:spChg>
-        <pc:spChg chg="mod">
-          <ac:chgData name="Kristofer Carta" userId="a949ead7c4bcd18f" providerId="LiveId" clId="{93888A2B-6F63-458A-BB21-CE9C4CE85A48}" dt="2017-08-23T20:26:08.028" v="4131" actId="20577"/>
-          <ac:spMkLst>
-            <pc:docMk/>
-            <pc:sldMk cId="3980520056" sldId="323"/>
-            <ac:spMk id="3" creationId="{00000000-0000-0000-0000-000000000000}"/>
-          </ac:spMkLst>
-        </pc:spChg>
-      </pc:sldChg>
-      <pc:sldChg chg="del">
-        <pc:chgData name="Kristofer Carta" userId="a949ead7c4bcd18f" providerId="LiveId" clId="{93888A2B-6F63-458A-BB21-CE9C4CE85A48}" dt="2017-08-23T17:37:32.792" v="410" actId="2696"/>
-        <pc:sldMkLst>
-          <pc:docMk/>
-          <pc:sldMk cId="1837948902" sldId="324"/>
-        </pc:sldMkLst>
-      </pc:sldChg>
-      <pc:sldChg chg="delSp modSp add modAnim">
-        <pc:chgData name="Kristofer Carta" userId="a949ead7c4bcd18f" providerId="LiveId" clId="{93888A2B-6F63-458A-BB21-CE9C4CE85A48}" dt="2017-08-23T19:36:01.912" v="2065" actId="20577"/>
-        <pc:sldMkLst>
-          <pc:docMk/>
-          <pc:sldMk cId="2317613614" sldId="324"/>
-        </pc:sldMkLst>
-        <pc:spChg chg="mod">
-          <ac:chgData name="Kristofer Carta" userId="a949ead7c4bcd18f" providerId="LiveId" clId="{93888A2B-6F63-458A-BB21-CE9C4CE85A48}" dt="2017-08-23T19:31:52.629" v="1808" actId="20577"/>
-          <ac:spMkLst>
-            <pc:docMk/>
-            <pc:sldMk cId="2317613614" sldId="324"/>
-            <ac:spMk id="2" creationId="{00000000-0000-0000-0000-000000000000}"/>
-          </ac:spMkLst>
-        </pc:spChg>
-        <pc:spChg chg="mod">
-          <ac:chgData name="Kristofer Carta" userId="a949ead7c4bcd18f" providerId="LiveId" clId="{93888A2B-6F63-458A-BB21-CE9C4CE85A48}" dt="2017-08-23T19:36:01.912" v="2065" actId="20577"/>
-          <ac:spMkLst>
-            <pc:docMk/>
-            <pc:sldMk cId="2317613614" sldId="324"/>
-            <ac:spMk id="3" creationId="{00000000-0000-0000-0000-000000000000}"/>
-          </ac:spMkLst>
-        </pc:spChg>
-        <pc:picChg chg="del">
-          <ac:chgData name="Kristofer Carta" userId="a949ead7c4bcd18f" providerId="LiveId" clId="{93888A2B-6F63-458A-BB21-CE9C4CE85A48}" dt="2017-08-23T19:32:04.985" v="1842" actId="478"/>
-          <ac:picMkLst>
-            <pc:docMk/>
-            <pc:sldMk cId="2317613614" sldId="324"/>
-            <ac:picMk id="5" creationId="{00000000-0000-0000-0000-000000000000}"/>
-          </ac:picMkLst>
-        </pc:picChg>
-      </pc:sldChg>
-      <pc:sldChg chg="del">
-        <pc:chgData name="Kristofer Carta" userId="a949ead7c4bcd18f" providerId="LiveId" clId="{93888A2B-6F63-458A-BB21-CE9C4CE85A48}" dt="2017-08-23T17:37:32.776" v="407" actId="2696"/>
-        <pc:sldMkLst>
-          <pc:docMk/>
-          <pc:sldMk cId="723795086" sldId="325"/>
-        </pc:sldMkLst>
-      </pc:sldChg>
-      <pc:sldChg chg="modSp add del">
-        <pc:chgData name="Kristofer Carta" userId="a949ead7c4bcd18f" providerId="LiveId" clId="{93888A2B-6F63-458A-BB21-CE9C4CE85A48}" dt="2017-08-23T19:36:23.348" v="2076" actId="2696"/>
-        <pc:sldMkLst>
-          <pc:docMk/>
-          <pc:sldMk cId="1864277068" sldId="325"/>
-        </pc:sldMkLst>
-        <pc:spChg chg="mod">
-          <ac:chgData name="Kristofer Carta" userId="a949ead7c4bcd18f" providerId="LiveId" clId="{93888A2B-6F63-458A-BB21-CE9C4CE85A48}" dt="2017-08-23T19:36:14.902" v="2073" actId="20577"/>
-          <ac:spMkLst>
-            <pc:docMk/>
-            <pc:sldMk cId="1864277068" sldId="325"/>
-            <ac:spMk id="2" creationId="{00000000-0000-0000-0000-000000000000}"/>
-          </ac:spMkLst>
-        </pc:spChg>
-        <pc:spChg chg="mod">
-          <ac:chgData name="Kristofer Carta" userId="a949ead7c4bcd18f" providerId="LiveId" clId="{93888A2B-6F63-458A-BB21-CE9C4CE85A48}" dt="2017-08-23T19:36:19.287" v="2075" actId="2696"/>
-          <ac:spMkLst>
-            <pc:docMk/>
-            <pc:sldMk cId="1864277068" sldId="325"/>
-            <ac:spMk id="3" creationId="{00000000-0000-0000-0000-000000000000}"/>
-          </ac:spMkLst>
-        </pc:spChg>
-      </pc:sldChg>
-      <pc:sldChg chg="modSp add">
-        <pc:chgData name="Kristofer Carta" userId="a949ead7c4bcd18f" providerId="LiveId" clId="{93888A2B-6F63-458A-BB21-CE9C4CE85A48}" dt="2017-08-23T20:19:49.828" v="3558" actId="20577"/>
-        <pc:sldMkLst>
-          <pc:docMk/>
-          <pc:sldMk cId="3607963425" sldId="325"/>
-        </pc:sldMkLst>
-        <pc:spChg chg="mod">
-          <ac:chgData name="Kristofer Carta" userId="a949ead7c4bcd18f" providerId="LiveId" clId="{93888A2B-6F63-458A-BB21-CE9C4CE85A48}" dt="2017-08-23T20:19:49.828" v="3558" actId="20577"/>
-          <ac:spMkLst>
-            <pc:docMk/>
-            <pc:sldMk cId="3607963425" sldId="325"/>
-            <ac:spMk id="2" creationId="{00000000-0000-0000-0000-000000000000}"/>
-          </ac:spMkLst>
-        </pc:spChg>
-        <pc:spChg chg="mod">
-          <ac:chgData name="Kristofer Carta" userId="a949ead7c4bcd18f" providerId="LiveId" clId="{93888A2B-6F63-458A-BB21-CE9C4CE85A48}" dt="2017-08-23T20:19:42.651" v="3547" actId="113"/>
-          <ac:spMkLst>
-            <pc:docMk/>
-            <pc:sldMk cId="3607963425" sldId="325"/>
-            <ac:spMk id="3" creationId="{00000000-0000-0000-0000-000000000000}"/>
-          </ac:spMkLst>
-        </pc:spChg>
-      </pc:sldChg>
-      <pc:sldChg chg="del">
-        <pc:chgData name="Kristofer Carta" userId="a949ead7c4bcd18f" providerId="LiveId" clId="{93888A2B-6F63-458A-BB21-CE9C4CE85A48}" dt="2017-08-23T17:37:32.776" v="408" actId="2696"/>
-        <pc:sldMkLst>
-          <pc:docMk/>
-          <pc:sldMk cId="163823994" sldId="326"/>
-        </pc:sldMkLst>
-      </pc:sldChg>
-      <pc:sldChg chg="modSp add ord">
-        <pc:chgData name="Kristofer Carta" userId="a949ead7c4bcd18f" providerId="LiveId" clId="{93888A2B-6F63-458A-BB21-CE9C4CE85A48}" dt="2017-08-23T20:24:56.706" v="4102" actId="20577"/>
-        <pc:sldMkLst>
-          <pc:docMk/>
-          <pc:sldMk cId="1574427063" sldId="326"/>
-        </pc:sldMkLst>
-        <pc:spChg chg="mod">
-          <ac:chgData name="Kristofer Carta" userId="a949ead7c4bcd18f" providerId="LiveId" clId="{93888A2B-6F63-458A-BB21-CE9C4CE85A48}" dt="2017-08-23T20:20:41.880" v="3580" actId="6549"/>
-          <ac:spMkLst>
-            <pc:docMk/>
-            <pc:sldMk cId="1574427063" sldId="326"/>
-            <ac:spMk id="2" creationId="{00000000-0000-0000-0000-000000000000}"/>
-          </ac:spMkLst>
-        </pc:spChg>
-        <pc:spChg chg="mod">
-          <ac:chgData name="Kristofer Carta" userId="a949ead7c4bcd18f" providerId="LiveId" clId="{93888A2B-6F63-458A-BB21-CE9C4CE85A48}" dt="2017-08-23T20:24:49.360" v="4101" actId="20577"/>
-          <ac:spMkLst>
-            <pc:docMk/>
-            <pc:sldMk cId="1574427063" sldId="326"/>
-            <ac:spMk id="3" creationId="{00000000-0000-0000-0000-000000000000}"/>
-          </ac:spMkLst>
-        </pc:spChg>
-      </pc:sldChg>
-      <pc:sldChg chg="add del">
-        <pc:chgData name="Kristofer Carta" userId="a949ead7c4bcd18f" providerId="LiveId" clId="{93888A2B-6F63-458A-BB21-CE9C4CE85A48}" dt="2017-08-23T20:25:47.223" v="4104" actId="2696"/>
-        <pc:sldMkLst>
-          <pc:docMk/>
-          <pc:sldMk cId="204604232" sldId="327"/>
-        </pc:sldMkLst>
-      </pc:sldChg>
-      <pc:sldChg chg="modSp add ord">
-        <pc:chgData name="Kristofer Carta" userId="a949ead7c4bcd18f" providerId="LiveId" clId="{93888A2B-6F63-458A-BB21-CE9C4CE85A48}" dt="2017-08-23T20:31:38.932" v="4855" actId="20577"/>
-        <pc:sldMkLst>
-          <pc:docMk/>
-          <pc:sldMk cId="497099618" sldId="327"/>
-        </pc:sldMkLst>
-        <pc:spChg chg="mod">
-          <ac:chgData name="Kristofer Carta" userId="a949ead7c4bcd18f" providerId="LiveId" clId="{93888A2B-6F63-458A-BB21-CE9C4CE85A48}" dt="2017-08-23T20:28:06.687" v="4252" actId="20577"/>
-          <ac:spMkLst>
-            <pc:docMk/>
-            <pc:sldMk cId="497099618" sldId="327"/>
-            <ac:spMk id="2" creationId="{00000000-0000-0000-0000-000000000000}"/>
-          </ac:spMkLst>
-        </pc:spChg>
-        <pc:spChg chg="mod">
-          <ac:chgData name="Kristofer Carta" userId="a949ead7c4bcd18f" providerId="LiveId" clId="{93888A2B-6F63-458A-BB21-CE9C4CE85A48}" dt="2017-08-23T20:31:28.547" v="4854" actId="20577"/>
-          <ac:spMkLst>
-            <pc:docMk/>
-            <pc:sldMk cId="497099618" sldId="327"/>
-            <ac:spMk id="3" creationId="{00000000-0000-0000-0000-000000000000}"/>
-          </ac:spMkLst>
-        </pc:spChg>
-      </pc:sldChg>
-      <pc:sldChg chg="del">
-        <pc:chgData name="Kristofer Carta" userId="a949ead7c4bcd18f" providerId="LiveId" clId="{93888A2B-6F63-458A-BB21-CE9C4CE85A48}" dt="2017-08-23T17:37:39.138" v="411" actId="2696"/>
-        <pc:sldMkLst>
-          <pc:docMk/>
-          <pc:sldMk cId="727536863" sldId="327"/>
-        </pc:sldMkLst>
-      </pc:sldChg>
-      <pc:sldChg chg="del">
-        <pc:chgData name="Kristofer Carta" userId="a949ead7c4bcd18f" providerId="LiveId" clId="{93888A2B-6F63-458A-BB21-CE9C4CE85A48}" dt="2017-08-23T17:37:32.667" v="389" actId="2696"/>
-        <pc:sldMkLst>
-          <pc:docMk/>
-          <pc:sldMk cId="2002747593" sldId="328"/>
-        </pc:sldMkLst>
-      </pc:sldChg>
-      <pc:sldChg chg="modSp add">
-        <pc:chgData name="Kristofer Carta" userId="a949ead7c4bcd18f" providerId="LiveId" clId="{93888A2B-6F63-458A-BB21-CE9C4CE85A48}" dt="2017-08-23T20:34:04.555" v="5220" actId="20577"/>
-        <pc:sldMkLst>
-          <pc:docMk/>
-          <pc:sldMk cId="4256727003" sldId="328"/>
-        </pc:sldMkLst>
-        <pc:spChg chg="mod">
-          <ac:chgData name="Kristofer Carta" userId="a949ead7c4bcd18f" providerId="LiveId" clId="{93888A2B-6F63-458A-BB21-CE9C4CE85A48}" dt="2017-08-23T20:34:04.555" v="5220" actId="20577"/>
-          <ac:spMkLst>
-            <pc:docMk/>
-            <pc:sldMk cId="4256727003" sldId="328"/>
-            <ac:spMk id="3" creationId="{00000000-0000-0000-0000-000000000000}"/>
-          </ac:spMkLst>
-        </pc:spChg>
-      </pc:sldChg>
-      <pc:sldChg chg="del">
-        <pc:chgData name="Kristofer Carta" userId="a949ead7c4bcd18f" providerId="LiveId" clId="{93888A2B-6F63-458A-BB21-CE9C4CE85A48}" dt="2017-08-23T17:37:32.635" v="377" actId="2696"/>
-        <pc:sldMkLst>
-          <pc:docMk/>
-          <pc:sldMk cId="443018284" sldId="329"/>
-        </pc:sldMkLst>
-      </pc:sldChg>
-      <pc:sldChg chg="addSp delSp add del setBg delDesignElem">
-        <pc:chgData name="Kristofer Carta" userId="a949ead7c4bcd18f" providerId="LiveId" clId="{93888A2B-6F63-458A-BB21-CE9C4CE85A48}" dt="2017-08-23T20:35:34.489" v="5224" actId="20577"/>
-        <pc:sldMkLst>
-          <pc:docMk/>
-          <pc:sldMk cId="3110958223" sldId="329"/>
-        </pc:sldMkLst>
-        <pc:spChg chg="add del">
-          <ac:chgData name="Kristofer Carta" userId="a949ead7c4bcd18f" providerId="LiveId" clId="{93888A2B-6F63-458A-BB21-CE9C4CE85A48}" dt="2017-08-23T20:35:34.489" v="5224" actId="20577"/>
-          <ac:spMkLst>
-            <pc:docMk/>
-            <pc:sldMk cId="3110958223" sldId="329"/>
-            <ac:spMk id="11" creationId="{00000000-0000-0000-0000-000000000000}"/>
-          </ac:spMkLst>
-        </pc:spChg>
-        <pc:spChg chg="add del">
-          <ac:chgData name="Kristofer Carta" userId="a949ead7c4bcd18f" providerId="LiveId" clId="{93888A2B-6F63-458A-BB21-CE9C4CE85A48}" dt="2017-08-23T20:35:34.489" v="5224" actId="20577"/>
-          <ac:spMkLst>
-            <pc:docMk/>
-            <pc:sldMk cId="3110958223" sldId="329"/>
-            <ac:spMk id="13" creationId="{00000000-0000-0000-0000-000000000000}"/>
-          </ac:spMkLst>
-        </pc:spChg>
-        <pc:spChg chg="add del">
-          <ac:chgData name="Kristofer Carta" userId="a949ead7c4bcd18f" providerId="LiveId" clId="{93888A2B-6F63-458A-BB21-CE9C4CE85A48}" dt="2017-08-23T20:35:34.489" v="5224" actId="20577"/>
-          <ac:spMkLst>
-            <pc:docMk/>
-            <pc:sldMk cId="3110958223" sldId="329"/>
-            <ac:spMk id="15" creationId="{00000000-0000-0000-0000-000000000000}"/>
-          </ac:spMkLst>
-        </pc:spChg>
-        <pc:spChg chg="add del">
-          <ac:chgData name="Kristofer Carta" userId="a949ead7c4bcd18f" providerId="LiveId" clId="{93888A2B-6F63-458A-BB21-CE9C4CE85A48}" dt="2017-08-23T20:35:34.489" v="5224" actId="20577"/>
-          <ac:spMkLst>
-            <pc:docMk/>
-            <pc:sldMk cId="3110958223" sldId="329"/>
-            <ac:spMk id="17" creationId="{00000000-0000-0000-0000-000000000000}"/>
-          </ac:spMkLst>
-        </pc:spChg>
-      </pc:sldChg>
-      <pc:sldChg chg="addSp delSp add del setBg delDesignElem">
-        <pc:chgData name="Kristofer Carta" userId="a949ead7c4bcd18f" providerId="LiveId" clId="{93888A2B-6F63-458A-BB21-CE9C4CE85A48}" dt="2017-08-23T20:35:42.092" v="5227" actId="20577"/>
-        <pc:sldMkLst>
-          <pc:docMk/>
-          <pc:sldMk cId="3368960551" sldId="329"/>
-        </pc:sldMkLst>
-        <pc:spChg chg="add del">
-          <ac:chgData name="Kristofer Carta" userId="a949ead7c4bcd18f" providerId="LiveId" clId="{93888A2B-6F63-458A-BB21-CE9C4CE85A48}" dt="2017-08-23T20:35:42.092" v="5227" actId="20577"/>
-          <ac:spMkLst>
-            <pc:docMk/>
-            <pc:sldMk cId="3368960551" sldId="329"/>
-            <ac:spMk id="11" creationId="{00000000-0000-0000-0000-000000000000}"/>
-          </ac:spMkLst>
-        </pc:spChg>
-        <pc:spChg chg="add del">
-          <ac:chgData name="Kristofer Carta" userId="a949ead7c4bcd18f" providerId="LiveId" clId="{93888A2B-6F63-458A-BB21-CE9C4CE85A48}" dt="2017-08-23T20:35:42.092" v="5227" actId="20577"/>
-          <ac:spMkLst>
-            <pc:docMk/>
-            <pc:sldMk cId="3368960551" sldId="329"/>
-            <ac:spMk id="13" creationId="{00000000-0000-0000-0000-000000000000}"/>
-          </ac:spMkLst>
-        </pc:spChg>
-        <pc:spChg chg="add del">
-          <ac:chgData name="Kristofer Carta" userId="a949ead7c4bcd18f" providerId="LiveId" clId="{93888A2B-6F63-458A-BB21-CE9C4CE85A48}" dt="2017-08-23T20:35:42.092" v="5227" actId="20577"/>
-          <ac:spMkLst>
-            <pc:docMk/>
-            <pc:sldMk cId="3368960551" sldId="329"/>
-            <ac:spMk id="15" creationId="{00000000-0000-0000-0000-000000000000}"/>
-          </ac:spMkLst>
-        </pc:spChg>
-        <pc:spChg chg="add del">
-          <ac:chgData name="Kristofer Carta" userId="a949ead7c4bcd18f" providerId="LiveId" clId="{93888A2B-6F63-458A-BB21-CE9C4CE85A48}" dt="2017-08-23T20:35:42.092" v="5227" actId="20577"/>
-          <ac:spMkLst>
-            <pc:docMk/>
-            <pc:sldMk cId="3368960551" sldId="329"/>
-            <ac:spMk id="17" creationId="{00000000-0000-0000-0000-000000000000}"/>
-          </ac:spMkLst>
-        </pc:spChg>
-      </pc:sldChg>
-      <pc:sldChg chg="modSp add ord">
-        <pc:chgData name="Kristofer Carta" userId="a949ead7c4bcd18f" providerId="LiveId" clId="{93888A2B-6F63-458A-BB21-CE9C4CE85A48}" dt="2017-08-23T20:55:58.313" v="5404" actId="20577"/>
-        <pc:sldMkLst>
-          <pc:docMk/>
-          <pc:sldMk cId="3874696944" sldId="329"/>
-        </pc:sldMkLst>
-        <pc:spChg chg="mod">
-          <ac:chgData name="Kristofer Carta" userId="a949ead7c4bcd18f" providerId="LiveId" clId="{93888A2B-6F63-458A-BB21-CE9C4CE85A48}" dt="2017-08-23T20:55:58.313" v="5404" actId="20577"/>
-          <ac:spMkLst>
-            <pc:docMk/>
-            <pc:sldMk cId="3874696944" sldId="329"/>
-            <ac:spMk id="2" creationId="{00000000-0000-0000-0000-000000000000}"/>
-          </ac:spMkLst>
-        </pc:spChg>
-      </pc:sldChg>
-      <pc:sldChg chg="del">
-        <pc:chgData name="Kristofer Carta" userId="a949ead7c4bcd18f" providerId="LiveId" clId="{93888A2B-6F63-458A-BB21-CE9C4CE85A48}" dt="2017-08-23T17:37:32.635" v="378" actId="2696"/>
-        <pc:sldMkLst>
-          <pc:docMk/>
-          <pc:sldMk cId="142365089" sldId="330"/>
-        </pc:sldMkLst>
-      </pc:sldChg>
-      <pc:sldChg chg="modSp add ord">
-        <pc:chgData name="Kristofer Carta" userId="a949ead7c4bcd18f" providerId="LiveId" clId="{93888A2B-6F63-458A-BB21-CE9C4CE85A48}" dt="2017-08-23T20:56:41.859" v="5448" actId="20577"/>
-        <pc:sldMkLst>
-          <pc:docMk/>
-          <pc:sldMk cId="1287956474" sldId="330"/>
-        </pc:sldMkLst>
-        <pc:spChg chg="mod">
-          <ac:chgData name="Kristofer Carta" userId="a949ead7c4bcd18f" providerId="LiveId" clId="{93888A2B-6F63-458A-BB21-CE9C4CE85A48}" dt="2017-08-23T20:56:41.859" v="5448" actId="20577"/>
-          <ac:spMkLst>
-            <pc:docMk/>
-            <pc:sldMk cId="1287956474" sldId="330"/>
-            <ac:spMk id="2" creationId="{00000000-0000-0000-0000-000000000000}"/>
-          </ac:spMkLst>
-        </pc:spChg>
-      </pc:sldChg>
-      <pc:sldChg chg="add del">
-        <pc:chgData name="Kristofer Carta" userId="a949ead7c4bcd18f" providerId="LiveId" clId="{93888A2B-6F63-458A-BB21-CE9C4CE85A48}" dt="2017-08-23T20:41:28.818" v="5248" actId="2696"/>
-        <pc:sldMkLst>
-          <pc:docMk/>
-          <pc:sldMk cId="2926253838" sldId="330"/>
-        </pc:sldMkLst>
-      </pc:sldChg>
-      <pc:sldChg chg="modSp add">
-        <pc:chgData name="Kristofer Carta" userId="a949ead7c4bcd18f" providerId="LiveId" clId="{93888A2B-6F63-458A-BB21-CE9C4CE85A48}" dt="2017-08-23T21:10:31.221" v="6499" actId="20577"/>
-        <pc:sldMkLst>
-          <pc:docMk/>
-          <pc:sldMk cId="1555797324" sldId="331"/>
-        </pc:sldMkLst>
-        <pc:spChg chg="mod">
-          <ac:chgData name="Kristofer Carta" userId="a949ead7c4bcd18f" providerId="LiveId" clId="{93888A2B-6F63-458A-BB21-CE9C4CE85A48}" dt="2017-08-23T21:10:31.221" v="6499" actId="20577"/>
-          <ac:spMkLst>
-            <pc:docMk/>
-            <pc:sldMk cId="1555797324" sldId="331"/>
-            <ac:spMk id="2" creationId="{00000000-0000-0000-0000-000000000000}"/>
-          </ac:spMkLst>
-        </pc:spChg>
-        <pc:spChg chg="mod">
-          <ac:chgData name="Kristofer Carta" userId="a949ead7c4bcd18f" providerId="LiveId" clId="{93888A2B-6F63-458A-BB21-CE9C4CE85A48}" dt="2017-08-23T21:10:16.618" v="6465" actId="20577"/>
-          <ac:spMkLst>
-            <pc:docMk/>
-            <pc:sldMk cId="1555797324" sldId="331"/>
-            <ac:spMk id="3" creationId="{00000000-0000-0000-0000-000000000000}"/>
-          </ac:spMkLst>
-        </pc:spChg>
-      </pc:sldChg>
-      <pc:sldChg chg="modSp add ord">
-        <pc:chgData name="Kristofer Carta" userId="a949ead7c4bcd18f" providerId="LiveId" clId="{93888A2B-6F63-458A-BB21-CE9C4CE85A48}" dt="2017-08-23T21:03:56.680" v="5935" actId="20577"/>
-        <pc:sldMkLst>
-          <pc:docMk/>
-          <pc:sldMk cId="630278260" sldId="332"/>
-        </pc:sldMkLst>
-        <pc:spChg chg="mod">
-          <ac:chgData name="Kristofer Carta" userId="a949ead7c4bcd18f" providerId="LiveId" clId="{93888A2B-6F63-458A-BB21-CE9C4CE85A48}" dt="2017-08-23T21:02:31.160" v="5697" actId="20577"/>
-          <ac:spMkLst>
-            <pc:docMk/>
-            <pc:sldMk cId="630278260" sldId="332"/>
-            <ac:spMk id="2" creationId="{00000000-0000-0000-0000-000000000000}"/>
-          </ac:spMkLst>
-        </pc:spChg>
-        <pc:spChg chg="mod">
-          <ac:chgData name="Kristofer Carta" userId="a949ead7c4bcd18f" providerId="LiveId" clId="{93888A2B-6F63-458A-BB21-CE9C4CE85A48}" dt="2017-08-23T21:03:56.680" v="5935" actId="20577"/>
-          <ac:spMkLst>
-            <pc:docMk/>
-            <pc:sldMk cId="630278260" sldId="332"/>
-            <ac:spMk id="3" creationId="{00000000-0000-0000-0000-000000000000}"/>
-          </ac:spMkLst>
-        </pc:spChg>
-      </pc:sldChg>
-      <pc:sldChg chg="modSp add ord">
-        <pc:chgData name="Kristofer Carta" userId="a949ead7c4bcd18f" providerId="LiveId" clId="{93888A2B-6F63-458A-BB21-CE9C4CE85A48}" dt="2017-08-23T21:11:28.921" v="6506" actId="20577"/>
-        <pc:sldMkLst>
-          <pc:docMk/>
-          <pc:sldMk cId="2424243048" sldId="333"/>
-        </pc:sldMkLst>
-        <pc:spChg chg="mod">
-          <ac:chgData name="Kristofer Carta" userId="a949ead7c4bcd18f" providerId="LiveId" clId="{93888A2B-6F63-458A-BB21-CE9C4CE85A48}" dt="2017-08-23T21:11:28.921" v="6506" actId="20577"/>
-          <ac:spMkLst>
-            <pc:docMk/>
-            <pc:sldMk cId="2424243048" sldId="333"/>
-            <ac:spMk id="2" creationId="{00000000-0000-0000-0000-000000000000}"/>
-          </ac:spMkLst>
-        </pc:spChg>
-      </pc:sldChg>
-      <pc:sldChg chg="modSp add del">
-        <pc:chgData name="Kristofer Carta" userId="a949ead7c4bcd18f" providerId="LiveId" clId="{93888A2B-6F63-458A-BB21-CE9C4CE85A48}" dt="2017-08-24T10:10:40.610" v="9878" actId="2696"/>
-        <pc:sldMkLst>
-          <pc:docMk/>
-          <pc:sldMk cId="1085793466" sldId="334"/>
-        </pc:sldMkLst>
-        <pc:spChg chg="mod">
-          <ac:chgData name="Kristofer Carta" userId="a949ead7c4bcd18f" providerId="LiveId" clId="{93888A2B-6F63-458A-BB21-CE9C4CE85A48}" dt="2017-08-23T21:11:48.335" v="6522" actId="20577"/>
-          <ac:spMkLst>
-            <pc:docMk/>
-            <pc:sldMk cId="1085793466" sldId="334"/>
-            <ac:spMk id="2" creationId="{00000000-0000-0000-0000-000000000000}"/>
-          </ac:spMkLst>
-        </pc:spChg>
-      </pc:sldChg>
-      <pc:sldChg chg="modSp add ord">
-        <pc:chgData name="Kristofer Carta" userId="a949ead7c4bcd18f" providerId="LiveId" clId="{93888A2B-6F63-458A-BB21-CE9C4CE85A48}" dt="2017-08-23T21:17:46.390" v="6894" actId="20577"/>
-        <pc:sldMkLst>
-          <pc:docMk/>
-          <pc:sldMk cId="1070794913" sldId="335"/>
-        </pc:sldMkLst>
-        <pc:spChg chg="mod">
-          <ac:chgData name="Kristofer Carta" userId="a949ead7c4bcd18f" providerId="LiveId" clId="{93888A2B-6F63-458A-BB21-CE9C4CE85A48}" dt="2017-08-23T21:17:46.390" v="6894" actId="20577"/>
-          <ac:spMkLst>
-            <pc:docMk/>
-            <pc:sldMk cId="1070794913" sldId="335"/>
-            <ac:spMk id="2" creationId="{00000000-0000-0000-0000-000000000000}"/>
-          </ac:spMkLst>
-        </pc:spChg>
-      </pc:sldChg>
-      <pc:sldChg chg="addSp modSp add modAnim">
-        <pc:chgData name="Kristofer Carta" userId="a949ead7c4bcd18f" providerId="LiveId" clId="{93888A2B-6F63-458A-BB21-CE9C4CE85A48}" dt="2017-08-23T21:17:12.735" v="6876" actId="14100"/>
-        <pc:sldMkLst>
-          <pc:docMk/>
-          <pc:sldMk cId="2708759021" sldId="336"/>
-        </pc:sldMkLst>
-        <pc:spChg chg="mod">
-          <ac:chgData name="Kristofer Carta" userId="a949ead7c4bcd18f" providerId="LiveId" clId="{93888A2B-6F63-458A-BB21-CE9C4CE85A48}" dt="2017-08-23T21:13:06.638" v="6548" actId="20577"/>
-          <ac:spMkLst>
-            <pc:docMk/>
-            <pc:sldMk cId="2708759021" sldId="336"/>
-            <ac:spMk id="2" creationId="{00000000-0000-0000-0000-000000000000}"/>
-          </ac:spMkLst>
-        </pc:spChg>
-        <pc:spChg chg="mod">
-          <ac:chgData name="Kristofer Carta" userId="a949ead7c4bcd18f" providerId="LiveId" clId="{93888A2B-6F63-458A-BB21-CE9C4CE85A48}" dt="2017-08-23T21:17:12.735" v="6876" actId="14100"/>
-          <ac:spMkLst>
-            <pc:docMk/>
-            <pc:sldMk cId="2708759021" sldId="336"/>
-            <ac:spMk id="3" creationId="{00000000-0000-0000-0000-000000000000}"/>
-          </ac:spMkLst>
-        </pc:spChg>
-        <pc:picChg chg="add mod">
-          <ac:chgData name="Kristofer Carta" userId="a949ead7c4bcd18f" providerId="LiveId" clId="{93888A2B-6F63-458A-BB21-CE9C4CE85A48}" dt="2017-08-23T21:14:40.823" v="6555" actId="14100"/>
-          <ac:picMkLst>
-            <pc:docMk/>
-            <pc:sldMk cId="2708759021" sldId="336"/>
-            <ac:picMk id="4" creationId="{C2832AE4-A70D-47D4-B1BB-B8AF9D89B1F3}"/>
-          </ac:picMkLst>
-        </pc:picChg>
-      </pc:sldChg>
-      <pc:sldChg chg="delSp add del">
-        <pc:chgData name="Kristofer Carta" userId="a949ead7c4bcd18f" providerId="LiveId" clId="{93888A2B-6F63-458A-BB21-CE9C4CE85A48}" dt="2017-08-23T21:17:35.541" v="6877" actId="2696"/>
-        <pc:sldMkLst>
-          <pc:docMk/>
-          <pc:sldMk cId="1032842593" sldId="337"/>
-        </pc:sldMkLst>
-        <pc:spChg chg="del">
-          <ac:chgData name="Kristofer Carta" userId="a949ead7c4bcd18f" providerId="LiveId" clId="{93888A2B-6F63-458A-BB21-CE9C4CE85A48}" dt="2017-08-23T21:13:55.469" v="6550" actId="478"/>
-          <ac:spMkLst>
-            <pc:docMk/>
-            <pc:sldMk cId="1032842593" sldId="337"/>
-            <ac:spMk id="2" creationId="{2537FF9B-037C-4137-BCEE-C2D62235ACFD}"/>
-          </ac:spMkLst>
-        </pc:spChg>
-        <pc:spChg chg="del">
-          <ac:chgData name="Kristofer Carta" userId="a949ead7c4bcd18f" providerId="LiveId" clId="{93888A2B-6F63-458A-BB21-CE9C4CE85A48}" dt="2017-08-23T21:13:55.469" v="6550" actId="478"/>
-          <ac:spMkLst>
-            <pc:docMk/>
-            <pc:sldMk cId="1032842593" sldId="337"/>
-            <ac:spMk id="3" creationId="{F6243D84-AF2F-4E83-A5AD-5A0EC33F2A96}"/>
-          </ac:spMkLst>
-        </pc:spChg>
-      </pc:sldChg>
-      <pc:sldChg chg="modSp add">
-        <pc:chgData name="Kristofer Carta" userId="a949ead7c4bcd18f" providerId="LiveId" clId="{93888A2B-6F63-458A-BB21-CE9C4CE85A48}" dt="2017-08-23T21:54:41.639" v="7921" actId="20577"/>
-        <pc:sldMkLst>
-          <pc:docMk/>
-          <pc:sldMk cId="3470279297" sldId="337"/>
-        </pc:sldMkLst>
-        <pc:spChg chg="mod">
-          <ac:chgData name="Kristofer Carta" userId="a949ead7c4bcd18f" providerId="LiveId" clId="{93888A2B-6F63-458A-BB21-CE9C4CE85A48}" dt="2017-08-23T21:47:56.753" v="6941" actId="20577"/>
-          <ac:spMkLst>
-            <pc:docMk/>
-            <pc:sldMk cId="3470279297" sldId="337"/>
-            <ac:spMk id="2" creationId="{00000000-0000-0000-0000-000000000000}"/>
-          </ac:spMkLst>
-        </pc:spChg>
-        <pc:spChg chg="mod">
-          <ac:chgData name="Kristofer Carta" userId="a949ead7c4bcd18f" providerId="LiveId" clId="{93888A2B-6F63-458A-BB21-CE9C4CE85A48}" dt="2017-08-23T21:54:41.639" v="7921" actId="20577"/>
-          <ac:spMkLst>
-            <pc:docMk/>
-            <pc:sldMk cId="3470279297" sldId="337"/>
-            <ac:spMk id="3" creationId="{00000000-0000-0000-0000-000000000000}"/>
-          </ac:spMkLst>
-        </pc:spChg>
-      </pc:sldChg>
-      <pc:sldChg chg="modSp add del">
-        <pc:chgData name="Kristofer Carta" userId="a949ead7c4bcd18f" providerId="LiveId" clId="{93888A2B-6F63-458A-BB21-CE9C4CE85A48}" dt="2017-08-23T21:55:30.540" v="7933" actId="2696"/>
-        <pc:sldMkLst>
-          <pc:docMk/>
-          <pc:sldMk cId="4082170344" sldId="338"/>
-        </pc:sldMkLst>
-        <pc:spChg chg="mod">
-          <ac:chgData name="Kristofer Carta" userId="a949ead7c4bcd18f" providerId="LiveId" clId="{93888A2B-6F63-458A-BB21-CE9C4CE85A48}" dt="2017-08-23T21:55:09.515" v="7931" actId="20577"/>
-          <ac:spMkLst>
-            <pc:docMk/>
-            <pc:sldMk cId="4082170344" sldId="338"/>
-            <ac:spMk id="2" creationId="{00000000-0000-0000-0000-000000000000}"/>
-          </ac:spMkLst>
-        </pc:spChg>
-      </pc:sldChg>
-      <pc:sldChg chg="modSp add">
-        <pc:chgData name="Kristofer Carta" userId="a949ead7c4bcd18f" providerId="LiveId" clId="{93888A2B-6F63-458A-BB21-CE9C4CE85A48}" dt="2017-08-23T22:05:27.495" v="8535" actId="2711"/>
-        <pc:sldMkLst>
-          <pc:docMk/>
-          <pc:sldMk cId="2302659806" sldId="339"/>
-        </pc:sldMkLst>
-        <pc:spChg chg="mod">
-          <ac:chgData name="Kristofer Carta" userId="a949ead7c4bcd18f" providerId="LiveId" clId="{93888A2B-6F63-458A-BB21-CE9C4CE85A48}" dt="2017-08-23T21:55:43.515" v="7951" actId="20577"/>
-          <ac:spMkLst>
-            <pc:docMk/>
-            <pc:sldMk cId="2302659806" sldId="339"/>
-            <ac:spMk id="2" creationId="{00000000-0000-0000-0000-000000000000}"/>
-          </ac:spMkLst>
-        </pc:spChg>
-        <pc:spChg chg="mod">
-          <ac:chgData name="Kristofer Carta" userId="a949ead7c4bcd18f" providerId="LiveId" clId="{93888A2B-6F63-458A-BB21-CE9C4CE85A48}" dt="2017-08-23T22:05:27.495" v="8535" actId="2711"/>
-          <ac:spMkLst>
-            <pc:docMk/>
-            <pc:sldMk cId="2302659806" sldId="339"/>
-            <ac:spMk id="3" creationId="{00000000-0000-0000-0000-000000000000}"/>
-          </ac:spMkLst>
-        </pc:spChg>
-      </pc:sldChg>
-      <pc:sldChg chg="modSp add">
-        <pc:chgData name="Kristofer Carta" userId="a949ead7c4bcd18f" providerId="LiveId" clId="{93888A2B-6F63-458A-BB21-CE9C4CE85A48}" dt="2017-08-23T22:09:25.664" v="8741" actId="20577"/>
-        <pc:sldMkLst>
-          <pc:docMk/>
-          <pc:sldMk cId="626146546" sldId="340"/>
-        </pc:sldMkLst>
-        <pc:spChg chg="mod">
-          <ac:chgData name="Kristofer Carta" userId="a949ead7c4bcd18f" providerId="LiveId" clId="{93888A2B-6F63-458A-BB21-CE9C4CE85A48}" dt="2017-08-23T22:01:28.657" v="8319" actId="20577"/>
-          <ac:spMkLst>
-            <pc:docMk/>
-            <pc:sldMk cId="626146546" sldId="340"/>
-            <ac:spMk id="2" creationId="{00000000-0000-0000-0000-000000000000}"/>
-          </ac:spMkLst>
-        </pc:spChg>
-        <pc:spChg chg="mod">
-          <ac:chgData name="Kristofer Carta" userId="a949ead7c4bcd18f" providerId="LiveId" clId="{93888A2B-6F63-458A-BB21-CE9C4CE85A48}" dt="2017-08-23T22:09:25.664" v="8741" actId="20577"/>
-          <ac:spMkLst>
-            <pc:docMk/>
-            <pc:sldMk cId="626146546" sldId="340"/>
-            <ac:spMk id="3" creationId="{00000000-0000-0000-0000-000000000000}"/>
-          </ac:spMkLst>
-        </pc:spChg>
-      </pc:sldChg>
-      <pc:sldChg chg="modSp add">
-        <pc:chgData name="Kristofer Carta" userId="a949ead7c4bcd18f" providerId="LiveId" clId="{93888A2B-6F63-458A-BB21-CE9C4CE85A48}" dt="2017-08-23T22:20:18.315" v="9302" actId="20577"/>
-        <pc:sldMkLst>
-          <pc:docMk/>
-          <pc:sldMk cId="403702013" sldId="341"/>
-        </pc:sldMkLst>
-        <pc:spChg chg="mod">
-          <ac:chgData name="Kristofer Carta" userId="a949ead7c4bcd18f" providerId="LiveId" clId="{93888A2B-6F63-458A-BB21-CE9C4CE85A48}" dt="2017-08-23T22:09:42.207" v="8751" actId="20577"/>
-          <ac:spMkLst>
-            <pc:docMk/>
-            <pc:sldMk cId="403702013" sldId="341"/>
-            <ac:spMk id="2" creationId="{00000000-0000-0000-0000-000000000000}"/>
-          </ac:spMkLst>
-        </pc:spChg>
-        <pc:spChg chg="mod">
-          <ac:chgData name="Kristofer Carta" userId="a949ead7c4bcd18f" providerId="LiveId" clId="{93888A2B-6F63-458A-BB21-CE9C4CE85A48}" dt="2017-08-23T22:20:18.315" v="9302" actId="20577"/>
-          <ac:spMkLst>
-            <pc:docMk/>
-            <pc:sldMk cId="403702013" sldId="341"/>
-            <ac:spMk id="3" creationId="{00000000-0000-0000-0000-000000000000}"/>
-          </ac:spMkLst>
-        </pc:spChg>
-      </pc:sldChg>
-      <pc:sldChg chg="modSp add">
-        <pc:chgData name="Kristofer Carta" userId="a949ead7c4bcd18f" providerId="LiveId" clId="{93888A2B-6F63-458A-BB21-CE9C4CE85A48}" dt="2017-08-24T09:59:29.977" v="9590" actId="20577"/>
-        <pc:sldMkLst>
-          <pc:docMk/>
-          <pc:sldMk cId="1221464796" sldId="342"/>
-        </pc:sldMkLst>
-        <pc:spChg chg="mod">
-          <ac:chgData name="Kristofer Carta" userId="a949ead7c4bcd18f" providerId="LiveId" clId="{93888A2B-6F63-458A-BB21-CE9C4CE85A48}" dt="2017-08-24T09:59:29.977" v="9590" actId="20577"/>
-          <ac:spMkLst>
-            <pc:docMk/>
-            <pc:sldMk cId="1221464796" sldId="342"/>
-            <ac:spMk id="3" creationId="{E0FB1EA4-FD9D-4CF6-B17B-8F663C6C20F2}"/>
-          </ac:spMkLst>
-        </pc:spChg>
-      </pc:sldChg>
-      <pc:sldChg chg="modSp add">
-        <pc:chgData name="Kristofer Carta" userId="a949ead7c4bcd18f" providerId="LiveId" clId="{93888A2B-6F63-458A-BB21-CE9C4CE85A48}" dt="2017-08-24T10:00:49.665" v="9643" actId="2711"/>
-        <pc:sldMkLst>
-          <pc:docMk/>
-          <pc:sldMk cId="1829302010" sldId="343"/>
-        </pc:sldMkLst>
-        <pc:spChg chg="mod">
-          <ac:chgData name="Kristofer Carta" userId="a949ead7c4bcd18f" providerId="LiveId" clId="{93888A2B-6F63-458A-BB21-CE9C4CE85A48}" dt="2017-08-24T10:00:49.665" v="9643" actId="2711"/>
-          <ac:spMkLst>
-            <pc:docMk/>
-            <pc:sldMk cId="1829302010" sldId="343"/>
-            <ac:spMk id="3" creationId="{8DF7DAA4-D856-4C8D-812E-EA52E328D9CE}"/>
-          </ac:spMkLst>
-        </pc:spChg>
-      </pc:sldChg>
-      <pc:sldChg chg="modSp add">
-        <pc:chgData name="Kristofer Carta" userId="a949ead7c4bcd18f" providerId="LiveId" clId="{93888A2B-6F63-458A-BB21-CE9C4CE85A48}" dt="2017-08-24T10:01:46.820" v="9696" actId="113"/>
-        <pc:sldMkLst>
-          <pc:docMk/>
-          <pc:sldMk cId="293919274" sldId="344"/>
-        </pc:sldMkLst>
-        <pc:spChg chg="mod">
-          <ac:chgData name="Kristofer Carta" userId="a949ead7c4bcd18f" providerId="LiveId" clId="{93888A2B-6F63-458A-BB21-CE9C4CE85A48}" dt="2017-08-24T10:01:46.820" v="9696" actId="113"/>
-          <ac:spMkLst>
-            <pc:docMk/>
-            <pc:sldMk cId="293919274" sldId="344"/>
-            <ac:spMk id="3" creationId="{DDA7FC82-2E55-4D5B-A184-B6DB976401D1}"/>
-          </ac:spMkLst>
-        </pc:spChg>
-      </pc:sldChg>
-      <pc:sldChg chg="modSp add">
-        <pc:chgData name="Kristofer Carta" userId="a949ead7c4bcd18f" providerId="LiveId" clId="{93888A2B-6F63-458A-BB21-CE9C4CE85A48}" dt="2017-08-24T10:02:48.931" v="9814" actId="113"/>
-        <pc:sldMkLst>
-          <pc:docMk/>
-          <pc:sldMk cId="2281961699" sldId="345"/>
-        </pc:sldMkLst>
-        <pc:spChg chg="mod">
-          <ac:chgData name="Kristofer Carta" userId="a949ead7c4bcd18f" providerId="LiveId" clId="{93888A2B-6F63-458A-BB21-CE9C4CE85A48}" dt="2017-08-24T10:02:48.931" v="9814" actId="113"/>
-          <ac:spMkLst>
-            <pc:docMk/>
-            <pc:sldMk cId="2281961699" sldId="345"/>
-            <ac:spMk id="3" creationId="{1365B191-106F-4751-82E6-5CAB1B02DE18}"/>
-          </ac:spMkLst>
-        </pc:spChg>
-      </pc:sldChg>
-      <pc:sldChg chg="modSp add">
-        <pc:chgData name="Kristofer Carta" userId="a949ead7c4bcd18f" providerId="LiveId" clId="{93888A2B-6F63-458A-BB21-CE9C4CE85A48}" dt="2017-08-24T10:07:34.002" v="9866" actId="20577"/>
-        <pc:sldMkLst>
-          <pc:docMk/>
-          <pc:sldMk cId="171839120" sldId="346"/>
-        </pc:sldMkLst>
-        <pc:spChg chg="mod">
-          <ac:chgData name="Kristofer Carta" userId="a949ead7c4bcd18f" providerId="LiveId" clId="{93888A2B-6F63-458A-BB21-CE9C4CE85A48}" dt="2017-08-24T10:07:34.002" v="9866" actId="20577"/>
-          <ac:spMkLst>
-            <pc:docMk/>
-            <pc:sldMk cId="171839120" sldId="346"/>
-            <ac:spMk id="3" creationId="{307FDE91-7965-464C-8454-FD962DF3A217}"/>
-          </ac:spMkLst>
-        </pc:spChg>
-      </pc:sldChg>
-      <pc:sldChg chg="modSp add">
-        <pc:chgData name="Kristofer Carta" userId="a949ead7c4bcd18f" providerId="LiveId" clId="{93888A2B-6F63-458A-BB21-CE9C4CE85A48}" dt="2017-08-24T10:09:13.925" v="9877" actId="20577"/>
-        <pc:sldMkLst>
-          <pc:docMk/>
-          <pc:sldMk cId="160374749" sldId="347"/>
-        </pc:sldMkLst>
-        <pc:spChg chg="mod">
-          <ac:chgData name="Kristofer Carta" userId="a949ead7c4bcd18f" providerId="LiveId" clId="{93888A2B-6F63-458A-BB21-CE9C4CE85A48}" dt="2017-08-24T10:09:13.925" v="9877" actId="20577"/>
-          <ac:spMkLst>
-            <pc:docMk/>
-            <pc:sldMk cId="160374749" sldId="347"/>
-            <ac:spMk id="3" creationId="{5EE5CBF3-ADB2-4309-A9F0-BB3C6997C0A7}"/>
-          </ac:spMkLst>
-        </pc:spChg>
-      </pc:sldChg>
-      <pc:sldChg chg="add">
-        <pc:chgData name="Kristofer Carta" userId="a949ead7c4bcd18f" providerId="LiveId" clId="{93888A2B-6F63-458A-BB21-CE9C4CE85A48}" dt="2017-08-24T10:10:54.733" v="9879"/>
-        <pc:sldMkLst>
-          <pc:docMk/>
-          <pc:sldMk cId="593501888" sldId="348"/>
-        </pc:sldMkLst>
-      </pc:sldChg>
-    </pc:docChg>
-  </pc:docChgLst>
-  <pc:docChgLst>
-    <pc:chgData name="Kristofer Carta" userId="a949ead7c4bcd18f" providerId="LiveId" clId="{BDB12BE9-6248-4518-AD0A-7BEFF3A06A4A}"/>
-    <pc:docChg chg="undo redo custSel addSld delSld modSld sldOrd delMainMaster modSection">
-      <pc:chgData name="Kristofer Carta" userId="a949ead7c4bcd18f" providerId="LiveId" clId="{BDB12BE9-6248-4518-AD0A-7BEFF3A06A4A}" dt="2017-08-23T11:02:12.182" v="13528"/>
-      <pc:docMkLst>
-        <pc:docMk/>
-      </pc:docMkLst>
-      <pc:sldChg chg="modSp">
-        <pc:chgData name="Kristofer Carta" userId="a949ead7c4bcd18f" providerId="LiveId" clId="{BDB12BE9-6248-4518-AD0A-7BEFF3A06A4A}" dt="2017-08-22T21:56:48.300" v="2951" actId="20577"/>
-        <pc:sldMkLst>
-          <pc:docMk/>
-          <pc:sldMk cId="974364153" sldId="256"/>
-        </pc:sldMkLst>
-        <pc:spChg chg="mod">
-          <ac:chgData name="Kristofer Carta" userId="a949ead7c4bcd18f" providerId="LiveId" clId="{BDB12BE9-6248-4518-AD0A-7BEFF3A06A4A}" dt="2017-08-22T21:56:48.300" v="2951" actId="20577"/>
-          <ac:spMkLst>
-            <pc:docMk/>
-            <pc:sldMk cId="974364153" sldId="256"/>
-            <ac:spMk id="3" creationId="{BB7D2EFF-91D1-4FCE-84B8-A7286782BC3D}"/>
-          </ac:spMkLst>
-        </pc:spChg>
-      </pc:sldChg>
-      <pc:sldChg chg="modSp">
-        <pc:chgData name="Kristofer Carta" userId="a949ead7c4bcd18f" providerId="LiveId" clId="{BDB12BE9-6248-4518-AD0A-7BEFF3A06A4A}" dt="2017-08-23T09:34:44.502" v="13411" actId="6549"/>
-        <pc:sldMkLst>
-          <pc:docMk/>
-          <pc:sldMk cId="1531087304" sldId="257"/>
-        </pc:sldMkLst>
-        <pc:spChg chg="mod">
-          <ac:chgData name="Kristofer Carta" userId="a949ead7c4bcd18f" providerId="LiveId" clId="{BDB12BE9-6248-4518-AD0A-7BEFF3A06A4A}" dt="2017-08-23T09:34:44.502" v="13411" actId="6549"/>
-          <ac:spMkLst>
-            <pc:docMk/>
-            <pc:sldMk cId="1531087304" sldId="257"/>
-            <ac:spMk id="2" creationId="{CFF8F415-0289-42DD-8368-9F4A4D4037B6}"/>
-          </ac:spMkLst>
-        </pc:spChg>
-      </pc:sldChg>
-      <pc:sldChg chg="addSp delSp modSp delDesignElem">
-        <pc:chgData name="Kristofer Carta" userId="a949ead7c4bcd18f" providerId="LiveId" clId="{BDB12BE9-6248-4518-AD0A-7BEFF3A06A4A}" dt="2017-08-23T09:34:09.247" v="13376" actId="20577"/>
-        <pc:sldMkLst>
-          <pc:docMk/>
-          <pc:sldMk cId="3212783590" sldId="258"/>
-        </pc:sldMkLst>
-        <pc:spChg chg="mod">
-          <ac:chgData name="Kristofer Carta" userId="a949ead7c4bcd18f" providerId="LiveId" clId="{BDB12BE9-6248-4518-AD0A-7BEFF3A06A4A}" dt="2017-08-22T21:03:05.652" v="1230" actId="20577"/>
-          <ac:spMkLst>
-            <pc:docMk/>
-            <pc:sldMk cId="3212783590" sldId="258"/>
-            <ac:spMk id="3" creationId="{05F9B296-6FED-46D7-B938-C6029FE5AE22}"/>
-          </ac:spMkLst>
-        </pc:spChg>
-        <pc:spChg chg="add del">
-          <ac:chgData name="Kristofer Carta" userId="a949ead7c4bcd18f" providerId="LiveId" clId="{BDB12BE9-6248-4518-AD0A-7BEFF3A06A4A}" dt="2017-08-23T09:34:09.247" v="13376" actId="20577"/>
-          <ac:spMkLst>
-            <pc:docMk/>
-            <pc:sldMk cId="3212783590" sldId="258"/>
-            <ac:spMk id="12" creationId="{00000000-0000-0000-0000-000000000000}"/>
-          </ac:spMkLst>
-        </pc:spChg>
-      </pc:sldChg>
-      <pc:sldChg chg="del">
-        <pc:chgData name="Kristofer Carta" userId="a949ead7c4bcd18f" providerId="LiveId" clId="{BDB12BE9-6248-4518-AD0A-7BEFF3A06A4A}" dt="2017-08-22T18:19:44.761" v="129" actId="2696"/>
-        <pc:sldMkLst>
-          <pc:docMk/>
-          <pc:sldMk cId="1871955869" sldId="259"/>
-        </pc:sldMkLst>
-      </pc:sldChg>
-      <pc:sldChg chg="addSp delSp modSp delDesignElem">
-        <pc:chgData name="Kristofer Carta" userId="a949ead7c4bcd18f" providerId="LiveId" clId="{BDB12BE9-6248-4518-AD0A-7BEFF3A06A4A}" dt="2017-08-23T09:35:41.418" v="13527" actId="20577"/>
-        <pc:sldMkLst>
-          <pc:docMk/>
-          <pc:sldMk cId="3956988050" sldId="260"/>
-        </pc:sldMkLst>
-        <pc:spChg chg="mod">
-          <ac:chgData name="Kristofer Carta" userId="a949ead7c4bcd18f" providerId="LiveId" clId="{BDB12BE9-6248-4518-AD0A-7BEFF3A06A4A}" dt="2017-08-23T09:35:41.418" v="13527" actId="20577"/>
-          <ac:spMkLst>
-            <pc:docMk/>
-            <pc:sldMk cId="3956988050" sldId="260"/>
-            <ac:spMk id="3" creationId="{FFC353AD-FA04-47E2-BB20-54AD62996ABA}"/>
-          </ac:spMkLst>
-        </pc:spChg>
-        <pc:spChg chg="add del">
-          <ac:chgData name="Kristofer Carta" userId="a949ead7c4bcd18f" providerId="LiveId" clId="{BDB12BE9-6248-4518-AD0A-7BEFF3A06A4A}" dt="2017-08-23T09:34:09.247" v="13376" actId="20577"/>
-          <ac:spMkLst>
-            <pc:docMk/>
-            <pc:sldMk cId="3956988050" sldId="260"/>
-            <ac:spMk id="27" creationId="{00000000-0000-0000-0000-000000000000}"/>
-          </ac:spMkLst>
-        </pc:spChg>
-        <pc:spChg chg="add del">
-          <ac:chgData name="Kristofer Carta" userId="a949ead7c4bcd18f" providerId="LiveId" clId="{BDB12BE9-6248-4518-AD0A-7BEFF3A06A4A}" dt="2017-08-23T09:34:09.247" v="13376" actId="20577"/>
-          <ac:spMkLst>
-            <pc:docMk/>
-            <pc:sldMk cId="3956988050" sldId="260"/>
-            <ac:spMk id="28" creationId="{00000000-0000-0000-0000-000000000000}"/>
-          </ac:spMkLst>
-        </pc:spChg>
-      </pc:sldChg>
-      <pc:sldChg chg="del">
-        <pc:chgData name="Kristofer Carta" userId="a949ead7c4bcd18f" providerId="LiveId" clId="{BDB12BE9-6248-4518-AD0A-7BEFF3A06A4A}" dt="2017-08-22T18:19:01.125" v="6" actId="2696"/>
-        <pc:sldMkLst>
-          <pc:docMk/>
-          <pc:sldMk cId="1483780471" sldId="261"/>
-        </pc:sldMkLst>
-      </pc:sldChg>
-      <pc:sldChg chg="del">
-        <pc:chgData name="Kristofer Carta" userId="a949ead7c4bcd18f" providerId="LiveId" clId="{BDB12BE9-6248-4518-AD0A-7BEFF3A06A4A}" dt="2017-08-22T18:19:01.109" v="5" actId="2696"/>
-        <pc:sldMkLst>
-          <pc:docMk/>
-          <pc:sldMk cId="1550220192" sldId="262"/>
-        </pc:sldMkLst>
-      </pc:sldChg>
-      <pc:sldChg chg="del">
-        <pc:chgData name="Kristofer Carta" userId="a949ead7c4bcd18f" providerId="LiveId" clId="{BDB12BE9-6248-4518-AD0A-7BEFF3A06A4A}" dt="2017-08-22T18:19:01.094" v="4" actId="2696"/>
-        <pc:sldMkLst>
-          <pc:docMk/>
-          <pc:sldMk cId="492457668" sldId="263"/>
-        </pc:sldMkLst>
-      </pc:sldChg>
-      <pc:sldChg chg="del">
-        <pc:chgData name="Kristofer Carta" userId="a949ead7c4bcd18f" providerId="LiveId" clId="{BDB12BE9-6248-4518-AD0A-7BEFF3A06A4A}" dt="2017-08-22T18:19:44.761" v="128" actId="2696"/>
-        <pc:sldMkLst>
-          <pc:docMk/>
-          <pc:sldMk cId="428011476" sldId="264"/>
-        </pc:sldMkLst>
-      </pc:sldChg>
-      <pc:sldChg chg="del">
-        <pc:chgData name="Kristofer Carta" userId="a949ead7c4bcd18f" providerId="LiveId" clId="{BDB12BE9-6248-4518-AD0A-7BEFF3A06A4A}" dt="2017-08-22T18:19:01.140" v="7" actId="2696"/>
-        <pc:sldMkLst>
-          <pc:docMk/>
-          <pc:sldMk cId="2700095255" sldId="265"/>
-        </pc:sldMkLst>
-      </pc:sldChg>
-      <pc:sldChg chg="del">
-        <pc:chgData name="Kristofer Carta" userId="a949ead7c4bcd18f" providerId="LiveId" clId="{BDB12BE9-6248-4518-AD0A-7BEFF3A06A4A}" dt="2017-08-22T18:19:01.156" v="20" actId="2696"/>
-        <pc:sldMkLst>
-          <pc:docMk/>
-          <pc:sldMk cId="2413704392" sldId="266"/>
-        </pc:sldMkLst>
-      </pc:sldChg>
-      <pc:sldChg chg="del">
-        <pc:chgData name="Kristofer Carta" userId="a949ead7c4bcd18f" providerId="LiveId" clId="{BDB12BE9-6248-4518-AD0A-7BEFF3A06A4A}" dt="2017-08-22T18:19:01.172" v="23" actId="2696"/>
-        <pc:sldMkLst>
-          <pc:docMk/>
-          <pc:sldMk cId="2886054059" sldId="268"/>
-        </pc:sldMkLst>
-      </pc:sldChg>
-      <pc:sldChg chg="del">
-        <pc:chgData name="Kristofer Carta" userId="a949ead7c4bcd18f" providerId="LiveId" clId="{BDB12BE9-6248-4518-AD0A-7BEFF3A06A4A}" dt="2017-08-22T18:19:01.203" v="25" actId="2696"/>
-        <pc:sldMkLst>
-          <pc:docMk/>
-          <pc:sldMk cId="1087171556" sldId="269"/>
-        </pc:sldMkLst>
-      </pc:sldChg>
-      <pc:sldChg chg="del">
-        <pc:chgData name="Kristofer Carta" userId="a949ead7c4bcd18f" providerId="LiveId" clId="{BDB12BE9-6248-4518-AD0A-7BEFF3A06A4A}" dt="2017-08-22T18:38:45.325" v="300" actId="2696"/>
-        <pc:sldMkLst>
-          <pc:docMk/>
-          <pc:sldMk cId="2834989558" sldId="270"/>
-        </pc:sldMkLst>
-      </pc:sldChg>
-      <pc:sldChg chg="addSp delSp modSp delDesignElem">
-        <pc:chgData name="Kristofer Carta" userId="a949ead7c4bcd18f" providerId="LiveId" clId="{BDB12BE9-6248-4518-AD0A-7BEFF3A06A4A}" dt="2017-08-23T11:02:12.182" v="13528"/>
-        <pc:sldMkLst>
-          <pc:docMk/>
-          <pc:sldMk cId="2783061044" sldId="271"/>
-        </pc:sldMkLst>
-        <pc:spChg chg="mod">
-          <ac:chgData name="Kristofer Carta" userId="a949ead7c4bcd18f" providerId="LiveId" clId="{BDB12BE9-6248-4518-AD0A-7BEFF3A06A4A}" dt="2017-08-22T18:29:12.444" v="216" actId="20577"/>
-          <ac:spMkLst>
-            <pc:docMk/>
-            <pc:sldMk cId="2783061044" sldId="271"/>
-            <ac:spMk id="2" creationId="{682FA6FE-49AC-4D37-B270-E527DFCE236A}"/>
-          </ac:spMkLst>
-        </pc:spChg>
-        <pc:spChg chg="mod">
-          <ac:chgData name="Kristofer Carta" userId="a949ead7c4bcd18f" providerId="LiveId" clId="{BDB12BE9-6248-4518-AD0A-7BEFF3A06A4A}" dt="2017-08-23T11:02:12.182" v="13528"/>
-          <ac:spMkLst>
-            <pc:docMk/>
-            <pc:sldMk cId="2783061044" sldId="271"/>
-            <ac:spMk id="3" creationId="{CB5CF5F7-55FD-40B2-8557-A3B9DF5E60B1}"/>
-          </ac:spMkLst>
-        </pc:spChg>
-        <pc:spChg chg="add del">
-          <ac:chgData name="Kristofer Carta" userId="a949ead7c4bcd18f" providerId="LiveId" clId="{BDB12BE9-6248-4518-AD0A-7BEFF3A06A4A}" dt="2017-08-23T09:34:09.247" v="13376" actId="20577"/>
-          <ac:spMkLst>
-            <pc:docMk/>
-            <pc:sldMk cId="2783061044" sldId="271"/>
-            <ac:spMk id="12" creationId="{00000000-0000-0000-0000-000000000000}"/>
-          </ac:spMkLst>
-        </pc:spChg>
-        <pc:spChg chg="add del">
-          <ac:chgData name="Kristofer Carta" userId="a949ead7c4bcd18f" providerId="LiveId" clId="{BDB12BE9-6248-4518-AD0A-7BEFF3A06A4A}" dt="2017-08-23T09:34:09.247" v="13376" actId="20577"/>
-          <ac:spMkLst>
-            <pc:docMk/>
-            <pc:sldMk cId="2783061044" sldId="271"/>
-            <ac:spMk id="13" creationId="{00000000-0000-0000-0000-000000000000}"/>
-          </ac:spMkLst>
-        </pc:spChg>
-        <pc:spChg chg="add del">
-          <ac:chgData name="Kristofer Carta" userId="a949ead7c4bcd18f" providerId="LiveId" clId="{BDB12BE9-6248-4518-AD0A-7BEFF3A06A4A}" dt="2017-08-23T09:34:09.247" v="13376" actId="20577"/>
-          <ac:spMkLst>
-            <pc:docMk/>
-            <pc:sldMk cId="2783061044" sldId="271"/>
-            <ac:spMk id="14" creationId="{00000000-0000-0000-0000-000000000000}"/>
-          </ac:spMkLst>
-        </pc:spChg>
-      </pc:sldChg>
-      <pc:sldChg chg="del">
-        <pc:chgData name="Kristofer Carta" userId="a949ead7c4bcd18f" providerId="LiveId" clId="{BDB12BE9-6248-4518-AD0A-7BEFF3A06A4A}" dt="2017-08-22T18:19:01.203" v="26" actId="2696"/>
-        <pc:sldMkLst>
-          <pc:docMk/>
-          <pc:sldMk cId="258584565" sldId="272"/>
-        </pc:sldMkLst>
-      </pc:sldChg>
-      <pc:sldChg chg="modSp add">
-        <pc:chgData name="Kristofer Carta" userId="a949ead7c4bcd18f" providerId="LiveId" clId="{BDB12BE9-6248-4518-AD0A-7BEFF3A06A4A}" dt="2017-08-22T21:32:28.811" v="1994" actId="20577"/>
-        <pc:sldMkLst>
-          <pc:docMk/>
-          <pc:sldMk cId="1781895067" sldId="272"/>
-        </pc:sldMkLst>
-        <pc:spChg chg="mod">
-          <ac:chgData name="Kristofer Carta" userId="a949ead7c4bcd18f" providerId="LiveId" clId="{BDB12BE9-6248-4518-AD0A-7BEFF3A06A4A}" dt="2017-08-22T21:26:42.347" v="1842" actId="20577"/>
-          <ac:spMkLst>
-            <pc:docMk/>
-            <pc:sldMk cId="1781895067" sldId="272"/>
-            <ac:spMk id="2" creationId="{00000000-0000-0000-0000-000000000000}"/>
-          </ac:spMkLst>
-        </pc:spChg>
-        <pc:spChg chg="mod">
-          <ac:chgData name="Kristofer Carta" userId="a949ead7c4bcd18f" providerId="LiveId" clId="{BDB12BE9-6248-4518-AD0A-7BEFF3A06A4A}" dt="2017-08-22T21:32:28.811" v="1994" actId="20577"/>
-          <ac:spMkLst>
-            <pc:docMk/>
-            <pc:sldMk cId="1781895067" sldId="272"/>
-            <ac:spMk id="3" creationId="{00000000-0000-0000-0000-000000000000}"/>
-          </ac:spMkLst>
-        </pc:spChg>
-      </pc:sldChg>
-      <pc:sldChg chg="del">
-        <pc:chgData name="Kristofer Carta" userId="a949ead7c4bcd18f" providerId="LiveId" clId="{BDB12BE9-6248-4518-AD0A-7BEFF3A06A4A}" dt="2017-08-22T18:19:01.187" v="24" actId="2696"/>
-        <pc:sldMkLst>
-          <pc:docMk/>
-          <pc:sldMk cId="2889338845" sldId="273"/>
-        </pc:sldMkLst>
-      </pc:sldChg>
-      <pc:sldChg chg="modSp add">
-        <pc:chgData name="Kristofer Carta" userId="a949ead7c4bcd18f" providerId="LiveId" clId="{BDB12BE9-6248-4518-AD0A-7BEFF3A06A4A}" dt="2017-08-22T21:26:42.347" v="1842" actId="2696"/>
-        <pc:sldMkLst>
-          <pc:docMk/>
-          <pc:sldMk cId="3644306241" sldId="273"/>
-        </pc:sldMkLst>
-        <pc:spChg chg="mod">
-          <ac:chgData name="Kristofer Carta" userId="a949ead7c4bcd18f" providerId="LiveId" clId="{BDB12BE9-6248-4518-AD0A-7BEFF3A06A4A}" dt="2017-08-22T21:26:42.347" v="1842" actId="2696"/>
-          <ac:spMkLst>
-            <pc:docMk/>
-            <pc:sldMk cId="3644306241" sldId="273"/>
-            <ac:spMk id="2" creationId="{00000000-0000-0000-0000-000000000000}"/>
-          </ac:spMkLst>
-        </pc:spChg>
-        <pc:spChg chg="mod">
-          <ac:chgData name="Kristofer Carta" userId="a949ead7c4bcd18f" providerId="LiveId" clId="{BDB12BE9-6248-4518-AD0A-7BEFF3A06A4A}" dt="2017-08-22T21:26:35.146" v="1829" actId="2696"/>
-          <ac:spMkLst>
-            <pc:docMk/>
-            <pc:sldMk cId="3644306241" sldId="273"/>
-            <ac:spMk id="3" creationId="{00000000-0000-0000-0000-000000000000}"/>
-          </ac:spMkLst>
-        </pc:spChg>
-      </pc:sldChg>
-      <pc:sldChg chg="modSp add">
-        <pc:chgData name="Kristofer Carta" userId="a949ead7c4bcd18f" providerId="LiveId" clId="{BDB12BE9-6248-4518-AD0A-7BEFF3A06A4A}" dt="2017-08-22T21:26:42.347" v="1842" actId="2696"/>
-        <pc:sldMkLst>
-          <pc:docMk/>
-          <pc:sldMk cId="39224183" sldId="274"/>
-        </pc:sldMkLst>
-        <pc:spChg chg="mod">
-          <ac:chgData name="Kristofer Carta" userId="a949ead7c4bcd18f" providerId="LiveId" clId="{BDB12BE9-6248-4518-AD0A-7BEFF3A06A4A}" dt="2017-08-22T21:26:42.347" v="1842" actId="2696"/>
-          <ac:spMkLst>
-            <pc:docMk/>
-            <pc:sldMk cId="39224183" sldId="274"/>
-            <ac:spMk id="2" creationId="{00000000-0000-0000-0000-000000000000}"/>
-          </ac:spMkLst>
-        </pc:spChg>
-        <pc:spChg chg="mod">
-          <ac:chgData name="Kristofer Carta" userId="a949ead7c4bcd18f" providerId="LiveId" clId="{BDB12BE9-6248-4518-AD0A-7BEFF3A06A4A}" dt="2017-08-22T21:26:35.146" v="1829" actId="2696"/>
-          <ac:spMkLst>
-            <pc:docMk/>
-            <pc:sldMk cId="39224183" sldId="274"/>
-            <ac:spMk id="6" creationId="{00000000-0000-0000-0000-000000000000}"/>
-          </ac:spMkLst>
-        </pc:spChg>
-        <pc:graphicFrameChg chg="mod">
-          <ac:chgData name="Kristofer Carta" userId="a949ead7c4bcd18f" providerId="LiveId" clId="{BDB12BE9-6248-4518-AD0A-7BEFF3A06A4A}" dt="2017-08-22T21:26:35.146" v="1829" actId="2696"/>
-          <ac:graphicFrameMkLst>
-            <pc:docMk/>
-            <pc:sldMk cId="39224183" sldId="274"/>
-            <ac:graphicFrameMk id="4" creationId="{00000000-0000-0000-0000-000000000000}"/>
-          </ac:graphicFrameMkLst>
-        </pc:graphicFrameChg>
-      </pc:sldChg>
-      <pc:sldChg chg="del">
-        <pc:chgData name="Kristofer Carta" userId="a949ead7c4bcd18f" providerId="LiveId" clId="{BDB12BE9-6248-4518-AD0A-7BEFF3A06A4A}" dt="2017-08-22T18:19:01.156" v="21" actId="2696"/>
-        <pc:sldMkLst>
-          <pc:docMk/>
-          <pc:sldMk cId="371282952" sldId="274"/>
-        </pc:sldMkLst>
-      </pc:sldChg>
-      <pc:sldChg chg="del">
-        <pc:chgData name="Kristofer Carta" userId="a949ead7c4bcd18f" providerId="LiveId" clId="{BDB12BE9-6248-4518-AD0A-7BEFF3A06A4A}" dt="2017-08-22T18:19:01.078" v="2" actId="2696"/>
-        <pc:sldMkLst>
-          <pc:docMk/>
-          <pc:sldMk cId="311738350" sldId="275"/>
-        </pc:sldMkLst>
-      </pc:sldChg>
-      <pc:sldChg chg="modSp add">
-        <pc:chgData name="Kristofer Carta" userId="a949ead7c4bcd18f" providerId="LiveId" clId="{BDB12BE9-6248-4518-AD0A-7BEFF3A06A4A}" dt="2017-08-22T21:26:42.347" v="1842" actId="2696"/>
-        <pc:sldMkLst>
-          <pc:docMk/>
-          <pc:sldMk cId="3388597120" sldId="275"/>
-        </pc:sldMkLst>
-        <pc:spChg chg="mod">
-          <ac:chgData name="Kristofer Carta" userId="a949ead7c4bcd18f" providerId="LiveId" clId="{BDB12BE9-6248-4518-AD0A-7BEFF3A06A4A}" dt="2017-08-22T21:26:42.347" v="1842" actId="2696"/>
-          <ac:spMkLst>
-            <pc:docMk/>
-            <pc:sldMk cId="3388597120" sldId="275"/>
-            <ac:spMk id="2" creationId="{00000000-0000-0000-0000-000000000000}"/>
-          </ac:spMkLst>
-        </pc:spChg>
-        <pc:spChg chg="mod">
-          <ac:chgData name="Kristofer Carta" userId="a949ead7c4bcd18f" providerId="LiveId" clId="{BDB12BE9-6248-4518-AD0A-7BEFF3A06A4A}" dt="2017-08-22T21:26:35.180" v="1830" actId="27636"/>
-          <ac:spMkLst>
-            <pc:docMk/>
-            <pc:sldMk cId="3388597120" sldId="275"/>
-            <ac:spMk id="3" creationId="{00000000-0000-0000-0000-000000000000}"/>
-          </ac:spMkLst>
-        </pc:spChg>
-      </pc:sldChg>
-      <pc:sldChg chg="modSp add ord">
-        <pc:chgData name="Kristofer Carta" userId="a949ead7c4bcd18f" providerId="LiveId" clId="{BDB12BE9-6248-4518-AD0A-7BEFF3A06A4A}" dt="2017-08-22T21:26:42.347" v="1842" actId="2696"/>
-        <pc:sldMkLst>
-          <pc:docMk/>
-          <pc:sldMk cId="1688141316" sldId="276"/>
-        </pc:sldMkLst>
-        <pc:spChg chg="mod">
-          <ac:chgData name="Kristofer Carta" userId="a949ead7c4bcd18f" providerId="LiveId" clId="{BDB12BE9-6248-4518-AD0A-7BEFF3A06A4A}" dt="2017-08-22T21:26:42.347" v="1842" actId="2696"/>
-          <ac:spMkLst>
-            <pc:docMk/>
-            <pc:sldMk cId="1688141316" sldId="276"/>
-            <ac:spMk id="2" creationId="{00000000-0000-0000-0000-000000000000}"/>
-          </ac:spMkLst>
-        </pc:spChg>
-        <pc:spChg chg="mod">
-          <ac:chgData name="Kristofer Carta" userId="a949ead7c4bcd18f" providerId="LiveId" clId="{BDB12BE9-6248-4518-AD0A-7BEFF3A06A4A}" dt="2017-08-22T21:26:35.146" v="1829" actId="2696"/>
-          <ac:spMkLst>
-            <pc:docMk/>
-            <pc:sldMk cId="1688141316" sldId="276"/>
-            <ac:spMk id="3" creationId="{00000000-0000-0000-0000-000000000000}"/>
-          </ac:spMkLst>
-        </pc:spChg>
-      </pc:sldChg>
-      <pc:sldChg chg="del">
-        <pc:chgData name="Kristofer Carta" userId="a949ead7c4bcd18f" providerId="LiveId" clId="{BDB12BE9-6248-4518-AD0A-7BEFF3A06A4A}" dt="2017-08-22T18:19:01.094" v="3" actId="2696"/>
-        <pc:sldMkLst>
-          <pc:docMk/>
-          <pc:sldMk cId="2245622187" sldId="276"/>
-        </pc:sldMkLst>
-      </pc:sldChg>
-      <pc:sldChg chg="del">
-        <pc:chgData name="Kristofer Carta" userId="a949ead7c4bcd18f" providerId="LiveId" clId="{BDB12BE9-6248-4518-AD0A-7BEFF3A06A4A}" dt="2017-08-22T18:19:01.172" v="22" actId="2696"/>
-        <pc:sldMkLst>
-          <pc:docMk/>
-          <pc:sldMk cId="597761154" sldId="277"/>
-        </pc:sldMkLst>
-      </pc:sldChg>
-      <pc:sldChg chg="modSp add">
-        <pc:chgData name="Kristofer Carta" userId="a949ead7c4bcd18f" providerId="LiveId" clId="{BDB12BE9-6248-4518-AD0A-7BEFF3A06A4A}" dt="2017-08-22T21:32:59.239" v="2005" actId="20577"/>
-        <pc:sldMkLst>
-          <pc:docMk/>
-          <pc:sldMk cId="4204636137" sldId="277"/>
-        </pc:sldMkLst>
-        <pc:spChg chg="mod">
-          <ac:chgData name="Kristofer Carta" userId="a949ead7c4bcd18f" providerId="LiveId" clId="{BDB12BE9-6248-4518-AD0A-7BEFF3A06A4A}" dt="2017-08-22T21:26:42.347" v="1842" actId="20577"/>
-          <ac:spMkLst>
-            <pc:docMk/>
-            <pc:sldMk cId="4204636137" sldId="277"/>
-            <ac:spMk id="2" creationId="{00000000-0000-0000-0000-000000000000}"/>
-          </ac:spMkLst>
-        </pc:spChg>
-        <pc:spChg chg="mod">
-          <ac:chgData name="Kristofer Carta" userId="a949ead7c4bcd18f" providerId="LiveId" clId="{BDB12BE9-6248-4518-AD0A-7BEFF3A06A4A}" dt="2017-08-22T21:32:59.239" v="2005" actId="20577"/>
-          <ac:spMkLst>
-            <pc:docMk/>
-            <pc:sldMk cId="4204636137" sldId="277"/>
-            <ac:spMk id="3" creationId="{00000000-0000-0000-0000-000000000000}"/>
-          </ac:spMkLst>
-        </pc:spChg>
-      </pc:sldChg>
-      <pc:sldChg chg="modSp add">
-        <pc:chgData name="Kristofer Carta" userId="a949ead7c4bcd18f" providerId="LiveId" clId="{BDB12BE9-6248-4518-AD0A-7BEFF3A06A4A}" dt="2017-08-22T21:26:42.347" v="1842" actId="2696"/>
-        <pc:sldMkLst>
-          <pc:docMk/>
-          <pc:sldMk cId="505186429" sldId="278"/>
-        </pc:sldMkLst>
-        <pc:spChg chg="mod">
-          <ac:chgData name="Kristofer Carta" userId="a949ead7c4bcd18f" providerId="LiveId" clId="{BDB12BE9-6248-4518-AD0A-7BEFF3A06A4A}" dt="2017-08-22T21:26:42.347" v="1842" actId="2696"/>
-          <ac:spMkLst>
-            <pc:docMk/>
-            <pc:sldMk cId="505186429" sldId="278"/>
-            <ac:spMk id="2" creationId="{00000000-0000-0000-0000-000000000000}"/>
-          </ac:spMkLst>
-        </pc:spChg>
-        <pc:spChg chg="mod">
-          <ac:chgData name="Kristofer Carta" userId="a949ead7c4bcd18f" providerId="LiveId" clId="{BDB12BE9-6248-4518-AD0A-7BEFF3A06A4A}" dt="2017-08-22T21:26:35.146" v="1829" actId="2696"/>
-          <ac:spMkLst>
-            <pc:docMk/>
-            <pc:sldMk cId="505186429" sldId="278"/>
-            <ac:spMk id="3" creationId="{00000000-0000-0000-0000-000000000000}"/>
-          </ac:spMkLst>
-        </pc:spChg>
-      </pc:sldChg>
-      <pc:sldChg chg="del">
-        <pc:chgData name="Kristofer Carta" userId="a949ead7c4bcd18f" providerId="LiveId" clId="{BDB12BE9-6248-4518-AD0A-7BEFF3A06A4A}" dt="2017-08-22T18:19:01.078" v="1" actId="2696"/>
-        <pc:sldMkLst>
-          <pc:docMk/>
-          <pc:sldMk cId="3081455738" sldId="278"/>
-        </pc:sldMkLst>
-      </pc:sldChg>
-      <pc:sldChg chg="del">
-        <pc:chgData name="Kristofer Carta" userId="a949ead7c4bcd18f" providerId="LiveId" clId="{BDB12BE9-6248-4518-AD0A-7BEFF3A06A4A}" dt="2017-08-22T18:19:01.062" v="0" actId="2696"/>
-        <pc:sldMkLst>
-          <pc:docMk/>
-          <pc:sldMk cId="533655295" sldId="279"/>
-        </pc:sldMkLst>
-      </pc:sldChg>
-      <pc:sldChg chg="modSp add">
-        <pc:chgData name="Kristofer Carta" userId="a949ead7c4bcd18f" providerId="LiveId" clId="{BDB12BE9-6248-4518-AD0A-7BEFF3A06A4A}" dt="2017-08-22T21:26:42.347" v="1842" actId="2696"/>
-        <pc:sldMkLst>
-          <pc:docMk/>
-          <pc:sldMk cId="1671945896" sldId="279"/>
-        </pc:sldMkLst>
-        <pc:spChg chg="mod">
-          <ac:chgData name="Kristofer Carta" userId="a949ead7c4bcd18f" providerId="LiveId" clId="{BDB12BE9-6248-4518-AD0A-7BEFF3A06A4A}" dt="2017-08-22T21:26:42.347" v="1842" actId="2696"/>
-          <ac:spMkLst>
-            <pc:docMk/>
-            <pc:sldMk cId="1671945896" sldId="279"/>
-            <ac:spMk id="2" creationId="{00000000-0000-0000-0000-000000000000}"/>
-          </ac:spMkLst>
-        </pc:spChg>
-        <pc:spChg chg="mod">
-          <ac:chgData name="Kristofer Carta" userId="a949ead7c4bcd18f" providerId="LiveId" clId="{BDB12BE9-6248-4518-AD0A-7BEFF3A06A4A}" dt="2017-08-22T21:26:35.146" v="1829" actId="2696"/>
-          <ac:spMkLst>
-            <pc:docMk/>
-            <pc:sldMk cId="1671945896" sldId="279"/>
-            <ac:spMk id="3" creationId="{00000000-0000-0000-0000-000000000000}"/>
-          </ac:spMkLst>
-        </pc:spChg>
-      </pc:sldChg>
-      <pc:sldChg chg="modSp add del">
-        <pc:chgData name="Kristofer Carta" userId="a949ead7c4bcd18f" providerId="LiveId" clId="{BDB12BE9-6248-4518-AD0A-7BEFF3A06A4A}" dt="2017-08-22T18:22:25.804" v="135" actId="2696"/>
-        <pc:sldMkLst>
-          <pc:docMk/>
-          <pc:sldMk cId="729149625" sldId="280"/>
-        </pc:sldMkLst>
-        <pc:spChg chg="mod">
-          <ac:chgData name="Kristofer Carta" userId="a949ead7c4bcd18f" providerId="LiveId" clId="{BDB12BE9-6248-4518-AD0A-7BEFF3A06A4A}" dt="2017-08-22T18:21:40.776" v="132" actId="27636"/>
-          <ac:spMkLst>
-            <pc:docMk/>
-            <pc:sldMk cId="729149625" sldId="280"/>
-            <ac:spMk id="3" creationId="{00000000-0000-0000-0000-000000000000}"/>
-          </ac:spMkLst>
-        </pc:spChg>
-      </pc:sldChg>
-      <pc:sldChg chg="add del">
-        <pc:chgData name="Kristofer Carta" userId="a949ead7c4bcd18f" providerId="LiveId" clId="{BDB12BE9-6248-4518-AD0A-7BEFF3A06A4A}" dt="2017-08-22T18:22:24.112" v="134" actId="2696"/>
-        <pc:sldMkLst>
-          <pc:docMk/>
-          <pc:sldMk cId="815190344" sldId="281"/>
-        </pc:sldMkLst>
-      </pc:sldChg>
-      <pc:sldChg chg="addSp delSp modSp add">
-        <pc:chgData name="Kristofer Carta" userId="a949ead7c4bcd18f" providerId="LiveId" clId="{BDB12BE9-6248-4518-AD0A-7BEFF3A06A4A}" dt="2017-08-22T21:36:01.553" v="2390" actId="20577"/>
-        <pc:sldMkLst>
-          <pc:docMk/>
-          <pc:sldMk cId="946938703" sldId="282"/>
-        </pc:sldMkLst>
-        <pc:spChg chg="mod">
-          <ac:chgData name="Kristofer Carta" userId="a949ead7c4bcd18f" providerId="LiveId" clId="{BDB12BE9-6248-4518-AD0A-7BEFF3A06A4A}" dt="2017-08-22T21:26:42.347" v="1842" actId="20577"/>
-          <ac:spMkLst>
-            <pc:docMk/>
-            <pc:sldMk cId="946938703" sldId="282"/>
-            <ac:spMk id="2" creationId="{00000000-0000-0000-0000-000000000000}"/>
-          </ac:spMkLst>
-        </pc:spChg>
-        <pc:spChg chg="mod">
-          <ac:chgData name="Kristofer Carta" userId="a949ead7c4bcd18f" providerId="LiveId" clId="{BDB12BE9-6248-4518-AD0A-7BEFF3A06A4A}" dt="2017-08-22T21:36:01.553" v="2390" actId="20577"/>
-          <ac:spMkLst>
-            <pc:docMk/>
-            <pc:sldMk cId="946938703" sldId="282"/>
-            <ac:spMk id="3" creationId="{00000000-0000-0000-0000-000000000000}"/>
-          </ac:spMkLst>
-        </pc:spChg>
-        <pc:picChg chg="del">
-          <ac:chgData name="Kristofer Carta" userId="a949ead7c4bcd18f" providerId="LiveId" clId="{BDB12BE9-6248-4518-AD0A-7BEFF3A06A4A}" dt="2017-08-22T21:33:54.776" v="2040" actId="478"/>
-          <ac:picMkLst>
-            <pc:docMk/>
-            <pc:sldMk cId="946938703" sldId="282"/>
-            <ac:picMk id="4" creationId="{00000000-0000-0000-0000-000000000000}"/>
-          </ac:picMkLst>
-        </pc:picChg>
-        <pc:picChg chg="add mod">
-          <ac:chgData name="Kristofer Carta" userId="a949ead7c4bcd18f" providerId="LiveId" clId="{BDB12BE9-6248-4518-AD0A-7BEFF3A06A4A}" dt="2017-08-22T21:34:06.928" v="2043" actId="1076"/>
-          <ac:picMkLst>
-            <pc:docMk/>
-            <pc:sldMk cId="946938703" sldId="282"/>
-            <ac:picMk id="5" creationId="{9333DC40-D6C0-412D-9F60-28C867ED41D0}"/>
-          </ac:picMkLst>
-        </pc:picChg>
-      </pc:sldChg>
-      <pc:sldChg chg="addSp delSp modSp add">
-        <pc:chgData name="Kristofer Carta" userId="a949ead7c4bcd18f" providerId="LiveId" clId="{BDB12BE9-6248-4518-AD0A-7BEFF3A06A4A}" dt="2017-08-22T21:48:01.691" v="2655" actId="14100"/>
-        <pc:sldMkLst>
-          <pc:docMk/>
-          <pc:sldMk cId="746043981" sldId="283"/>
-        </pc:sldMkLst>
-        <pc:spChg chg="mod">
-          <ac:chgData name="Kristofer Carta" userId="a949ead7c4bcd18f" providerId="LiveId" clId="{BDB12BE9-6248-4518-AD0A-7BEFF3A06A4A}" dt="2017-08-22T21:26:42.347" v="1842" actId="14100"/>
-          <ac:spMkLst>
-            <pc:docMk/>
-            <pc:sldMk cId="746043981" sldId="283"/>
-            <ac:spMk id="2" creationId="{00000000-0000-0000-0000-000000000000}"/>
-          </ac:spMkLst>
-        </pc:spChg>
-        <pc:spChg chg="mod">
-          <ac:chgData name="Kristofer Carta" userId="a949ead7c4bcd18f" providerId="LiveId" clId="{BDB12BE9-6248-4518-AD0A-7BEFF3A06A4A}" dt="2017-08-22T21:26:35.146" v="1829" actId="14100"/>
-          <ac:spMkLst>
-            <pc:docMk/>
-            <pc:sldMk cId="746043981" sldId="283"/>
-            <ac:spMk id="3" creationId="{00000000-0000-0000-0000-000000000000}"/>
-          </ac:spMkLst>
-        </pc:spChg>
-        <pc:picChg chg="del">
-          <ac:chgData name="Kristofer Carta" userId="a949ead7c4bcd18f" providerId="LiveId" clId="{BDB12BE9-6248-4518-AD0A-7BEFF3A06A4A}" dt="2017-08-22T21:46:13.829" v="2635" actId="478"/>
-          <ac:picMkLst>
-            <pc:docMk/>
-            <pc:sldMk cId="746043981" sldId="283"/>
-            <ac:picMk id="4" creationId="{00000000-0000-0000-0000-000000000000}"/>
-          </ac:picMkLst>
-        </pc:picChg>
-        <pc:picChg chg="add mod">
-          <ac:chgData name="Kristofer Carta" userId="a949ead7c4bcd18f" providerId="LiveId" clId="{BDB12BE9-6248-4518-AD0A-7BEFF3A06A4A}" dt="2017-08-22T21:48:01.691" v="2655" actId="14100"/>
-          <ac:picMkLst>
-            <pc:docMk/>
-            <pc:sldMk cId="746043981" sldId="283"/>
-            <ac:picMk id="5" creationId="{A4FF3F9F-75DC-45C0-B57A-C1EDA913CD4D}"/>
-          </ac:picMkLst>
-        </pc:picChg>
-      </pc:sldChg>
-      <pc:sldChg chg="modSp add del">
-        <pc:chgData name="Kristofer Carta" userId="a949ead7c4bcd18f" providerId="LiveId" clId="{BDB12BE9-6248-4518-AD0A-7BEFF3A06A4A}" dt="2017-08-22T18:22:43.707" v="144" actId="2696"/>
-        <pc:sldMkLst>
-          <pc:docMk/>
-          <pc:sldMk cId="905444684" sldId="284"/>
-        </pc:sldMkLst>
-        <pc:spChg chg="mod">
-          <ac:chgData name="Kristofer Carta" userId="a949ead7c4bcd18f" providerId="LiveId" clId="{BDB12BE9-6248-4518-AD0A-7BEFF3A06A4A}" dt="2017-08-22T18:22:40.309" v="143" actId="20577"/>
-          <ac:spMkLst>
-            <pc:docMk/>
-            <pc:sldMk cId="905444684" sldId="284"/>
-            <ac:spMk id="2" creationId="{A622F912-4353-4792-9C59-89ADA7E60613}"/>
-          </ac:spMkLst>
-        </pc:spChg>
-      </pc:sldChg>
-      <pc:sldChg chg="modSp add del">
-        <pc:chgData name="Kristofer Carta" userId="a949ead7c4bcd18f" providerId="LiveId" clId="{BDB12BE9-6248-4518-AD0A-7BEFF3A06A4A}" dt="2017-08-22T21:50:46.759" v="2676" actId="2696"/>
-        <pc:sldMkLst>
-          <pc:docMk/>
-          <pc:sldMk cId="4099631735" sldId="284"/>
-        </pc:sldMkLst>
-        <pc:spChg chg="mod">
-          <ac:chgData name="Kristofer Carta" userId="a949ead7c4bcd18f" providerId="LiveId" clId="{BDB12BE9-6248-4518-AD0A-7BEFF3A06A4A}" dt="2017-08-22T21:26:42.347" v="1842" actId="2696"/>
-          <ac:spMkLst>
-            <pc:docMk/>
-            <pc:sldMk cId="4099631735" sldId="284"/>
-            <ac:spMk id="2" creationId="{00000000-0000-0000-0000-000000000000}"/>
-          </ac:spMkLst>
-        </pc:spChg>
-        <pc:spChg chg="mod">
-          <ac:chgData name="Kristofer Carta" userId="a949ead7c4bcd18f" providerId="LiveId" clId="{BDB12BE9-6248-4518-AD0A-7BEFF3A06A4A}" dt="2017-08-22T21:26:35.146" v="1829" actId="2696"/>
-          <ac:spMkLst>
-            <pc:docMk/>
-            <pc:sldMk cId="4099631735" sldId="284"/>
-            <ac:spMk id="3" creationId="{00000000-0000-0000-0000-000000000000}"/>
-          </ac:spMkLst>
-        </pc:spChg>
-      </pc:sldChg>
-      <pc:sldChg chg="modSp add del">
-        <pc:chgData name="Kristofer Carta" userId="a949ead7c4bcd18f" providerId="LiveId" clId="{BDB12BE9-6248-4518-AD0A-7BEFF3A06A4A}" dt="2017-08-22T21:50:46.759" v="2677" actId="2696"/>
-        <pc:sldMkLst>
-          <pc:docMk/>
-          <pc:sldMk cId="9526296" sldId="285"/>
-        </pc:sldMkLst>
-        <pc:spChg chg="mod">
-          <ac:chgData name="Kristofer Carta" userId="a949ead7c4bcd18f" providerId="LiveId" clId="{BDB12BE9-6248-4518-AD0A-7BEFF3A06A4A}" dt="2017-08-22T21:26:42.347" v="1842" actId="2696"/>
-          <ac:spMkLst>
-            <pc:docMk/>
-            <pc:sldMk cId="9526296" sldId="285"/>
-            <ac:spMk id="2" creationId="{00000000-0000-0000-0000-000000000000}"/>
-          </ac:spMkLst>
-        </pc:spChg>
-        <pc:spChg chg="mod">
-          <ac:chgData name="Kristofer Carta" userId="a949ead7c4bcd18f" providerId="LiveId" clId="{BDB12BE9-6248-4518-AD0A-7BEFF3A06A4A}" dt="2017-08-22T21:26:35.146" v="1829" actId="2696"/>
-          <ac:spMkLst>
-            <pc:docMk/>
-            <pc:sldMk cId="9526296" sldId="285"/>
-            <ac:spMk id="3" creationId="{00000000-0000-0000-0000-000000000000}"/>
-          </ac:spMkLst>
-        </pc:spChg>
-      </pc:sldChg>
-      <pc:sldChg chg="modSp add del">
-        <pc:chgData name="Kristofer Carta" userId="a949ead7c4bcd18f" providerId="LiveId" clId="{BDB12BE9-6248-4518-AD0A-7BEFF3A06A4A}" dt="2017-08-22T21:50:46.759" v="2678" actId="2696"/>
-        <pc:sldMkLst>
-          <pc:docMk/>
-          <pc:sldMk cId="2062250131" sldId="286"/>
-        </pc:sldMkLst>
-        <pc:spChg chg="mod">
-          <ac:chgData name="Kristofer Carta" userId="a949ead7c4bcd18f" providerId="LiveId" clId="{BDB12BE9-6248-4518-AD0A-7BEFF3A06A4A}" dt="2017-08-22T21:26:42.347" v="1842" actId="2696"/>
-          <ac:spMkLst>
-            <pc:docMk/>
-            <pc:sldMk cId="2062250131" sldId="286"/>
-            <ac:spMk id="2" creationId="{00000000-0000-0000-0000-000000000000}"/>
-          </ac:spMkLst>
-        </pc:spChg>
-        <pc:spChg chg="mod">
-          <ac:chgData name="Kristofer Carta" userId="a949ead7c4bcd18f" providerId="LiveId" clId="{BDB12BE9-6248-4518-AD0A-7BEFF3A06A4A}" dt="2017-08-22T21:26:35.146" v="1829" actId="2696"/>
-          <ac:spMkLst>
-            <pc:docMk/>
-            <pc:sldMk cId="2062250131" sldId="286"/>
-            <ac:spMk id="3" creationId="{00000000-0000-0000-0000-000000000000}"/>
-          </ac:spMkLst>
-        </pc:spChg>
-      </pc:sldChg>
-      <pc:sldChg chg="modSp add del">
-        <pc:chgData name="Kristofer Carta" userId="a949ead7c4bcd18f" providerId="LiveId" clId="{BDB12BE9-6248-4518-AD0A-7BEFF3A06A4A}" dt="2017-08-22T21:50:46.779" v="2679" actId="2696"/>
-        <pc:sldMkLst>
-          <pc:docMk/>
-          <pc:sldMk cId="2031538484" sldId="287"/>
-        </pc:sldMkLst>
-        <pc:spChg chg="mod">
-          <ac:chgData name="Kristofer Carta" userId="a949ead7c4bcd18f" providerId="LiveId" clId="{BDB12BE9-6248-4518-AD0A-7BEFF3A06A4A}" dt="2017-08-22T21:26:42.347" v="1842" actId="2696"/>
-          <ac:spMkLst>
-            <pc:docMk/>
-            <pc:sldMk cId="2031538484" sldId="287"/>
-            <ac:spMk id="2" creationId="{00000000-0000-0000-0000-000000000000}"/>
-          </ac:spMkLst>
-        </pc:spChg>
-        <pc:spChg chg="mod">
-          <ac:chgData name="Kristofer Carta" userId="a949ead7c4bcd18f" providerId="LiveId" clId="{BDB12BE9-6248-4518-AD0A-7BEFF3A06A4A}" dt="2017-08-22T21:26:35.146" v="1829" actId="2696"/>
-          <ac:spMkLst>
-            <pc:docMk/>
-            <pc:sldMk cId="2031538484" sldId="287"/>
-            <ac:spMk id="3" creationId="{00000000-0000-0000-0000-000000000000}"/>
-          </ac:spMkLst>
-        </pc:spChg>
-      </pc:sldChg>
-      <pc:sldChg chg="modSp add del">
-        <pc:chgData name="Kristofer Carta" userId="a949ead7c4bcd18f" providerId="LiveId" clId="{BDB12BE9-6248-4518-AD0A-7BEFF3A06A4A}" dt="2017-08-22T21:50:46.743" v="2675" actId="2696"/>
-        <pc:sldMkLst>
-          <pc:docMk/>
-          <pc:sldMk cId="2186406252" sldId="288"/>
-        </pc:sldMkLst>
-        <pc:spChg chg="mod">
-          <ac:chgData name="Kristofer Carta" userId="a949ead7c4bcd18f" providerId="LiveId" clId="{BDB12BE9-6248-4518-AD0A-7BEFF3A06A4A}" dt="2017-08-22T21:26:42.347" v="1842" actId="2696"/>
-          <ac:spMkLst>
-            <pc:docMk/>
-            <pc:sldMk cId="2186406252" sldId="288"/>
-            <ac:spMk id="2" creationId="{00000000-0000-0000-0000-000000000000}"/>
-          </ac:spMkLst>
-        </pc:spChg>
-        <pc:spChg chg="mod">
-          <ac:chgData name="Kristofer Carta" userId="a949ead7c4bcd18f" providerId="LiveId" clId="{BDB12BE9-6248-4518-AD0A-7BEFF3A06A4A}" dt="2017-08-22T21:26:35.146" v="1829" actId="2696"/>
-          <ac:spMkLst>
-            <pc:docMk/>
-            <pc:sldMk cId="2186406252" sldId="288"/>
-            <ac:spMk id="3" creationId="{00000000-0000-0000-0000-000000000000}"/>
-          </ac:spMkLst>
-        </pc:spChg>
-      </pc:sldChg>
-      <pc:sldChg chg="modSp add ord">
-        <pc:chgData name="Kristofer Carta" userId="a949ead7c4bcd18f" providerId="LiveId" clId="{BDB12BE9-6248-4518-AD0A-7BEFF3A06A4A}" dt="2017-08-22T21:33:14.933" v="2039" actId="1037"/>
-        <pc:sldMkLst>
-          <pc:docMk/>
-          <pc:sldMk cId="3986163140" sldId="289"/>
-        </pc:sldMkLst>
-        <pc:spChg chg="mod">
-          <ac:chgData name="Kristofer Carta" userId="a949ead7c4bcd18f" providerId="LiveId" clId="{BDB12BE9-6248-4518-AD0A-7BEFF3A06A4A}" dt="2017-08-22T21:26:42.347" v="1842" actId="1037"/>
-          <ac:spMkLst>
-            <pc:docMk/>
-            <pc:sldMk cId="3986163140" sldId="289"/>
-            <ac:spMk id="2" creationId="{00000000-0000-0000-0000-000000000000}"/>
-          </ac:spMkLst>
-        </pc:spChg>
-        <pc:spChg chg="mod">
-          <ac:chgData name="Kristofer Carta" userId="a949ead7c4bcd18f" providerId="LiveId" clId="{BDB12BE9-6248-4518-AD0A-7BEFF3A06A4A}" dt="2017-08-22T21:26:35.146" v="1829" actId="1037"/>
-          <ac:spMkLst>
-            <pc:docMk/>
-            <pc:sldMk cId="3986163140" sldId="289"/>
-            <ac:spMk id="3" creationId="{00000000-0000-0000-0000-000000000000}"/>
-          </ac:spMkLst>
-        </pc:spChg>
-        <pc:spChg chg="mod">
-          <ac:chgData name="Kristofer Carta" userId="a949ead7c4bcd18f" providerId="LiveId" clId="{BDB12BE9-6248-4518-AD0A-7BEFF3A06A4A}" dt="2017-08-22T20:29:29.927" v="322" actId="20577"/>
-          <ac:spMkLst>
-            <pc:docMk/>
-            <pc:sldMk cId="3986163140" sldId="289"/>
-            <ac:spMk id="16" creationId="{00000000-0000-0000-0000-000000000000}"/>
-          </ac:spMkLst>
-        </pc:spChg>
-        <pc:spChg chg="mod">
-          <ac:chgData name="Kristofer Carta" userId="a949ead7c4bcd18f" providerId="LiveId" clId="{BDB12BE9-6248-4518-AD0A-7BEFF3A06A4A}" dt="2017-08-22T21:26:35.146" v="1829" actId="1037"/>
-          <ac:spMkLst>
-            <pc:docMk/>
-            <pc:sldMk cId="3986163140" sldId="289"/>
-            <ac:spMk id="51" creationId="{00000000-0000-0000-0000-000000000000}"/>
-          </ac:spMkLst>
-        </pc:spChg>
-        <pc:picChg chg="mod">
-          <ac:chgData name="Kristofer Carta" userId="a949ead7c4bcd18f" providerId="LiveId" clId="{BDB12BE9-6248-4518-AD0A-7BEFF3A06A4A}" dt="2017-08-22T21:33:14.933" v="2039" actId="1037"/>
-          <ac:picMkLst>
-            <pc:docMk/>
-            <pc:sldMk cId="3986163140" sldId="289"/>
-            <ac:picMk id="5" creationId="{00000000-0000-0000-0000-000000000000}"/>
-          </ac:picMkLst>
-        </pc:picChg>
-      </pc:sldChg>
-      <pc:sldChg chg="add del">
-        <pc:chgData name="Kristofer Carta" userId="a949ead7c4bcd18f" providerId="LiveId" clId="{BDB12BE9-6248-4518-AD0A-7BEFF3A06A4A}" dt="2017-08-22T20:29:50.136" v="324" actId="2696"/>
-        <pc:sldMkLst>
-          <pc:docMk/>
-          <pc:sldMk cId="1134725105" sldId="290"/>
-        </pc:sldMkLst>
-      </pc:sldChg>
-      <pc:sldChg chg="addSp delSp modSp add mod setBg setClrOvrMap delDesignElem">
-        <pc:chgData name="Kristofer Carta" userId="a949ead7c4bcd18f" providerId="LiveId" clId="{BDB12BE9-6248-4518-AD0A-7BEFF3A06A4A}" dt="2017-08-23T09:34:09.247" v="13376" actId="20577"/>
-        <pc:sldMkLst>
-          <pc:docMk/>
-          <pc:sldMk cId="3013723820" sldId="290"/>
-        </pc:sldMkLst>
-        <pc:spChg chg="mod">
-          <ac:chgData name="Kristofer Carta" userId="a949ead7c4bcd18f" providerId="LiveId" clId="{BDB12BE9-6248-4518-AD0A-7BEFF3A06A4A}" dt="2017-08-22T20:32:05.030" v="399" actId="20577"/>
-          <ac:spMkLst>
-            <pc:docMk/>
-            <pc:sldMk cId="3013723820" sldId="290"/>
-            <ac:spMk id="2" creationId="{00000000-0000-0000-0000-000000000000}"/>
-          </ac:spMkLst>
-        </pc:spChg>
-        <pc:spChg chg="del">
-          <ac:chgData name="Kristofer Carta" userId="a949ead7c4bcd18f" providerId="LiveId" clId="{BDB12BE9-6248-4518-AD0A-7BEFF3A06A4A}" dt="2017-08-22T20:30:05.003" v="348" actId="478"/>
-          <ac:spMkLst>
-            <pc:docMk/>
-            <pc:sldMk cId="3013723820" sldId="290"/>
-            <ac:spMk id="3" creationId="{00000000-0000-0000-0000-000000000000}"/>
-          </ac:spMkLst>
-        </pc:spChg>
-        <pc:spChg chg="add del">
-          <ac:chgData name="Kristofer Carta" userId="a949ead7c4bcd18f" providerId="LiveId" clId="{BDB12BE9-6248-4518-AD0A-7BEFF3A06A4A}" dt="2017-08-23T09:34:09.247" v="13376" actId="20577"/>
-          <ac:spMkLst>
-            <pc:docMk/>
-            <pc:sldMk cId="3013723820" sldId="290"/>
-            <ac:spMk id="4" creationId="{00000000-0000-0000-0000-000000000000}"/>
-          </ac:spMkLst>
-        </pc:spChg>
-        <pc:spChg chg="add del mod">
-          <ac:chgData name="Kristofer Carta" userId="a949ead7c4bcd18f" providerId="LiveId" clId="{BDB12BE9-6248-4518-AD0A-7BEFF3A06A4A}" dt="2017-08-22T20:30:07.563" v="349" actId="478"/>
-          <ac:spMkLst>
-            <pc:docMk/>
-            <pc:sldMk cId="3013723820" sldId="290"/>
-            <ac:spMk id="6" creationId="{D2CD2CD0-13D2-494C-877E-454E1D21E2BD}"/>
-          </ac:spMkLst>
-        </pc:spChg>
-        <pc:spChg chg="add del">
-          <ac:chgData name="Kristofer Carta" userId="a949ead7c4bcd18f" providerId="LiveId" clId="{BDB12BE9-6248-4518-AD0A-7BEFF3A06A4A}" dt="2017-08-23T09:34:09.247" v="13376" actId="20577"/>
-          <ac:spMkLst>
-            <pc:docMk/>
-            <pc:sldMk cId="3013723820" sldId="290"/>
-            <ac:spMk id="7" creationId="{00000000-0000-0000-0000-000000000000}"/>
-          </ac:spMkLst>
-        </pc:spChg>
-        <pc:spChg chg="add del">
-          <ac:chgData name="Kristofer Carta" userId="a949ead7c4bcd18f" providerId="LiveId" clId="{BDB12BE9-6248-4518-AD0A-7BEFF3A06A4A}" dt="2017-08-23T09:34:09.247" v="13376" actId="20577"/>
-          <ac:spMkLst>
-            <pc:docMk/>
-            <pc:sldMk cId="3013723820" sldId="290"/>
-            <ac:spMk id="9" creationId="{00000000-0000-0000-0000-000000000000}"/>
-          </ac:spMkLst>
-        </pc:spChg>
-        <pc:spChg chg="add del">
-          <ac:chgData name="Kristofer Carta" userId="a949ead7c4bcd18f" providerId="LiveId" clId="{BDB12BE9-6248-4518-AD0A-7BEFF3A06A4A}" dt="2017-08-23T09:34:09.247" v="13376" actId="20577"/>
-          <ac:spMkLst>
-            <pc:docMk/>
-            <pc:sldMk cId="3013723820" sldId="290"/>
-            <ac:spMk id="13" creationId="{00000000-0000-0000-0000-000000000000}"/>
-          </ac:spMkLst>
-        </pc:spChg>
-        <pc:spChg chg="del">
-          <ac:chgData name="Kristofer Carta" userId="a949ead7c4bcd18f" providerId="LiveId" clId="{BDB12BE9-6248-4518-AD0A-7BEFF3A06A4A}" dt="2017-08-22T20:30:11.557" v="350" actId="478"/>
-          <ac:spMkLst>
-            <pc:docMk/>
-            <pc:sldMk cId="3013723820" sldId="290"/>
-            <ac:spMk id="51" creationId="{00000000-0000-0000-0000-000000000000}"/>
-          </ac:spMkLst>
-        </pc:spChg>
-        <pc:grpChg chg="del">
-          <ac:chgData name="Kristofer Carta" userId="a949ead7c4bcd18f" providerId="LiveId" clId="{BDB12BE9-6248-4518-AD0A-7BEFF3A06A4A}" dt="2017-08-22T20:30:11.557" v="350" actId="478"/>
-          <ac:grpSpMkLst>
-            <pc:docMk/>
-            <pc:sldMk cId="3013723820" sldId="290"/>
-            <ac:grpSpMk id="10" creationId="{00000000-0000-0000-0000-000000000000}"/>
-          </ac:grpSpMkLst>
-        </pc:grpChg>
-        <pc:grpChg chg="del">
-          <ac:chgData name="Kristofer Carta" userId="a949ead7c4bcd18f" providerId="LiveId" clId="{BDB12BE9-6248-4518-AD0A-7BEFF3A06A4A}" dt="2017-08-22T20:30:11.557" v="350" actId="478"/>
-          <ac:grpSpMkLst>
-            <pc:docMk/>
-            <pc:sldMk cId="3013723820" sldId="290"/>
-            <ac:grpSpMk id="11" creationId="{00000000-0000-0000-0000-000000000000}"/>
-          </ac:grpSpMkLst>
-        </pc:grpChg>
-        <pc:grpChg chg="del">
-          <ac:chgData name="Kristofer Carta" userId="a949ead7c4bcd18f" providerId="LiveId" clId="{BDB12BE9-6248-4518-AD0A-7BEFF3A06A4A}" dt="2017-08-22T20:30:11.557" v="350" actId="478"/>
-          <ac:grpSpMkLst>
-            <pc:docMk/>
-            <pc:sldMk cId="3013723820" sldId="290"/>
-            <ac:grpSpMk id="14" creationId="{00000000-0000-0000-0000-000000000000}"/>
-          </ac:grpSpMkLst>
-        </pc:grpChg>
-        <pc:grpChg chg="del">
-          <ac:chgData name="Kristofer Carta" userId="a949ead7c4bcd18f" providerId="LiveId" clId="{BDB12BE9-6248-4518-AD0A-7BEFF3A06A4A}" dt="2017-08-22T20:30:11.557" v="350" actId="478"/>
-          <ac:grpSpMkLst>
-            <pc:docMk/>
-            <pc:sldMk cId="3013723820" sldId="290"/>
-            <ac:grpSpMk id="17" creationId="{00000000-0000-0000-0000-000000000000}"/>
-          </ac:grpSpMkLst>
-        </pc:grpChg>
-        <pc:grpChg chg="del">
-          <ac:chgData name="Kristofer Carta" userId="a949ead7c4bcd18f" providerId="LiveId" clId="{BDB12BE9-6248-4518-AD0A-7BEFF3A06A4A}" dt="2017-08-22T20:30:11.557" v="350" actId="478"/>
-          <ac:grpSpMkLst>
-            <pc:docMk/>
-            <pc:sldMk cId="3013723820" sldId="290"/>
-            <ac:grpSpMk id="24" creationId="{00000000-0000-0000-0000-000000000000}"/>
-          </ac:grpSpMkLst>
-        </pc:grpChg>
-        <pc:grpChg chg="del">
-          <ac:chgData name="Kristofer Carta" userId="a949ead7c4bcd18f" providerId="LiveId" clId="{BDB12BE9-6248-4518-AD0A-7BEFF3A06A4A}" dt="2017-08-22T20:30:11.557" v="350" actId="478"/>
-          <ac:grpSpMkLst>
-            <pc:docMk/>
-            <pc:sldMk cId="3013723820" sldId="290"/>
-            <ac:grpSpMk id="33" creationId="{00000000-0000-0000-0000-000000000000}"/>
-          </ac:grpSpMkLst>
-        </pc:grpChg>
-        <pc:picChg chg="del">
-          <ac:chgData name="Kristofer Carta" userId="a949ead7c4bcd18f" providerId="LiveId" clId="{BDB12BE9-6248-4518-AD0A-7BEFF3A06A4A}" dt="2017-08-22T20:30:11.557" v="350" actId="478"/>
-          <ac:picMkLst>
-            <pc:docMk/>
-            <pc:sldMk cId="3013723820" sldId="290"/>
-            <ac:picMk id="5" creationId="{00000000-0000-0000-0000-000000000000}"/>
-          </ac:picMkLst>
-        </pc:picChg>
-      </pc:sldChg>
-      <pc:sldChg chg="addSp delSp modSp add mod ord setBg setClrOvrMap delDesignElem">
-        <pc:chgData name="Kristofer Carta" userId="a949ead7c4bcd18f" providerId="LiveId" clId="{BDB12BE9-6248-4518-AD0A-7BEFF3A06A4A}" dt="2017-08-23T09:34:09.247" v="13376" actId="20577"/>
-        <pc:sldMkLst>
-          <pc:docMk/>
-          <pc:sldMk cId="2069327080" sldId="291"/>
-        </pc:sldMkLst>
-        <pc:spChg chg="mod">
-          <ac:chgData name="Kristofer Carta" userId="a949ead7c4bcd18f" providerId="LiveId" clId="{BDB12BE9-6248-4518-AD0A-7BEFF3A06A4A}" dt="2017-08-22T20:31:45.792" v="388" actId="26606"/>
-          <ac:spMkLst>
-            <pc:docMk/>
-            <pc:sldMk cId="2069327080" sldId="291"/>
-            <ac:spMk id="2" creationId="{00000000-0000-0000-0000-000000000000}"/>
-          </ac:spMkLst>
-        </pc:spChg>
-        <pc:spChg chg="del">
-          <ac:chgData name="Kristofer Carta" userId="a949ead7c4bcd18f" providerId="LiveId" clId="{BDB12BE9-6248-4518-AD0A-7BEFF3A06A4A}" dt="2017-08-22T20:30:22.884" v="353" actId="478"/>
-          <ac:spMkLst>
-            <pc:docMk/>
-            <pc:sldMk cId="2069327080" sldId="291"/>
-            <ac:spMk id="3" creationId="{00000000-0000-0000-0000-000000000000}"/>
-          </ac:spMkLst>
-        </pc:spChg>
-        <pc:spChg chg="del">
-          <ac:chgData name="Kristofer Carta" userId="a949ead7c4bcd18f" providerId="LiveId" clId="{BDB12BE9-6248-4518-AD0A-7BEFF3A06A4A}" dt="2017-08-22T20:30:22.884" v="353" actId="478"/>
-          <ac:spMkLst>
-            <pc:docMk/>
-            <pc:sldMk cId="2069327080" sldId="291"/>
-            <ac:spMk id="5" creationId="{00000000-0000-0000-0000-000000000000}"/>
-          </ac:spMkLst>
-        </pc:spChg>
-        <pc:spChg chg="add del mod">
-          <ac:chgData name="Kristofer Carta" userId="a949ead7c4bcd18f" providerId="LiveId" clId="{BDB12BE9-6248-4518-AD0A-7BEFF3A06A4A}" dt="2017-08-22T20:31:45.792" v="388" actId="26606"/>
-          <ac:spMkLst>
-            <pc:docMk/>
-            <pc:sldMk cId="2069327080" sldId="291"/>
-            <ac:spMk id="6" creationId="{88EE29C7-6914-4775-B50D-96023720F2D1}"/>
-          </ac:spMkLst>
-        </pc:spChg>
-        <pc:spChg chg="add del">
-          <ac:chgData name="Kristofer Carta" userId="a949ead7c4bcd18f" providerId="LiveId" clId="{BDB12BE9-6248-4518-AD0A-7BEFF3A06A4A}" dt="2017-08-23T09:34:09.247" v="13376" actId="20577"/>
-          <ac:spMkLst>
-            <pc:docMk/>
-            <pc:sldMk cId="2069327080" sldId="291"/>
-            <ac:spMk id="11" creationId="{00000000-0000-0000-0000-000000000000}"/>
-          </ac:spMkLst>
-        </pc:spChg>
-        <pc:spChg chg="add del">
-          <ac:chgData name="Kristofer Carta" userId="a949ead7c4bcd18f" providerId="LiveId" clId="{BDB12BE9-6248-4518-AD0A-7BEFF3A06A4A}" dt="2017-08-23T09:34:09.247" v="13376" actId="20577"/>
-          <ac:spMkLst>
-            <pc:docMk/>
-            <pc:sldMk cId="2069327080" sldId="291"/>
-            <ac:spMk id="13" creationId="{00000000-0000-0000-0000-000000000000}"/>
-          </ac:spMkLst>
-        </pc:spChg>
-        <pc:spChg chg="add del">
-          <ac:chgData name="Kristofer Carta" userId="a949ead7c4bcd18f" providerId="LiveId" clId="{BDB12BE9-6248-4518-AD0A-7BEFF3A06A4A}" dt="2017-08-23T09:34:09.247" v="13376" actId="20577"/>
-          <ac:spMkLst>
-            <pc:docMk/>
-            <pc:sldMk cId="2069327080" sldId="291"/>
-            <ac:spMk id="15" creationId="{00000000-0000-0000-0000-000000000000}"/>
-          </ac:spMkLst>
-        </pc:spChg>
-        <pc:spChg chg="add del">
-          <ac:chgData name="Kristofer Carta" userId="a949ead7c4bcd18f" providerId="LiveId" clId="{BDB12BE9-6248-4518-AD0A-7BEFF3A06A4A}" dt="2017-08-23T09:34:09.247" v="13376" actId="20577"/>
-          <ac:spMkLst>
-            <pc:docMk/>
-            <pc:sldMk cId="2069327080" sldId="291"/>
-            <ac:spMk id="17" creationId="{00000000-0000-0000-0000-000000000000}"/>
-          </ac:spMkLst>
-        </pc:spChg>
-        <pc:picChg chg="del">
-          <ac:chgData name="Kristofer Carta" userId="a949ead7c4bcd18f" providerId="LiveId" clId="{BDB12BE9-6248-4518-AD0A-7BEFF3A06A4A}" dt="2017-08-22T20:30:22.884" v="353" actId="478"/>
-          <ac:picMkLst>
-            <pc:docMk/>
-            <pc:sldMk cId="2069327080" sldId="291"/>
-            <ac:picMk id="3074" creationId="{00000000-0000-0000-0000-000000000000}"/>
-          </ac:picMkLst>
-        </pc:picChg>
-      </pc:sldChg>
-      <pc:sldChg chg="modSp add">
-        <pc:chgData name="Kristofer Carta" userId="a949ead7c4bcd18f" providerId="LiveId" clId="{BDB12BE9-6248-4518-AD0A-7BEFF3A06A4A}" dt="2017-08-22T21:26:42.347" v="1842" actId="2696"/>
-        <pc:sldMkLst>
-          <pc:docMk/>
-          <pc:sldMk cId="3312173396" sldId="292"/>
-        </pc:sldMkLst>
-        <pc:spChg chg="mod">
-          <ac:chgData name="Kristofer Carta" userId="a949ead7c4bcd18f" providerId="LiveId" clId="{BDB12BE9-6248-4518-AD0A-7BEFF3A06A4A}" dt="2017-08-22T21:26:42.347" v="1842" actId="2696"/>
-          <ac:spMkLst>
-            <pc:docMk/>
-            <pc:sldMk cId="3312173396" sldId="292"/>
-            <ac:spMk id="2" creationId="{00000000-0000-0000-0000-000000000000}"/>
-          </ac:spMkLst>
-        </pc:spChg>
-        <pc:spChg chg="mod">
-          <ac:chgData name="Kristofer Carta" userId="a949ead7c4bcd18f" providerId="LiveId" clId="{BDB12BE9-6248-4518-AD0A-7BEFF3A06A4A}" dt="2017-08-22T21:26:35.234" v="1832" actId="27636"/>
-          <ac:spMkLst>
-            <pc:docMk/>
-            <pc:sldMk cId="3312173396" sldId="292"/>
-            <ac:spMk id="3" creationId="{00000000-0000-0000-0000-000000000000}"/>
-          </ac:spMkLst>
-        </pc:spChg>
-      </pc:sldChg>
-      <pc:sldChg chg="add del">
-        <pc:chgData name="Kristofer Carta" userId="a949ead7c4bcd18f" providerId="LiveId" clId="{BDB12BE9-6248-4518-AD0A-7BEFF3A06A4A}" dt="2017-08-22T20:33:17.750" v="408" actId="2696"/>
-        <pc:sldMkLst>
-          <pc:docMk/>
-          <pc:sldMk cId="217873713" sldId="293"/>
-        </pc:sldMkLst>
-      </pc:sldChg>
-      <pc:sldChg chg="addSp delSp modSp add">
-        <pc:chgData name="Kristofer Carta" userId="a949ead7c4bcd18f" providerId="LiveId" clId="{BDB12BE9-6248-4518-AD0A-7BEFF3A06A4A}" dt="2017-08-22T21:37:51.164" v="2572" actId="113"/>
-        <pc:sldMkLst>
-          <pc:docMk/>
-          <pc:sldMk cId="529333106" sldId="293"/>
-        </pc:sldMkLst>
-        <pc:spChg chg="mod">
-          <ac:chgData name="Kristofer Carta" userId="a949ead7c4bcd18f" providerId="LiveId" clId="{BDB12BE9-6248-4518-AD0A-7BEFF3A06A4A}" dt="2017-08-22T21:26:42.347" v="1842" actId="113"/>
-          <ac:spMkLst>
-            <pc:docMk/>
-            <pc:sldMk cId="529333106" sldId="293"/>
-            <ac:spMk id="2" creationId="{00000000-0000-0000-0000-000000000000}"/>
-          </ac:spMkLst>
-        </pc:spChg>
-        <pc:spChg chg="mod">
-          <ac:chgData name="Kristofer Carta" userId="a949ead7c4bcd18f" providerId="LiveId" clId="{BDB12BE9-6248-4518-AD0A-7BEFF3A06A4A}" dt="2017-08-22T21:37:51.164" v="2572" actId="113"/>
-          <ac:spMkLst>
-            <pc:docMk/>
-            <pc:sldMk cId="529333106" sldId="293"/>
-            <ac:spMk id="3" creationId="{00000000-0000-0000-0000-000000000000}"/>
-          </ac:spMkLst>
-        </pc:spChg>
-        <pc:picChg chg="del mod">
-          <ac:chgData name="Kristofer Carta" userId="a949ead7c4bcd18f" providerId="LiveId" clId="{BDB12BE9-6248-4518-AD0A-7BEFF3A06A4A}" dt="2017-08-22T21:36:35.775" v="2392" actId="478"/>
-          <ac:picMkLst>
-            <pc:docMk/>
-            <pc:sldMk cId="529333106" sldId="293"/>
-            <ac:picMk id="4" creationId="{00000000-0000-0000-0000-000000000000}"/>
-          </ac:picMkLst>
-        </pc:picChg>
-        <pc:picChg chg="add mod">
-          <ac:chgData name="Kristofer Carta" userId="a949ead7c4bcd18f" providerId="LiveId" clId="{BDB12BE9-6248-4518-AD0A-7BEFF3A06A4A}" dt="2017-08-22T21:36:41.062" v="2394" actId="1076"/>
-          <ac:picMkLst>
-            <pc:docMk/>
-            <pc:sldMk cId="529333106" sldId="293"/>
-            <ac:picMk id="5" creationId="{271A1B1F-85CB-49A0-AC91-EC68B3DC66FE}"/>
-          </ac:picMkLst>
-        </pc:picChg>
-      </pc:sldChg>
-      <pc:sldChg chg="addSp delSp modSp add">
-        <pc:chgData name="Kristofer Carta" userId="a949ead7c4bcd18f" providerId="LiveId" clId="{BDB12BE9-6248-4518-AD0A-7BEFF3A06A4A}" dt="2017-08-23T08:10:22.687" v="9011" actId="20577"/>
-        <pc:sldMkLst>
-          <pc:docMk/>
-          <pc:sldMk cId="2590034179" sldId="294"/>
-        </pc:sldMkLst>
-        <pc:spChg chg="mod">
-          <ac:chgData name="Kristofer Carta" userId="a949ead7c4bcd18f" providerId="LiveId" clId="{BDB12BE9-6248-4518-AD0A-7BEFF3A06A4A}" dt="2017-08-22T21:26:42.347" v="1842" actId="2696"/>
-          <ac:spMkLst>
-            <pc:docMk/>
-            <pc:sldMk cId="2590034179" sldId="294"/>
-            <ac:spMk id="2" creationId="{00000000-0000-0000-0000-000000000000}"/>
-          </ac:spMkLst>
-        </pc:spChg>
-        <pc:spChg chg="mod">
-          <ac:chgData name="Kristofer Carta" userId="a949ead7c4bcd18f" providerId="LiveId" clId="{BDB12BE9-6248-4518-AD0A-7BEFF3A06A4A}" dt="2017-08-23T08:10:22.687" v="9011" actId="20577"/>
-          <ac:spMkLst>
-            <pc:docMk/>
-            <pc:sldMk cId="2590034179" sldId="294"/>
-            <ac:spMk id="3" creationId="{00000000-0000-0000-0000-000000000000}"/>
-          </ac:spMkLst>
-        </pc:spChg>
-        <pc:picChg chg="del mod">
-          <ac:chgData name="Kristofer Carta" userId="a949ead7c4bcd18f" providerId="LiveId" clId="{BDB12BE9-6248-4518-AD0A-7BEFF3A06A4A}" dt="2017-08-22T21:38:26.264" v="2574" actId="478"/>
-          <ac:picMkLst>
-            <pc:docMk/>
-            <pc:sldMk cId="2590034179" sldId="294"/>
-            <ac:picMk id="4" creationId="{00000000-0000-0000-0000-000000000000}"/>
-          </ac:picMkLst>
-        </pc:picChg>
-        <pc:picChg chg="add mod">
-          <ac:chgData name="Kristofer Carta" userId="a949ead7c4bcd18f" providerId="LiveId" clId="{BDB12BE9-6248-4518-AD0A-7BEFF3A06A4A}" dt="2017-08-22T21:38:32.579" v="2577" actId="1076"/>
-          <ac:picMkLst>
-            <pc:docMk/>
-            <pc:sldMk cId="2590034179" sldId="294"/>
-            <ac:picMk id="5" creationId="{852FC0B1-560E-4FAF-864F-4627AB04BD50}"/>
-          </ac:picMkLst>
-        </pc:picChg>
-      </pc:sldChg>
-      <pc:sldChg chg="addSp delSp modSp add">
-        <pc:chgData name="Kristofer Carta" userId="a949ead7c4bcd18f" providerId="LiveId" clId="{BDB12BE9-6248-4518-AD0A-7BEFF3A06A4A}" dt="2017-08-23T08:14:17.141" v="9500" actId="113"/>
-        <pc:sldMkLst>
-          <pc:docMk/>
-          <pc:sldMk cId="832639978" sldId="295"/>
-        </pc:sldMkLst>
-        <pc:spChg chg="mod">
-          <ac:chgData name="Kristofer Carta" userId="a949ead7c4bcd18f" providerId="LiveId" clId="{BDB12BE9-6248-4518-AD0A-7BEFF3A06A4A}" dt="2017-08-22T21:26:42.347" v="1842" actId="2696"/>
-          <ac:spMkLst>
-            <pc:docMk/>
-            <pc:sldMk cId="832639978" sldId="295"/>
-            <ac:spMk id="2" creationId="{00000000-0000-0000-0000-000000000000}"/>
-          </ac:spMkLst>
-        </pc:spChg>
-        <pc:spChg chg="mod">
-          <ac:chgData name="Kristofer Carta" userId="a949ead7c4bcd18f" providerId="LiveId" clId="{BDB12BE9-6248-4518-AD0A-7BEFF3A06A4A}" dt="2017-08-23T08:14:17.141" v="9500" actId="113"/>
-          <ac:spMkLst>
-            <pc:docMk/>
-            <pc:sldMk cId="832639978" sldId="295"/>
-            <ac:spMk id="3" creationId="{00000000-0000-0000-0000-000000000000}"/>
-          </ac:spMkLst>
-        </pc:spChg>
-        <pc:picChg chg="add mod">
-          <ac:chgData name="Kristofer Carta" userId="a949ead7c4bcd18f" providerId="LiveId" clId="{BDB12BE9-6248-4518-AD0A-7BEFF3A06A4A}" dt="2017-08-23T08:13:58.991" v="9481" actId="1076"/>
-          <ac:picMkLst>
-            <pc:docMk/>
-            <pc:sldMk cId="832639978" sldId="295"/>
-            <ac:picMk id="4" creationId="{71E8057C-BA28-4627-8773-43C7BB2058D4}"/>
-          </ac:picMkLst>
-        </pc:picChg>
-        <pc:picChg chg="del">
-          <ac:chgData name="Kristofer Carta" userId="a949ead7c4bcd18f" providerId="LiveId" clId="{BDB12BE9-6248-4518-AD0A-7BEFF3A06A4A}" dt="2017-08-22T21:38:57.303" v="2579" actId="478"/>
-          <ac:picMkLst>
-            <pc:docMk/>
-            <pc:sldMk cId="832639978" sldId="295"/>
-            <ac:picMk id="4" creationId="{00000000-0000-0000-0000-000000000000}"/>
-          </ac:picMkLst>
-        </pc:picChg>
-        <pc:picChg chg="add mod">
-          <ac:chgData name="Kristofer Carta" userId="a949ead7c4bcd18f" providerId="LiveId" clId="{BDB12BE9-6248-4518-AD0A-7BEFF3A06A4A}" dt="2017-08-23T08:13:54.867" v="9480" actId="1076"/>
-          <ac:picMkLst>
-            <pc:docMk/>
-            <pc:sldMk cId="832639978" sldId="295"/>
-            <ac:picMk id="5" creationId="{7F6550AA-33B5-46FD-A2A1-65B67944C7B6}"/>
-          </ac:picMkLst>
-        </pc:picChg>
-      </pc:sldChg>
-      <pc:sldChg chg="addSp delSp modSp add">
-        <pc:chgData name="Kristofer Carta" userId="a949ead7c4bcd18f" providerId="LiveId" clId="{BDB12BE9-6248-4518-AD0A-7BEFF3A06A4A}" dt="2017-08-23T08:15:53.887" v="9759" actId="113"/>
-        <pc:sldMkLst>
-          <pc:docMk/>
-          <pc:sldMk cId="2908102715" sldId="296"/>
-        </pc:sldMkLst>
-        <pc:spChg chg="mod">
-          <ac:chgData name="Kristofer Carta" userId="a949ead7c4bcd18f" providerId="LiveId" clId="{BDB12BE9-6248-4518-AD0A-7BEFF3A06A4A}" dt="2017-08-22T21:26:42.347" v="1842" actId="2696"/>
-          <ac:spMkLst>
-            <pc:docMk/>
-            <pc:sldMk cId="2908102715" sldId="296"/>
-            <ac:spMk id="2" creationId="{00000000-0000-0000-0000-000000000000}"/>
-          </ac:spMkLst>
-        </pc:spChg>
-        <pc:spChg chg="mod">
-          <ac:chgData name="Kristofer Carta" userId="a949ead7c4bcd18f" providerId="LiveId" clId="{BDB12BE9-6248-4518-AD0A-7BEFF3A06A4A}" dt="2017-08-23T08:15:53.887" v="9759" actId="113"/>
-          <ac:spMkLst>
-            <pc:docMk/>
-            <pc:sldMk cId="2908102715" sldId="296"/>
-            <ac:spMk id="3" creationId="{00000000-0000-0000-0000-000000000000}"/>
-          </ac:spMkLst>
-        </pc:spChg>
-        <pc:picChg chg="del">
-          <ac:chgData name="Kristofer Carta" userId="a949ead7c4bcd18f" providerId="LiveId" clId="{BDB12BE9-6248-4518-AD0A-7BEFF3A06A4A}" dt="2017-08-22T21:39:27.833" v="2584" actId="478"/>
-          <ac:picMkLst>
-            <pc:docMk/>
-            <pc:sldMk cId="2908102715" sldId="296"/>
-            <ac:picMk id="4" creationId="{00000000-0000-0000-0000-000000000000}"/>
-          </ac:picMkLst>
-        </pc:picChg>
-        <pc:picChg chg="add mod">
-          <ac:chgData name="Kristofer Carta" userId="a949ead7c4bcd18f" providerId="LiveId" clId="{BDB12BE9-6248-4518-AD0A-7BEFF3A06A4A}" dt="2017-08-22T21:39:41.704" v="2589" actId="1076"/>
-          <ac:picMkLst>
-            <pc:docMk/>
-            <pc:sldMk cId="2908102715" sldId="296"/>
-            <ac:picMk id="5" creationId="{83B28743-91E3-420C-B644-7D81A68E0725}"/>
-          </ac:picMkLst>
-        </pc:picChg>
-      </pc:sldChg>
-      <pc:sldChg chg="addSp delSp modSp add">
-        <pc:chgData name="Kristofer Carta" userId="a949ead7c4bcd18f" providerId="LiveId" clId="{BDB12BE9-6248-4518-AD0A-7BEFF3A06A4A}" dt="2017-08-23T08:21:46.183" v="10417" actId="20577"/>
-        <pc:sldMkLst>
-          <pc:docMk/>
-          <pc:sldMk cId="2085938742" sldId="297"/>
-        </pc:sldMkLst>
-        <pc:spChg chg="mod">
-          <ac:chgData name="Kristofer Carta" userId="a949ead7c4bcd18f" providerId="LiveId" clId="{BDB12BE9-6248-4518-AD0A-7BEFF3A06A4A}" dt="2017-08-22T21:26:42.347" v="1842" actId="2696"/>
-          <ac:spMkLst>
-            <pc:docMk/>
-            <pc:sldMk cId="2085938742" sldId="297"/>
-            <ac:spMk id="2" creationId="{00000000-0000-0000-0000-000000000000}"/>
-          </ac:spMkLst>
-        </pc:spChg>
-        <pc:spChg chg="mod">
-          <ac:chgData name="Kristofer Carta" userId="a949ead7c4bcd18f" providerId="LiveId" clId="{BDB12BE9-6248-4518-AD0A-7BEFF3A06A4A}" dt="2017-08-23T08:21:46.183" v="10417" actId="20577"/>
-          <ac:spMkLst>
-            <pc:docMk/>
-            <pc:sldMk cId="2085938742" sldId="297"/>
-            <ac:spMk id="3" creationId="{00000000-0000-0000-0000-000000000000}"/>
-          </ac:spMkLst>
-        </pc:spChg>
-        <pc:picChg chg="del">
-          <ac:chgData name="Kristofer Carta" userId="a949ead7c4bcd18f" providerId="LiveId" clId="{BDB12BE9-6248-4518-AD0A-7BEFF3A06A4A}" dt="2017-08-22T21:40:42.979" v="2591" actId="478"/>
-          <ac:picMkLst>
-            <pc:docMk/>
-            <pc:sldMk cId="2085938742" sldId="297"/>
-            <ac:picMk id="4" creationId="{00000000-0000-0000-0000-000000000000}"/>
-          </ac:picMkLst>
-        </pc:picChg>
-        <pc:picChg chg="add mod">
-          <ac:chgData name="Kristofer Carta" userId="a949ead7c4bcd18f" providerId="LiveId" clId="{BDB12BE9-6248-4518-AD0A-7BEFF3A06A4A}" dt="2017-08-22T21:40:54.013" v="2594" actId="1076"/>
-          <ac:picMkLst>
-            <pc:docMk/>
-            <pc:sldMk cId="2085938742" sldId="297"/>
-            <ac:picMk id="5" creationId="{EEDAB5C8-623D-4AC5-9A4B-9108452521CB}"/>
-          </ac:picMkLst>
-        </pc:picChg>
-      </pc:sldChg>
-      <pc:sldChg chg="addSp delSp modSp add">
-        <pc:chgData name="Kristofer Carta" userId="a949ead7c4bcd18f" providerId="LiveId" clId="{BDB12BE9-6248-4518-AD0A-7BEFF3A06A4A}" dt="2017-08-23T08:25:58.036" v="10832" actId="20577"/>
-        <pc:sldMkLst>
-          <pc:docMk/>
-          <pc:sldMk cId="807550934" sldId="298"/>
-        </pc:sldMkLst>
-        <pc:spChg chg="mod">
-          <ac:chgData name="Kristofer Carta" userId="a949ead7c4bcd18f" providerId="LiveId" clId="{BDB12BE9-6248-4518-AD0A-7BEFF3A06A4A}" dt="2017-08-22T21:26:42.347" v="1842" actId="2696"/>
-          <ac:spMkLst>
-            <pc:docMk/>
-            <pc:sldMk cId="807550934" sldId="298"/>
-            <ac:spMk id="2" creationId="{00000000-0000-0000-0000-000000000000}"/>
-          </ac:spMkLst>
-        </pc:spChg>
-        <pc:spChg chg="mod">
-          <ac:chgData name="Kristofer Carta" userId="a949ead7c4bcd18f" providerId="LiveId" clId="{BDB12BE9-6248-4518-AD0A-7BEFF3A06A4A}" dt="2017-08-23T08:25:58.036" v="10832" actId="20577"/>
-          <ac:spMkLst>
-            <pc:docMk/>
-            <pc:sldMk cId="807550934" sldId="298"/>
-            <ac:spMk id="3" creationId="{00000000-0000-0000-0000-000000000000}"/>
-          </ac:spMkLst>
-        </pc:spChg>
-        <pc:picChg chg="del">
-          <ac:chgData name="Kristofer Carta" userId="a949ead7c4bcd18f" providerId="LiveId" clId="{BDB12BE9-6248-4518-AD0A-7BEFF3A06A4A}" dt="2017-08-22T21:41:22.055" v="2596" actId="478"/>
-          <ac:picMkLst>
-            <pc:docMk/>
-            <pc:sldMk cId="807550934" sldId="298"/>
-            <ac:picMk id="4" creationId="{00000000-0000-0000-0000-000000000000}"/>
-          </ac:picMkLst>
-        </pc:picChg>
-        <pc:picChg chg="add mod">
-          <ac:chgData name="Kristofer Carta" userId="a949ead7c4bcd18f" providerId="LiveId" clId="{BDB12BE9-6248-4518-AD0A-7BEFF3A06A4A}" dt="2017-08-22T21:41:37.340" v="2599" actId="1076"/>
-          <ac:picMkLst>
-            <pc:docMk/>
-            <pc:sldMk cId="807550934" sldId="298"/>
-            <ac:picMk id="5" creationId="{CF501747-140C-4AC9-A9D4-1226A637100B}"/>
-          </ac:picMkLst>
-        </pc:picChg>
-      </pc:sldChg>
-      <pc:sldChg chg="addSp delSp modSp add">
-        <pc:chgData name="Kristofer Carta" userId="a949ead7c4bcd18f" providerId="LiveId" clId="{BDB12BE9-6248-4518-AD0A-7BEFF3A06A4A}" dt="2017-08-23T08:28:28.238" v="11086" actId="20577"/>
-        <pc:sldMkLst>
-          <pc:docMk/>
-          <pc:sldMk cId="2848556147" sldId="299"/>
-        </pc:sldMkLst>
-        <pc:spChg chg="mod">
-          <ac:chgData name="Kristofer Carta" userId="a949ead7c4bcd18f" providerId="LiveId" clId="{BDB12BE9-6248-4518-AD0A-7BEFF3A06A4A}" dt="2017-08-22T21:26:42.347" v="1842" actId="1076"/>
-          <ac:spMkLst>
-            <pc:docMk/>
-            <pc:sldMk cId="2848556147" sldId="299"/>
-            <ac:spMk id="2" creationId="{00000000-0000-0000-0000-000000000000}"/>
-          </ac:spMkLst>
-        </pc:spChg>
-        <pc:spChg chg="mod">
-          <ac:chgData name="Kristofer Carta" userId="a949ead7c4bcd18f" providerId="LiveId" clId="{BDB12BE9-6248-4518-AD0A-7BEFF3A06A4A}" dt="2017-08-23T08:28:28.238" v="11086" actId="20577"/>
-          <ac:spMkLst>
-            <pc:docMk/>
-            <pc:sldMk cId="2848556147" sldId="299"/>
-            <ac:spMk id="3" creationId="{00000000-0000-0000-0000-000000000000}"/>
-          </ac:spMkLst>
-        </pc:spChg>
-        <pc:picChg chg="del">
-          <ac:chgData name="Kristofer Carta" userId="a949ead7c4bcd18f" providerId="LiveId" clId="{BDB12BE9-6248-4518-AD0A-7BEFF3A06A4A}" dt="2017-08-22T21:42:01.667" v="2602" actId="478"/>
-          <ac:picMkLst>
-            <pc:docMk/>
-            <pc:sldMk cId="2848556147" sldId="299"/>
-            <ac:picMk id="4" creationId="{00000000-0000-0000-0000-000000000000}"/>
-          </ac:picMkLst>
-        </pc:picChg>
-        <pc:picChg chg="add del mod">
-          <ac:chgData name="Kristofer Carta" userId="a949ead7c4bcd18f" providerId="LiveId" clId="{BDB12BE9-6248-4518-AD0A-7BEFF3A06A4A}" dt="2017-08-22T21:42:31.490" v="2606" actId="478"/>
-          <ac:picMkLst>
-            <pc:docMk/>
-            <pc:sldMk cId="2848556147" sldId="299"/>
-            <ac:picMk id="5" creationId="{BA5D52C4-D2C0-4935-BC7B-4F9AAF7DBE48}"/>
-          </ac:picMkLst>
-        </pc:picChg>
-        <pc:picChg chg="add mod">
-          <ac:chgData name="Kristofer Carta" userId="a949ead7c4bcd18f" providerId="LiveId" clId="{BDB12BE9-6248-4518-AD0A-7BEFF3A06A4A}" dt="2017-08-22T21:42:44.339" v="2611" actId="1076"/>
-          <ac:picMkLst>
-            <pc:docMk/>
-            <pc:sldMk cId="2848556147" sldId="299"/>
-            <ac:picMk id="6" creationId="{E764F7A9-4B41-4B08-ADED-E938C2E690B3}"/>
-          </ac:picMkLst>
-        </pc:picChg>
-      </pc:sldChg>
-      <pc:sldChg chg="addSp delSp modSp add">
-        <pc:chgData name="Kristofer Carta" userId="a949ead7c4bcd18f" providerId="LiveId" clId="{BDB12BE9-6248-4518-AD0A-7BEFF3A06A4A}" dt="2017-08-23T08:07:35.368" v="8643" actId="20577"/>
-        <pc:sldMkLst>
-          <pc:docMk/>
-          <pc:sldMk cId="2335144893" sldId="300"/>
-        </pc:sldMkLst>
-        <pc:spChg chg="mod">
-          <ac:chgData name="Kristofer Carta" userId="a949ead7c4bcd18f" providerId="LiveId" clId="{BDB12BE9-6248-4518-AD0A-7BEFF3A06A4A}" dt="2017-08-22T21:26:42.347" v="1842" actId="2696"/>
-          <ac:spMkLst>
-            <pc:docMk/>
-            <pc:sldMk cId="2335144893" sldId="300"/>
-            <ac:spMk id="2" creationId="{00000000-0000-0000-0000-000000000000}"/>
-          </ac:spMkLst>
-        </pc:spChg>
-        <pc:spChg chg="mod">
-          <ac:chgData name="Kristofer Carta" userId="a949ead7c4bcd18f" providerId="LiveId" clId="{BDB12BE9-6248-4518-AD0A-7BEFF3A06A4A}" dt="2017-08-23T08:07:35.368" v="8643" actId="20577"/>
-          <ac:spMkLst>
-            <pc:docMk/>
-            <pc:sldMk cId="2335144893" sldId="300"/>
-            <ac:spMk id="3" creationId="{00000000-0000-0000-0000-000000000000}"/>
-          </ac:spMkLst>
-        </pc:spChg>
-        <pc:picChg chg="del">
-          <ac:chgData name="Kristofer Carta" userId="a949ead7c4bcd18f" providerId="LiveId" clId="{BDB12BE9-6248-4518-AD0A-7BEFF3A06A4A}" dt="2017-08-22T21:43:42.834" v="2616" actId="478"/>
-          <ac:picMkLst>
-            <pc:docMk/>
-            <pc:sldMk cId="2335144893" sldId="300"/>
-            <ac:picMk id="4" creationId="{00000000-0000-0000-0000-000000000000}"/>
-          </ac:picMkLst>
-        </pc:picChg>
-        <pc:picChg chg="add mod">
-          <ac:chgData name="Kristofer Carta" userId="a949ead7c4bcd18f" providerId="LiveId" clId="{BDB12BE9-6248-4518-AD0A-7BEFF3A06A4A}" dt="2017-08-22T21:43:53.039" v="2621" actId="1076"/>
-          <ac:picMkLst>
-            <pc:docMk/>
-            <pc:sldMk cId="2335144893" sldId="300"/>
-            <ac:picMk id="5" creationId="{8A3F2D87-EF38-4C4A-9569-37E20CC0F07E}"/>
-          </ac:picMkLst>
-        </pc:picChg>
-      </pc:sldChg>
-      <pc:sldChg chg="addSp delSp modSp add mod setBg setClrOvrMap delDesignElem">
-        <pc:chgData name="Kristofer Carta" userId="a949ead7c4bcd18f" providerId="LiveId" clId="{BDB12BE9-6248-4518-AD0A-7BEFF3A06A4A}" dt="2017-08-23T09:34:09.247" v="13376" actId="20577"/>
-        <pc:sldMkLst>
-          <pc:docMk/>
-          <pc:sldMk cId="1180048117" sldId="301"/>
-        </pc:sldMkLst>
-        <pc:spChg chg="mod">
-          <ac:chgData name="Kristofer Carta" userId="a949ead7c4bcd18f" providerId="LiveId" clId="{BDB12BE9-6248-4518-AD0A-7BEFF3A06A4A}" dt="2017-08-22T20:40:17.113" v="576" actId="26606"/>
-          <ac:spMkLst>
-            <pc:docMk/>
-            <pc:sldMk cId="1180048117" sldId="301"/>
-            <ac:spMk id="2" creationId="{00000000-0000-0000-0000-000000000000}"/>
-          </ac:spMkLst>
-        </pc:spChg>
-        <pc:spChg chg="del">
-          <ac:chgData name="Kristofer Carta" userId="a949ead7c4bcd18f" providerId="LiveId" clId="{BDB12BE9-6248-4518-AD0A-7BEFF3A06A4A}" dt="2017-08-22T20:39:46.395" v="561" actId="26606"/>
-          <ac:spMkLst>
-            <pc:docMk/>
-            <pc:sldMk cId="1180048117" sldId="301"/>
-            <ac:spMk id="4" creationId="{00000000-0000-0000-0000-000000000000}"/>
-          </ac:spMkLst>
-        </pc:spChg>
-        <pc:spChg chg="add del">
-          <ac:chgData name="Kristofer Carta" userId="a949ead7c4bcd18f" providerId="LiveId" clId="{BDB12BE9-6248-4518-AD0A-7BEFF3A06A4A}" dt="2017-08-22T20:40:17.129" v="577" actId="26606"/>
-          <ac:spMkLst>
-            <pc:docMk/>
-            <pc:sldMk cId="1180048117" sldId="301"/>
-            <ac:spMk id="5" creationId="{00000000-0000-0000-0000-000000000000}"/>
-          </ac:spMkLst>
-        </pc:spChg>
-        <pc:spChg chg="add del">
-          <ac:chgData name="Kristofer Carta" userId="a949ead7c4bcd18f" providerId="LiveId" clId="{BDB12BE9-6248-4518-AD0A-7BEFF3A06A4A}" dt="2017-08-22T20:40:17.129" v="577" actId="26606"/>
-          <ac:spMkLst>
-            <pc:docMk/>
-            <pc:sldMk cId="1180048117" sldId="301"/>
-            <ac:spMk id="6" creationId="{00000000-0000-0000-0000-000000000000}"/>
-          </ac:spMkLst>
-        </pc:spChg>
-        <pc:spChg chg="del">
-          <ac:chgData name="Kristofer Carta" userId="a949ead7c4bcd18f" providerId="LiveId" clId="{BDB12BE9-6248-4518-AD0A-7BEFF3A06A4A}" dt="2017-08-22T20:39:46.395" v="561" actId="26606"/>
-          <ac:spMkLst>
-            <pc:docMk/>
-            <pc:sldMk cId="1180048117" sldId="301"/>
-            <ac:spMk id="7" creationId="{00000000-0000-0000-0000-000000000000}"/>
-          </ac:spMkLst>
-        </pc:spChg>
-        <pc:spChg chg="add del">
-          <ac:chgData name="Kristofer Carta" userId="a949ead7c4bcd18f" providerId="LiveId" clId="{BDB12BE9-6248-4518-AD0A-7BEFF3A06A4A}" dt="2017-08-22T20:40:17.129" v="577" actId="26606"/>
-          <ac:spMkLst>
-            <pc:docMk/>
-            <pc:sldMk cId="1180048117" sldId="301"/>
-            <ac:spMk id="8" creationId="{00000000-0000-0000-0000-000000000000}"/>
-          </ac:spMkLst>
-        </pc:spChg>
-        <pc:spChg chg="del">
-          <ac:chgData name="Kristofer Carta" userId="a949ead7c4bcd18f" providerId="LiveId" clId="{BDB12BE9-6248-4518-AD0A-7BEFF3A06A4A}" dt="2017-08-22T20:39:46.395" v="561" actId="26606"/>
-          <ac:spMkLst>
-            <pc:docMk/>
-            <pc:sldMk cId="1180048117" sldId="301"/>
-            <ac:spMk id="9" creationId="{00000000-0000-0000-0000-000000000000}"/>
-          </ac:spMkLst>
-        </pc:spChg>
-        <pc:spChg chg="add del">
-          <ac:chgData name="Kristofer Carta" userId="a949ead7c4bcd18f" providerId="LiveId" clId="{BDB12BE9-6248-4518-AD0A-7BEFF3A06A4A}" dt="2017-08-22T20:40:17.129" v="577" actId="26606"/>
-          <ac:spMkLst>
-            <pc:docMk/>
-            <pc:sldMk cId="1180048117" sldId="301"/>
-            <ac:spMk id="11" creationId="{00000000-0000-0000-0000-000000000000}"/>
-          </ac:spMkLst>
-        </pc:spChg>
-        <pc:spChg chg="del">
-          <ac:chgData name="Kristofer Carta" userId="a949ead7c4bcd18f" providerId="LiveId" clId="{BDB12BE9-6248-4518-AD0A-7BEFF3A06A4A}" dt="2017-08-22T20:39:46.395" v="561" actId="26606"/>
-          <ac:spMkLst>
-            <pc:docMk/>
-            <pc:sldMk cId="1180048117" sldId="301"/>
-            <ac:spMk id="13" creationId="{00000000-0000-0000-0000-000000000000}"/>
-          </ac:spMkLst>
-        </pc:spChg>
-        <pc:spChg chg="add del">
-          <ac:chgData name="Kristofer Carta" userId="a949ead7c4bcd18f" providerId="LiveId" clId="{BDB12BE9-6248-4518-AD0A-7BEFF3A06A4A}" dt="2017-08-22T20:40:17.113" v="576" actId="26606"/>
-          <ac:spMkLst>
-            <pc:docMk/>
-            <pc:sldMk cId="1180048117" sldId="301"/>
-            <ac:spMk id="16" creationId="{00000000-0000-0000-0000-000000000000}"/>
-          </ac:spMkLst>
-        </pc:spChg>
-        <pc:spChg chg="add del">
-          <ac:chgData name="Kristofer Carta" userId="a949ead7c4bcd18f" providerId="LiveId" clId="{BDB12BE9-6248-4518-AD0A-7BEFF3A06A4A}" dt="2017-08-22T20:40:17.113" v="576" actId="26606"/>
-          <ac:spMkLst>
-            <pc:docMk/>
-            <pc:sldMk cId="1180048117" sldId="301"/>
-            <ac:spMk id="18" creationId="{00000000-0000-0000-0000-000000000000}"/>
-          </ac:spMkLst>
-        </pc:spChg>
-        <pc:spChg chg="add del">
-          <ac:chgData name="Kristofer Carta" userId="a949ead7c4bcd18f" providerId="LiveId" clId="{BDB12BE9-6248-4518-AD0A-7BEFF3A06A4A}" dt="2017-08-22T20:40:17.113" v="576" actId="26606"/>
-          <ac:spMkLst>
-            <pc:docMk/>
-            <pc:sldMk cId="1180048117" sldId="301"/>
-            <ac:spMk id="20" creationId="{00000000-0000-0000-0000-000000000000}"/>
-          </ac:spMkLst>
-        </pc:spChg>
-        <pc:spChg chg="add del">
-          <ac:chgData name="Kristofer Carta" userId="a949ead7c4bcd18f" providerId="LiveId" clId="{BDB12BE9-6248-4518-AD0A-7BEFF3A06A4A}" dt="2017-08-23T09:34:09.247" v="13376" actId="20577"/>
-          <ac:spMkLst>
-            <pc:docMk/>
-            <pc:sldMk cId="1180048117" sldId="301"/>
-            <ac:spMk id="24" creationId="{00000000-0000-0000-0000-000000000000}"/>
-          </ac:spMkLst>
-        </pc:spChg>
-        <pc:spChg chg="add del">
-          <ac:chgData name="Kristofer Carta" userId="a949ead7c4bcd18f" providerId="LiveId" clId="{BDB12BE9-6248-4518-AD0A-7BEFF3A06A4A}" dt="2017-08-23T09:34:09.247" v="13376" actId="20577"/>
-          <ac:spMkLst>
-            <pc:docMk/>
-            <pc:sldMk cId="1180048117" sldId="301"/>
-            <ac:spMk id="25" creationId="{00000000-0000-0000-0000-000000000000}"/>
-          </ac:spMkLst>
-        </pc:spChg>
-        <pc:spChg chg="add del">
-          <ac:chgData name="Kristofer Carta" userId="a949ead7c4bcd18f" providerId="LiveId" clId="{BDB12BE9-6248-4518-AD0A-7BEFF3A06A4A}" dt="2017-08-23T09:34:09.247" v="13376" actId="20577"/>
-          <ac:spMkLst>
-            <pc:docMk/>
-            <pc:sldMk cId="1180048117" sldId="301"/>
-            <ac:spMk id="26" creationId="{00000000-0000-0000-0000-000000000000}"/>
-          </ac:spMkLst>
-        </pc:spChg>
-        <pc:spChg chg="add del">
-          <ac:chgData name="Kristofer Carta" userId="a949ead7c4bcd18f" providerId="LiveId" clId="{BDB12BE9-6248-4518-AD0A-7BEFF3A06A4A}" dt="2017-08-23T09:34:09.247" v="13376" actId="20577"/>
-          <ac:spMkLst>
-            <pc:docMk/>
-            <pc:sldMk cId="1180048117" sldId="301"/>
-            <ac:spMk id="27" creationId="{00000000-0000-0000-0000-000000000000}"/>
-          </ac:spMkLst>
-        </pc:spChg>
-        <pc:cxnChg chg="add del">
-          <ac:chgData name="Kristofer Carta" userId="a949ead7c4bcd18f" providerId="LiveId" clId="{BDB12BE9-6248-4518-AD0A-7BEFF3A06A4A}" dt="2017-08-22T20:40:17.113" v="576" actId="26606"/>
-          <ac:cxnSpMkLst>
-            <pc:docMk/>
-            <pc:sldMk cId="1180048117" sldId="301"/>
-            <ac:cxnSpMk id="22" creationId="{00000000-0000-0000-0000-000000000000}"/>
-          </ac:cxnSpMkLst>
-        </pc:cxnChg>
-      </pc:sldChg>
-      <pc:sldChg chg="modSp add del">
-        <pc:chgData name="Kristofer Carta" userId="a949ead7c4bcd18f" providerId="LiveId" clId="{BDB12BE9-6248-4518-AD0A-7BEFF3A06A4A}" dt="2017-08-22T21:00:10.290" v="1064" actId="2696"/>
-        <pc:sldMkLst>
-          <pc:docMk/>
-          <pc:sldMk cId="751138012" sldId="302"/>
-        </pc:sldMkLst>
-        <pc:spChg chg="mod">
-          <ac:chgData name="Kristofer Carta" userId="a949ead7c4bcd18f" providerId="LiveId" clId="{BDB12BE9-6248-4518-AD0A-7BEFF3A06A4A}" dt="2017-08-22T21:00:08.491" v="1063" actId="20577"/>
-          <ac:spMkLst>
-            <pc:docMk/>
-            <pc:sldMk cId="751138012" sldId="302"/>
-            <ac:spMk id="2" creationId="{4D183F82-5BA4-4CD4-926A-8EF890C47141}"/>
-          </ac:spMkLst>
-        </pc:spChg>
-      </pc:sldChg>
-      <pc:sldChg chg="addSp delSp modSp add">
-        <pc:chgData name="Kristofer Carta" userId="a949ead7c4bcd18f" providerId="LiveId" clId="{BDB12BE9-6248-4518-AD0A-7BEFF3A06A4A}" dt="2017-08-23T08:03:14.736" v="8130" actId="20577"/>
-        <pc:sldMkLst>
-          <pc:docMk/>
-          <pc:sldMk cId="2199076171" sldId="302"/>
-        </pc:sldMkLst>
-        <pc:spChg chg="mod">
-          <ac:chgData name="Kristofer Carta" userId="a949ead7c4bcd18f" providerId="LiveId" clId="{BDB12BE9-6248-4518-AD0A-7BEFF3A06A4A}" dt="2017-08-22T21:26:42.347" v="1842" actId="2696"/>
-          <ac:spMkLst>
-            <pc:docMk/>
-            <pc:sldMk cId="2199076171" sldId="302"/>
-            <ac:spMk id="2" creationId="{00000000-0000-0000-0000-000000000000}"/>
-          </ac:spMkLst>
-        </pc:spChg>
-        <pc:spChg chg="mod">
-          <ac:chgData name="Kristofer Carta" userId="a949ead7c4bcd18f" providerId="LiveId" clId="{BDB12BE9-6248-4518-AD0A-7BEFF3A06A4A}" dt="2017-08-23T08:03:14.736" v="8130" actId="20577"/>
-          <ac:spMkLst>
-            <pc:docMk/>
-            <pc:sldMk cId="2199076171" sldId="302"/>
-            <ac:spMk id="3" creationId="{00000000-0000-0000-0000-000000000000}"/>
-          </ac:spMkLst>
-        </pc:spChg>
-        <pc:picChg chg="del">
-          <ac:chgData name="Kristofer Carta" userId="a949ead7c4bcd18f" providerId="LiveId" clId="{BDB12BE9-6248-4518-AD0A-7BEFF3A06A4A}" dt="2017-08-22T21:46:49.784" v="2640" actId="478"/>
-          <ac:picMkLst>
-            <pc:docMk/>
-            <pc:sldMk cId="2199076171" sldId="302"/>
-            <ac:picMk id="4" creationId="{00000000-0000-0000-0000-000000000000}"/>
-          </ac:picMkLst>
-        </pc:picChg>
-        <pc:picChg chg="add del mod">
-          <ac:chgData name="Kristofer Carta" userId="a949ead7c4bcd18f" providerId="LiveId" clId="{BDB12BE9-6248-4518-AD0A-7BEFF3A06A4A}" dt="2017-08-22T21:47:10.452" v="2645" actId="478"/>
-          <ac:picMkLst>
-            <pc:docMk/>
-            <pc:sldMk cId="2199076171" sldId="302"/>
-            <ac:picMk id="5" creationId="{F4B1E399-7200-4582-87FC-6507DBA3044C}"/>
-          </ac:picMkLst>
-        </pc:picChg>
-        <pc:picChg chg="add mod">
-          <ac:chgData name="Kristofer Carta" userId="a949ead7c4bcd18f" providerId="LiveId" clId="{BDB12BE9-6248-4518-AD0A-7BEFF3A06A4A}" dt="2017-08-22T21:47:57.234" v="2654" actId="14100"/>
-          <ac:picMkLst>
-            <pc:docMk/>
-            <pc:sldMk cId="2199076171" sldId="302"/>
-            <ac:picMk id="6" creationId="{D9D6CB6B-1A41-4639-BD53-19491E40A617}"/>
-          </ac:picMkLst>
-        </pc:picChg>
-      </pc:sldChg>
-      <pc:sldChg chg="addSp delSp modSp add">
-        <pc:chgData name="Kristofer Carta" userId="a949ead7c4bcd18f" providerId="LiveId" clId="{BDB12BE9-6248-4518-AD0A-7BEFF3A06A4A}" dt="2017-08-23T08:00:28.587" v="7638" actId="20577"/>
-        <pc:sldMkLst>
-          <pc:docMk/>
-          <pc:sldMk cId="3637556005" sldId="303"/>
-        </pc:sldMkLst>
-        <pc:spChg chg="mod">
-          <ac:chgData name="Kristofer Carta" userId="a949ead7c4bcd18f" providerId="LiveId" clId="{BDB12BE9-6248-4518-AD0A-7BEFF3A06A4A}" dt="2017-08-22T21:26:42.347" v="1842" actId="2696"/>
-          <ac:spMkLst>
-            <pc:docMk/>
-            <pc:sldMk cId="3637556005" sldId="303"/>
-            <ac:spMk id="2" creationId="{00000000-0000-0000-0000-000000000000}"/>
-          </ac:spMkLst>
-        </pc:spChg>
-        <pc:spChg chg="mod">
-          <ac:chgData name="Kristofer Carta" userId="a949ead7c4bcd18f" providerId="LiveId" clId="{BDB12BE9-6248-4518-AD0A-7BEFF3A06A4A}" dt="2017-08-23T08:00:28.587" v="7638" actId="20577"/>
-          <ac:spMkLst>
-            <pc:docMk/>
-            <pc:sldMk cId="3637556005" sldId="303"/>
-            <ac:spMk id="3" creationId="{00000000-0000-0000-0000-000000000000}"/>
-          </ac:spMkLst>
-        </pc:spChg>
-        <pc:picChg chg="del">
-          <ac:chgData name="Kristofer Carta" userId="a949ead7c4bcd18f" providerId="LiveId" clId="{BDB12BE9-6248-4518-AD0A-7BEFF3A06A4A}" dt="2017-08-22T21:47:45.472" v="2650" actId="478"/>
-          <ac:picMkLst>
-            <pc:docMk/>
-            <pc:sldMk cId="3637556005" sldId="303"/>
-            <ac:picMk id="4" creationId="{00000000-0000-0000-0000-000000000000}"/>
-          </ac:picMkLst>
-        </pc:picChg>
-        <pc:picChg chg="add mod">
-          <ac:chgData name="Kristofer Carta" userId="a949ead7c4bcd18f" providerId="LiveId" clId="{BDB12BE9-6248-4518-AD0A-7BEFF3A06A4A}" dt="2017-08-22T21:47:52.751" v="2653" actId="14100"/>
-          <ac:picMkLst>
-            <pc:docMk/>
-            <pc:sldMk cId="3637556005" sldId="303"/>
-            <ac:picMk id="5" creationId="{62E493E2-3B69-42D7-94BB-EEA3F4D6FC9F}"/>
-          </ac:picMkLst>
-        </pc:picChg>
-      </pc:sldChg>
-      <pc:sldChg chg="addSp delSp modSp add ord delDesignElem">
-        <pc:chgData name="Kristofer Carta" userId="a949ead7c4bcd18f" providerId="LiveId" clId="{BDB12BE9-6248-4518-AD0A-7BEFF3A06A4A}" dt="2017-08-23T09:34:09.247" v="13376" actId="20577"/>
-        <pc:sldMkLst>
-          <pc:docMk/>
-          <pc:sldMk cId="1502807105" sldId="304"/>
-        </pc:sldMkLst>
-        <pc:spChg chg="mod">
-          <ac:chgData name="Kristofer Carta" userId="a949ead7c4bcd18f" providerId="LiveId" clId="{BDB12BE9-6248-4518-AD0A-7BEFF3A06A4A}" dt="2017-08-22T21:01:25.667" v="1137" actId="20577"/>
-          <ac:spMkLst>
-            <pc:docMk/>
-            <pc:sldMk cId="1502807105" sldId="304"/>
-            <ac:spMk id="2" creationId="{00000000-0000-0000-0000-000000000000}"/>
-          </ac:spMkLst>
-        </pc:spChg>
-        <pc:spChg chg="add del">
-          <ac:chgData name="Kristofer Carta" userId="a949ead7c4bcd18f" providerId="LiveId" clId="{BDB12BE9-6248-4518-AD0A-7BEFF3A06A4A}" dt="2017-08-23T09:34:09.247" v="13376" actId="20577"/>
-          <ac:spMkLst>
-            <pc:docMk/>
-            <pc:sldMk cId="1502807105" sldId="304"/>
-            <ac:spMk id="24" creationId="{00000000-0000-0000-0000-000000000000}"/>
-          </ac:spMkLst>
-        </pc:spChg>
-        <pc:spChg chg="add del">
-          <ac:chgData name="Kristofer Carta" userId="a949ead7c4bcd18f" providerId="LiveId" clId="{BDB12BE9-6248-4518-AD0A-7BEFF3A06A4A}" dt="2017-08-23T09:34:09.247" v="13376" actId="20577"/>
-          <ac:spMkLst>
-            <pc:docMk/>
-            <pc:sldMk cId="1502807105" sldId="304"/>
-            <ac:spMk id="25" creationId="{00000000-0000-0000-0000-000000000000}"/>
-          </ac:spMkLst>
-        </pc:spChg>
-        <pc:spChg chg="add del">
-          <ac:chgData name="Kristofer Carta" userId="a949ead7c4bcd18f" providerId="LiveId" clId="{BDB12BE9-6248-4518-AD0A-7BEFF3A06A4A}" dt="2017-08-23T09:34:09.247" v="13376" actId="20577"/>
-          <ac:spMkLst>
-            <pc:docMk/>
-            <pc:sldMk cId="1502807105" sldId="304"/>
-            <ac:spMk id="26" creationId="{00000000-0000-0000-0000-000000000000}"/>
-          </ac:spMkLst>
-        </pc:spChg>
-        <pc:spChg chg="add del">
-          <ac:chgData name="Kristofer Carta" userId="a949ead7c4bcd18f" providerId="LiveId" clId="{BDB12BE9-6248-4518-AD0A-7BEFF3A06A4A}" dt="2017-08-23T09:34:09.247" v="13376" actId="20577"/>
-          <ac:spMkLst>
-            <pc:docMk/>
-            <pc:sldMk cId="1502807105" sldId="304"/>
-            <ac:spMk id="27" creationId="{00000000-0000-0000-0000-000000000000}"/>
-          </ac:spMkLst>
-        </pc:spChg>
-      </pc:sldChg>
-      <pc:sldChg chg="addSp delSp add del setBg delDesignElem">
-        <pc:chgData name="Kristofer Carta" userId="a949ead7c4bcd18f" providerId="LiveId" clId="{BDB12BE9-6248-4518-AD0A-7BEFF3A06A4A}" dt="2017-08-22T21:01:04.455" v="1090" actId="2696"/>
-        <pc:sldMkLst>
-          <pc:docMk/>
-          <pc:sldMk cId="3868604548" sldId="304"/>
-        </pc:sldMkLst>
-        <pc:spChg chg="add del">
-          <ac:chgData name="Kristofer Carta" userId="a949ead7c4bcd18f" providerId="LiveId" clId="{BDB12BE9-6248-4518-AD0A-7BEFF3A06A4A}" dt="2017-08-22T21:01:04.455" v="1090" actId="2696"/>
-          <ac:spMkLst>
-            <pc:docMk/>
-            <pc:sldMk cId="3868604548" sldId="304"/>
-            <ac:spMk id="24" creationId="{00000000-0000-0000-0000-000000000000}"/>
-          </ac:spMkLst>
-        </pc:spChg>
-        <pc:spChg chg="add del">
-          <ac:chgData name="Kristofer Carta" userId="a949ead7c4bcd18f" providerId="LiveId" clId="{BDB12BE9-6248-4518-AD0A-7BEFF3A06A4A}" dt="2017-08-22T21:01:04.455" v="1090" actId="2696"/>
-          <ac:spMkLst>
-            <pc:docMk/>
-            <pc:sldMk cId="3868604548" sldId="304"/>
-            <ac:spMk id="25" creationId="{00000000-0000-0000-0000-000000000000}"/>
-          </ac:spMkLst>
-        </pc:spChg>
-        <pc:spChg chg="add del">
-          <ac:chgData name="Kristofer Carta" userId="a949ead7c4bcd18f" providerId="LiveId" clId="{BDB12BE9-6248-4518-AD0A-7BEFF3A06A4A}" dt="2017-08-22T21:01:04.455" v="1090" actId="2696"/>
-          <ac:spMkLst>
-            <pc:docMk/>
-            <pc:sldMk cId="3868604548" sldId="304"/>
-            <ac:spMk id="26" creationId="{00000000-0000-0000-0000-000000000000}"/>
-          </ac:spMkLst>
-        </pc:spChg>
-        <pc:spChg chg="add del">
-          <ac:chgData name="Kristofer Carta" userId="a949ead7c4bcd18f" providerId="LiveId" clId="{BDB12BE9-6248-4518-AD0A-7BEFF3A06A4A}" dt="2017-08-22T21:01:04.455" v="1090" actId="2696"/>
-          <ac:spMkLst>
-            <pc:docMk/>
-            <pc:sldMk cId="3868604548" sldId="304"/>
-            <ac:spMk id="27" creationId="{00000000-0000-0000-0000-000000000000}"/>
-          </ac:spMkLst>
-        </pc:spChg>
-      </pc:sldChg>
-      <pc:sldChg chg="addSp delSp modSp add">
-        <pc:chgData name="Kristofer Carta" userId="a949ead7c4bcd18f" providerId="LiveId" clId="{BDB12BE9-6248-4518-AD0A-7BEFF3A06A4A}" dt="2017-08-23T08:02:06.534" v="7883" actId="113"/>
-        <pc:sldMkLst>
-          <pc:docMk/>
-          <pc:sldMk cId="893423556" sldId="305"/>
-        </pc:sldMkLst>
-        <pc:spChg chg="mod">
-          <ac:chgData name="Kristofer Carta" userId="a949ead7c4bcd18f" providerId="LiveId" clId="{BDB12BE9-6248-4518-AD0A-7BEFF3A06A4A}" dt="2017-08-22T21:26:42.347" v="1842" actId="2696"/>
-          <ac:spMkLst>
-            <pc:docMk/>
-            <pc:sldMk cId="893423556" sldId="305"/>
-            <ac:spMk id="2" creationId="{00000000-0000-0000-0000-000000000000}"/>
-          </ac:spMkLst>
-        </pc:spChg>
-        <pc:spChg chg="mod">
-          <ac:chgData name="Kristofer Carta" userId="a949ead7c4bcd18f" providerId="LiveId" clId="{BDB12BE9-6248-4518-AD0A-7BEFF3A06A4A}" dt="2017-08-23T08:02:06.534" v="7883" actId="113"/>
-          <ac:spMkLst>
-            <pc:docMk/>
-            <pc:sldMk cId="893423556" sldId="305"/>
-            <ac:spMk id="3" creationId="{00000000-0000-0000-0000-000000000000}"/>
-          </ac:spMkLst>
-        </pc:spChg>
-        <pc:picChg chg="del">
-          <ac:chgData name="Kristofer Carta" userId="a949ead7c4bcd18f" providerId="LiveId" clId="{BDB12BE9-6248-4518-AD0A-7BEFF3A06A4A}" dt="2017-08-22T21:48:55.607" v="2658" actId="478"/>
-          <ac:picMkLst>
-            <pc:docMk/>
-            <pc:sldMk cId="893423556" sldId="305"/>
-            <ac:picMk id="4" creationId="{00000000-0000-0000-0000-000000000000}"/>
-          </ac:picMkLst>
-        </pc:picChg>
-        <pc:picChg chg="add mod">
-          <ac:chgData name="Kristofer Carta" userId="a949ead7c4bcd18f" providerId="LiveId" clId="{BDB12BE9-6248-4518-AD0A-7BEFF3A06A4A}" dt="2017-08-22T21:49:07.222" v="2663" actId="1076"/>
-          <ac:picMkLst>
-            <pc:docMk/>
-            <pc:sldMk cId="893423556" sldId="305"/>
-            <ac:picMk id="5" creationId="{39027472-F6C0-4DCA-AFBA-F86AB7EE83E8}"/>
-          </ac:picMkLst>
-        </pc:picChg>
-      </pc:sldChg>
-      <pc:sldChg chg="addSp delSp modSp add">
-        <pc:chgData name="Kristofer Carta" userId="a949ead7c4bcd18f" providerId="LiveId" clId="{BDB12BE9-6248-4518-AD0A-7BEFF3A06A4A}" dt="2017-08-23T07:47:56.467" v="6510" actId="20577"/>
-        <pc:sldMkLst>
-          <pc:docMk/>
-          <pc:sldMk cId="1451272425" sldId="306"/>
-        </pc:sldMkLst>
-        <pc:spChg chg="mod">
-          <ac:chgData name="Kristofer Carta" userId="a949ead7c4bcd18f" providerId="LiveId" clId="{BDB12BE9-6248-4518-AD0A-7BEFF3A06A4A}" dt="2017-08-22T21:26:42.347" v="1842" actId="1076"/>
-          <ac:spMkLst>
-            <pc:docMk/>
-            <pc:sldMk cId="1451272425" sldId="306"/>
-            <ac:spMk id="2" creationId="{00000000-0000-0000-0000-000000000000}"/>
-          </ac:spMkLst>
-        </pc:spChg>
-        <pc:spChg chg="mod">
-          <ac:chgData name="Kristofer Carta" userId="a949ead7c4bcd18f" providerId="LiveId" clId="{BDB12BE9-6248-4518-AD0A-7BEFF3A06A4A}" dt="2017-08-23T07:47:56.467" v="6510" actId="20577"/>
-          <ac:spMkLst>
-            <pc:docMk/>
-            <pc:sldMk cId="1451272425" sldId="306"/>
-            <ac:spMk id="3" creationId="{00000000-0000-0000-0000-000000000000}"/>
-          </ac:spMkLst>
-        </pc:spChg>
-        <pc:picChg chg="del">
-          <ac:chgData name="Kristofer Carta" userId="a949ead7c4bcd18f" providerId="LiveId" clId="{BDB12BE9-6248-4518-AD0A-7BEFF3A06A4A}" dt="2017-08-22T21:49:53.030" v="2665" actId="478"/>
-          <ac:picMkLst>
-            <pc:docMk/>
-            <pc:sldMk cId="1451272425" sldId="306"/>
-            <ac:picMk id="4" creationId="{00000000-0000-0000-0000-000000000000}"/>
-          </ac:picMkLst>
-        </pc:picChg>
-        <pc:picChg chg="add mod">
-          <ac:chgData name="Kristofer Carta" userId="a949ead7c4bcd18f" providerId="LiveId" clId="{BDB12BE9-6248-4518-AD0A-7BEFF3A06A4A}" dt="2017-08-22T21:50:04.576" v="2669" actId="1076"/>
-          <ac:picMkLst>
-            <pc:docMk/>
-            <pc:sldMk cId="1451272425" sldId="306"/>
-            <ac:picMk id="5" creationId="{C15C9DFC-4B35-4332-A1D6-D5494A9E77EE}"/>
-          </ac:picMkLst>
-        </pc:picChg>
-      </pc:sldChg>
-      <pc:sldChg chg="addSp delSp modSp add">
-        <pc:chgData name="Kristofer Carta" userId="a949ead7c4bcd18f" providerId="LiveId" clId="{BDB12BE9-6248-4518-AD0A-7BEFF3A06A4A}" dt="2017-08-23T08:57:43.874" v="12147" actId="20577"/>
-        <pc:sldMkLst>
-          <pc:docMk/>
-          <pc:sldMk cId="537141572" sldId="307"/>
-        </pc:sldMkLst>
-        <pc:spChg chg="mod">
-          <ac:chgData name="Kristofer Carta" userId="a949ead7c4bcd18f" providerId="LiveId" clId="{BDB12BE9-6248-4518-AD0A-7BEFF3A06A4A}" dt="2017-08-22T21:26:42.347" v="1842" actId="2696"/>
-          <ac:spMkLst>
-            <pc:docMk/>
-            <pc:sldMk cId="537141572" sldId="307"/>
-            <ac:spMk id="2" creationId="{00000000-0000-0000-0000-000000000000}"/>
-          </ac:spMkLst>
-        </pc:spChg>
-        <pc:spChg chg="mod">
-          <ac:chgData name="Kristofer Carta" userId="a949ead7c4bcd18f" providerId="LiveId" clId="{BDB12BE9-6248-4518-AD0A-7BEFF3A06A4A}" dt="2017-08-23T08:57:43.874" v="12147" actId="20577"/>
-          <ac:spMkLst>
-            <pc:docMk/>
-            <pc:sldMk cId="537141572" sldId="307"/>
-            <ac:spMk id="3" creationId="{00000000-0000-0000-0000-000000000000}"/>
-          </ac:spMkLst>
-        </pc:spChg>
-        <pc:picChg chg="del">
-          <ac:chgData name="Kristofer Carta" userId="a949ead7c4bcd18f" providerId="LiveId" clId="{BDB12BE9-6248-4518-AD0A-7BEFF3A06A4A}" dt="2017-08-22T21:50:22.486" v="2670" actId="478"/>
-          <ac:picMkLst>
-            <pc:docMk/>
-            <pc:sldMk cId="537141572" sldId="307"/>
-            <ac:picMk id="4" creationId="{00000000-0000-0000-0000-000000000000}"/>
-          </ac:picMkLst>
-        </pc:picChg>
-        <pc:picChg chg="add mod">
-          <ac:chgData name="Kristofer Carta" userId="a949ead7c4bcd18f" providerId="LiveId" clId="{BDB12BE9-6248-4518-AD0A-7BEFF3A06A4A}" dt="2017-08-22T21:50:33.094" v="2673" actId="14100"/>
-          <ac:picMkLst>
-            <pc:docMk/>
-            <pc:sldMk cId="537141572" sldId="307"/>
-            <ac:picMk id="5" creationId="{2E4EE3B5-C583-4A1A-9030-B8016A0B56CD}"/>
-          </ac:picMkLst>
-        </pc:picChg>
-      </pc:sldChg>
-      <pc:sldChg chg="addSp delSp modSp add">
-        <pc:chgData name="Kristofer Carta" userId="a949ead7c4bcd18f" providerId="LiveId" clId="{BDB12BE9-6248-4518-AD0A-7BEFF3A06A4A}" dt="2017-08-23T09:22:30.912" v="12676" actId="27636"/>
-        <pc:sldMkLst>
-          <pc:docMk/>
-          <pc:sldMk cId="2546566055" sldId="308"/>
-        </pc:sldMkLst>
-        <pc:spChg chg="mod">
-          <ac:chgData name="Kristofer Carta" userId="a949ead7c4bcd18f" providerId="LiveId" clId="{BDB12BE9-6248-4518-AD0A-7BEFF3A06A4A}" dt="2017-08-22T21:26:42.347" v="1842" actId="1076"/>
-          <ac:spMkLst>
-            <pc:docMk/>
-            <pc:sldMk cId="2546566055" sldId="308"/>
-            <ac:spMk id="2" creationId="{00000000-0000-0000-0000-000000000000}"/>
-          </ac:spMkLst>
-        </pc:spChg>
-        <pc:spChg chg="mod">
-          <ac:chgData name="Kristofer Carta" userId="a949ead7c4bcd18f" providerId="LiveId" clId="{BDB12BE9-6248-4518-AD0A-7BEFF3A06A4A}" dt="2017-08-23T09:22:30.912" v="12676" actId="27636"/>
-          <ac:spMkLst>
-            <pc:docMk/>
-            <pc:sldMk cId="2546566055" sldId="308"/>
-            <ac:spMk id="3" creationId="{00000000-0000-0000-0000-000000000000}"/>
-          </ac:spMkLst>
-        </pc:spChg>
-        <pc:picChg chg="del">
-          <ac:chgData name="Kristofer Carta" userId="a949ead7c4bcd18f" providerId="LiveId" clId="{BDB12BE9-6248-4518-AD0A-7BEFF3A06A4A}" dt="2017-08-22T21:43:24.360" v="2613" actId="478"/>
-          <ac:picMkLst>
-            <pc:docMk/>
-            <pc:sldMk cId="2546566055" sldId="308"/>
-            <ac:picMk id="4" creationId="{00000000-0000-0000-0000-000000000000}"/>
-          </ac:picMkLst>
-        </pc:picChg>
-        <pc:picChg chg="add del">
-          <ac:chgData name="Kristofer Carta" userId="a949ead7c4bcd18f" providerId="LiveId" clId="{BDB12BE9-6248-4518-AD0A-7BEFF3A06A4A}" dt="2017-08-23T08:09:07.038" v="8752" actId="478"/>
-          <ac:picMkLst>
-            <pc:docMk/>
-            <pc:sldMk cId="2546566055" sldId="308"/>
-            <ac:picMk id="4" creationId="{0191EAA5-49E0-4749-A0C5-B907B9EEB0A3}"/>
-          </ac:picMkLst>
-        </pc:picChg>
-        <pc:picChg chg="add mod">
-          <ac:chgData name="Kristofer Carta" userId="a949ead7c4bcd18f" providerId="LiveId" clId="{BDB12BE9-6248-4518-AD0A-7BEFF3A06A4A}" dt="2017-08-22T21:43:27.707" v="2615" actId="1076"/>
-          <ac:picMkLst>
-            <pc:docMk/>
-            <pc:sldMk cId="2546566055" sldId="308"/>
-            <ac:picMk id="5" creationId="{C8FB572C-C08D-44C1-A35C-E4882BDA6E7F}"/>
-          </ac:picMkLst>
-        </pc:picChg>
-      </pc:sldChg>
-      <pc:sldChg chg="modSp add del">
-        <pc:chgData name="Kristofer Carta" userId="a949ead7c4bcd18f" providerId="LiveId" clId="{BDB12BE9-6248-4518-AD0A-7BEFF3A06A4A}" dt="2017-08-22T21:06:35.625" v="1372" actId="2696"/>
-        <pc:sldMkLst>
-          <pc:docMk/>
-          <pc:sldMk cId="1103888360" sldId="309"/>
-        </pc:sldMkLst>
-        <pc:spChg chg="mod">
-          <ac:chgData name="Kristofer Carta" userId="a949ead7c4bcd18f" providerId="LiveId" clId="{BDB12BE9-6248-4518-AD0A-7BEFF3A06A4A}" dt="2017-08-22T21:04:41.896" v="1314" actId="20577"/>
-          <ac:spMkLst>
-            <pc:docMk/>
-            <pc:sldMk cId="1103888360" sldId="309"/>
-            <ac:spMk id="2" creationId="{00000000-0000-0000-0000-000000000000}"/>
-          </ac:spMkLst>
-        </pc:spChg>
-        <pc:spChg chg="mod">
-          <ac:chgData name="Kristofer Carta" userId="a949ead7c4bcd18f" providerId="LiveId" clId="{BDB12BE9-6248-4518-AD0A-7BEFF3A06A4A}" dt="2017-08-22T21:06:08.835" v="1363" actId="6549"/>
-          <ac:spMkLst>
-            <pc:docMk/>
-            <pc:sldMk cId="1103888360" sldId="309"/>
-            <ac:spMk id="51" creationId="{00000000-0000-0000-0000-000000000000}"/>
-          </ac:spMkLst>
-        </pc:spChg>
-        <pc:picChg chg="mod">
-          <ac:chgData name="Kristofer Carta" userId="a949ead7c4bcd18f" providerId="LiveId" clId="{BDB12BE9-6248-4518-AD0A-7BEFF3A06A4A}" dt="2017-08-22T21:06:18.849" v="1367" actId="1038"/>
-          <ac:picMkLst>
-            <pc:docMk/>
-            <pc:sldMk cId="1103888360" sldId="309"/>
-            <ac:picMk id="5" creationId="{00000000-0000-0000-0000-000000000000}"/>
-          </ac:picMkLst>
-        </pc:picChg>
-      </pc:sldChg>
-      <pc:sldChg chg="add del">
-        <pc:chgData name="Kristofer Carta" userId="a949ead7c4bcd18f" providerId="LiveId" clId="{BDB12BE9-6248-4518-AD0A-7BEFF3A06A4A}" dt="2017-08-22T21:02:25.805" v="1194" actId="2696"/>
-        <pc:sldMkLst>
-          <pc:docMk/>
-          <pc:sldMk cId="1144517915" sldId="309"/>
-        </pc:sldMkLst>
-      </pc:sldChg>
-      <pc:sldChg chg="modSp add">
-        <pc:chgData name="Kristofer Carta" userId="a949ead7c4bcd18f" providerId="LiveId" clId="{BDB12BE9-6248-4518-AD0A-7BEFF3A06A4A}" dt="2017-08-22T21:32:40.204" v="1998" actId="20577"/>
-        <pc:sldMkLst>
-          <pc:docMk/>
-          <pc:sldMk cId="3320679016" sldId="309"/>
-        </pc:sldMkLst>
-        <pc:spChg chg="mod">
-          <ac:chgData name="Kristofer Carta" userId="a949ead7c4bcd18f" providerId="LiveId" clId="{BDB12BE9-6248-4518-AD0A-7BEFF3A06A4A}" dt="2017-08-22T21:26:42.347" v="1842" actId="20577"/>
-          <ac:spMkLst>
-            <pc:docMk/>
-            <pc:sldMk cId="3320679016" sldId="309"/>
-            <ac:spMk id="2" creationId="{00000000-0000-0000-0000-000000000000}"/>
-          </ac:spMkLst>
-        </pc:spChg>
-        <pc:spChg chg="mod">
-          <ac:chgData name="Kristofer Carta" userId="a949ead7c4bcd18f" providerId="LiveId" clId="{BDB12BE9-6248-4518-AD0A-7BEFF3A06A4A}" dt="2017-08-22T21:32:36.401" v="1996" actId="14100"/>
-          <ac:spMkLst>
-            <pc:docMk/>
-            <pc:sldMk cId="3320679016" sldId="309"/>
-            <ac:spMk id="3" creationId="{00000000-0000-0000-0000-000000000000}"/>
-          </ac:spMkLst>
-        </pc:spChg>
-        <pc:spChg chg="mod">
-          <ac:chgData name="Kristofer Carta" userId="a949ead7c4bcd18f" providerId="LiveId" clId="{BDB12BE9-6248-4518-AD0A-7BEFF3A06A4A}" dt="2017-08-22T21:32:40.204" v="1998" actId="20577"/>
-          <ac:spMkLst>
-            <pc:docMk/>
-            <pc:sldMk cId="3320679016" sldId="309"/>
-            <ac:spMk id="4" creationId="{00000000-0000-0000-0000-000000000000}"/>
-          </ac:spMkLst>
-        </pc:spChg>
-      </pc:sldChg>
-      <pc:sldChg chg="modSp add">
-        <pc:chgData name="Kristofer Carta" userId="a949ead7c4bcd18f" providerId="LiveId" clId="{BDB12BE9-6248-4518-AD0A-7BEFF3A06A4A}" dt="2017-08-22T21:26:42.347" v="1842" actId="2696"/>
-        <pc:sldMkLst>
-          <pc:docMk/>
-          <pc:sldMk cId="3229214117" sldId="310"/>
-        </pc:sldMkLst>
-        <pc:spChg chg="mod">
-          <ac:chgData name="Kristofer Carta" userId="a949ead7c4bcd18f" providerId="LiveId" clId="{BDB12BE9-6248-4518-AD0A-7BEFF3A06A4A}" dt="2017-08-22T21:26:42.347" v="1842" actId="2696"/>
-          <ac:spMkLst>
-            <pc:docMk/>
-            <pc:sldMk cId="3229214117" sldId="310"/>
-            <ac:spMk id="2" creationId="{00000000-0000-0000-0000-000000000000}"/>
-          </ac:spMkLst>
-        </pc:spChg>
-        <pc:spChg chg="mod">
-          <ac:chgData name="Kristofer Carta" userId="a949ead7c4bcd18f" providerId="LiveId" clId="{BDB12BE9-6248-4518-AD0A-7BEFF3A06A4A}" dt="2017-08-22T21:26:35.146" v="1829" actId="2696"/>
-          <ac:spMkLst>
-            <pc:docMk/>
-            <pc:sldMk cId="3229214117" sldId="310"/>
-            <ac:spMk id="3" creationId="{00000000-0000-0000-0000-000000000000}"/>
-          </ac:spMkLst>
-        </pc:spChg>
-        <pc:spChg chg="mod">
-          <ac:chgData name="Kristofer Carta" userId="a949ead7c4bcd18f" providerId="LiveId" clId="{BDB12BE9-6248-4518-AD0A-7BEFF3A06A4A}" dt="2017-08-22T21:26:35.146" v="1829" actId="2696"/>
-          <ac:spMkLst>
-            <pc:docMk/>
-            <pc:sldMk cId="3229214117" sldId="310"/>
-            <ac:spMk id="6" creationId="{00000000-0000-0000-0000-000000000000}"/>
-          </ac:spMkLst>
-        </pc:spChg>
-      </pc:sldChg>
-      <pc:sldChg chg="modSp add del">
-        <pc:chgData name="Kristofer Carta" userId="a949ead7c4bcd18f" providerId="LiveId" clId="{BDB12BE9-6248-4518-AD0A-7BEFF3A06A4A}" dt="2017-08-22T21:24:18.146" v="1767" actId="2696"/>
-        <pc:sldMkLst>
-          <pc:docMk/>
-          <pc:sldMk cId="806124075" sldId="311"/>
-        </pc:sldMkLst>
-        <pc:spChg chg="mod">
-          <ac:chgData name="Kristofer Carta" userId="a949ead7c4bcd18f" providerId="LiveId" clId="{BDB12BE9-6248-4518-AD0A-7BEFF3A06A4A}" dt="2017-08-22T21:24:14.588" v="1766" actId="20577"/>
-          <ac:spMkLst>
-            <pc:docMk/>
-            <pc:sldMk cId="806124075" sldId="311"/>
-            <ac:spMk id="2" creationId="{2682CDF9-6513-4C61-A80A-DC5D21426352}"/>
-          </ac:spMkLst>
-        </pc:spChg>
-      </pc:sldChg>
-      <pc:sldChg chg="addSp delSp modSp add">
-        <pc:chgData name="Kristofer Carta" userId="a949ead7c4bcd18f" providerId="LiveId" clId="{BDB12BE9-6248-4518-AD0A-7BEFF3A06A4A}" dt="2017-08-23T08:39:41.602" v="12122" actId="20577"/>
-        <pc:sldMkLst>
-          <pc:docMk/>
-          <pc:sldMk cId="3517925212" sldId="311"/>
-        </pc:sldMkLst>
-        <pc:spChg chg="mod">
-          <ac:chgData name="Kristofer Carta" userId="a949ead7c4bcd18f" providerId="LiveId" clId="{BDB12BE9-6248-4518-AD0A-7BEFF3A06A4A}" dt="2017-08-22T21:26:42.347" v="1842" actId="2696"/>
-          <ac:spMkLst>
-            <pc:docMk/>
-            <pc:sldMk cId="3517925212" sldId="311"/>
-            <ac:spMk id="2" creationId="{00000000-0000-0000-0000-000000000000}"/>
-          </ac:spMkLst>
-        </pc:spChg>
-        <pc:spChg chg="del">
-          <ac:chgData name="Kristofer Carta" userId="a949ead7c4bcd18f" providerId="LiveId" clId="{BDB12BE9-6248-4518-AD0A-7BEFF3A06A4A}" dt="2017-08-22T21:24:39.369" v="1817" actId="478"/>
-          <ac:spMkLst>
-            <pc:docMk/>
-            <pc:sldMk cId="3517925212" sldId="311"/>
-            <ac:spMk id="3" creationId="{00000000-0000-0000-0000-000000000000}"/>
-          </ac:spMkLst>
-        </pc:spChg>
-        <pc:spChg chg="add mod">
-          <ac:chgData name="Kristofer Carta" userId="a949ead7c4bcd18f" providerId="LiveId" clId="{BDB12BE9-6248-4518-AD0A-7BEFF3A06A4A}" dt="2017-08-23T08:39:41.602" v="12122" actId="20577"/>
-          <ac:spMkLst>
-            <pc:docMk/>
-            <pc:sldMk cId="3517925212" sldId="311"/>
-            <ac:spMk id="6" creationId="{6DD7875C-5F11-4BB5-B477-CEB13F99A703}"/>
-          </ac:spMkLst>
-        </pc:spChg>
-        <pc:spChg chg="del">
-          <ac:chgData name="Kristofer Carta" userId="a949ead7c4bcd18f" providerId="LiveId" clId="{BDB12BE9-6248-4518-AD0A-7BEFF3A06A4A}" dt="2017-08-22T21:24:39.369" v="1817" actId="478"/>
-          <ac:spMkLst>
-            <pc:docMk/>
-            <pc:sldMk cId="3517925212" sldId="311"/>
-            <ac:spMk id="51" creationId="{00000000-0000-0000-0000-000000000000}"/>
-          </ac:spMkLst>
-        </pc:spChg>
-        <pc:grpChg chg="del">
-          <ac:chgData name="Kristofer Carta" userId="a949ead7c4bcd18f" providerId="LiveId" clId="{BDB12BE9-6248-4518-AD0A-7BEFF3A06A4A}" dt="2017-08-22T21:24:39.369" v="1817" actId="478"/>
-          <ac:grpSpMkLst>
-            <pc:docMk/>
-            <pc:sldMk cId="3517925212" sldId="311"/>
-            <ac:grpSpMk id="10" creationId="{00000000-0000-0000-0000-000000000000}"/>
-          </ac:grpSpMkLst>
-        </pc:grpChg>
-        <pc:grpChg chg="del">
-          <ac:chgData name="Kristofer Carta" userId="a949ead7c4bcd18f" providerId="LiveId" clId="{BDB12BE9-6248-4518-AD0A-7BEFF3A06A4A}" dt="2017-08-22T21:24:39.369" v="1817" actId="478"/>
-          <ac:grpSpMkLst>
-            <pc:docMk/>
-            <pc:sldMk cId="3517925212" sldId="311"/>
-            <ac:grpSpMk id="11" creationId="{00000000-0000-0000-0000-000000000000}"/>
-          </ac:grpSpMkLst>
-        </pc:grpChg>
-        <pc:grpChg chg="del">
-          <ac:chgData name="Kristofer Carta" userId="a949ead7c4bcd18f" providerId="LiveId" clId="{BDB12BE9-6248-4518-AD0A-7BEFF3A06A4A}" dt="2017-08-22T21:24:39.369" v="1817" actId="478"/>
-          <ac:grpSpMkLst>
-            <pc:docMk/>
-            <pc:sldMk cId="3517925212" sldId="311"/>
-            <ac:grpSpMk id="14" creationId="{00000000-0000-0000-0000-000000000000}"/>
-          </ac:grpSpMkLst>
-        </pc:grpChg>
-        <pc:grpChg chg="del">
-          <ac:chgData name="Kristofer Carta" userId="a949ead7c4bcd18f" providerId="LiveId" clId="{BDB12BE9-6248-4518-AD0A-7BEFF3A06A4A}" dt="2017-08-22T21:24:39.369" v="1817" actId="478"/>
-          <ac:grpSpMkLst>
-            <pc:docMk/>
-            <pc:sldMk cId="3517925212" sldId="311"/>
-            <ac:grpSpMk id="17" creationId="{00000000-0000-0000-0000-000000000000}"/>
-          </ac:grpSpMkLst>
-        </pc:grpChg>
-        <pc:grpChg chg="del">
-          <ac:chgData name="Kristofer Carta" userId="a949ead7c4bcd18f" providerId="LiveId" clId="{BDB12BE9-6248-4518-AD0A-7BEFF3A06A4A}" dt="2017-08-22T21:24:39.369" v="1817" actId="478"/>
-          <ac:grpSpMkLst>
-            <pc:docMk/>
-            <pc:sldMk cId="3517925212" sldId="311"/>
-            <ac:grpSpMk id="24" creationId="{00000000-0000-0000-0000-000000000000}"/>
-          </ac:grpSpMkLst>
-        </pc:grpChg>
-        <pc:grpChg chg="del">
-          <ac:chgData name="Kristofer Carta" userId="a949ead7c4bcd18f" providerId="LiveId" clId="{BDB12BE9-6248-4518-AD0A-7BEFF3A06A4A}" dt="2017-08-22T21:24:39.369" v="1817" actId="478"/>
-          <ac:grpSpMkLst>
-            <pc:docMk/>
-            <pc:sldMk cId="3517925212" sldId="311"/>
-            <ac:grpSpMk id="33" creationId="{00000000-0000-0000-0000-000000000000}"/>
-          </ac:grpSpMkLst>
-        </pc:grpChg>
-        <pc:picChg chg="del">
-          <ac:chgData name="Kristofer Carta" userId="a949ead7c4bcd18f" providerId="LiveId" clId="{BDB12BE9-6248-4518-AD0A-7BEFF3A06A4A}" dt="2017-08-22T21:24:39.369" v="1817" actId="478"/>
-          <ac:picMkLst>
-            <pc:docMk/>
-            <pc:sldMk cId="3517925212" sldId="311"/>
-            <ac:picMk id="5" creationId="{00000000-0000-0000-0000-000000000000}"/>
-          </ac:picMkLst>
-        </pc:picChg>
-      </pc:sldChg>
-      <pc:sldChg chg="modSp add del ord">
-        <pc:chgData name="Kristofer Carta" userId="a949ead7c4bcd18f" providerId="LiveId" clId="{BDB12BE9-6248-4518-AD0A-7BEFF3A06A4A}" dt="2017-08-23T07:02:38.855" v="5041" actId="2696"/>
-        <pc:sldMkLst>
-          <pc:docMk/>
-          <pc:sldMk cId="3990449321" sldId="312"/>
-        </pc:sldMkLst>
-        <pc:spChg chg="mod">
-          <ac:chgData name="Kristofer Carta" userId="a949ead7c4bcd18f" providerId="LiveId" clId="{BDB12BE9-6248-4518-AD0A-7BEFF3A06A4A}" dt="2017-08-22T21:44:58.645" v="2632" actId="20577"/>
-          <ac:spMkLst>
-            <pc:docMk/>
-            <pc:sldMk cId="3990449321" sldId="312"/>
-            <ac:spMk id="2" creationId="{00000000-0000-0000-0000-000000000000}"/>
-          </ac:spMkLst>
-        </pc:spChg>
-        <pc:spChg chg="mod">
-          <ac:chgData name="Kristofer Carta" userId="a949ead7c4bcd18f" providerId="LiveId" clId="{BDB12BE9-6248-4518-AD0A-7BEFF3A06A4A}" dt="2017-08-23T07:02:28.616" v="5039" actId="20577"/>
-          <ac:spMkLst>
-            <pc:docMk/>
-            <pc:sldMk cId="3990449321" sldId="312"/>
-            <ac:spMk id="3" creationId="{00000000-0000-0000-0000-000000000000}"/>
-          </ac:spMkLst>
-        </pc:spChg>
-      </pc:sldChg>
-      <pc:sldChg chg="modSp add">
-        <pc:chgData name="Kristofer Carta" userId="a949ead7c4bcd18f" providerId="LiveId" clId="{BDB12BE9-6248-4518-AD0A-7BEFF3A06A4A}" dt="2017-08-23T08:56:26.642" v="12146" actId="6549"/>
-        <pc:sldMkLst>
-          <pc:docMk/>
-          <pc:sldMk cId="649682295" sldId="313"/>
-        </pc:sldMkLst>
-        <pc:spChg chg="mod">
-          <ac:chgData name="Kristofer Carta" userId="a949ead7c4bcd18f" providerId="LiveId" clId="{BDB12BE9-6248-4518-AD0A-7BEFF3A06A4A}" dt="2017-08-23T08:34:42.944" v="11418" actId="20577"/>
-          <ac:spMkLst>
-            <pc:docMk/>
-            <pc:sldMk cId="649682295" sldId="313"/>
-            <ac:spMk id="2" creationId="{00000000-0000-0000-0000-000000000000}"/>
-          </ac:spMkLst>
-        </pc:spChg>
-        <pc:spChg chg="mod">
-          <ac:chgData name="Kristofer Carta" userId="a949ead7c4bcd18f" providerId="LiveId" clId="{BDB12BE9-6248-4518-AD0A-7BEFF3A06A4A}" dt="2017-08-23T08:56:26.642" v="12146" actId="6549"/>
-          <ac:spMkLst>
-            <pc:docMk/>
-            <pc:sldMk cId="649682295" sldId="313"/>
-            <ac:spMk id="6" creationId="{6DD7875C-5F11-4BB5-B477-CEB13F99A703}"/>
-          </ac:spMkLst>
-        </pc:spChg>
-      </pc:sldChg>
-      <pc:sldChg chg="modSp add del">
-        <pc:chgData name="Kristofer Carta" userId="a949ead7c4bcd18f" providerId="LiveId" clId="{BDB12BE9-6248-4518-AD0A-7BEFF3A06A4A}" dt="2017-08-23T08:34:27.205" v="11414" actId="2696"/>
-        <pc:sldMkLst>
-          <pc:docMk/>
-          <pc:sldMk cId="1940417308" sldId="314"/>
-        </pc:sldMkLst>
-        <pc:spChg chg="mod">
-          <ac:chgData name="Kristofer Carta" userId="a949ead7c4bcd18f" providerId="LiveId" clId="{BDB12BE9-6248-4518-AD0A-7BEFF3A06A4A}" dt="2017-08-22T21:54:56.710" v="2784" actId="20577"/>
-          <ac:spMkLst>
-            <pc:docMk/>
-            <pc:sldMk cId="1940417308" sldId="314"/>
-            <ac:spMk id="2" creationId="{00000000-0000-0000-0000-000000000000}"/>
-          </ac:spMkLst>
-        </pc:spChg>
-        <pc:spChg chg="mod">
-          <ac:chgData name="Kristofer Carta" userId="a949ead7c4bcd18f" providerId="LiveId" clId="{BDB12BE9-6248-4518-AD0A-7BEFF3A06A4A}" dt="2017-08-22T21:55:52.637" v="2921" actId="6549"/>
-          <ac:spMkLst>
-            <pc:docMk/>
-            <pc:sldMk cId="1940417308" sldId="314"/>
-            <ac:spMk id="6" creationId="{6DD7875C-5F11-4BB5-B477-CEB13F99A703}"/>
-          </ac:spMkLst>
-        </pc:spChg>
-      </pc:sldChg>
-      <pc:sldChg chg="addSp modSp add modAnim">
-        <pc:chgData name="Kristofer Carta" userId="a949ead7c4bcd18f" providerId="LiveId" clId="{BDB12BE9-6248-4518-AD0A-7BEFF3A06A4A}" dt="2017-08-23T08:34:55.773" v="11423" actId="20577"/>
-        <pc:sldMkLst>
-          <pc:docMk/>
-          <pc:sldMk cId="2556163480" sldId="315"/>
-        </pc:sldMkLst>
-        <pc:spChg chg="mod">
-          <ac:chgData name="Kristofer Carta" userId="a949ead7c4bcd18f" providerId="LiveId" clId="{BDB12BE9-6248-4518-AD0A-7BEFF3A06A4A}" dt="2017-08-23T08:34:55.773" v="11423" actId="20577"/>
-          <ac:spMkLst>
-            <pc:docMk/>
-            <pc:sldMk cId="2556163480" sldId="315"/>
-            <ac:spMk id="2" creationId="{00000000-0000-0000-0000-000000000000}"/>
-          </ac:spMkLst>
-        </pc:spChg>
-        <pc:spChg chg="add mod">
-          <ac:chgData name="Kristofer Carta" userId="a949ead7c4bcd18f" providerId="LiveId" clId="{BDB12BE9-6248-4518-AD0A-7BEFF3A06A4A}" dt="2017-08-23T08:32:54.570" v="11410" actId="1076"/>
-          <ac:spMkLst>
-            <pc:docMk/>
-            <pc:sldMk cId="2556163480" sldId="315"/>
-            <ac:spMk id="3" creationId="{78ED6B30-D2E3-489E-9193-E081937390B3}"/>
-          </ac:spMkLst>
-        </pc:spChg>
-        <pc:spChg chg="mod">
-          <ac:chgData name="Kristofer Carta" userId="a949ead7c4bcd18f" providerId="LiveId" clId="{BDB12BE9-6248-4518-AD0A-7BEFF3A06A4A}" dt="2017-08-23T08:33:05.129" v="11412" actId="113"/>
-          <ac:spMkLst>
-            <pc:docMk/>
-            <pc:sldMk cId="2556163480" sldId="315"/>
-            <ac:spMk id="6" creationId="{6DD7875C-5F11-4BB5-B477-CEB13F99A703}"/>
-          </ac:spMkLst>
-        </pc:spChg>
-      </pc:sldChg>
-      <pc:sldChg chg="modSp add">
-        <pc:chgData name="Kristofer Carta" userId="a949ead7c4bcd18f" providerId="LiveId" clId="{BDB12BE9-6248-4518-AD0A-7BEFF3A06A4A}" dt="2017-08-23T06:44:42.082" v="3715" actId="20577"/>
-        <pc:sldMkLst>
-          <pc:docMk/>
-          <pc:sldMk cId="2168924539" sldId="316"/>
-        </pc:sldMkLst>
-        <pc:spChg chg="mod">
-          <ac:chgData name="Kristofer Carta" userId="a949ead7c4bcd18f" providerId="LiveId" clId="{BDB12BE9-6248-4518-AD0A-7BEFF3A06A4A}" dt="2017-08-23T06:28:17.918" v="2970" actId="20577"/>
-          <ac:spMkLst>
-            <pc:docMk/>
-            <pc:sldMk cId="2168924539" sldId="316"/>
-            <ac:spMk id="2" creationId="{E83416FD-12B5-405D-B43D-DC5812755CBA}"/>
-          </ac:spMkLst>
-        </pc:spChg>
-        <pc:spChg chg="mod">
-          <ac:chgData name="Kristofer Carta" userId="a949ead7c4bcd18f" providerId="LiveId" clId="{BDB12BE9-6248-4518-AD0A-7BEFF3A06A4A}" dt="2017-08-23T06:44:42.082" v="3715" actId="20577"/>
-          <ac:spMkLst>
-            <pc:docMk/>
-            <pc:sldMk cId="2168924539" sldId="316"/>
-            <ac:spMk id="3" creationId="{ED11FE13-729F-4B9A-8C9E-7906C79231F5}"/>
-          </ac:spMkLst>
-        </pc:spChg>
-      </pc:sldChg>
-      <pc:sldChg chg="modSp add">
-        <pc:chgData name="Kristofer Carta" userId="a949ead7c4bcd18f" providerId="LiveId" clId="{BDB12BE9-6248-4518-AD0A-7BEFF3A06A4A}" dt="2017-08-23T06:44:52.631" v="3725" actId="5793"/>
-        <pc:sldMkLst>
-          <pc:docMk/>
-          <pc:sldMk cId="2015390687" sldId="317"/>
-        </pc:sldMkLst>
-        <pc:spChg chg="mod">
-          <ac:chgData name="Kristofer Carta" userId="a949ead7c4bcd18f" providerId="LiveId" clId="{BDB12BE9-6248-4518-AD0A-7BEFF3A06A4A}" dt="2017-08-23T06:44:52.631" v="3725" actId="5793"/>
-          <ac:spMkLst>
-            <pc:docMk/>
-            <pc:sldMk cId="2015390687" sldId="317"/>
-            <ac:spMk id="3" creationId="{DBA18C91-1061-4EC6-9CC4-38C54AEF019A}"/>
-          </ac:spMkLst>
-        </pc:spChg>
-      </pc:sldChg>
-      <pc:sldChg chg="addSp modSp add">
-        <pc:chgData name="Kristofer Carta" userId="a949ead7c4bcd18f" providerId="LiveId" clId="{BDB12BE9-6248-4518-AD0A-7BEFF3A06A4A}" dt="2017-08-23T09:01:06.673" v="12152" actId="20577"/>
-        <pc:sldMkLst>
-          <pc:docMk/>
-          <pc:sldMk cId="3762025611" sldId="318"/>
-        </pc:sldMkLst>
-        <pc:spChg chg="mod">
-          <ac:chgData name="Kristofer Carta" userId="a949ead7c4bcd18f" providerId="LiveId" clId="{BDB12BE9-6248-4518-AD0A-7BEFF3A06A4A}" dt="2017-08-23T06:38:11.020" v="3432" actId="20577"/>
-          <ac:spMkLst>
-            <pc:docMk/>
-            <pc:sldMk cId="3762025611" sldId="318"/>
-            <ac:spMk id="2" creationId="{4A230808-680A-4A2F-AA0F-F17298BBA479}"/>
-          </ac:spMkLst>
-        </pc:spChg>
-        <pc:spChg chg="mod">
-          <ac:chgData name="Kristofer Carta" userId="a949ead7c4bcd18f" providerId="LiveId" clId="{BDB12BE9-6248-4518-AD0A-7BEFF3A06A4A}" dt="2017-08-23T09:01:06.673" v="12152" actId="20577"/>
-          <ac:spMkLst>
-            <pc:docMk/>
-            <pc:sldMk cId="3762025611" sldId="318"/>
-            <ac:spMk id="3" creationId="{4BE9E9A5-59DB-4130-9E79-4AAB02F886A8}"/>
-          </ac:spMkLst>
-        </pc:spChg>
-        <pc:picChg chg="add mod ord">
-          <ac:chgData name="Kristofer Carta" userId="a949ead7c4bcd18f" providerId="LiveId" clId="{BDB12BE9-6248-4518-AD0A-7BEFF3A06A4A}" dt="2017-08-23T06:35:14.428" v="3249" actId="26606"/>
-          <ac:picMkLst>
-            <pc:docMk/>
-            <pc:sldMk cId="3762025611" sldId="318"/>
-            <ac:picMk id="1026" creationId="{9E563CCD-D5F3-41E2-B787-D3D792E87A08}"/>
-          </ac:picMkLst>
-        </pc:picChg>
-      </pc:sldChg>
-      <pc:sldChg chg="add">
-        <pc:chgData name="Kristofer Carta" userId="a949ead7c4bcd18f" providerId="LiveId" clId="{BDB12BE9-6248-4518-AD0A-7BEFF3A06A4A}" dt="2017-08-23T06:28:05.946" v="2952" actId="1076"/>
-        <pc:sldMkLst>
-          <pc:docMk/>
-          <pc:sldMk cId="2324310570" sldId="319"/>
-        </pc:sldMkLst>
-      </pc:sldChg>
-      <pc:sldChg chg="add">
-        <pc:chgData name="Kristofer Carta" userId="a949ead7c4bcd18f" providerId="LiveId" clId="{BDB12BE9-6248-4518-AD0A-7BEFF3A06A4A}" dt="2017-08-23T06:28:05.946" v="2952" actId="1076"/>
-        <pc:sldMkLst>
-          <pc:docMk/>
-          <pc:sldMk cId="2666954499" sldId="320"/>
-        </pc:sldMkLst>
-      </pc:sldChg>
-      <pc:sldChg chg="modSp add">
-        <pc:chgData name="Kristofer Carta" userId="a949ead7c4bcd18f" providerId="LiveId" clId="{BDB12BE9-6248-4518-AD0A-7BEFF3A06A4A}" dt="2017-08-23T06:42:21.874" v="3587" actId="20577"/>
-        <pc:sldMkLst>
-          <pc:docMk/>
-          <pc:sldMk cId="1908217624" sldId="321"/>
-        </pc:sldMkLst>
-        <pc:spChg chg="mod">
-          <ac:chgData name="Kristofer Carta" userId="a949ead7c4bcd18f" providerId="LiveId" clId="{BDB12BE9-6248-4518-AD0A-7BEFF3A06A4A}" dt="2017-08-23T06:42:21.874" v="3587" actId="20577"/>
-          <ac:spMkLst>
-            <pc:docMk/>
-            <pc:sldMk cId="1908217624" sldId="321"/>
-            <ac:spMk id="3" creationId="{9FA69DCD-901F-4849-8214-4810FFBDDC79}"/>
-          </ac:spMkLst>
-        </pc:spChg>
-      </pc:sldChg>
-      <pc:sldChg chg="modSp add">
-        <pc:chgData name="Kristofer Carta" userId="a949ead7c4bcd18f" providerId="LiveId" clId="{BDB12BE9-6248-4518-AD0A-7BEFF3A06A4A}" dt="2017-08-23T06:40:54.708" v="3573" actId="20577"/>
-        <pc:sldMkLst>
-          <pc:docMk/>
-          <pc:sldMk cId="614126133" sldId="322"/>
-        </pc:sldMkLst>
-        <pc:spChg chg="mod">
-          <ac:chgData name="Kristofer Carta" userId="a949ead7c4bcd18f" providerId="LiveId" clId="{BDB12BE9-6248-4518-AD0A-7BEFF3A06A4A}" dt="2017-08-23T06:40:17.630" v="3490" actId="6549"/>
-          <ac:spMkLst>
-            <pc:docMk/>
-            <pc:sldMk cId="614126133" sldId="322"/>
-            <ac:spMk id="2" creationId="{5441E596-BE1A-415F-B5D1-8A52B1118243}"/>
-          </ac:spMkLst>
-        </pc:spChg>
-        <pc:spChg chg="mod">
-          <ac:chgData name="Kristofer Carta" userId="a949ead7c4bcd18f" providerId="LiveId" clId="{BDB12BE9-6248-4518-AD0A-7BEFF3A06A4A}" dt="2017-08-23T06:40:54.708" v="3573" actId="20577"/>
-          <ac:spMkLst>
-            <pc:docMk/>
-            <pc:sldMk cId="614126133" sldId="322"/>
-            <ac:spMk id="3" creationId="{FD872F4C-EC0F-4BF3-8C3A-DF1B400DEC4C}"/>
-          </ac:spMkLst>
-        </pc:spChg>
-      </pc:sldChg>
-      <pc:sldChg chg="modSp add ord">
-        <pc:chgData name="Kristofer Carta" userId="a949ead7c4bcd18f" providerId="LiveId" clId="{BDB12BE9-6248-4518-AD0A-7BEFF3A06A4A}" dt="2017-08-23T08:34:48.258" v="11421" actId="20577"/>
-        <pc:sldMkLst>
-          <pc:docMk/>
-          <pc:sldMk cId="1362771162" sldId="323"/>
-        </pc:sldMkLst>
-        <pc:spChg chg="mod">
-          <ac:chgData name="Kristofer Carta" userId="a949ead7c4bcd18f" providerId="LiveId" clId="{BDB12BE9-6248-4518-AD0A-7BEFF3A06A4A}" dt="2017-08-23T08:34:48.258" v="11421" actId="20577"/>
-          <ac:spMkLst>
-            <pc:docMk/>
-            <pc:sldMk cId="1362771162" sldId="323"/>
-            <ac:spMk id="2" creationId="{A21098D2-9A82-4C01-AF6F-0A837748A2C5}"/>
-          </ac:spMkLst>
-        </pc:spChg>
-        <pc:spChg chg="mod">
-          <ac:chgData name="Kristofer Carta" userId="a949ead7c4bcd18f" providerId="LiveId" clId="{BDB12BE9-6248-4518-AD0A-7BEFF3A06A4A}" dt="2017-08-23T06:59:43.583" v="4946" actId="20577"/>
-          <ac:spMkLst>
-            <pc:docMk/>
-            <pc:sldMk cId="1362771162" sldId="323"/>
-            <ac:spMk id="3" creationId="{8022E8B0-02AF-4833-88A7-D386870057A1}"/>
-          </ac:spMkLst>
-        </pc:spChg>
-      </pc:sldChg>
-      <pc:sldChg chg="modSp add ord">
-        <pc:chgData name="Kristofer Carta" userId="a949ead7c4bcd18f" providerId="LiveId" clId="{BDB12BE9-6248-4518-AD0A-7BEFF3A06A4A}" dt="2017-08-23T07:00:06.390" v="4947" actId="1076"/>
-        <pc:sldMkLst>
-          <pc:docMk/>
-          <pc:sldMk cId="1837948902" sldId="324"/>
-        </pc:sldMkLst>
-        <pc:spChg chg="mod">
-          <ac:chgData name="Kristofer Carta" userId="a949ead7c4bcd18f" providerId="LiveId" clId="{BDB12BE9-6248-4518-AD0A-7BEFF3A06A4A}" dt="2017-08-23T06:41:09.287" v="3576" actId="5793"/>
-          <ac:spMkLst>
-            <pc:docMk/>
-            <pc:sldMk cId="1837948902" sldId="324"/>
-            <ac:spMk id="3" creationId="{7676FF6A-8448-4F11-9605-179FB8EB9C75}"/>
-          </ac:spMkLst>
-        </pc:spChg>
-      </pc:sldChg>
-      <pc:sldChg chg="addSp delSp modSp add">
-        <pc:chgData name="Kristofer Carta" userId="a949ead7c4bcd18f" providerId="LiveId" clId="{BDB12BE9-6248-4518-AD0A-7BEFF3A06A4A}" dt="2017-08-23T06:59:17.717" v="4945" actId="113"/>
-        <pc:sldMkLst>
-          <pc:docMk/>
-          <pc:sldMk cId="723795086" sldId="325"/>
-        </pc:sldMkLst>
-        <pc:spChg chg="mod">
-          <ac:chgData name="Kristofer Carta" userId="a949ead7c4bcd18f" providerId="LiveId" clId="{BDB12BE9-6248-4518-AD0A-7BEFF3A06A4A}" dt="2017-08-23T06:47:17.367" v="3908" actId="20577"/>
-          <ac:spMkLst>
-            <pc:docMk/>
-            <pc:sldMk cId="723795086" sldId="325"/>
-            <ac:spMk id="2" creationId="{39CD267B-C47F-43D3-A8C5-1A25C49A6B13}"/>
-          </ac:spMkLst>
-        </pc:spChg>
-        <pc:spChg chg="mod">
-          <ac:chgData name="Kristofer Carta" userId="a949ead7c4bcd18f" providerId="LiveId" clId="{BDB12BE9-6248-4518-AD0A-7BEFF3A06A4A}" dt="2017-08-23T06:59:17.717" v="4945" actId="113"/>
-          <ac:spMkLst>
-            <pc:docMk/>
-            <pc:sldMk cId="723795086" sldId="325"/>
-            <ac:spMk id="3" creationId="{9FA69DCD-901F-4849-8214-4810FFBDDC79}"/>
-          </ac:spMkLst>
-        </pc:spChg>
-        <pc:picChg chg="del">
-          <ac:chgData name="Kristofer Carta" userId="a949ead7c4bcd18f" providerId="LiveId" clId="{BDB12BE9-6248-4518-AD0A-7BEFF3A06A4A}" dt="2017-08-23T06:49:07.061" v="4264" actId="478"/>
-          <ac:picMkLst>
-            <pc:docMk/>
-            <pc:sldMk cId="723795086" sldId="325"/>
-            <ac:picMk id="9" creationId="{6C3297DB-0EB6-45B6-9B86-126C13B85A60}"/>
-          </ac:picMkLst>
-        </pc:picChg>
-        <pc:picChg chg="add mod">
-          <ac:chgData name="Kristofer Carta" userId="a949ead7c4bcd18f" providerId="LiveId" clId="{BDB12BE9-6248-4518-AD0A-7BEFF3A06A4A}" dt="2017-08-23T06:57:11.967" v="4668" actId="1076"/>
-          <ac:picMkLst>
-            <pc:docMk/>
-            <pc:sldMk cId="723795086" sldId="325"/>
-            <ac:picMk id="3074" creationId="{A68EF154-7D11-4791-82E2-310426288065}"/>
-          </ac:picMkLst>
-        </pc:picChg>
-      </pc:sldChg>
-      <pc:sldChg chg="addSp delSp modSp add">
-        <pc:chgData name="Kristofer Carta" userId="a949ead7c4bcd18f" providerId="LiveId" clId="{BDB12BE9-6248-4518-AD0A-7BEFF3A06A4A}" dt="2017-08-23T06:54:59.922" v="4630" actId="732"/>
-        <pc:sldMkLst>
-          <pc:docMk/>
-          <pc:sldMk cId="163823994" sldId="326"/>
-        </pc:sldMkLst>
-        <pc:spChg chg="mod">
-          <ac:chgData name="Kristofer Carta" userId="a949ead7c4bcd18f" providerId="LiveId" clId="{BDB12BE9-6248-4518-AD0A-7BEFF3A06A4A}" dt="2017-08-23T06:47:24.976" v="3917" actId="20577"/>
-          <ac:spMkLst>
-            <pc:docMk/>
-            <pc:sldMk cId="163823994" sldId="326"/>
-            <ac:spMk id="2" creationId="{39CD267B-C47F-43D3-A8C5-1A25C49A6B13}"/>
-          </ac:spMkLst>
-        </pc:spChg>
-        <pc:spChg chg="mod">
-          <ac:chgData name="Kristofer Carta" userId="a949ead7c4bcd18f" providerId="LiveId" clId="{BDB12BE9-6248-4518-AD0A-7BEFF3A06A4A}" dt="2017-08-23T06:54:18.481" v="4625" actId="20577"/>
-          <ac:spMkLst>
-            <pc:docMk/>
-            <pc:sldMk cId="163823994" sldId="326"/>
-            <ac:spMk id="3" creationId="{9FA69DCD-901F-4849-8214-4810FFBDDC79}"/>
-          </ac:spMkLst>
-        </pc:spChg>
-        <pc:picChg chg="add mod">
-          <ac:chgData name="Kristofer Carta" userId="a949ead7c4bcd18f" providerId="LiveId" clId="{BDB12BE9-6248-4518-AD0A-7BEFF3A06A4A}" dt="2017-08-23T06:54:36.690" v="4628" actId="1076"/>
-          <ac:picMkLst>
-            <pc:docMk/>
-            <pc:sldMk cId="163823994" sldId="326"/>
-            <ac:picMk id="4" creationId="{6AA6757D-61FD-44F4-8552-F84FF808DAF6}"/>
-          </ac:picMkLst>
-        </pc:picChg>
-        <pc:picChg chg="del">
-          <ac:chgData name="Kristofer Carta" userId="a949ead7c4bcd18f" providerId="LiveId" clId="{BDB12BE9-6248-4518-AD0A-7BEFF3A06A4A}" dt="2017-08-23T06:50:49.447" v="4268" actId="478"/>
-          <ac:picMkLst>
-            <pc:docMk/>
-            <pc:sldMk cId="163823994" sldId="326"/>
-            <ac:picMk id="9" creationId="{6C3297DB-0EB6-45B6-9B86-126C13B85A60}"/>
-          </ac:picMkLst>
-        </pc:picChg>
-        <pc:picChg chg="add mod modCrop">
-          <ac:chgData name="Kristofer Carta" userId="a949ead7c4bcd18f" providerId="LiveId" clId="{BDB12BE9-6248-4518-AD0A-7BEFF3A06A4A}" dt="2017-08-23T06:54:59.922" v="4630" actId="732"/>
-          <ac:picMkLst>
-            <pc:docMk/>
-            <pc:sldMk cId="163823994" sldId="326"/>
-            <ac:picMk id="2050" creationId="{45ADD073-88A9-4D71-9752-2E3260753254}"/>
-          </ac:picMkLst>
-        </pc:picChg>
-      </pc:sldChg>
-      <pc:sldChg chg="modSp add">
-        <pc:chgData name="Kristofer Carta" userId="a949ead7c4bcd18f" providerId="LiveId" clId="{BDB12BE9-6248-4518-AD0A-7BEFF3A06A4A}" dt="2017-08-23T07:07:27.029" v="6080" actId="404"/>
-        <pc:sldMkLst>
-          <pc:docMk/>
-          <pc:sldMk cId="727536863" sldId="327"/>
-        </pc:sldMkLst>
-        <pc:spChg chg="mod">
-          <ac:chgData name="Kristofer Carta" userId="a949ead7c4bcd18f" providerId="LiveId" clId="{BDB12BE9-6248-4518-AD0A-7BEFF3A06A4A}" dt="2017-08-23T07:02:48.898" v="5085" actId="20577"/>
-          <ac:spMkLst>
-            <pc:docMk/>
-            <pc:sldMk cId="727536863" sldId="327"/>
-            <ac:spMk id="2" creationId="{00000000-0000-0000-0000-000000000000}"/>
-          </ac:spMkLst>
-        </pc:spChg>
-        <pc:spChg chg="mod">
-          <ac:chgData name="Kristofer Carta" userId="a949ead7c4bcd18f" providerId="LiveId" clId="{BDB12BE9-6248-4518-AD0A-7BEFF3A06A4A}" dt="2017-08-23T07:07:27.029" v="6080" actId="404"/>
-          <ac:spMkLst>
-            <pc:docMk/>
-            <pc:sldMk cId="727536863" sldId="327"/>
-            <ac:spMk id="3" creationId="{00000000-0000-0000-0000-000000000000}"/>
-          </ac:spMkLst>
-        </pc:spChg>
-      </pc:sldChg>
-      <pc:sldChg chg="delSp modSp add ord">
-        <pc:chgData name="Kristofer Carta" userId="a949ead7c4bcd18f" providerId="LiveId" clId="{BDB12BE9-6248-4518-AD0A-7BEFF3A06A4A}" dt="2017-08-23T09:23:08.137" v="12838" actId="20577"/>
-        <pc:sldMkLst>
-          <pc:docMk/>
-          <pc:sldMk cId="2002747593" sldId="328"/>
-        </pc:sldMkLst>
-        <pc:spChg chg="mod">
-          <ac:chgData name="Kristofer Carta" userId="a949ead7c4bcd18f" providerId="LiveId" clId="{BDB12BE9-6248-4518-AD0A-7BEFF3A06A4A}" dt="2017-08-23T08:52:24.199" v="12143" actId="20577"/>
-          <ac:spMkLst>
-            <pc:docMk/>
-            <pc:sldMk cId="2002747593" sldId="328"/>
-            <ac:spMk id="2" creationId="{00000000-0000-0000-0000-000000000000}"/>
-          </ac:spMkLst>
-        </pc:spChg>
-        <pc:spChg chg="mod">
-          <ac:chgData name="Kristofer Carta" userId="a949ead7c4bcd18f" providerId="LiveId" clId="{BDB12BE9-6248-4518-AD0A-7BEFF3A06A4A}" dt="2017-08-23T09:23:08.137" v="12838" actId="20577"/>
-          <ac:spMkLst>
-            <pc:docMk/>
-            <pc:sldMk cId="2002747593" sldId="328"/>
-            <ac:spMk id="3" creationId="{00000000-0000-0000-0000-000000000000}"/>
-          </ac:spMkLst>
-        </pc:spChg>
-        <pc:picChg chg="mod">
-          <ac:chgData name="Kristofer Carta" userId="a949ead7c4bcd18f" providerId="LiveId" clId="{BDB12BE9-6248-4518-AD0A-7BEFF3A06A4A}" dt="2017-08-23T08:09:18.149" v="8756" actId="14100"/>
-          <ac:picMkLst>
-            <pc:docMk/>
-            <pc:sldMk cId="2002747593" sldId="328"/>
-            <ac:picMk id="4" creationId="{0191EAA5-49E0-4749-A0C5-B907B9EEB0A3}"/>
-          </ac:picMkLst>
-        </pc:picChg>
-        <pc:picChg chg="del">
-          <ac:chgData name="Kristofer Carta" userId="a949ead7c4bcd18f" providerId="LiveId" clId="{BDB12BE9-6248-4518-AD0A-7BEFF3A06A4A}" dt="2017-08-23T08:09:11.571" v="8754" actId="478"/>
-          <ac:picMkLst>
-            <pc:docMk/>
-            <pc:sldMk cId="2002747593" sldId="328"/>
-            <ac:picMk id="5" creationId="{C8FB572C-C08D-44C1-A35C-E4882BDA6E7F}"/>
-          </ac:picMkLst>
-        </pc:picChg>
-      </pc:sldChg>
-      <pc:sldChg chg="addSp delSp modSp add">
-        <pc:chgData name="Kristofer Carta" userId="a949ead7c4bcd18f" providerId="LiveId" clId="{BDB12BE9-6248-4518-AD0A-7BEFF3A06A4A}" dt="2017-08-23T09:26:57.905" v="13361" actId="1076"/>
-        <pc:sldMkLst>
-          <pc:docMk/>
-          <pc:sldMk cId="443018284" sldId="329"/>
-        </pc:sldMkLst>
-        <pc:spChg chg="mod">
-          <ac:chgData name="Kristofer Carta" userId="a949ead7c4bcd18f" providerId="LiveId" clId="{BDB12BE9-6248-4518-AD0A-7BEFF3A06A4A}" dt="2017-08-23T09:23:27.412" v="12868" actId="20577"/>
-          <ac:spMkLst>
-            <pc:docMk/>
-            <pc:sldMk cId="443018284" sldId="329"/>
-            <ac:spMk id="2" creationId="{00000000-0000-0000-0000-000000000000}"/>
-          </ac:spMkLst>
-        </pc:spChg>
-        <pc:spChg chg="mod">
-          <ac:chgData name="Kristofer Carta" userId="a949ead7c4bcd18f" providerId="LiveId" clId="{BDB12BE9-6248-4518-AD0A-7BEFF3A06A4A}" dt="2017-08-23T09:26:11.477" v="13245" actId="27636"/>
-          <ac:spMkLst>
-            <pc:docMk/>
-            <pc:sldMk cId="443018284" sldId="329"/>
-            <ac:spMk id="3" creationId="{00000000-0000-0000-0000-000000000000}"/>
-          </ac:spMkLst>
-        </pc:spChg>
-        <pc:spChg chg="add del">
-          <ac:chgData name="Kristofer Carta" userId="a949ead7c4bcd18f" providerId="LiveId" clId="{BDB12BE9-6248-4518-AD0A-7BEFF3A06A4A}" dt="2017-08-23T09:23:51.220" v="12873" actId="1076"/>
-          <ac:spMkLst>
-            <pc:docMk/>
-            <pc:sldMk cId="443018284" sldId="329"/>
-            <ac:spMk id="6" creationId="{E223C2EB-BC1F-4E30-9894-260B31DA9845}"/>
-          </ac:spMkLst>
-        </pc:spChg>
-        <pc:spChg chg="add mod">
-          <ac:chgData name="Kristofer Carta" userId="a949ead7c4bcd18f" providerId="LiveId" clId="{BDB12BE9-6248-4518-AD0A-7BEFF3A06A4A}" dt="2017-08-23T09:26:57.905" v="13361" actId="1076"/>
-          <ac:spMkLst>
-            <pc:docMk/>
-            <pc:sldMk cId="443018284" sldId="329"/>
-            <ac:spMk id="7" creationId="{3A7EA15E-30EC-4037-95CA-D5AA7E647A05}"/>
-          </ac:spMkLst>
-        </pc:spChg>
-        <pc:picChg chg="add del mod">
-          <ac:chgData name="Kristofer Carta" userId="a949ead7c4bcd18f" providerId="LiveId" clId="{BDB12BE9-6248-4518-AD0A-7BEFF3A06A4A}" dt="2017-08-23T09:23:49.564" v="12871" actId="478"/>
-          <ac:picMkLst>
-            <pc:docMk/>
-            <pc:sldMk cId="443018284" sldId="329"/>
-            <ac:picMk id="4" creationId="{0747185A-8873-4B77-B98C-D5E998279B6A}"/>
-          </ac:picMkLst>
-        </pc:picChg>
-        <pc:picChg chg="del">
-          <ac:chgData name="Kristofer Carta" userId="a949ead7c4bcd18f" providerId="LiveId" clId="{BDB12BE9-6248-4518-AD0A-7BEFF3A06A4A}" dt="2017-08-23T08:18:47.665" v="10072" actId="478"/>
-          <ac:picMkLst>
-            <pc:docMk/>
-            <pc:sldMk cId="443018284" sldId="329"/>
-            <ac:picMk id="5" creationId="{9333DC40-D6C0-412D-9F60-28C867ED41D0}"/>
-          </ac:picMkLst>
-        </pc:picChg>
-        <pc:picChg chg="add mod">
-          <ac:chgData name="Kristofer Carta" userId="a949ead7c4bcd18f" providerId="LiveId" clId="{BDB12BE9-6248-4518-AD0A-7BEFF3A06A4A}" dt="2017-08-23T09:24:01.360" v="12876" actId="1076"/>
-          <ac:picMkLst>
-            <pc:docMk/>
-            <pc:sldMk cId="443018284" sldId="329"/>
-            <ac:picMk id="4098" creationId="{E5352757-8936-4C6F-9C4E-16E8A183AC52}"/>
-          </ac:picMkLst>
-        </pc:picChg>
-      </pc:sldChg>
-      <pc:sldChg chg="add">
-        <pc:chgData name="Kristofer Carta" userId="a949ead7c4bcd18f" providerId="LiveId" clId="{BDB12BE9-6248-4518-AD0A-7BEFF3A06A4A}" dt="2017-08-23T09:23:19.104" v="12839" actId="1076"/>
-        <pc:sldMkLst>
-          <pc:docMk/>
-          <pc:sldMk cId="142365089" sldId="330"/>
-        </pc:sldMkLst>
-      </pc:sldChg>
-      <pc:sldMasterChg chg="del delSldLayout">
-        <pc:chgData name="Kristofer Carta" userId="a949ead7c4bcd18f" providerId="LiveId" clId="{BDB12BE9-6248-4518-AD0A-7BEFF3A06A4A}" dt="2017-08-22T18:19:01.140" v="19" actId="2696"/>
-        <pc:sldMasterMkLst>
-          <pc:docMk/>
-          <pc:sldMasterMk cId="1321859155" sldId="2147483660"/>
-        </pc:sldMasterMkLst>
-        <pc:sldLayoutChg chg="del">
-          <pc:chgData name="Kristofer Carta" userId="a949ead7c4bcd18f" providerId="LiveId" clId="{BDB12BE9-6248-4518-AD0A-7BEFF3A06A4A}" dt="2017-08-22T18:19:01.140" v="8" actId="2696"/>
-          <pc:sldLayoutMkLst>
-            <pc:docMk/>
-            <pc:sldMasterMk cId="1321859155" sldId="2147483660"/>
-            <pc:sldLayoutMk cId="3973853676" sldId="2147483661"/>
-          </pc:sldLayoutMkLst>
-        </pc:sldLayoutChg>
-        <pc:sldLayoutChg chg="del">
-          <pc:chgData name="Kristofer Carta" userId="a949ead7c4bcd18f" providerId="LiveId" clId="{BDB12BE9-6248-4518-AD0A-7BEFF3A06A4A}" dt="2017-08-22T18:19:01.140" v="9" actId="2696"/>
-          <pc:sldLayoutMkLst>
-            <pc:docMk/>
-            <pc:sldMasterMk cId="1321859155" sldId="2147483660"/>
-            <pc:sldLayoutMk cId="2974076596" sldId="2147483662"/>
-          </pc:sldLayoutMkLst>
-        </pc:sldLayoutChg>
-        <pc:sldLayoutChg chg="del">
-          <pc:chgData name="Kristofer Carta" userId="a949ead7c4bcd18f" providerId="LiveId" clId="{BDB12BE9-6248-4518-AD0A-7BEFF3A06A4A}" dt="2017-08-22T18:19:01.140" v="10" actId="2696"/>
-          <pc:sldLayoutMkLst>
-            <pc:docMk/>
-            <pc:sldMasterMk cId="1321859155" sldId="2147483660"/>
-            <pc:sldLayoutMk cId="3653884782" sldId="2147483663"/>
-          </pc:sldLayoutMkLst>
-        </pc:sldLayoutChg>
-        <pc:sldLayoutChg chg="del">
-          <pc:chgData name="Kristofer Carta" userId="a949ead7c4bcd18f" providerId="LiveId" clId="{BDB12BE9-6248-4518-AD0A-7BEFF3A06A4A}" dt="2017-08-22T18:19:01.140" v="11" actId="2696"/>
-          <pc:sldLayoutMkLst>
-            <pc:docMk/>
-            <pc:sldMasterMk cId="1321859155" sldId="2147483660"/>
-            <pc:sldLayoutMk cId="1705030098" sldId="2147483664"/>
-          </pc:sldLayoutMkLst>
-        </pc:sldLayoutChg>
-        <pc:sldLayoutChg chg="del">
-          <pc:chgData name="Kristofer Carta" userId="a949ead7c4bcd18f" providerId="LiveId" clId="{BDB12BE9-6248-4518-AD0A-7BEFF3A06A4A}" dt="2017-08-22T18:19:01.140" v="12" actId="2696"/>
-          <pc:sldLayoutMkLst>
-            <pc:docMk/>
-            <pc:sldMasterMk cId="1321859155" sldId="2147483660"/>
-            <pc:sldLayoutMk cId="2074326156" sldId="2147483665"/>
-          </pc:sldLayoutMkLst>
-        </pc:sldLayoutChg>
-        <pc:sldLayoutChg chg="del">
-          <pc:chgData name="Kristofer Carta" userId="a949ead7c4bcd18f" providerId="LiveId" clId="{BDB12BE9-6248-4518-AD0A-7BEFF3A06A4A}" dt="2017-08-22T18:19:01.140" v="13" actId="2696"/>
-          <pc:sldLayoutMkLst>
-            <pc:docMk/>
-            <pc:sldMasterMk cId="1321859155" sldId="2147483660"/>
-            <pc:sldLayoutMk cId="4242145447" sldId="2147483666"/>
-          </pc:sldLayoutMkLst>
-        </pc:sldLayoutChg>
-        <pc:sldLayoutChg chg="del">
-          <pc:chgData name="Kristofer Carta" userId="a949ead7c4bcd18f" providerId="LiveId" clId="{BDB12BE9-6248-4518-AD0A-7BEFF3A06A4A}" dt="2017-08-22T18:19:01.140" v="14" actId="2696"/>
-          <pc:sldLayoutMkLst>
-            <pc:docMk/>
-            <pc:sldMasterMk cId="1321859155" sldId="2147483660"/>
-            <pc:sldLayoutMk cId="1618508700" sldId="2147483667"/>
-          </pc:sldLayoutMkLst>
-        </pc:sldLayoutChg>
-        <pc:sldLayoutChg chg="del">
-          <pc:chgData name="Kristofer Carta" userId="a949ead7c4bcd18f" providerId="LiveId" clId="{BDB12BE9-6248-4518-AD0A-7BEFF3A06A4A}" dt="2017-08-22T18:19:01.140" v="15" actId="2696"/>
-          <pc:sldLayoutMkLst>
-            <pc:docMk/>
-            <pc:sldMasterMk cId="1321859155" sldId="2147483660"/>
-            <pc:sldLayoutMk cId="3173534071" sldId="2147483668"/>
-          </pc:sldLayoutMkLst>
-        </pc:sldLayoutChg>
-        <pc:sldLayoutChg chg="del">
-          <pc:chgData name="Kristofer Carta" userId="a949ead7c4bcd18f" providerId="LiveId" clId="{BDB12BE9-6248-4518-AD0A-7BEFF3A06A4A}" dt="2017-08-22T18:19:01.140" v="16" actId="2696"/>
-          <pc:sldLayoutMkLst>
-            <pc:docMk/>
-            <pc:sldMasterMk cId="1321859155" sldId="2147483660"/>
-            <pc:sldLayoutMk cId="3168844201" sldId="2147483669"/>
-          </pc:sldLayoutMkLst>
-        </pc:sldLayoutChg>
-        <pc:sldLayoutChg chg="del">
-          <pc:chgData name="Kristofer Carta" userId="a949ead7c4bcd18f" providerId="LiveId" clId="{BDB12BE9-6248-4518-AD0A-7BEFF3A06A4A}" dt="2017-08-22T18:19:01.140" v="17" actId="2696"/>
-          <pc:sldLayoutMkLst>
-            <pc:docMk/>
-            <pc:sldMasterMk cId="1321859155" sldId="2147483660"/>
-            <pc:sldLayoutMk cId="3964689264" sldId="2147483670"/>
-          </pc:sldLayoutMkLst>
-        </pc:sldLayoutChg>
-        <pc:sldLayoutChg chg="del">
-          <pc:chgData name="Kristofer Carta" userId="a949ead7c4bcd18f" providerId="LiveId" clId="{BDB12BE9-6248-4518-AD0A-7BEFF3A06A4A}" dt="2017-08-22T18:19:01.140" v="18" actId="2696"/>
-          <pc:sldLayoutMkLst>
-            <pc:docMk/>
-            <pc:sldMasterMk cId="1321859155" sldId="2147483660"/>
-            <pc:sldLayoutMk cId="3596709308" sldId="2147483671"/>
-          </pc:sldLayoutMkLst>
-        </pc:sldLayoutChg>
-      </pc:sldMasterChg>
     </pc:docChg>
   </pc:docChgLst>
   <pc:docChgLst>
@@ -16628,7 +16632,15 @@
           <a:p>
             <a:r>
               <a:rPr lang="en-US" dirty="0"/>
-              <a:t>Exercise 2: Troubleshooting NPP &amp; Eclipse</a:t>
+              <a:t>Exercise 2: </a:t>
+            </a:r>
+            <a:r>
+              <a:rPr lang="en-US"/>
+              <a:t>Troubleshooting Brackets </a:t>
+            </a:r>
+            <a:r>
+              <a:rPr lang="en-US" dirty="0"/>
+              <a:t>&amp; Eclipse</a:t>
             </a:r>
           </a:p>
         </p:txBody>
@@ -16667,7 +16679,7 @@
           <a:p>
             <a:r>
               <a:rPr lang="en-US" dirty="0"/>
-              <a:t>Select a new theme in Notepad++</a:t>
+              <a:t>Select a new theme in Brackets</a:t>
             </a:r>
           </a:p>
           <a:p>
@@ -16696,12 +16708,6 @@
             <a:r>
               <a:rPr lang="en-US" u="sng" dirty="0"/>
               <a:t>Advanced:</a:t>
-            </a:r>
-          </a:p>
-          <a:p>
-            <a:r>
-              <a:rPr lang="en-US" dirty="0"/>
-              <a:t>Play Tetris inside of Notepad++</a:t>
             </a:r>
           </a:p>
           <a:p>
